--- a/Bloque 4 - Creación de la UI/Taller17 - Layouts.pptx
+++ b/Bloque 4 - Creación de la UI/Taller17 - Layouts.pptx
@@ -6,11 +6,13 @@
     <p:sldMasterId id="2147483793" r:id="rId2"/>
   </p:sldMasterIdLst>
   <p:notesMasterIdLst>
-    <p:notesMasterId r:id="rId5"/>
+    <p:notesMasterId r:id="rId7"/>
   </p:notesMasterIdLst>
   <p:sldIdLst>
     <p:sldId id="291" r:id="rId3"/>
-    <p:sldId id="282" r:id="rId4"/>
+    <p:sldId id="2147469518" r:id="rId4"/>
+    <p:sldId id="295" r:id="rId5"/>
+    <p:sldId id="282" r:id="rId6"/>
   </p:sldIdLst>
   <p:sldSz cx="12192000" cy="6858000"/>
   <p:notesSz cx="6858000" cy="9144000"/>
@@ -3449,7 +3451,7 @@
           <a:p>
             <a:fld id="{A334C884-B1D7-A043-A4AA-521744755A4B}" type="datetimeFigureOut">
               <a:rPr lang="en-US" smtClean="0"/>
-              <a:t>4/2/2022</a:t>
+              <a:t>5/15/2022</a:t>
             </a:fld>
             <a:endParaRPr lang="en-US"/>
           </a:p>
@@ -3766,6 +3768,90 @@
       </p:sp>
       <p:sp>
         <p:nvSpPr>
+          <p:cNvPr id="4" name="Slide Number Placeholder 3"/>
+          <p:cNvSpPr>
+            <a:spLocks noGrp="1"/>
+          </p:cNvSpPr>
+          <p:nvPr>
+            <p:ph type="sldNum" sz="quarter" idx="10"/>
+          </p:nvPr>
+        </p:nvSpPr>
+        <p:spPr/>
+        <p:txBody>
+          <a:bodyPr/>
+          <a:lstStyle/>
+          <a:p>
+            <a:fld id="{9A022845-941E-7C42-8070-12AD873FCE1E}" type="slidenum">
+              <a:rPr lang="en-US" smtClean="0"/>
+              <a:t>3</a:t>
+            </a:fld>
+            <a:endParaRPr lang="en-US"/>
+          </a:p>
+        </p:txBody>
+      </p:sp>
+    </p:spTree>
+    <p:extLst>
+      <p:ext uri="{BB962C8B-B14F-4D97-AF65-F5344CB8AC3E}">
+        <p14:creationId xmlns:p14="http://schemas.microsoft.com/office/powerpoint/2010/main" val="1848604429"/>
+      </p:ext>
+    </p:extLst>
+  </p:cSld>
+  <p:clrMapOvr>
+    <a:masterClrMapping/>
+  </p:clrMapOvr>
+</p:notes>
+</file>
+
+<file path=ppt/notesSlides/notesSlide2.xml><?xml version="1.0" encoding="utf-8"?>
+<p:notes xmlns:a="http://schemas.openxmlformats.org/drawingml/2006/main" xmlns:r="http://schemas.openxmlformats.org/officeDocument/2006/relationships" xmlns:p="http://schemas.openxmlformats.org/presentationml/2006/main">
+  <p:cSld>
+    <p:spTree>
+      <p:nvGrpSpPr>
+        <p:cNvPr id="1" name=""/>
+        <p:cNvGrpSpPr/>
+        <p:nvPr/>
+      </p:nvGrpSpPr>
+      <p:grpSpPr>
+        <a:xfrm>
+          <a:off x="0" y="0"/>
+          <a:ext cx="0" cy="0"/>
+          <a:chOff x="0" y="0"/>
+          <a:chExt cx="0" cy="0"/>
+        </a:xfrm>
+      </p:grpSpPr>
+      <p:sp>
+        <p:nvSpPr>
+          <p:cNvPr id="2" name="Slide Image Placeholder 1"/>
+          <p:cNvSpPr>
+            <a:spLocks noGrp="1" noRot="1" noChangeAspect="1"/>
+          </p:cNvSpPr>
+          <p:nvPr>
+            <p:ph type="sldImg"/>
+          </p:nvPr>
+        </p:nvSpPr>
+        <p:spPr/>
+      </p:sp>
+      <p:sp>
+        <p:nvSpPr>
+          <p:cNvPr id="3" name="Notes Placeholder 2"/>
+          <p:cNvSpPr>
+            <a:spLocks noGrp="1"/>
+          </p:cNvSpPr>
+          <p:nvPr>
+            <p:ph type="body" idx="1"/>
+          </p:nvPr>
+        </p:nvSpPr>
+        <p:spPr/>
+        <p:txBody>
+          <a:bodyPr/>
+          <a:lstStyle/>
+          <a:p>
+            <a:endParaRPr lang="en-US" dirty="0"/>
+          </a:p>
+        </p:txBody>
+      </p:sp>
+      <p:sp>
+        <p:nvSpPr>
           <p:cNvPr id="4" name="Footer Placeholder 3"/>
           <p:cNvSpPr>
             <a:spLocks noGrp="1"/>
@@ -3835,7 +3921,7 @@
           <a:p>
             <a:fld id="{E74353ED-ACB2-44BF-A903-985B0AF962B7}" type="datetime1">
               <a:rPr lang="en-US" smtClean="0"/>
-              <a:t>4/2/2022</a:t>
+              <a:t>5/15/2022</a:t>
             </a:fld>
             <a:endParaRPr lang="en-US" dirty="0"/>
           </a:p>
@@ -3859,7 +3945,7 @@
             <a:fld id="{B4008EB6-D09E-4580-8CD6-DDB14511944F}" type="slidenum">
               <a:rPr lang="en-US" smtClean="0"/>
               <a:pPr/>
-              <a:t>2</a:t>
+              <a:t>4</a:t>
             </a:fld>
             <a:endParaRPr lang="en-US" dirty="0"/>
           </a:p>
@@ -6411,6 +6497,62 @@
 </file>
 
 <file path=ppt/slideLayouts/slideLayout16.xml><?xml version="1.0" encoding="utf-8"?>
+<p:sldLayout xmlns:a="http://schemas.openxmlformats.org/drawingml/2006/main" xmlns:r="http://schemas.openxmlformats.org/officeDocument/2006/relationships" xmlns:p="http://schemas.openxmlformats.org/presentationml/2006/main" userDrawn="1">
+  <p:cSld name="Title Only">
+    <p:spTree>
+      <p:nvGrpSpPr>
+        <p:cNvPr id="1" name=""/>
+        <p:cNvGrpSpPr/>
+        <p:nvPr/>
+      </p:nvGrpSpPr>
+      <p:grpSpPr>
+        <a:xfrm>
+          <a:off x="0" y="0"/>
+          <a:ext cx="0" cy="0"/>
+          <a:chOff x="0" y="0"/>
+          <a:chExt cx="0" cy="0"/>
+        </a:xfrm>
+      </p:grpSpPr>
+      <p:sp>
+        <p:nvSpPr>
+          <p:cNvPr id="2" name="Title 1"/>
+          <p:cNvSpPr>
+            <a:spLocks noGrp="1"/>
+          </p:cNvSpPr>
+          <p:nvPr>
+            <p:ph type="title"/>
+          </p:nvPr>
+        </p:nvSpPr>
+        <p:spPr/>
+        <p:txBody>
+          <a:bodyPr/>
+          <a:lstStyle/>
+          <a:p>
+            <a:r>
+              <a:rPr lang="en-US"/>
+              <a:t>Click to edit Master title style</a:t>
+            </a:r>
+            <a:endParaRPr lang="en-US" dirty="0"/>
+          </a:p>
+        </p:txBody>
+      </p:sp>
+    </p:spTree>
+    <p:extLst>
+      <p:ext uri="{BB962C8B-B14F-4D97-AF65-F5344CB8AC3E}">
+        <p14:creationId xmlns:p14="http://schemas.microsoft.com/office/powerpoint/2010/main" val="3937177410"/>
+      </p:ext>
+    </p:extLst>
+  </p:cSld>
+  <p:clrMapOvr>
+    <a:masterClrMapping/>
+  </p:clrMapOvr>
+  <p:transition>
+    <p:fade/>
+  </p:transition>
+</p:sldLayout>
+</file>
+
+<file path=ppt/slideLayouts/slideLayout17.xml><?xml version="1.0" encoding="utf-8"?>
 <p:sldLayout xmlns:a="http://schemas.openxmlformats.org/drawingml/2006/main" xmlns:r="http://schemas.openxmlformats.org/officeDocument/2006/relationships" xmlns:p="http://schemas.openxmlformats.org/presentationml/2006/main" type="title" preserve="1">
   <p:cSld name="Title Slide">
     <p:spTree>
@@ -6557,7 +6699,7 @@
           <a:p>
             <a:fld id="{0A627400-D089-7447-864B-77479EBD4214}" type="datetimeFigureOut">
               <a:rPr lang="en-US" smtClean="0"/>
-              <a:t>4/2/2022</a:t>
+              <a:t>5/15/2022</a:t>
             </a:fld>
             <a:endParaRPr lang="en-US"/>
           </a:p>
@@ -6630,7 +6772,7 @@
 </p:sldLayout>
 </file>
 
-<file path=ppt/slideLayouts/slideLayout17.xml><?xml version="1.0" encoding="utf-8"?>
+<file path=ppt/slideLayouts/slideLayout18.xml><?xml version="1.0" encoding="utf-8"?>
 <p:sldLayout xmlns:a="http://schemas.openxmlformats.org/drawingml/2006/main" xmlns:r="http://schemas.openxmlformats.org/officeDocument/2006/relationships" xmlns:p="http://schemas.openxmlformats.org/presentationml/2006/main" type="obj" preserve="1">
   <p:cSld name="Title and Content">
     <p:spTree>
@@ -6755,7 +6897,7 @@
           <a:p>
             <a:fld id="{0A627400-D089-7447-864B-77479EBD4214}" type="datetimeFigureOut">
               <a:rPr lang="en-US" smtClean="0"/>
-              <a:t>4/2/2022</a:t>
+              <a:t>5/15/2022</a:t>
             </a:fld>
             <a:endParaRPr lang="en-US"/>
           </a:p>
@@ -6828,7 +6970,7 @@
 </p:sldLayout>
 </file>
 
-<file path=ppt/slideLayouts/slideLayout18.xml><?xml version="1.0" encoding="utf-8"?>
+<file path=ppt/slideLayouts/slideLayout19.xml><?xml version="1.0" encoding="utf-8"?>
 <p:sldLayout xmlns:a="http://schemas.openxmlformats.org/drawingml/2006/main" xmlns:r="http://schemas.openxmlformats.org/officeDocument/2006/relationships" xmlns:p="http://schemas.openxmlformats.org/presentationml/2006/main" type="secHead" preserve="1">
   <p:cSld name="Section Header">
     <p:spTree>
@@ -7030,7 +7172,7 @@
           <a:p>
             <a:fld id="{0A627400-D089-7447-864B-77479EBD4214}" type="datetimeFigureOut">
               <a:rPr lang="en-US" smtClean="0"/>
-              <a:t>4/2/2022</a:t>
+              <a:t>5/15/2022</a:t>
             </a:fld>
             <a:endParaRPr lang="en-US"/>
           </a:p>
@@ -7094,271 +7236,6 @@
     <p:extLst>
       <p:ext uri="{BB962C8B-B14F-4D97-AF65-F5344CB8AC3E}">
         <p14:creationId xmlns:p14="http://schemas.microsoft.com/office/powerpoint/2010/main" val="4114149147"/>
-      </p:ext>
-    </p:extLst>
-  </p:cSld>
-  <p:clrMapOvr>
-    <a:masterClrMapping/>
-  </p:clrMapOvr>
-</p:sldLayout>
-</file>
-
-<file path=ppt/slideLayouts/slideLayout19.xml><?xml version="1.0" encoding="utf-8"?>
-<p:sldLayout xmlns:a="http://schemas.openxmlformats.org/drawingml/2006/main" xmlns:r="http://schemas.openxmlformats.org/officeDocument/2006/relationships" xmlns:p="http://schemas.openxmlformats.org/presentationml/2006/main" type="twoObj" preserve="1">
-  <p:cSld name="Two Content">
-    <p:spTree>
-      <p:nvGrpSpPr>
-        <p:cNvPr id="1" name=""/>
-        <p:cNvGrpSpPr/>
-        <p:nvPr/>
-      </p:nvGrpSpPr>
-      <p:grpSpPr>
-        <a:xfrm>
-          <a:off x="0" y="0"/>
-          <a:ext cx="0" cy="0"/>
-          <a:chOff x="0" y="0"/>
-          <a:chExt cx="0" cy="0"/>
-        </a:xfrm>
-      </p:grpSpPr>
-      <p:sp>
-        <p:nvSpPr>
-          <p:cNvPr id="2" name="Title 1">
-            <a:extLst>
-              <a:ext uri="{FF2B5EF4-FFF2-40B4-BE49-F238E27FC236}">
-                <a16:creationId xmlns:a16="http://schemas.microsoft.com/office/drawing/2014/main" id="{15860501-FEE8-4A43-A887-C778D57CCB0A}"/>
-              </a:ext>
-            </a:extLst>
-          </p:cNvPr>
-          <p:cNvSpPr>
-            <a:spLocks noGrp="1"/>
-          </p:cNvSpPr>
-          <p:nvPr>
-            <p:ph type="title"/>
-          </p:nvPr>
-        </p:nvSpPr>
-        <p:spPr/>
-        <p:txBody>
-          <a:bodyPr/>
-          <a:lstStyle/>
-          <a:p>
-            <a:r>
-              <a:rPr lang="en-US"/>
-              <a:t>Click to edit Master title style</a:t>
-            </a:r>
-          </a:p>
-        </p:txBody>
-      </p:sp>
-      <p:sp>
-        <p:nvSpPr>
-          <p:cNvPr id="3" name="Content Placeholder 2">
-            <a:extLst>
-              <a:ext uri="{FF2B5EF4-FFF2-40B4-BE49-F238E27FC236}">
-                <a16:creationId xmlns:a16="http://schemas.microsoft.com/office/drawing/2014/main" id="{4DDE4D5F-58EF-5047-BAEF-694F619DB35D}"/>
-              </a:ext>
-            </a:extLst>
-          </p:cNvPr>
-          <p:cNvSpPr>
-            <a:spLocks noGrp="1"/>
-          </p:cNvSpPr>
-          <p:nvPr>
-            <p:ph sz="half" idx="1"/>
-          </p:nvPr>
-        </p:nvSpPr>
-        <p:spPr>
-          <a:xfrm>
-            <a:off x="838200" y="1825625"/>
-            <a:ext cx="5181600" cy="4351339"/>
-          </a:xfrm>
-        </p:spPr>
-        <p:txBody>
-          <a:bodyPr/>
-          <a:lstStyle/>
-          <a:p>
-            <a:pPr lvl="0"/>
-            <a:r>
-              <a:rPr lang="en-US"/>
-              <a:t>Click to edit Master text styles</a:t>
-            </a:r>
-          </a:p>
-          <a:p>
-            <a:pPr lvl="1"/>
-            <a:r>
-              <a:rPr lang="en-US"/>
-              <a:t>Second level</a:t>
-            </a:r>
-          </a:p>
-          <a:p>
-            <a:pPr lvl="2"/>
-            <a:r>
-              <a:rPr lang="en-US"/>
-              <a:t>Third level</a:t>
-            </a:r>
-          </a:p>
-          <a:p>
-            <a:pPr lvl="3"/>
-            <a:r>
-              <a:rPr lang="en-US"/>
-              <a:t>Fourth level</a:t>
-            </a:r>
-          </a:p>
-          <a:p>
-            <a:pPr lvl="4"/>
-            <a:r>
-              <a:rPr lang="en-US"/>
-              <a:t>Fifth level</a:t>
-            </a:r>
-          </a:p>
-        </p:txBody>
-      </p:sp>
-      <p:sp>
-        <p:nvSpPr>
-          <p:cNvPr id="4" name="Content Placeholder 3">
-            <a:extLst>
-              <a:ext uri="{FF2B5EF4-FFF2-40B4-BE49-F238E27FC236}">
-                <a16:creationId xmlns:a16="http://schemas.microsoft.com/office/drawing/2014/main" id="{0BB60468-267F-1F45-AAA2-30AF13763E59}"/>
-              </a:ext>
-            </a:extLst>
-          </p:cNvPr>
-          <p:cNvSpPr>
-            <a:spLocks noGrp="1"/>
-          </p:cNvSpPr>
-          <p:nvPr>
-            <p:ph sz="half" idx="2"/>
-          </p:nvPr>
-        </p:nvSpPr>
-        <p:spPr>
-          <a:xfrm>
-            <a:off x="6172200" y="1825625"/>
-            <a:ext cx="5181600" cy="4351339"/>
-          </a:xfrm>
-        </p:spPr>
-        <p:txBody>
-          <a:bodyPr/>
-          <a:lstStyle/>
-          <a:p>
-            <a:pPr lvl="0"/>
-            <a:r>
-              <a:rPr lang="en-US"/>
-              <a:t>Click to edit Master text styles</a:t>
-            </a:r>
-          </a:p>
-          <a:p>
-            <a:pPr lvl="1"/>
-            <a:r>
-              <a:rPr lang="en-US"/>
-              <a:t>Second level</a:t>
-            </a:r>
-          </a:p>
-          <a:p>
-            <a:pPr lvl="2"/>
-            <a:r>
-              <a:rPr lang="en-US"/>
-              <a:t>Third level</a:t>
-            </a:r>
-          </a:p>
-          <a:p>
-            <a:pPr lvl="3"/>
-            <a:r>
-              <a:rPr lang="en-US"/>
-              <a:t>Fourth level</a:t>
-            </a:r>
-          </a:p>
-          <a:p>
-            <a:pPr lvl="4"/>
-            <a:r>
-              <a:rPr lang="en-US"/>
-              <a:t>Fifth level</a:t>
-            </a:r>
-          </a:p>
-        </p:txBody>
-      </p:sp>
-      <p:sp>
-        <p:nvSpPr>
-          <p:cNvPr id="5" name="Date Placeholder 4">
-            <a:extLst>
-              <a:ext uri="{FF2B5EF4-FFF2-40B4-BE49-F238E27FC236}">
-                <a16:creationId xmlns:a16="http://schemas.microsoft.com/office/drawing/2014/main" id="{31138E6A-F55F-9B41-BB5F-C47771404DD5}"/>
-              </a:ext>
-            </a:extLst>
-          </p:cNvPr>
-          <p:cNvSpPr>
-            <a:spLocks noGrp="1"/>
-          </p:cNvSpPr>
-          <p:nvPr>
-            <p:ph type="dt" sz="half" idx="10"/>
-          </p:nvPr>
-        </p:nvSpPr>
-        <p:spPr/>
-        <p:txBody>
-          <a:bodyPr/>
-          <a:lstStyle/>
-          <a:p>
-            <a:fld id="{0A627400-D089-7447-864B-77479EBD4214}" type="datetimeFigureOut">
-              <a:rPr lang="en-US" smtClean="0"/>
-              <a:t>4/2/2022</a:t>
-            </a:fld>
-            <a:endParaRPr lang="en-US"/>
-          </a:p>
-        </p:txBody>
-      </p:sp>
-      <p:sp>
-        <p:nvSpPr>
-          <p:cNvPr id="6" name="Footer Placeholder 5">
-            <a:extLst>
-              <a:ext uri="{FF2B5EF4-FFF2-40B4-BE49-F238E27FC236}">
-                <a16:creationId xmlns:a16="http://schemas.microsoft.com/office/drawing/2014/main" id="{7392FE18-73E8-D64A-AB50-97C717CC840D}"/>
-              </a:ext>
-            </a:extLst>
-          </p:cNvPr>
-          <p:cNvSpPr>
-            <a:spLocks noGrp="1"/>
-          </p:cNvSpPr>
-          <p:nvPr>
-            <p:ph type="ftr" sz="quarter" idx="11"/>
-          </p:nvPr>
-        </p:nvSpPr>
-        <p:spPr/>
-        <p:txBody>
-          <a:bodyPr/>
-          <a:lstStyle/>
-          <a:p>
-            <a:endParaRPr lang="en-US"/>
-          </a:p>
-        </p:txBody>
-      </p:sp>
-      <p:sp>
-        <p:nvSpPr>
-          <p:cNvPr id="7" name="Slide Number Placeholder 6">
-            <a:extLst>
-              <a:ext uri="{FF2B5EF4-FFF2-40B4-BE49-F238E27FC236}">
-                <a16:creationId xmlns:a16="http://schemas.microsoft.com/office/drawing/2014/main" id="{331D3D61-E3AB-0747-BB3D-CFD3451A5BAB}"/>
-              </a:ext>
-            </a:extLst>
-          </p:cNvPr>
-          <p:cNvSpPr>
-            <a:spLocks noGrp="1"/>
-          </p:cNvSpPr>
-          <p:nvPr>
-            <p:ph type="sldNum" sz="quarter" idx="12"/>
-          </p:nvPr>
-        </p:nvSpPr>
-        <p:spPr/>
-        <p:txBody>
-          <a:bodyPr/>
-          <a:lstStyle/>
-          <a:p>
-            <a:fld id="{CDACE531-2FE7-1449-9EEA-A972806695F4}" type="slidenum">
-              <a:rPr lang="en-US" smtClean="0"/>
-              <a:t>‹#›</a:t>
-            </a:fld>
-            <a:endParaRPr lang="en-US"/>
-          </a:p>
-        </p:txBody>
-      </p:sp>
-    </p:spTree>
-    <p:extLst>
-      <p:ext uri="{BB962C8B-B14F-4D97-AF65-F5344CB8AC3E}">
-        <p14:creationId xmlns:p14="http://schemas.microsoft.com/office/powerpoint/2010/main" val="1570648668"/>
       </p:ext>
     </p:extLst>
   </p:cSld>
@@ -7569,6 +7446,271 @@
 </file>
 
 <file path=ppt/slideLayouts/slideLayout20.xml><?xml version="1.0" encoding="utf-8"?>
+<p:sldLayout xmlns:a="http://schemas.openxmlformats.org/drawingml/2006/main" xmlns:r="http://schemas.openxmlformats.org/officeDocument/2006/relationships" xmlns:p="http://schemas.openxmlformats.org/presentationml/2006/main" type="twoObj" preserve="1">
+  <p:cSld name="Two Content">
+    <p:spTree>
+      <p:nvGrpSpPr>
+        <p:cNvPr id="1" name=""/>
+        <p:cNvGrpSpPr/>
+        <p:nvPr/>
+      </p:nvGrpSpPr>
+      <p:grpSpPr>
+        <a:xfrm>
+          <a:off x="0" y="0"/>
+          <a:ext cx="0" cy="0"/>
+          <a:chOff x="0" y="0"/>
+          <a:chExt cx="0" cy="0"/>
+        </a:xfrm>
+      </p:grpSpPr>
+      <p:sp>
+        <p:nvSpPr>
+          <p:cNvPr id="2" name="Title 1">
+            <a:extLst>
+              <a:ext uri="{FF2B5EF4-FFF2-40B4-BE49-F238E27FC236}">
+                <a16:creationId xmlns:a16="http://schemas.microsoft.com/office/drawing/2014/main" id="{15860501-FEE8-4A43-A887-C778D57CCB0A}"/>
+              </a:ext>
+            </a:extLst>
+          </p:cNvPr>
+          <p:cNvSpPr>
+            <a:spLocks noGrp="1"/>
+          </p:cNvSpPr>
+          <p:nvPr>
+            <p:ph type="title"/>
+          </p:nvPr>
+        </p:nvSpPr>
+        <p:spPr/>
+        <p:txBody>
+          <a:bodyPr/>
+          <a:lstStyle/>
+          <a:p>
+            <a:r>
+              <a:rPr lang="en-US"/>
+              <a:t>Click to edit Master title style</a:t>
+            </a:r>
+          </a:p>
+        </p:txBody>
+      </p:sp>
+      <p:sp>
+        <p:nvSpPr>
+          <p:cNvPr id="3" name="Content Placeholder 2">
+            <a:extLst>
+              <a:ext uri="{FF2B5EF4-FFF2-40B4-BE49-F238E27FC236}">
+                <a16:creationId xmlns:a16="http://schemas.microsoft.com/office/drawing/2014/main" id="{4DDE4D5F-58EF-5047-BAEF-694F619DB35D}"/>
+              </a:ext>
+            </a:extLst>
+          </p:cNvPr>
+          <p:cNvSpPr>
+            <a:spLocks noGrp="1"/>
+          </p:cNvSpPr>
+          <p:nvPr>
+            <p:ph sz="half" idx="1"/>
+          </p:nvPr>
+        </p:nvSpPr>
+        <p:spPr>
+          <a:xfrm>
+            <a:off x="838200" y="1825625"/>
+            <a:ext cx="5181600" cy="4351339"/>
+          </a:xfrm>
+        </p:spPr>
+        <p:txBody>
+          <a:bodyPr/>
+          <a:lstStyle/>
+          <a:p>
+            <a:pPr lvl="0"/>
+            <a:r>
+              <a:rPr lang="en-US"/>
+              <a:t>Click to edit Master text styles</a:t>
+            </a:r>
+          </a:p>
+          <a:p>
+            <a:pPr lvl="1"/>
+            <a:r>
+              <a:rPr lang="en-US"/>
+              <a:t>Second level</a:t>
+            </a:r>
+          </a:p>
+          <a:p>
+            <a:pPr lvl="2"/>
+            <a:r>
+              <a:rPr lang="en-US"/>
+              <a:t>Third level</a:t>
+            </a:r>
+          </a:p>
+          <a:p>
+            <a:pPr lvl="3"/>
+            <a:r>
+              <a:rPr lang="en-US"/>
+              <a:t>Fourth level</a:t>
+            </a:r>
+          </a:p>
+          <a:p>
+            <a:pPr lvl="4"/>
+            <a:r>
+              <a:rPr lang="en-US"/>
+              <a:t>Fifth level</a:t>
+            </a:r>
+          </a:p>
+        </p:txBody>
+      </p:sp>
+      <p:sp>
+        <p:nvSpPr>
+          <p:cNvPr id="4" name="Content Placeholder 3">
+            <a:extLst>
+              <a:ext uri="{FF2B5EF4-FFF2-40B4-BE49-F238E27FC236}">
+                <a16:creationId xmlns:a16="http://schemas.microsoft.com/office/drawing/2014/main" id="{0BB60468-267F-1F45-AAA2-30AF13763E59}"/>
+              </a:ext>
+            </a:extLst>
+          </p:cNvPr>
+          <p:cNvSpPr>
+            <a:spLocks noGrp="1"/>
+          </p:cNvSpPr>
+          <p:nvPr>
+            <p:ph sz="half" idx="2"/>
+          </p:nvPr>
+        </p:nvSpPr>
+        <p:spPr>
+          <a:xfrm>
+            <a:off x="6172200" y="1825625"/>
+            <a:ext cx="5181600" cy="4351339"/>
+          </a:xfrm>
+        </p:spPr>
+        <p:txBody>
+          <a:bodyPr/>
+          <a:lstStyle/>
+          <a:p>
+            <a:pPr lvl="0"/>
+            <a:r>
+              <a:rPr lang="en-US"/>
+              <a:t>Click to edit Master text styles</a:t>
+            </a:r>
+          </a:p>
+          <a:p>
+            <a:pPr lvl="1"/>
+            <a:r>
+              <a:rPr lang="en-US"/>
+              <a:t>Second level</a:t>
+            </a:r>
+          </a:p>
+          <a:p>
+            <a:pPr lvl="2"/>
+            <a:r>
+              <a:rPr lang="en-US"/>
+              <a:t>Third level</a:t>
+            </a:r>
+          </a:p>
+          <a:p>
+            <a:pPr lvl="3"/>
+            <a:r>
+              <a:rPr lang="en-US"/>
+              <a:t>Fourth level</a:t>
+            </a:r>
+          </a:p>
+          <a:p>
+            <a:pPr lvl="4"/>
+            <a:r>
+              <a:rPr lang="en-US"/>
+              <a:t>Fifth level</a:t>
+            </a:r>
+          </a:p>
+        </p:txBody>
+      </p:sp>
+      <p:sp>
+        <p:nvSpPr>
+          <p:cNvPr id="5" name="Date Placeholder 4">
+            <a:extLst>
+              <a:ext uri="{FF2B5EF4-FFF2-40B4-BE49-F238E27FC236}">
+                <a16:creationId xmlns:a16="http://schemas.microsoft.com/office/drawing/2014/main" id="{31138E6A-F55F-9B41-BB5F-C47771404DD5}"/>
+              </a:ext>
+            </a:extLst>
+          </p:cNvPr>
+          <p:cNvSpPr>
+            <a:spLocks noGrp="1"/>
+          </p:cNvSpPr>
+          <p:nvPr>
+            <p:ph type="dt" sz="half" idx="10"/>
+          </p:nvPr>
+        </p:nvSpPr>
+        <p:spPr/>
+        <p:txBody>
+          <a:bodyPr/>
+          <a:lstStyle/>
+          <a:p>
+            <a:fld id="{0A627400-D089-7447-864B-77479EBD4214}" type="datetimeFigureOut">
+              <a:rPr lang="en-US" smtClean="0"/>
+              <a:t>5/15/2022</a:t>
+            </a:fld>
+            <a:endParaRPr lang="en-US"/>
+          </a:p>
+        </p:txBody>
+      </p:sp>
+      <p:sp>
+        <p:nvSpPr>
+          <p:cNvPr id="6" name="Footer Placeholder 5">
+            <a:extLst>
+              <a:ext uri="{FF2B5EF4-FFF2-40B4-BE49-F238E27FC236}">
+                <a16:creationId xmlns:a16="http://schemas.microsoft.com/office/drawing/2014/main" id="{7392FE18-73E8-D64A-AB50-97C717CC840D}"/>
+              </a:ext>
+            </a:extLst>
+          </p:cNvPr>
+          <p:cNvSpPr>
+            <a:spLocks noGrp="1"/>
+          </p:cNvSpPr>
+          <p:nvPr>
+            <p:ph type="ftr" sz="quarter" idx="11"/>
+          </p:nvPr>
+        </p:nvSpPr>
+        <p:spPr/>
+        <p:txBody>
+          <a:bodyPr/>
+          <a:lstStyle/>
+          <a:p>
+            <a:endParaRPr lang="en-US"/>
+          </a:p>
+        </p:txBody>
+      </p:sp>
+      <p:sp>
+        <p:nvSpPr>
+          <p:cNvPr id="7" name="Slide Number Placeholder 6">
+            <a:extLst>
+              <a:ext uri="{FF2B5EF4-FFF2-40B4-BE49-F238E27FC236}">
+                <a16:creationId xmlns:a16="http://schemas.microsoft.com/office/drawing/2014/main" id="{331D3D61-E3AB-0747-BB3D-CFD3451A5BAB}"/>
+              </a:ext>
+            </a:extLst>
+          </p:cNvPr>
+          <p:cNvSpPr>
+            <a:spLocks noGrp="1"/>
+          </p:cNvSpPr>
+          <p:nvPr>
+            <p:ph type="sldNum" sz="quarter" idx="12"/>
+          </p:nvPr>
+        </p:nvSpPr>
+        <p:spPr/>
+        <p:txBody>
+          <a:bodyPr/>
+          <a:lstStyle/>
+          <a:p>
+            <a:fld id="{CDACE531-2FE7-1449-9EEA-A972806695F4}" type="slidenum">
+              <a:rPr lang="en-US" smtClean="0"/>
+              <a:t>‹#›</a:t>
+            </a:fld>
+            <a:endParaRPr lang="en-US"/>
+          </a:p>
+        </p:txBody>
+      </p:sp>
+    </p:spTree>
+    <p:extLst>
+      <p:ext uri="{BB962C8B-B14F-4D97-AF65-F5344CB8AC3E}">
+        <p14:creationId xmlns:p14="http://schemas.microsoft.com/office/powerpoint/2010/main" val="1570648668"/>
+      </p:ext>
+    </p:extLst>
+  </p:cSld>
+  <p:clrMapOvr>
+    <a:masterClrMapping/>
+  </p:clrMapOvr>
+</p:sldLayout>
+</file>
+
+<file path=ppt/slideLayouts/slideLayout21.xml><?xml version="1.0" encoding="utf-8"?>
 <p:sldLayout xmlns:a="http://schemas.openxmlformats.org/drawingml/2006/main" xmlns:r="http://schemas.openxmlformats.org/officeDocument/2006/relationships" xmlns:p="http://schemas.openxmlformats.org/presentationml/2006/main" type="twoTxTwoObj" preserve="1">
   <p:cSld name="Comparison">
     <p:spTree>
@@ -7907,7 +8049,7 @@
           <a:p>
             <a:fld id="{0A627400-D089-7447-864B-77479EBD4214}" type="datetimeFigureOut">
               <a:rPr lang="en-US" smtClean="0"/>
-              <a:t>4/2/2022</a:t>
+              <a:t>5/15/2022</a:t>
             </a:fld>
             <a:endParaRPr lang="en-US"/>
           </a:p>
@@ -7980,7 +8122,7 @@
 </p:sldLayout>
 </file>
 
-<file path=ppt/slideLayouts/slideLayout21.xml><?xml version="1.0" encoding="utf-8"?>
+<file path=ppt/slideLayouts/slideLayout22.xml><?xml version="1.0" encoding="utf-8"?>
 <p:sldLayout xmlns:a="http://schemas.openxmlformats.org/drawingml/2006/main" xmlns:r="http://schemas.openxmlformats.org/officeDocument/2006/relationships" xmlns:p="http://schemas.openxmlformats.org/presentationml/2006/main" type="obj" preserve="1">
   <p:cSld name="Code Sample">
     <p:spTree>
@@ -8113,7 +8255,7 @@
           <a:p>
             <a:fld id="{0A627400-D089-7447-864B-77479EBD4214}" type="datetimeFigureOut">
               <a:rPr lang="en-US" smtClean="0"/>
-              <a:t>4/2/2022</a:t>
+              <a:t>5/15/2022</a:t>
             </a:fld>
             <a:endParaRPr lang="en-US"/>
           </a:p>
@@ -8186,7 +8328,7 @@
 </p:sldLayout>
 </file>
 
-<file path=ppt/slideLayouts/slideLayout22.xml><?xml version="1.0" encoding="utf-8"?>
+<file path=ppt/slideLayouts/slideLayout23.xml><?xml version="1.0" encoding="utf-8"?>
 <p:sldLayout xmlns:a="http://schemas.openxmlformats.org/drawingml/2006/main" xmlns:r="http://schemas.openxmlformats.org/officeDocument/2006/relationships" xmlns:p="http://schemas.openxmlformats.org/presentationml/2006/main" preserve="1" userDrawn="1">
   <p:cSld name="Progress">
     <p:spTree>
@@ -8255,7 +8397,7 @@
             <a:fld id="{0A627400-D089-7447-864B-77479EBD4214}" type="datetimeFigureOut">
               <a:rPr lang="en-US" smtClean="0"/>
               <a:pPr/>
-              <a:t>4/2/2022</a:t>
+              <a:t>5/15/2022</a:t>
             </a:fld>
             <a:endParaRPr lang="en-US"/>
           </a:p>
@@ -8351,7 +8493,7 @@
 </p:sldLayout>
 </file>
 
-<file path=ppt/slideLayouts/slideLayout23.xml><?xml version="1.0" encoding="utf-8"?>
+<file path=ppt/slideLayouts/slideLayout24.xml><?xml version="1.0" encoding="utf-8"?>
 <p:sldLayout xmlns:a="http://schemas.openxmlformats.org/drawingml/2006/main" xmlns:r="http://schemas.openxmlformats.org/officeDocument/2006/relationships" xmlns:p="http://schemas.openxmlformats.org/presentationml/2006/main" type="titleOnly" preserve="1">
   <p:cSld name="Title Only">
     <p:spTree>
@@ -8419,7 +8561,7 @@
           <a:p>
             <a:fld id="{0A627400-D089-7447-864B-77479EBD4214}" type="datetimeFigureOut">
               <a:rPr lang="en-US" smtClean="0"/>
-              <a:t>4/2/2022</a:t>
+              <a:t>5/15/2022</a:t>
             </a:fld>
             <a:endParaRPr lang="en-US"/>
           </a:p>
@@ -8492,7 +8634,7 @@
 </p:sldLayout>
 </file>
 
-<file path=ppt/slideLayouts/slideLayout24.xml><?xml version="1.0" encoding="utf-8"?>
+<file path=ppt/slideLayouts/slideLayout25.xml><?xml version="1.0" encoding="utf-8"?>
 <p:sldLayout xmlns:a="http://schemas.openxmlformats.org/drawingml/2006/main" xmlns:r="http://schemas.openxmlformats.org/officeDocument/2006/relationships" xmlns:p="http://schemas.openxmlformats.org/presentationml/2006/main" type="blank" preserve="1">
   <p:cSld name="Blank">
     <p:spTree>
@@ -8532,7 +8674,7 @@
           <a:p>
             <a:fld id="{0A627400-D089-7447-864B-77479EBD4214}" type="datetimeFigureOut">
               <a:rPr lang="en-US" smtClean="0"/>
-              <a:t>4/2/2022</a:t>
+              <a:t>5/15/2022</a:t>
             </a:fld>
             <a:endParaRPr lang="en-US"/>
           </a:p>
@@ -8605,7 +8747,7 @@
 </p:sldLayout>
 </file>
 
-<file path=ppt/slideLayouts/slideLayout25.xml><?xml version="1.0" encoding="utf-8"?>
+<file path=ppt/slideLayouts/slideLayout26.xml><?xml version="1.0" encoding="utf-8"?>
 <p:sldLayout xmlns:a="http://schemas.openxmlformats.org/drawingml/2006/main" xmlns:r="http://schemas.openxmlformats.org/officeDocument/2006/relationships" xmlns:p="http://schemas.openxmlformats.org/presentationml/2006/main" type="objTx" preserve="1">
   <p:cSld name="Content with Caption">
     <p:spTree>
@@ -8843,7 +8985,7 @@
           <a:p>
             <a:fld id="{0A627400-D089-7447-864B-77479EBD4214}" type="datetimeFigureOut">
               <a:rPr lang="en-US" smtClean="0"/>
-              <a:t>4/2/2022</a:t>
+              <a:t>5/15/2022</a:t>
             </a:fld>
             <a:endParaRPr lang="en-US"/>
           </a:p>
@@ -8916,7 +9058,7 @@
 </p:sldLayout>
 </file>
 
-<file path=ppt/slideLayouts/slideLayout26.xml><?xml version="1.0" encoding="utf-8"?>
+<file path=ppt/slideLayouts/slideLayout27.xml><?xml version="1.0" encoding="utf-8"?>
 <p:sldLayout xmlns:a="http://schemas.openxmlformats.org/drawingml/2006/main" xmlns:r="http://schemas.openxmlformats.org/officeDocument/2006/relationships" xmlns:p="http://schemas.openxmlformats.org/presentationml/2006/main" type="picTx" preserve="1">
   <p:cSld name="Picture with Caption">
     <p:spTree>
@@ -9131,7 +9273,7 @@
           <a:p>
             <a:fld id="{0A627400-D089-7447-864B-77479EBD4214}" type="datetimeFigureOut">
               <a:rPr lang="en-US" smtClean="0"/>
-              <a:t>4/2/2022</a:t>
+              <a:t>5/15/2022</a:t>
             </a:fld>
             <a:endParaRPr lang="en-US"/>
           </a:p>
@@ -9204,7 +9346,7 @@
 </p:sldLayout>
 </file>
 
-<file path=ppt/slideLayouts/slideLayout27.xml><?xml version="1.0" encoding="utf-8"?>
+<file path=ppt/slideLayouts/slideLayout28.xml><?xml version="1.0" encoding="utf-8"?>
 <p:sldLayout xmlns:a="http://schemas.openxmlformats.org/drawingml/2006/main" xmlns:r="http://schemas.openxmlformats.org/officeDocument/2006/relationships" xmlns:p="http://schemas.openxmlformats.org/presentationml/2006/main" userDrawn="1">
   <p:cSld name="White Background">
     <p:spTree>
@@ -9337,7 +9479,7 @@
 </p:sldLayout>
 </file>
 
-<file path=ppt/slideLayouts/slideLayout28.xml><?xml version="1.0" encoding="utf-8"?>
+<file path=ppt/slideLayouts/slideLayout29.xml><?xml version="1.0" encoding="utf-8"?>
 <p:sldLayout xmlns:a="http://schemas.openxmlformats.org/drawingml/2006/main" xmlns:r="http://schemas.openxmlformats.org/officeDocument/2006/relationships" xmlns:p="http://schemas.openxmlformats.org/presentationml/2006/main" preserve="1" userDrawn="1">
   <p:cSld name="Blank Layout">
     <p:spTree>
@@ -10678,7 +10820,7 @@
           <p:nvPr userDrawn="1"/>
         </p:nvPicPr>
         <p:blipFill>
-          <a:blip r:embed="rId17"/>
+          <a:blip r:embed="rId18"/>
           <a:stretch>
             <a:fillRect/>
           </a:stretch>
@@ -10717,6 +10859,7 @@
     <p:sldLayoutId id="2147483676" r:id="rId13"/>
     <p:sldLayoutId id="2147483678" r:id="rId14"/>
     <p:sldLayoutId id="2147483679" r:id="rId15"/>
+    <p:sldLayoutId id="2147483809" r:id="rId16"/>
   </p:sldLayoutIdLst>
   <p:transition>
     <p:fade/>
@@ -11383,7 +11526,7 @@
             <a:fld id="{0A627400-D089-7447-864B-77479EBD4214}" type="datetimeFigureOut">
               <a:rPr lang="en-US" smtClean="0"/>
               <a:pPr/>
-              <a:t>4/2/2022</a:t>
+              <a:t>5/15/2022</a:t>
             </a:fld>
             <a:endParaRPr lang="en-US"/>
           </a:p>
@@ -12112,6 +12255,188 @@
 </file>
 
 <file path=ppt/slides/slide2.xml><?xml version="1.0" encoding="utf-8"?>
+<p:sld xmlns:a="http://schemas.openxmlformats.org/drawingml/2006/main" xmlns:r="http://schemas.openxmlformats.org/officeDocument/2006/relationships" xmlns:p="http://schemas.openxmlformats.org/presentationml/2006/main">
+  <p:cSld>
+    <p:spTree>
+      <p:nvGrpSpPr>
+        <p:cNvPr id="1" name=""/>
+        <p:cNvGrpSpPr/>
+        <p:nvPr/>
+      </p:nvGrpSpPr>
+      <p:grpSpPr>
+        <a:xfrm>
+          <a:off x="0" y="0"/>
+          <a:ext cx="0" cy="0"/>
+          <a:chOff x="0" y="0"/>
+          <a:chExt cx="0" cy="0"/>
+        </a:xfrm>
+      </p:grpSpPr>
+      <p:sp>
+        <p:nvSpPr>
+          <p:cNvPr id="3" name="Title 2">
+            <a:extLst>
+              <a:ext uri="{FF2B5EF4-FFF2-40B4-BE49-F238E27FC236}">
+                <a16:creationId xmlns:a16="http://schemas.microsoft.com/office/drawing/2014/main" id="{652E2BA4-9FC0-4828-A940-3704183398DF}"/>
+              </a:ext>
+            </a:extLst>
+          </p:cNvPr>
+          <p:cNvSpPr>
+            <a:spLocks noGrp="1"/>
+          </p:cNvSpPr>
+          <p:nvPr>
+            <p:ph type="title"/>
+          </p:nvPr>
+        </p:nvSpPr>
+        <p:spPr/>
+        <p:txBody>
+          <a:bodyPr/>
+          <a:lstStyle/>
+          <a:p>
+            <a:r>
+              <a:rPr lang="es-ES" sz="7200" dirty="0" err="1">
+                <a:solidFill>
+                  <a:schemeClr val="bg1"/>
+                </a:solidFill>
+              </a:rPr>
+              <a:t>Layouts</a:t>
+            </a:r>
+            <a:endParaRPr lang="en-US" sz="7200" dirty="0">
+              <a:solidFill>
+                <a:schemeClr val="bg1"/>
+              </a:solidFill>
+            </a:endParaRPr>
+          </a:p>
+        </p:txBody>
+      </p:sp>
+    </p:spTree>
+    <p:extLst>
+      <p:ext uri="{BB962C8B-B14F-4D97-AF65-F5344CB8AC3E}">
+        <p14:creationId xmlns:p14="http://schemas.microsoft.com/office/powerpoint/2010/main" val="970838278"/>
+      </p:ext>
+    </p:extLst>
+  </p:cSld>
+  <p:clrMapOvr>
+    <a:masterClrMapping/>
+  </p:clrMapOvr>
+  <p:transition spd="med"/>
+</p:sld>
+</file>
+
+<file path=ppt/slides/slide3.xml><?xml version="1.0" encoding="utf-8"?>
+<p:sld xmlns:a="http://schemas.openxmlformats.org/drawingml/2006/main" xmlns:r="http://schemas.openxmlformats.org/officeDocument/2006/relationships" xmlns:p="http://schemas.openxmlformats.org/presentationml/2006/main">
+  <p:cSld>
+    <p:spTree>
+      <p:nvGrpSpPr>
+        <p:cNvPr id="1" name=""/>
+        <p:cNvGrpSpPr/>
+        <p:nvPr/>
+      </p:nvGrpSpPr>
+      <p:grpSpPr>
+        <a:xfrm>
+          <a:off x="0" y="0"/>
+          <a:ext cx="0" cy="0"/>
+          <a:chOff x="0" y="0"/>
+          <a:chExt cx="0" cy="0"/>
+        </a:xfrm>
+      </p:grpSpPr>
+      <p:sp>
+        <p:nvSpPr>
+          <p:cNvPr id="2" name="Title 1"/>
+          <p:cNvSpPr>
+            <a:spLocks noGrp="1"/>
+          </p:cNvSpPr>
+          <p:nvPr>
+            <p:ph type="title"/>
+          </p:nvPr>
+        </p:nvSpPr>
+        <p:spPr>
+          <a:xfrm>
+            <a:off x="837171" y="642306"/>
+            <a:ext cx="2166358" cy="899537"/>
+          </a:xfrm>
+        </p:spPr>
+        <p:txBody>
+          <a:bodyPr>
+            <a:noAutofit/>
+          </a:bodyPr>
+          <a:lstStyle/>
+          <a:p>
+            <a:pPr algn="r"/>
+            <a:r>
+              <a:rPr lang="en-US" dirty="0">
+                <a:solidFill>
+                  <a:schemeClr val="tx1"/>
+                </a:solidFill>
+              </a:rPr>
+              <a:t>Layouts</a:t>
+            </a:r>
+          </a:p>
+        </p:txBody>
+      </p:sp>
+      <p:pic>
+        <p:nvPicPr>
+          <p:cNvPr id="1026" name="Picture 2">
+            <a:extLst>
+              <a:ext uri="{FF2B5EF4-FFF2-40B4-BE49-F238E27FC236}">
+                <a16:creationId xmlns:a16="http://schemas.microsoft.com/office/drawing/2014/main" id="{994E5E19-7FC7-47AD-93DA-78385327341B}"/>
+              </a:ext>
+            </a:extLst>
+          </p:cNvPr>
+          <p:cNvPicPr>
+            <a:picLocks noChangeAspect="1" noChangeArrowheads="1"/>
+          </p:cNvPicPr>
+          <p:nvPr/>
+        </p:nvPicPr>
+        <p:blipFill>
+          <a:blip r:embed="rId3">
+            <a:extLst>
+              <a:ext uri="{28A0092B-C50C-407E-A947-70E740481C1C}">
+                <a14:useLocalDpi xmlns:a14="http://schemas.microsoft.com/office/drawing/2010/main" val="0"/>
+              </a:ext>
+            </a:extLst>
+          </a:blip>
+          <a:srcRect/>
+          <a:stretch>
+            <a:fillRect/>
+          </a:stretch>
+        </p:blipFill>
+        <p:spPr bwMode="auto">
+          <a:xfrm>
+            <a:off x="837171" y="1800548"/>
+            <a:ext cx="6281575" cy="4134756"/>
+          </a:xfrm>
+          <a:prstGeom prst="rect">
+            <a:avLst/>
+          </a:prstGeom>
+          <a:noFill/>
+          <a:extLst>
+            <a:ext uri="{909E8E84-426E-40DD-AFC4-6F175D3DCCD1}">
+              <a14:hiddenFill xmlns:a14="http://schemas.microsoft.com/office/drawing/2010/main">
+                <a:solidFill>
+                  <a:srgbClr val="FFFFFF"/>
+                </a:solidFill>
+              </a14:hiddenFill>
+            </a:ext>
+          </a:extLst>
+        </p:spPr>
+      </p:pic>
+    </p:spTree>
+    <p:extLst>
+      <p:ext uri="{BB962C8B-B14F-4D97-AF65-F5344CB8AC3E}">
+        <p14:creationId xmlns:p14="http://schemas.microsoft.com/office/powerpoint/2010/main" val="206719204"/>
+      </p:ext>
+    </p:extLst>
+  </p:cSld>
+  <p:clrMapOvr>
+    <a:masterClrMapping/>
+  </p:clrMapOvr>
+  <p:transition>
+    <p:fade/>
+  </p:transition>
+</p:sld>
+</file>
+
+<file path=ppt/slides/slide4.xml><?xml version="1.0" encoding="utf-8"?>
 <p:sld xmlns:a="http://schemas.openxmlformats.org/drawingml/2006/main" xmlns:r="http://schemas.openxmlformats.org/officeDocument/2006/relationships" xmlns:p="http://schemas.openxmlformats.org/presentationml/2006/main">
   <p:cSld>
     <p:spTree>

--- a/Bloque 4 - Creación de la UI/Taller17 - Layouts.pptx
+++ b/Bloque 4 - Creación de la UI/Taller17 - Layouts.pptx
@@ -6,13 +6,16 @@
     <p:sldMasterId id="2147483793" r:id="rId2"/>
   </p:sldMasterIdLst>
   <p:notesMasterIdLst>
-    <p:notesMasterId r:id="rId7"/>
+    <p:notesMasterId r:id="rId10"/>
   </p:notesMasterIdLst>
   <p:sldIdLst>
     <p:sldId id="291" r:id="rId3"/>
     <p:sldId id="2147469518" r:id="rId4"/>
     <p:sldId id="295" r:id="rId5"/>
-    <p:sldId id="282" r:id="rId6"/>
+    <p:sldId id="2147469530" r:id="rId6"/>
+    <p:sldId id="2147469529" r:id="rId7"/>
+    <p:sldId id="2147469531" r:id="rId8"/>
+    <p:sldId id="282" r:id="rId9"/>
   </p:sldIdLst>
   <p:sldSz cx="12192000" cy="6858000"/>
   <p:notesSz cx="6858000" cy="9144000"/>
@@ -3945,7 +3948,7 @@
             <a:fld id="{B4008EB6-D09E-4580-8CD6-DDB14511944F}" type="slidenum">
               <a:rPr lang="en-US" smtClean="0"/>
               <a:pPr/>
-              <a:t>4</a:t>
+              <a:t>7</a:t>
             </a:fld>
             <a:endParaRPr lang="en-US" dirty="0"/>
           </a:p>
@@ -12437,6 +12440,2782 @@
 </file>
 
 <file path=ppt/slides/slide4.xml><?xml version="1.0" encoding="utf-8"?>
+<p:sld xmlns:a="http://schemas.openxmlformats.org/drawingml/2006/main" xmlns:r="http://schemas.openxmlformats.org/officeDocument/2006/relationships" xmlns:p="http://schemas.openxmlformats.org/presentationml/2006/main">
+  <p:cSld>
+    <p:spTree>
+      <p:nvGrpSpPr>
+        <p:cNvPr id="1" name=""/>
+        <p:cNvGrpSpPr/>
+        <p:nvPr/>
+      </p:nvGrpSpPr>
+      <p:grpSpPr>
+        <a:xfrm>
+          <a:off x="0" y="0"/>
+          <a:ext cx="0" cy="0"/>
+          <a:chOff x="0" y="0"/>
+          <a:chExt cx="0" cy="0"/>
+        </a:xfrm>
+      </p:grpSpPr>
+      <p:sp>
+        <p:nvSpPr>
+          <p:cNvPr id="3" name="Title 2">
+            <a:extLst>
+              <a:ext uri="{FF2B5EF4-FFF2-40B4-BE49-F238E27FC236}">
+                <a16:creationId xmlns:a16="http://schemas.microsoft.com/office/drawing/2014/main" id="{652E2BA4-9FC0-4828-A940-3704183398DF}"/>
+              </a:ext>
+            </a:extLst>
+          </p:cNvPr>
+          <p:cNvSpPr>
+            <a:spLocks noGrp="1"/>
+          </p:cNvSpPr>
+          <p:nvPr>
+            <p:ph type="title"/>
+          </p:nvPr>
+        </p:nvSpPr>
+        <p:spPr/>
+        <p:txBody>
+          <a:bodyPr/>
+          <a:lstStyle/>
+          <a:p>
+            <a:r>
+              <a:rPr lang="es-ES" sz="7200" dirty="0" err="1">
+                <a:solidFill>
+                  <a:schemeClr val="bg1"/>
+                </a:solidFill>
+              </a:rPr>
+              <a:t>StackLayout</a:t>
+            </a:r>
+            <a:endParaRPr lang="en-US" sz="7200" dirty="0">
+              <a:solidFill>
+                <a:schemeClr val="bg1"/>
+              </a:solidFill>
+            </a:endParaRPr>
+          </a:p>
+        </p:txBody>
+      </p:sp>
+    </p:spTree>
+    <p:extLst>
+      <p:ext uri="{BB962C8B-B14F-4D97-AF65-F5344CB8AC3E}">
+        <p14:creationId xmlns:p14="http://schemas.microsoft.com/office/powerpoint/2010/main" val="3772753256"/>
+      </p:ext>
+    </p:extLst>
+  </p:cSld>
+  <p:clrMapOvr>
+    <a:masterClrMapping/>
+  </p:clrMapOvr>
+  <p:transition spd="med"/>
+</p:sld>
+</file>
+
+<file path=ppt/slides/slide5.xml><?xml version="1.0" encoding="utf-8"?>
+<p:sld xmlns:a="http://schemas.openxmlformats.org/drawingml/2006/main" xmlns:r="http://schemas.openxmlformats.org/officeDocument/2006/relationships" xmlns:p="http://schemas.openxmlformats.org/presentationml/2006/main">
+  <p:cSld>
+    <p:spTree>
+      <p:nvGrpSpPr>
+        <p:cNvPr id="1" name=""/>
+        <p:cNvGrpSpPr/>
+        <p:nvPr/>
+      </p:nvGrpSpPr>
+      <p:grpSpPr>
+        <a:xfrm>
+          <a:off x="0" y="0"/>
+          <a:ext cx="0" cy="0"/>
+          <a:chOff x="0" y="0"/>
+          <a:chExt cx="0" cy="0"/>
+        </a:xfrm>
+      </p:grpSpPr>
+      <p:sp>
+        <p:nvSpPr>
+          <p:cNvPr id="5" name="Title 1">
+            <a:extLst>
+              <a:ext uri="{FF2B5EF4-FFF2-40B4-BE49-F238E27FC236}">
+                <a16:creationId xmlns:a16="http://schemas.microsoft.com/office/drawing/2014/main" id="{01388D49-B47C-45BB-B53B-F6092580BE6E}"/>
+              </a:ext>
+            </a:extLst>
+          </p:cNvPr>
+          <p:cNvSpPr>
+            <a:spLocks noGrp="1"/>
+          </p:cNvSpPr>
+          <p:nvPr>
+            <p:ph type="title"/>
+          </p:nvPr>
+        </p:nvSpPr>
+        <p:spPr>
+          <a:xfrm>
+            <a:off x="457200" y="1123122"/>
+            <a:ext cx="7706412" cy="591378"/>
+          </a:xfrm>
+        </p:spPr>
+        <p:txBody>
+          <a:bodyPr>
+            <a:noAutofit/>
+          </a:bodyPr>
+          <a:lstStyle/>
+          <a:p>
+            <a:r>
+              <a:rPr lang="es-ES" sz="3200" dirty="0" err="1">
+                <a:latin typeface="Segoe UI Semibold"/>
+                <a:cs typeface="Segoe UI Semibold"/>
+              </a:rPr>
+              <a:t>StackLayout</a:t>
+            </a:r>
+            <a:endParaRPr lang="en-US" sz="3200" dirty="0"/>
+          </a:p>
+        </p:txBody>
+      </p:sp>
+      <p:sp>
+        <p:nvSpPr>
+          <p:cNvPr id="6" name="Content Placeholder 2">
+            <a:extLst>
+              <a:ext uri="{FF2B5EF4-FFF2-40B4-BE49-F238E27FC236}">
+                <a16:creationId xmlns:a16="http://schemas.microsoft.com/office/drawing/2014/main" id="{AC81F8B9-8203-4DB3-932F-AB15DF79780D}"/>
+              </a:ext>
+            </a:extLst>
+          </p:cNvPr>
+          <p:cNvSpPr txBox="1">
+            <a:spLocks/>
+          </p:cNvSpPr>
+          <p:nvPr/>
+        </p:nvSpPr>
+        <p:spPr>
+          <a:xfrm>
+            <a:off x="457200" y="2142642"/>
+            <a:ext cx="11222610" cy="4145036"/>
+          </a:xfrm>
+          <a:prstGeom prst="rect">
+            <a:avLst/>
+          </a:prstGeom>
+        </p:spPr>
+        <p:txBody>
+          <a:bodyPr vert="horz" lIns="91440" tIns="45720" rIns="91440" bIns="45720" rtlCol="0" anchor="t">
+            <a:noAutofit/>
+          </a:bodyPr>
+          <a:lstStyle>
+            <a:lvl1pPr marL="336145" marR="0" indent="-336145" algn="l" defTabSz="914367" rtl="0" eaLnBrk="1" fontAlgn="auto" latinLnBrk="0" hangingPunct="1">
+              <a:lnSpc>
+                <a:spcPct val="90000"/>
+              </a:lnSpc>
+              <a:spcBef>
+                <a:spcPct val="20000"/>
+              </a:spcBef>
+              <a:spcAft>
+                <a:spcPts val="0"/>
+              </a:spcAft>
+              <a:buClrTx/>
+              <a:buSzPct val="90000"/>
+              <a:buFont typeface="Arial" pitchFamily="34" charset="0"/>
+              <a:buChar char="•"/>
+              <a:tabLst/>
+              <a:defRPr sz="3921" kern="1200" spc="0" baseline="0">
+                <a:gradFill>
+                  <a:gsLst>
+                    <a:gs pos="1250">
+                      <a:schemeClr val="tx1"/>
+                    </a:gs>
+                    <a:gs pos="100000">
+                      <a:schemeClr val="tx1"/>
+                    </a:gs>
+                  </a:gsLst>
+                  <a:lin ang="5400000" scaled="0"/>
+                </a:gradFill>
+                <a:latin typeface="+mj-lt"/>
+                <a:ea typeface="+mn-ea"/>
+                <a:cs typeface="+mn-cs"/>
+              </a:defRPr>
+            </a:lvl1pPr>
+            <a:lvl2pPr marL="572691" marR="0" indent="-236546" algn="l" defTabSz="914367" rtl="0" eaLnBrk="1" fontAlgn="auto" latinLnBrk="0" hangingPunct="1">
+              <a:lnSpc>
+                <a:spcPct val="90000"/>
+              </a:lnSpc>
+              <a:spcBef>
+                <a:spcPct val="20000"/>
+              </a:spcBef>
+              <a:spcAft>
+                <a:spcPts val="0"/>
+              </a:spcAft>
+              <a:buClrTx/>
+              <a:buSzPct val="90000"/>
+              <a:buFont typeface="Arial" pitchFamily="34" charset="0"/>
+              <a:buChar char="•"/>
+              <a:tabLst/>
+              <a:defRPr sz="2353" kern="1200" spc="0" baseline="0">
+                <a:gradFill>
+                  <a:gsLst>
+                    <a:gs pos="1250">
+                      <a:schemeClr val="tx1"/>
+                    </a:gs>
+                    <a:gs pos="100000">
+                      <a:schemeClr val="tx1"/>
+                    </a:gs>
+                  </a:gsLst>
+                  <a:lin ang="5400000" scaled="0"/>
+                </a:gradFill>
+                <a:latin typeface="+mn-lt"/>
+                <a:ea typeface="+mn-ea"/>
+                <a:cs typeface="+mn-cs"/>
+              </a:defRPr>
+            </a:lvl2pPr>
+            <a:lvl3pPr marL="784338" marR="0" indent="-224097" algn="l" defTabSz="914367" rtl="0" eaLnBrk="1" fontAlgn="auto" latinLnBrk="0" hangingPunct="1">
+              <a:lnSpc>
+                <a:spcPct val="90000"/>
+              </a:lnSpc>
+              <a:spcBef>
+                <a:spcPct val="20000"/>
+              </a:spcBef>
+              <a:spcAft>
+                <a:spcPts val="0"/>
+              </a:spcAft>
+              <a:buClrTx/>
+              <a:buSzPct val="90000"/>
+              <a:buFont typeface="Arial" pitchFamily="34" charset="0"/>
+              <a:buChar char="•"/>
+              <a:tabLst/>
+              <a:defRPr sz="1961" kern="1200" spc="0" baseline="0">
+                <a:gradFill>
+                  <a:gsLst>
+                    <a:gs pos="1250">
+                      <a:schemeClr val="tx1"/>
+                    </a:gs>
+                    <a:gs pos="100000">
+                      <a:schemeClr val="tx1"/>
+                    </a:gs>
+                  </a:gsLst>
+                  <a:lin ang="5400000" scaled="0"/>
+                </a:gradFill>
+                <a:latin typeface="+mn-lt"/>
+                <a:ea typeface="+mn-ea"/>
+                <a:cs typeface="+mn-cs"/>
+              </a:defRPr>
+            </a:lvl3pPr>
+            <a:lvl4pPr marL="1008435" marR="0" indent="-224097" algn="l" defTabSz="914367" rtl="0" eaLnBrk="1" fontAlgn="auto" latinLnBrk="0" hangingPunct="1">
+              <a:lnSpc>
+                <a:spcPct val="90000"/>
+              </a:lnSpc>
+              <a:spcBef>
+                <a:spcPct val="20000"/>
+              </a:spcBef>
+              <a:spcAft>
+                <a:spcPts val="0"/>
+              </a:spcAft>
+              <a:buClrTx/>
+              <a:buSzPct val="90000"/>
+              <a:buFont typeface="Arial" pitchFamily="34" charset="0"/>
+              <a:buChar char="•"/>
+              <a:tabLst/>
+              <a:defRPr sz="1765" kern="1200" spc="0" baseline="0">
+                <a:gradFill>
+                  <a:gsLst>
+                    <a:gs pos="1250">
+                      <a:schemeClr val="tx1"/>
+                    </a:gs>
+                    <a:gs pos="100000">
+                      <a:schemeClr val="tx1"/>
+                    </a:gs>
+                  </a:gsLst>
+                  <a:lin ang="5400000" scaled="0"/>
+                </a:gradFill>
+                <a:latin typeface="+mn-lt"/>
+                <a:ea typeface="+mn-ea"/>
+                <a:cs typeface="+mn-cs"/>
+              </a:defRPr>
+            </a:lvl4pPr>
+            <a:lvl5pPr marL="1232531" marR="0" indent="-224097" algn="l" defTabSz="914367" rtl="0" eaLnBrk="1" fontAlgn="auto" latinLnBrk="0" hangingPunct="1">
+              <a:lnSpc>
+                <a:spcPct val="90000"/>
+              </a:lnSpc>
+              <a:spcBef>
+                <a:spcPct val="20000"/>
+              </a:spcBef>
+              <a:spcAft>
+                <a:spcPts val="0"/>
+              </a:spcAft>
+              <a:buClrTx/>
+              <a:buSzPct val="90000"/>
+              <a:buFont typeface="Arial" pitchFamily="34" charset="0"/>
+              <a:buChar char="•"/>
+              <a:tabLst/>
+              <a:defRPr sz="1765" kern="1200" spc="0" baseline="0">
+                <a:gradFill>
+                  <a:gsLst>
+                    <a:gs pos="1250">
+                      <a:schemeClr val="tx1"/>
+                    </a:gs>
+                    <a:gs pos="100000">
+                      <a:schemeClr val="tx1"/>
+                    </a:gs>
+                  </a:gsLst>
+                  <a:lin ang="5400000" scaled="0"/>
+                </a:gradFill>
+                <a:latin typeface="+mn-lt"/>
+                <a:ea typeface="+mn-ea"/>
+                <a:cs typeface="+mn-cs"/>
+              </a:defRPr>
+            </a:lvl5pPr>
+            <a:lvl6pPr marL="2514509" indent="-228592" algn="l" defTabSz="914367" rtl="0" eaLnBrk="1" latinLnBrk="0" hangingPunct="1">
+              <a:spcBef>
+                <a:spcPct val="20000"/>
+              </a:spcBef>
+              <a:buFont typeface="Arial" pitchFamily="34" charset="0"/>
+              <a:buChar char="•"/>
+              <a:defRPr sz="1961" kern="1200">
+                <a:solidFill>
+                  <a:schemeClr val="tx1"/>
+                </a:solidFill>
+                <a:latin typeface="+mn-lt"/>
+                <a:ea typeface="+mn-ea"/>
+                <a:cs typeface="+mn-cs"/>
+              </a:defRPr>
+            </a:lvl6pPr>
+            <a:lvl7pPr marL="2971693" indent="-228592" algn="l" defTabSz="914367" rtl="0" eaLnBrk="1" latinLnBrk="0" hangingPunct="1">
+              <a:spcBef>
+                <a:spcPct val="20000"/>
+              </a:spcBef>
+              <a:buFont typeface="Arial" pitchFamily="34" charset="0"/>
+              <a:buChar char="•"/>
+              <a:defRPr sz="1961" kern="1200">
+                <a:solidFill>
+                  <a:schemeClr val="tx1"/>
+                </a:solidFill>
+                <a:latin typeface="+mn-lt"/>
+                <a:ea typeface="+mn-ea"/>
+                <a:cs typeface="+mn-cs"/>
+              </a:defRPr>
+            </a:lvl7pPr>
+            <a:lvl8pPr marL="3428877" indent="-228592" algn="l" defTabSz="914367" rtl="0" eaLnBrk="1" latinLnBrk="0" hangingPunct="1">
+              <a:spcBef>
+                <a:spcPct val="20000"/>
+              </a:spcBef>
+              <a:buFont typeface="Arial" pitchFamily="34" charset="0"/>
+              <a:buChar char="•"/>
+              <a:defRPr sz="1961" kern="1200">
+                <a:solidFill>
+                  <a:schemeClr val="tx1"/>
+                </a:solidFill>
+                <a:latin typeface="+mn-lt"/>
+                <a:ea typeface="+mn-ea"/>
+                <a:cs typeface="+mn-cs"/>
+              </a:defRPr>
+            </a:lvl8pPr>
+            <a:lvl9pPr marL="3886061" indent="-228592" algn="l" defTabSz="914367" rtl="0" eaLnBrk="1" latinLnBrk="0" hangingPunct="1">
+              <a:spcBef>
+                <a:spcPct val="20000"/>
+              </a:spcBef>
+              <a:buFont typeface="Arial" pitchFamily="34" charset="0"/>
+              <a:buChar char="•"/>
+              <a:defRPr sz="1961" kern="1200">
+                <a:solidFill>
+                  <a:schemeClr val="tx1"/>
+                </a:solidFill>
+                <a:latin typeface="+mn-lt"/>
+                <a:ea typeface="+mn-ea"/>
+                <a:cs typeface="+mn-cs"/>
+              </a:defRPr>
+            </a:lvl9pPr>
+          </a:lstStyle>
+          <a:p>
+            <a:pPr marL="0" indent="0" algn="l">
+              <a:buNone/>
+            </a:pPr>
+            <a:r>
+              <a:rPr lang="es-ES" sz="1800" b="0" i="0" dirty="0" err="1">
+                <a:solidFill>
+                  <a:srgbClr val="171717"/>
+                </a:solidFill>
+                <a:effectLst/>
+                <a:latin typeface="Segoe UI" panose="020B0502040204020203" pitchFamily="34" charset="0"/>
+              </a:rPr>
+              <a:t>StackLayout</a:t>
+            </a:r>
+            <a:r>
+              <a:rPr lang="es-ES" sz="1800" b="0" i="0" dirty="0">
+                <a:solidFill>
+                  <a:srgbClr val="171717"/>
+                </a:solidFill>
+                <a:effectLst/>
+                <a:latin typeface="Segoe UI" panose="020B0502040204020203" pitchFamily="34" charset="0"/>
+              </a:rPr>
+              <a:t> organiza las vistas secundarias en una pila unidimensional, ya sea horizontal o verticalmente. De forma predeterminada, las vistas </a:t>
+            </a:r>
+            <a:r>
+              <a:rPr lang="es-ES" sz="1800" b="0" i="0" dirty="0" err="1">
+                <a:solidFill>
+                  <a:srgbClr val="171717"/>
+                </a:solidFill>
+                <a:effectLst/>
+                <a:latin typeface="Segoe UI" panose="020B0502040204020203" pitchFamily="34" charset="0"/>
+              </a:rPr>
+              <a:t>StackLayout</a:t>
+            </a:r>
+            <a:r>
+              <a:rPr lang="es-ES" sz="1800" b="0" i="0" dirty="0">
+                <a:solidFill>
+                  <a:srgbClr val="171717"/>
+                </a:solidFill>
+                <a:effectLst/>
+                <a:latin typeface="Segoe UI" panose="020B0502040204020203" pitchFamily="34" charset="0"/>
+              </a:rPr>
+              <a:t> están orientadas verticalmente. </a:t>
+            </a:r>
+            <a:endParaRPr lang="es-ES" sz="1800" b="0" dirty="0">
+              <a:solidFill>
+                <a:srgbClr val="171717"/>
+              </a:solidFill>
+              <a:effectLst/>
+              <a:latin typeface="Segoe UI" panose="020B0502040204020203" pitchFamily="34" charset="0"/>
+            </a:endParaRPr>
+          </a:p>
+        </p:txBody>
+      </p:sp>
+      <p:sp>
+        <p:nvSpPr>
+          <p:cNvPr id="7" name="TextBox 6">
+            <a:extLst>
+              <a:ext uri="{FF2B5EF4-FFF2-40B4-BE49-F238E27FC236}">
+                <a16:creationId xmlns:a16="http://schemas.microsoft.com/office/drawing/2014/main" id="{7C96B88B-8A7B-47FD-9806-91E2EFB00206}"/>
+              </a:ext>
+            </a:extLst>
+          </p:cNvPr>
+          <p:cNvSpPr txBox="1"/>
+          <p:nvPr/>
+        </p:nvSpPr>
+        <p:spPr>
+          <a:xfrm>
+            <a:off x="512190" y="2849327"/>
+            <a:ext cx="6537488" cy="2862322"/>
+          </a:xfrm>
+          <a:prstGeom prst="rect">
+            <a:avLst/>
+          </a:prstGeom>
+          <a:noFill/>
+        </p:spPr>
+        <p:txBody>
+          <a:bodyPr wrap="square">
+            <a:spAutoFit/>
+          </a:bodyPr>
+          <a:lstStyle/>
+          <a:p>
+            <a:r>
+              <a:rPr lang="en-US" b="0" i="0" dirty="0">
+                <a:solidFill>
+                  <a:srgbClr val="0101FD"/>
+                </a:solidFill>
+                <a:effectLst/>
+                <a:latin typeface="SFMono-Regular"/>
+              </a:rPr>
+              <a:t>&lt;</a:t>
+            </a:r>
+            <a:r>
+              <a:rPr lang="en-US" b="0" i="0" dirty="0" err="1">
+                <a:solidFill>
+                  <a:srgbClr val="0101FD"/>
+                </a:solidFill>
+                <a:effectLst/>
+                <a:latin typeface="SFMono-Regular"/>
+              </a:rPr>
+              <a:t>StackLayout</a:t>
+            </a:r>
+            <a:r>
+              <a:rPr lang="en-US" b="0" i="0" dirty="0">
+                <a:solidFill>
+                  <a:srgbClr val="0101FD"/>
+                </a:solidFill>
+                <a:effectLst/>
+                <a:latin typeface="SFMono-Regular"/>
+              </a:rPr>
+              <a:t> </a:t>
+            </a:r>
+            <a:r>
+              <a:rPr lang="en-US" b="0" i="0" dirty="0">
+                <a:solidFill>
+                  <a:srgbClr val="0451A5"/>
+                </a:solidFill>
+                <a:effectLst/>
+                <a:latin typeface="SFMono-Regular"/>
+              </a:rPr>
+              <a:t>Margin</a:t>
+            </a:r>
+            <a:r>
+              <a:rPr lang="en-US" b="0" i="0" dirty="0">
+                <a:solidFill>
+                  <a:srgbClr val="0101FD"/>
+                </a:solidFill>
+                <a:effectLst/>
+                <a:latin typeface="SFMono-Regular"/>
+              </a:rPr>
+              <a:t>=</a:t>
+            </a:r>
+            <a:r>
+              <a:rPr lang="en-US" b="0" i="0" dirty="0">
+                <a:solidFill>
+                  <a:srgbClr val="A31515"/>
+                </a:solidFill>
+                <a:effectLst/>
+                <a:latin typeface="SFMono-Regular"/>
+              </a:rPr>
+              <a:t>"20"</a:t>
+            </a:r>
+            <a:r>
+              <a:rPr lang="en-US" b="0" i="0" dirty="0">
+                <a:solidFill>
+                  <a:srgbClr val="0101FD"/>
+                </a:solidFill>
+                <a:effectLst/>
+                <a:latin typeface="SFMono-Regular"/>
+              </a:rPr>
+              <a:t>&gt;</a:t>
+            </a:r>
+          </a:p>
+          <a:p>
+            <a:r>
+              <a:rPr lang="en-US" b="0" i="0" dirty="0">
+                <a:solidFill>
+                  <a:srgbClr val="0101FD"/>
+                </a:solidFill>
+                <a:effectLst/>
+                <a:latin typeface="SFMono-Regular"/>
+              </a:rPr>
+              <a:t>&lt;Label </a:t>
+            </a:r>
+            <a:r>
+              <a:rPr lang="en-US" b="0" i="0" dirty="0">
+                <a:solidFill>
+                  <a:srgbClr val="0451A5"/>
+                </a:solidFill>
+                <a:effectLst/>
+                <a:latin typeface="SFMono-Regular"/>
+              </a:rPr>
+              <a:t>Text</a:t>
+            </a:r>
+            <a:r>
+              <a:rPr lang="en-US" b="0" i="0" dirty="0">
+                <a:solidFill>
+                  <a:srgbClr val="0101FD"/>
+                </a:solidFill>
+                <a:effectLst/>
+                <a:latin typeface="SFMono-Regular"/>
+              </a:rPr>
+              <a:t>=</a:t>
+            </a:r>
+            <a:r>
+              <a:rPr lang="en-US" b="0" i="0" dirty="0">
+                <a:solidFill>
+                  <a:srgbClr val="A31515"/>
+                </a:solidFill>
+                <a:effectLst/>
+                <a:latin typeface="SFMono-Regular"/>
+              </a:rPr>
+              <a:t>"Primary colors"</a:t>
+            </a:r>
+            <a:r>
+              <a:rPr lang="en-US" b="0" i="0" dirty="0">
+                <a:solidFill>
+                  <a:srgbClr val="0101FD"/>
+                </a:solidFill>
+                <a:effectLst/>
+                <a:latin typeface="SFMono-Regular"/>
+              </a:rPr>
+              <a:t> /&gt;</a:t>
+            </a:r>
+            <a:r>
+              <a:rPr lang="en-US" b="0" i="0" dirty="0">
+                <a:solidFill>
+                  <a:srgbClr val="171717"/>
+                </a:solidFill>
+                <a:effectLst/>
+                <a:latin typeface="SFMono-Regular"/>
+              </a:rPr>
+              <a:t> </a:t>
+            </a:r>
+          </a:p>
+          <a:p>
+            <a:r>
+              <a:rPr lang="en-US" b="0" i="0" dirty="0">
+                <a:solidFill>
+                  <a:srgbClr val="0101FD"/>
+                </a:solidFill>
+                <a:effectLst/>
+                <a:latin typeface="SFMono-Regular"/>
+              </a:rPr>
+              <a:t>&lt;</a:t>
+            </a:r>
+            <a:r>
+              <a:rPr lang="en-US" b="0" i="0" dirty="0" err="1">
+                <a:solidFill>
+                  <a:srgbClr val="0101FD"/>
+                </a:solidFill>
+                <a:effectLst/>
+                <a:latin typeface="SFMono-Regular"/>
+              </a:rPr>
+              <a:t>BoxView</a:t>
+            </a:r>
+            <a:r>
+              <a:rPr lang="en-US" b="0" i="0" dirty="0">
+                <a:solidFill>
+                  <a:srgbClr val="0101FD"/>
+                </a:solidFill>
+                <a:effectLst/>
+                <a:latin typeface="SFMono-Regular"/>
+              </a:rPr>
+              <a:t> </a:t>
+            </a:r>
+            <a:r>
+              <a:rPr lang="en-US" b="0" i="0" dirty="0">
+                <a:solidFill>
+                  <a:srgbClr val="0451A5"/>
+                </a:solidFill>
+                <a:effectLst/>
+                <a:latin typeface="SFMono-Regular"/>
+              </a:rPr>
+              <a:t>Color</a:t>
+            </a:r>
+            <a:r>
+              <a:rPr lang="en-US" b="0" i="0" dirty="0">
+                <a:solidFill>
+                  <a:srgbClr val="0101FD"/>
+                </a:solidFill>
+                <a:effectLst/>
+                <a:latin typeface="SFMono-Regular"/>
+              </a:rPr>
+              <a:t>=</a:t>
+            </a:r>
+            <a:r>
+              <a:rPr lang="en-US" b="0" i="0" dirty="0">
+                <a:solidFill>
+                  <a:srgbClr val="A31515"/>
+                </a:solidFill>
+                <a:effectLst/>
+                <a:latin typeface="SFMono-Regular"/>
+              </a:rPr>
+              <a:t>"Red"</a:t>
+            </a:r>
+            <a:r>
+              <a:rPr lang="en-US" b="0" i="0" dirty="0">
+                <a:solidFill>
+                  <a:srgbClr val="0101FD"/>
+                </a:solidFill>
+                <a:effectLst/>
+                <a:latin typeface="SFMono-Regular"/>
+              </a:rPr>
+              <a:t> </a:t>
+            </a:r>
+            <a:r>
+              <a:rPr lang="en-US" b="0" i="0" dirty="0" err="1">
+                <a:solidFill>
+                  <a:srgbClr val="0451A5"/>
+                </a:solidFill>
+                <a:effectLst/>
+                <a:latin typeface="SFMono-Regular"/>
+              </a:rPr>
+              <a:t>HeightRequest</a:t>
+            </a:r>
+            <a:r>
+              <a:rPr lang="en-US" b="0" i="0" dirty="0">
+                <a:solidFill>
+                  <a:srgbClr val="0101FD"/>
+                </a:solidFill>
+                <a:effectLst/>
+                <a:latin typeface="SFMono-Regular"/>
+              </a:rPr>
+              <a:t>=</a:t>
+            </a:r>
+            <a:r>
+              <a:rPr lang="en-US" b="0" i="0" dirty="0">
+                <a:solidFill>
+                  <a:srgbClr val="A31515"/>
+                </a:solidFill>
+                <a:effectLst/>
+                <a:latin typeface="SFMono-Regular"/>
+              </a:rPr>
+              <a:t>"40"</a:t>
+            </a:r>
+            <a:r>
+              <a:rPr lang="en-US" b="0" i="0" dirty="0">
+                <a:solidFill>
+                  <a:srgbClr val="0101FD"/>
+                </a:solidFill>
+                <a:effectLst/>
+                <a:latin typeface="SFMono-Regular"/>
+              </a:rPr>
+              <a:t> /&gt;</a:t>
+            </a:r>
+            <a:endParaRPr lang="en-US" dirty="0">
+              <a:solidFill>
+                <a:srgbClr val="171717"/>
+              </a:solidFill>
+              <a:latin typeface="SFMono-Regular"/>
+            </a:endParaRPr>
+          </a:p>
+          <a:p>
+            <a:r>
+              <a:rPr lang="en-US" b="0" i="0" dirty="0">
+                <a:solidFill>
+                  <a:srgbClr val="0101FD"/>
+                </a:solidFill>
+                <a:effectLst/>
+                <a:latin typeface="SFMono-Regular"/>
+              </a:rPr>
+              <a:t>&lt;</a:t>
+            </a:r>
+            <a:r>
+              <a:rPr lang="en-US" b="0" i="0" dirty="0" err="1">
+                <a:solidFill>
+                  <a:srgbClr val="0101FD"/>
+                </a:solidFill>
+                <a:effectLst/>
+                <a:latin typeface="SFMono-Regular"/>
+              </a:rPr>
+              <a:t>BoxView</a:t>
+            </a:r>
+            <a:r>
+              <a:rPr lang="en-US" b="0" i="0" dirty="0">
+                <a:solidFill>
+                  <a:srgbClr val="0101FD"/>
+                </a:solidFill>
+                <a:effectLst/>
+                <a:latin typeface="SFMono-Regular"/>
+              </a:rPr>
+              <a:t> </a:t>
+            </a:r>
+            <a:r>
+              <a:rPr lang="en-US" b="0" i="0" dirty="0">
+                <a:solidFill>
+                  <a:srgbClr val="0451A5"/>
+                </a:solidFill>
+                <a:effectLst/>
+                <a:latin typeface="SFMono-Regular"/>
+              </a:rPr>
+              <a:t>Color</a:t>
+            </a:r>
+            <a:r>
+              <a:rPr lang="en-US" b="0" i="0" dirty="0">
+                <a:solidFill>
+                  <a:srgbClr val="0101FD"/>
+                </a:solidFill>
+                <a:effectLst/>
+                <a:latin typeface="SFMono-Regular"/>
+              </a:rPr>
+              <a:t>=</a:t>
+            </a:r>
+            <a:r>
+              <a:rPr lang="en-US" b="0" i="0" dirty="0">
+                <a:solidFill>
+                  <a:srgbClr val="A31515"/>
+                </a:solidFill>
+                <a:effectLst/>
+                <a:latin typeface="SFMono-Regular"/>
+              </a:rPr>
+              <a:t>"Yellow"</a:t>
+            </a:r>
+            <a:r>
+              <a:rPr lang="en-US" b="0" i="0" dirty="0">
+                <a:solidFill>
+                  <a:srgbClr val="0101FD"/>
+                </a:solidFill>
+                <a:effectLst/>
+                <a:latin typeface="SFMono-Regular"/>
+              </a:rPr>
+              <a:t> </a:t>
+            </a:r>
+            <a:r>
+              <a:rPr lang="en-US" b="0" i="0" dirty="0" err="1">
+                <a:solidFill>
+                  <a:srgbClr val="0451A5"/>
+                </a:solidFill>
+                <a:effectLst/>
+                <a:latin typeface="SFMono-Regular"/>
+              </a:rPr>
+              <a:t>HeightRequest</a:t>
+            </a:r>
+            <a:r>
+              <a:rPr lang="en-US" b="0" i="0" dirty="0">
+                <a:solidFill>
+                  <a:srgbClr val="0101FD"/>
+                </a:solidFill>
+                <a:effectLst/>
+                <a:latin typeface="SFMono-Regular"/>
+              </a:rPr>
+              <a:t>=</a:t>
+            </a:r>
+            <a:r>
+              <a:rPr lang="en-US" b="0" i="0" dirty="0">
+                <a:solidFill>
+                  <a:srgbClr val="A31515"/>
+                </a:solidFill>
+                <a:effectLst/>
+                <a:latin typeface="SFMono-Regular"/>
+              </a:rPr>
+              <a:t>"40"</a:t>
+            </a:r>
+            <a:r>
+              <a:rPr lang="en-US" b="0" i="0" dirty="0">
+                <a:solidFill>
+                  <a:srgbClr val="0101FD"/>
+                </a:solidFill>
+                <a:effectLst/>
+                <a:latin typeface="SFMono-Regular"/>
+              </a:rPr>
+              <a:t> /&gt;</a:t>
+            </a:r>
+            <a:endParaRPr lang="en-US" dirty="0">
+              <a:solidFill>
+                <a:srgbClr val="171717"/>
+              </a:solidFill>
+              <a:latin typeface="SFMono-Regular"/>
+            </a:endParaRPr>
+          </a:p>
+          <a:p>
+            <a:r>
+              <a:rPr lang="en-US" b="0" i="0" dirty="0">
+                <a:solidFill>
+                  <a:srgbClr val="0101FD"/>
+                </a:solidFill>
+                <a:effectLst/>
+                <a:latin typeface="SFMono-Regular"/>
+              </a:rPr>
+              <a:t>&lt;</a:t>
+            </a:r>
+            <a:r>
+              <a:rPr lang="en-US" b="0" i="0" dirty="0" err="1">
+                <a:solidFill>
+                  <a:srgbClr val="0101FD"/>
+                </a:solidFill>
+                <a:effectLst/>
+                <a:latin typeface="SFMono-Regular"/>
+              </a:rPr>
+              <a:t>BoxView</a:t>
+            </a:r>
+            <a:r>
+              <a:rPr lang="en-US" b="0" i="0" dirty="0">
+                <a:solidFill>
+                  <a:srgbClr val="0101FD"/>
+                </a:solidFill>
+                <a:effectLst/>
+                <a:latin typeface="SFMono-Regular"/>
+              </a:rPr>
+              <a:t> </a:t>
+            </a:r>
+            <a:r>
+              <a:rPr lang="en-US" b="0" i="0" dirty="0">
+                <a:solidFill>
+                  <a:srgbClr val="0451A5"/>
+                </a:solidFill>
+                <a:effectLst/>
+                <a:latin typeface="SFMono-Regular"/>
+              </a:rPr>
+              <a:t>Color</a:t>
+            </a:r>
+            <a:r>
+              <a:rPr lang="en-US" b="0" i="0" dirty="0">
+                <a:solidFill>
+                  <a:srgbClr val="0101FD"/>
+                </a:solidFill>
+                <a:effectLst/>
+                <a:latin typeface="SFMono-Regular"/>
+              </a:rPr>
+              <a:t>=</a:t>
+            </a:r>
+            <a:r>
+              <a:rPr lang="en-US" b="0" i="0" dirty="0">
+                <a:solidFill>
+                  <a:srgbClr val="A31515"/>
+                </a:solidFill>
+                <a:effectLst/>
+                <a:latin typeface="SFMono-Regular"/>
+              </a:rPr>
+              <a:t>"Blue"</a:t>
+            </a:r>
+            <a:r>
+              <a:rPr lang="en-US" b="0" i="0" dirty="0">
+                <a:solidFill>
+                  <a:srgbClr val="0101FD"/>
+                </a:solidFill>
+                <a:effectLst/>
+                <a:latin typeface="SFMono-Regular"/>
+              </a:rPr>
+              <a:t> </a:t>
+            </a:r>
+            <a:r>
+              <a:rPr lang="en-US" b="0" i="0" dirty="0" err="1">
+                <a:solidFill>
+                  <a:srgbClr val="0451A5"/>
+                </a:solidFill>
+                <a:effectLst/>
+                <a:latin typeface="SFMono-Regular"/>
+              </a:rPr>
+              <a:t>HeightRequest</a:t>
+            </a:r>
+            <a:r>
+              <a:rPr lang="en-US" b="0" i="0" dirty="0">
+                <a:solidFill>
+                  <a:srgbClr val="0101FD"/>
+                </a:solidFill>
+                <a:effectLst/>
+                <a:latin typeface="SFMono-Regular"/>
+              </a:rPr>
+              <a:t>=</a:t>
+            </a:r>
+            <a:r>
+              <a:rPr lang="en-US" b="0" i="0" dirty="0">
+                <a:solidFill>
+                  <a:srgbClr val="A31515"/>
+                </a:solidFill>
+                <a:effectLst/>
+                <a:latin typeface="SFMono-Regular"/>
+              </a:rPr>
+              <a:t>"40"</a:t>
+            </a:r>
+            <a:r>
+              <a:rPr lang="en-US" b="0" i="0" dirty="0">
+                <a:solidFill>
+                  <a:srgbClr val="0101FD"/>
+                </a:solidFill>
+                <a:effectLst/>
+                <a:latin typeface="SFMono-Regular"/>
+              </a:rPr>
+              <a:t> /&gt;</a:t>
+            </a:r>
+            <a:endParaRPr lang="en-US" dirty="0">
+              <a:solidFill>
+                <a:srgbClr val="171717"/>
+              </a:solidFill>
+              <a:latin typeface="SFMono-Regular"/>
+            </a:endParaRPr>
+          </a:p>
+          <a:p>
+            <a:r>
+              <a:rPr lang="en-US" b="0" i="0" dirty="0">
+                <a:solidFill>
+                  <a:srgbClr val="0101FD"/>
+                </a:solidFill>
+                <a:effectLst/>
+                <a:latin typeface="SFMono-Regular"/>
+              </a:rPr>
+              <a:t>&lt;Label </a:t>
+            </a:r>
+            <a:r>
+              <a:rPr lang="en-US" b="0" i="0" dirty="0">
+                <a:solidFill>
+                  <a:srgbClr val="0451A5"/>
+                </a:solidFill>
+                <a:effectLst/>
+                <a:latin typeface="SFMono-Regular"/>
+              </a:rPr>
+              <a:t>Text</a:t>
+            </a:r>
+            <a:r>
+              <a:rPr lang="en-US" b="0" i="0" dirty="0">
+                <a:solidFill>
+                  <a:srgbClr val="0101FD"/>
+                </a:solidFill>
+                <a:effectLst/>
+                <a:latin typeface="SFMono-Regular"/>
+              </a:rPr>
+              <a:t>=</a:t>
+            </a:r>
+            <a:r>
+              <a:rPr lang="en-US" b="0" i="0" dirty="0">
+                <a:solidFill>
+                  <a:srgbClr val="A31515"/>
+                </a:solidFill>
+                <a:effectLst/>
+                <a:latin typeface="SFMono-Regular"/>
+              </a:rPr>
+              <a:t>"Secondary colors"</a:t>
+            </a:r>
+            <a:r>
+              <a:rPr lang="en-US" b="0" i="0" dirty="0">
+                <a:solidFill>
+                  <a:srgbClr val="0101FD"/>
+                </a:solidFill>
+                <a:effectLst/>
+                <a:latin typeface="SFMono-Regular"/>
+              </a:rPr>
+              <a:t> /&gt;</a:t>
+            </a:r>
+            <a:endParaRPr lang="en-US" dirty="0">
+              <a:solidFill>
+                <a:srgbClr val="171717"/>
+              </a:solidFill>
+              <a:latin typeface="SFMono-Regular"/>
+            </a:endParaRPr>
+          </a:p>
+          <a:p>
+            <a:r>
+              <a:rPr lang="en-US" b="0" i="0" dirty="0">
+                <a:solidFill>
+                  <a:srgbClr val="0101FD"/>
+                </a:solidFill>
+                <a:effectLst/>
+                <a:latin typeface="SFMono-Regular"/>
+              </a:rPr>
+              <a:t>&lt;</a:t>
+            </a:r>
+            <a:r>
+              <a:rPr lang="en-US" b="0" i="0" dirty="0" err="1">
+                <a:solidFill>
+                  <a:srgbClr val="0101FD"/>
+                </a:solidFill>
+                <a:effectLst/>
+                <a:latin typeface="SFMono-Regular"/>
+              </a:rPr>
+              <a:t>BoxView</a:t>
+            </a:r>
+            <a:r>
+              <a:rPr lang="en-US" b="0" i="0" dirty="0">
+                <a:solidFill>
+                  <a:srgbClr val="0101FD"/>
+                </a:solidFill>
+                <a:effectLst/>
+                <a:latin typeface="SFMono-Regular"/>
+              </a:rPr>
+              <a:t> </a:t>
+            </a:r>
+            <a:r>
+              <a:rPr lang="en-US" b="0" i="0" dirty="0">
+                <a:solidFill>
+                  <a:srgbClr val="0451A5"/>
+                </a:solidFill>
+                <a:effectLst/>
+                <a:latin typeface="SFMono-Regular"/>
+              </a:rPr>
+              <a:t>Color</a:t>
+            </a:r>
+            <a:r>
+              <a:rPr lang="en-US" b="0" i="0" dirty="0">
+                <a:solidFill>
+                  <a:srgbClr val="0101FD"/>
+                </a:solidFill>
+                <a:effectLst/>
+                <a:latin typeface="SFMono-Regular"/>
+              </a:rPr>
+              <a:t>=</a:t>
+            </a:r>
+            <a:r>
+              <a:rPr lang="en-US" b="0" i="0" dirty="0">
+                <a:solidFill>
+                  <a:srgbClr val="A31515"/>
+                </a:solidFill>
+                <a:effectLst/>
+                <a:latin typeface="SFMono-Regular"/>
+              </a:rPr>
+              <a:t>"Green"</a:t>
+            </a:r>
+            <a:r>
+              <a:rPr lang="en-US" b="0" i="0" dirty="0">
+                <a:solidFill>
+                  <a:srgbClr val="0101FD"/>
+                </a:solidFill>
+                <a:effectLst/>
+                <a:latin typeface="SFMono-Regular"/>
+              </a:rPr>
+              <a:t> </a:t>
+            </a:r>
+            <a:r>
+              <a:rPr lang="en-US" b="0" i="0" dirty="0" err="1">
+                <a:solidFill>
+                  <a:srgbClr val="0451A5"/>
+                </a:solidFill>
+                <a:effectLst/>
+                <a:latin typeface="SFMono-Regular"/>
+              </a:rPr>
+              <a:t>HeightRequest</a:t>
+            </a:r>
+            <a:r>
+              <a:rPr lang="en-US" b="0" i="0" dirty="0">
+                <a:solidFill>
+                  <a:srgbClr val="0101FD"/>
+                </a:solidFill>
+                <a:effectLst/>
+                <a:latin typeface="SFMono-Regular"/>
+              </a:rPr>
+              <a:t>=</a:t>
+            </a:r>
+            <a:r>
+              <a:rPr lang="en-US" b="0" i="0" dirty="0">
+                <a:solidFill>
+                  <a:srgbClr val="A31515"/>
+                </a:solidFill>
+                <a:effectLst/>
+                <a:latin typeface="SFMono-Regular"/>
+              </a:rPr>
+              <a:t>"40"</a:t>
+            </a:r>
+            <a:r>
+              <a:rPr lang="en-US" b="0" i="0" dirty="0">
+                <a:solidFill>
+                  <a:srgbClr val="0101FD"/>
+                </a:solidFill>
+                <a:effectLst/>
+                <a:latin typeface="SFMono-Regular"/>
+              </a:rPr>
+              <a:t> /&gt;</a:t>
+            </a:r>
+            <a:endParaRPr lang="en-US" dirty="0">
+              <a:solidFill>
+                <a:srgbClr val="171717"/>
+              </a:solidFill>
+              <a:latin typeface="SFMono-Regular"/>
+            </a:endParaRPr>
+          </a:p>
+          <a:p>
+            <a:r>
+              <a:rPr lang="en-US" b="0" i="0" dirty="0">
+                <a:solidFill>
+                  <a:srgbClr val="0101FD"/>
+                </a:solidFill>
+                <a:effectLst/>
+                <a:latin typeface="SFMono-Regular"/>
+              </a:rPr>
+              <a:t>&lt;</a:t>
+            </a:r>
+            <a:r>
+              <a:rPr lang="en-US" b="0" i="0" dirty="0" err="1">
+                <a:solidFill>
+                  <a:srgbClr val="0101FD"/>
+                </a:solidFill>
+                <a:effectLst/>
+                <a:latin typeface="SFMono-Regular"/>
+              </a:rPr>
+              <a:t>BoxView</a:t>
+            </a:r>
+            <a:r>
+              <a:rPr lang="en-US" b="0" i="0" dirty="0">
+                <a:solidFill>
+                  <a:srgbClr val="0101FD"/>
+                </a:solidFill>
+                <a:effectLst/>
+                <a:latin typeface="SFMono-Regular"/>
+              </a:rPr>
+              <a:t> </a:t>
+            </a:r>
+            <a:r>
+              <a:rPr lang="en-US" b="0" i="0" dirty="0">
+                <a:solidFill>
+                  <a:srgbClr val="0451A5"/>
+                </a:solidFill>
+                <a:effectLst/>
+                <a:latin typeface="SFMono-Regular"/>
+              </a:rPr>
+              <a:t>Color</a:t>
+            </a:r>
+            <a:r>
+              <a:rPr lang="en-US" b="0" i="0" dirty="0">
+                <a:solidFill>
+                  <a:srgbClr val="0101FD"/>
+                </a:solidFill>
+                <a:effectLst/>
+                <a:latin typeface="SFMono-Regular"/>
+              </a:rPr>
+              <a:t>=</a:t>
+            </a:r>
+            <a:r>
+              <a:rPr lang="en-US" b="0" i="0" dirty="0">
+                <a:solidFill>
+                  <a:srgbClr val="A31515"/>
+                </a:solidFill>
+                <a:effectLst/>
+                <a:latin typeface="SFMono-Regular"/>
+              </a:rPr>
+              <a:t>"Orange"</a:t>
+            </a:r>
+            <a:r>
+              <a:rPr lang="en-US" b="0" i="0" dirty="0">
+                <a:solidFill>
+                  <a:srgbClr val="0101FD"/>
+                </a:solidFill>
+                <a:effectLst/>
+                <a:latin typeface="SFMono-Regular"/>
+              </a:rPr>
+              <a:t> </a:t>
+            </a:r>
+            <a:r>
+              <a:rPr lang="en-US" b="0" i="0" dirty="0" err="1">
+                <a:solidFill>
+                  <a:srgbClr val="0451A5"/>
+                </a:solidFill>
+                <a:effectLst/>
+                <a:latin typeface="SFMono-Regular"/>
+              </a:rPr>
+              <a:t>HeightRequest</a:t>
+            </a:r>
+            <a:r>
+              <a:rPr lang="en-US" b="0" i="0" dirty="0">
+                <a:solidFill>
+                  <a:srgbClr val="0101FD"/>
+                </a:solidFill>
+                <a:effectLst/>
+                <a:latin typeface="SFMono-Regular"/>
+              </a:rPr>
+              <a:t>=</a:t>
+            </a:r>
+            <a:r>
+              <a:rPr lang="en-US" b="0" i="0" dirty="0">
+                <a:solidFill>
+                  <a:srgbClr val="A31515"/>
+                </a:solidFill>
+                <a:effectLst/>
+                <a:latin typeface="SFMono-Regular"/>
+              </a:rPr>
+              <a:t>"40"</a:t>
+            </a:r>
+            <a:r>
+              <a:rPr lang="en-US" b="0" i="0" dirty="0">
+                <a:solidFill>
+                  <a:srgbClr val="0101FD"/>
+                </a:solidFill>
+                <a:effectLst/>
+                <a:latin typeface="SFMono-Regular"/>
+              </a:rPr>
+              <a:t> /&gt;</a:t>
+            </a:r>
+            <a:endParaRPr lang="en-US" dirty="0">
+              <a:solidFill>
+                <a:srgbClr val="171717"/>
+              </a:solidFill>
+              <a:latin typeface="SFMono-Regular"/>
+            </a:endParaRPr>
+          </a:p>
+          <a:p>
+            <a:r>
+              <a:rPr lang="en-US" b="0" i="0" dirty="0">
+                <a:solidFill>
+                  <a:srgbClr val="0101FD"/>
+                </a:solidFill>
+                <a:effectLst/>
+                <a:latin typeface="SFMono-Regular"/>
+              </a:rPr>
+              <a:t>&lt;</a:t>
+            </a:r>
+            <a:r>
+              <a:rPr lang="en-US" b="0" i="0" dirty="0" err="1">
+                <a:solidFill>
+                  <a:srgbClr val="0101FD"/>
+                </a:solidFill>
+                <a:effectLst/>
+                <a:latin typeface="SFMono-Regular"/>
+              </a:rPr>
+              <a:t>BoxView</a:t>
+            </a:r>
+            <a:r>
+              <a:rPr lang="en-US" b="0" i="0" dirty="0">
+                <a:solidFill>
+                  <a:srgbClr val="0101FD"/>
+                </a:solidFill>
+                <a:effectLst/>
+                <a:latin typeface="SFMono-Regular"/>
+              </a:rPr>
+              <a:t> </a:t>
+            </a:r>
+            <a:r>
+              <a:rPr lang="en-US" b="0" i="0" dirty="0">
+                <a:solidFill>
+                  <a:srgbClr val="0451A5"/>
+                </a:solidFill>
+                <a:effectLst/>
+                <a:latin typeface="SFMono-Regular"/>
+              </a:rPr>
+              <a:t>Color</a:t>
+            </a:r>
+            <a:r>
+              <a:rPr lang="en-US" b="0" i="0" dirty="0">
+                <a:solidFill>
+                  <a:srgbClr val="0101FD"/>
+                </a:solidFill>
+                <a:effectLst/>
+                <a:latin typeface="SFMono-Regular"/>
+              </a:rPr>
+              <a:t>=</a:t>
+            </a:r>
+            <a:r>
+              <a:rPr lang="en-US" b="0" i="0" dirty="0">
+                <a:solidFill>
+                  <a:srgbClr val="A31515"/>
+                </a:solidFill>
+                <a:effectLst/>
+                <a:latin typeface="SFMono-Regular"/>
+              </a:rPr>
+              <a:t>"Purple"</a:t>
+            </a:r>
+            <a:r>
+              <a:rPr lang="en-US" b="0" i="0" dirty="0">
+                <a:solidFill>
+                  <a:srgbClr val="0101FD"/>
+                </a:solidFill>
+                <a:effectLst/>
+                <a:latin typeface="SFMono-Regular"/>
+              </a:rPr>
+              <a:t> </a:t>
+            </a:r>
+            <a:r>
+              <a:rPr lang="en-US" b="0" i="0" dirty="0" err="1">
+                <a:solidFill>
+                  <a:srgbClr val="0451A5"/>
+                </a:solidFill>
+                <a:effectLst/>
+                <a:latin typeface="SFMono-Regular"/>
+              </a:rPr>
+              <a:t>HeightRequest</a:t>
+            </a:r>
+            <a:r>
+              <a:rPr lang="en-US" b="0" i="0" dirty="0">
+                <a:solidFill>
+                  <a:srgbClr val="0101FD"/>
+                </a:solidFill>
+                <a:effectLst/>
+                <a:latin typeface="SFMono-Regular"/>
+              </a:rPr>
+              <a:t>=</a:t>
+            </a:r>
+            <a:r>
+              <a:rPr lang="en-US" b="0" i="0" dirty="0">
+                <a:solidFill>
+                  <a:srgbClr val="A31515"/>
+                </a:solidFill>
+                <a:effectLst/>
+                <a:latin typeface="SFMono-Regular"/>
+              </a:rPr>
+              <a:t>"40"</a:t>
+            </a:r>
+            <a:r>
+              <a:rPr lang="en-US" b="0" i="0" dirty="0">
+                <a:solidFill>
+                  <a:srgbClr val="0101FD"/>
+                </a:solidFill>
+                <a:effectLst/>
+                <a:latin typeface="SFMono-Regular"/>
+              </a:rPr>
+              <a:t> /&gt;</a:t>
+            </a:r>
+          </a:p>
+          <a:p>
+            <a:r>
+              <a:rPr lang="en-US" b="0" i="0" dirty="0">
+                <a:solidFill>
+                  <a:srgbClr val="0101FD"/>
+                </a:solidFill>
+                <a:effectLst/>
+                <a:latin typeface="SFMono-Regular"/>
+              </a:rPr>
+              <a:t>&lt;/</a:t>
+            </a:r>
+            <a:r>
+              <a:rPr lang="en-US" b="0" i="0" dirty="0" err="1">
+                <a:solidFill>
+                  <a:srgbClr val="0101FD"/>
+                </a:solidFill>
+                <a:effectLst/>
+                <a:latin typeface="SFMono-Regular"/>
+              </a:rPr>
+              <a:t>StackLayout</a:t>
+            </a:r>
+            <a:r>
+              <a:rPr lang="en-US" b="0" i="0" dirty="0">
+                <a:solidFill>
+                  <a:srgbClr val="0101FD"/>
+                </a:solidFill>
+                <a:effectLst/>
+                <a:latin typeface="SFMono-Regular"/>
+              </a:rPr>
+              <a:t>&gt;</a:t>
+            </a:r>
+            <a:endParaRPr lang="en-US" dirty="0"/>
+          </a:p>
+        </p:txBody>
+      </p:sp>
+      <p:pic>
+        <p:nvPicPr>
+          <p:cNvPr id="4" name="Picture 3">
+            <a:extLst>
+              <a:ext uri="{FF2B5EF4-FFF2-40B4-BE49-F238E27FC236}">
+                <a16:creationId xmlns:a16="http://schemas.microsoft.com/office/drawing/2014/main" id="{07F8351D-B0B1-4A1A-9DA6-A3414EA8C6C0}"/>
+              </a:ext>
+            </a:extLst>
+          </p:cNvPr>
+          <p:cNvPicPr>
+            <a:picLocks noChangeAspect="1"/>
+          </p:cNvPicPr>
+          <p:nvPr/>
+        </p:nvPicPr>
+        <p:blipFill>
+          <a:blip r:embed="rId2"/>
+          <a:stretch>
+            <a:fillRect/>
+          </a:stretch>
+        </p:blipFill>
+        <p:spPr>
+          <a:xfrm>
+            <a:off x="8850885" y="2849327"/>
+            <a:ext cx="2828925" cy="2152650"/>
+          </a:xfrm>
+          <a:prstGeom prst="rect">
+            <a:avLst/>
+          </a:prstGeom>
+        </p:spPr>
+      </p:pic>
+    </p:spTree>
+    <p:extLst>
+      <p:ext uri="{BB962C8B-B14F-4D97-AF65-F5344CB8AC3E}">
+        <p14:creationId xmlns:p14="http://schemas.microsoft.com/office/powerpoint/2010/main" val="1068239474"/>
+      </p:ext>
+    </p:extLst>
+  </p:cSld>
+  <p:clrMapOvr>
+    <a:masterClrMapping/>
+  </p:clrMapOvr>
+  <p:transition>
+    <p:fade/>
+  </p:transition>
+</p:sld>
+</file>
+
+<file path=ppt/slides/slide6.xml><?xml version="1.0" encoding="utf-8"?>
+<p:sld xmlns:a="http://schemas.openxmlformats.org/drawingml/2006/main" xmlns:r="http://schemas.openxmlformats.org/officeDocument/2006/relationships" xmlns:p="http://schemas.openxmlformats.org/presentationml/2006/main">
+  <p:cSld>
+    <p:spTree>
+      <p:nvGrpSpPr>
+        <p:cNvPr id="1" name=""/>
+        <p:cNvGrpSpPr/>
+        <p:nvPr/>
+      </p:nvGrpSpPr>
+      <p:grpSpPr>
+        <a:xfrm>
+          <a:off x="0" y="0"/>
+          <a:ext cx="0" cy="0"/>
+          <a:chOff x="0" y="0"/>
+          <a:chExt cx="0" cy="0"/>
+        </a:xfrm>
+      </p:grpSpPr>
+      <p:sp>
+        <p:nvSpPr>
+          <p:cNvPr id="5" name="Title 1">
+            <a:extLst>
+              <a:ext uri="{FF2B5EF4-FFF2-40B4-BE49-F238E27FC236}">
+                <a16:creationId xmlns:a16="http://schemas.microsoft.com/office/drawing/2014/main" id="{01388D49-B47C-45BB-B53B-F6092580BE6E}"/>
+              </a:ext>
+            </a:extLst>
+          </p:cNvPr>
+          <p:cNvSpPr>
+            <a:spLocks noGrp="1"/>
+          </p:cNvSpPr>
+          <p:nvPr>
+            <p:ph type="title"/>
+          </p:nvPr>
+        </p:nvSpPr>
+        <p:spPr>
+          <a:xfrm>
+            <a:off x="457200" y="1123122"/>
+            <a:ext cx="7706412" cy="591378"/>
+          </a:xfrm>
+        </p:spPr>
+        <p:txBody>
+          <a:bodyPr>
+            <a:noAutofit/>
+          </a:bodyPr>
+          <a:lstStyle/>
+          <a:p>
+            <a:r>
+              <a:rPr lang="es-ES" sz="3200" dirty="0" err="1">
+                <a:latin typeface="Segoe UI Semibold"/>
+                <a:cs typeface="Segoe UI Semibold"/>
+              </a:rPr>
+              <a:t>StackLayout</a:t>
+            </a:r>
+            <a:endParaRPr lang="en-US" sz="3200" dirty="0"/>
+          </a:p>
+        </p:txBody>
+      </p:sp>
+      <p:sp>
+        <p:nvSpPr>
+          <p:cNvPr id="6" name="Content Placeholder 2">
+            <a:extLst>
+              <a:ext uri="{FF2B5EF4-FFF2-40B4-BE49-F238E27FC236}">
+                <a16:creationId xmlns:a16="http://schemas.microsoft.com/office/drawing/2014/main" id="{AC81F8B9-8203-4DB3-932F-AB15DF79780D}"/>
+              </a:ext>
+            </a:extLst>
+          </p:cNvPr>
+          <p:cNvSpPr txBox="1">
+            <a:spLocks/>
+          </p:cNvSpPr>
+          <p:nvPr/>
+        </p:nvSpPr>
+        <p:spPr>
+          <a:xfrm>
+            <a:off x="457200" y="2142642"/>
+            <a:ext cx="11222610" cy="4145036"/>
+          </a:xfrm>
+          <a:prstGeom prst="rect">
+            <a:avLst/>
+          </a:prstGeom>
+        </p:spPr>
+        <p:txBody>
+          <a:bodyPr vert="horz" lIns="91440" tIns="45720" rIns="91440" bIns="45720" rtlCol="0" anchor="t">
+            <a:noAutofit/>
+          </a:bodyPr>
+          <a:lstStyle>
+            <a:lvl1pPr marL="336145" marR="0" indent="-336145" algn="l" defTabSz="914367" rtl="0" eaLnBrk="1" fontAlgn="auto" latinLnBrk="0" hangingPunct="1">
+              <a:lnSpc>
+                <a:spcPct val="90000"/>
+              </a:lnSpc>
+              <a:spcBef>
+                <a:spcPct val="20000"/>
+              </a:spcBef>
+              <a:spcAft>
+                <a:spcPts val="0"/>
+              </a:spcAft>
+              <a:buClrTx/>
+              <a:buSzPct val="90000"/>
+              <a:buFont typeface="Arial" pitchFamily="34" charset="0"/>
+              <a:buChar char="•"/>
+              <a:tabLst/>
+              <a:defRPr sz="3921" kern="1200" spc="0" baseline="0">
+                <a:gradFill>
+                  <a:gsLst>
+                    <a:gs pos="1250">
+                      <a:schemeClr val="tx1"/>
+                    </a:gs>
+                    <a:gs pos="100000">
+                      <a:schemeClr val="tx1"/>
+                    </a:gs>
+                  </a:gsLst>
+                  <a:lin ang="5400000" scaled="0"/>
+                </a:gradFill>
+                <a:latin typeface="+mj-lt"/>
+                <a:ea typeface="+mn-ea"/>
+                <a:cs typeface="+mn-cs"/>
+              </a:defRPr>
+            </a:lvl1pPr>
+            <a:lvl2pPr marL="572691" marR="0" indent="-236546" algn="l" defTabSz="914367" rtl="0" eaLnBrk="1" fontAlgn="auto" latinLnBrk="0" hangingPunct="1">
+              <a:lnSpc>
+                <a:spcPct val="90000"/>
+              </a:lnSpc>
+              <a:spcBef>
+                <a:spcPct val="20000"/>
+              </a:spcBef>
+              <a:spcAft>
+                <a:spcPts val="0"/>
+              </a:spcAft>
+              <a:buClrTx/>
+              <a:buSzPct val="90000"/>
+              <a:buFont typeface="Arial" pitchFamily="34" charset="0"/>
+              <a:buChar char="•"/>
+              <a:tabLst/>
+              <a:defRPr sz="2353" kern="1200" spc="0" baseline="0">
+                <a:gradFill>
+                  <a:gsLst>
+                    <a:gs pos="1250">
+                      <a:schemeClr val="tx1"/>
+                    </a:gs>
+                    <a:gs pos="100000">
+                      <a:schemeClr val="tx1"/>
+                    </a:gs>
+                  </a:gsLst>
+                  <a:lin ang="5400000" scaled="0"/>
+                </a:gradFill>
+                <a:latin typeface="+mn-lt"/>
+                <a:ea typeface="+mn-ea"/>
+                <a:cs typeface="+mn-cs"/>
+              </a:defRPr>
+            </a:lvl2pPr>
+            <a:lvl3pPr marL="784338" marR="0" indent="-224097" algn="l" defTabSz="914367" rtl="0" eaLnBrk="1" fontAlgn="auto" latinLnBrk="0" hangingPunct="1">
+              <a:lnSpc>
+                <a:spcPct val="90000"/>
+              </a:lnSpc>
+              <a:spcBef>
+                <a:spcPct val="20000"/>
+              </a:spcBef>
+              <a:spcAft>
+                <a:spcPts val="0"/>
+              </a:spcAft>
+              <a:buClrTx/>
+              <a:buSzPct val="90000"/>
+              <a:buFont typeface="Arial" pitchFamily="34" charset="0"/>
+              <a:buChar char="•"/>
+              <a:tabLst/>
+              <a:defRPr sz="1961" kern="1200" spc="0" baseline="0">
+                <a:gradFill>
+                  <a:gsLst>
+                    <a:gs pos="1250">
+                      <a:schemeClr val="tx1"/>
+                    </a:gs>
+                    <a:gs pos="100000">
+                      <a:schemeClr val="tx1"/>
+                    </a:gs>
+                  </a:gsLst>
+                  <a:lin ang="5400000" scaled="0"/>
+                </a:gradFill>
+                <a:latin typeface="+mn-lt"/>
+                <a:ea typeface="+mn-ea"/>
+                <a:cs typeface="+mn-cs"/>
+              </a:defRPr>
+            </a:lvl3pPr>
+            <a:lvl4pPr marL="1008435" marR="0" indent="-224097" algn="l" defTabSz="914367" rtl="0" eaLnBrk="1" fontAlgn="auto" latinLnBrk="0" hangingPunct="1">
+              <a:lnSpc>
+                <a:spcPct val="90000"/>
+              </a:lnSpc>
+              <a:spcBef>
+                <a:spcPct val="20000"/>
+              </a:spcBef>
+              <a:spcAft>
+                <a:spcPts val="0"/>
+              </a:spcAft>
+              <a:buClrTx/>
+              <a:buSzPct val="90000"/>
+              <a:buFont typeface="Arial" pitchFamily="34" charset="0"/>
+              <a:buChar char="•"/>
+              <a:tabLst/>
+              <a:defRPr sz="1765" kern="1200" spc="0" baseline="0">
+                <a:gradFill>
+                  <a:gsLst>
+                    <a:gs pos="1250">
+                      <a:schemeClr val="tx1"/>
+                    </a:gs>
+                    <a:gs pos="100000">
+                      <a:schemeClr val="tx1"/>
+                    </a:gs>
+                  </a:gsLst>
+                  <a:lin ang="5400000" scaled="0"/>
+                </a:gradFill>
+                <a:latin typeface="+mn-lt"/>
+                <a:ea typeface="+mn-ea"/>
+                <a:cs typeface="+mn-cs"/>
+              </a:defRPr>
+            </a:lvl4pPr>
+            <a:lvl5pPr marL="1232531" marR="0" indent="-224097" algn="l" defTabSz="914367" rtl="0" eaLnBrk="1" fontAlgn="auto" latinLnBrk="0" hangingPunct="1">
+              <a:lnSpc>
+                <a:spcPct val="90000"/>
+              </a:lnSpc>
+              <a:spcBef>
+                <a:spcPct val="20000"/>
+              </a:spcBef>
+              <a:spcAft>
+                <a:spcPts val="0"/>
+              </a:spcAft>
+              <a:buClrTx/>
+              <a:buSzPct val="90000"/>
+              <a:buFont typeface="Arial" pitchFamily="34" charset="0"/>
+              <a:buChar char="•"/>
+              <a:tabLst/>
+              <a:defRPr sz="1765" kern="1200" spc="0" baseline="0">
+                <a:gradFill>
+                  <a:gsLst>
+                    <a:gs pos="1250">
+                      <a:schemeClr val="tx1"/>
+                    </a:gs>
+                    <a:gs pos="100000">
+                      <a:schemeClr val="tx1"/>
+                    </a:gs>
+                  </a:gsLst>
+                  <a:lin ang="5400000" scaled="0"/>
+                </a:gradFill>
+                <a:latin typeface="+mn-lt"/>
+                <a:ea typeface="+mn-ea"/>
+                <a:cs typeface="+mn-cs"/>
+              </a:defRPr>
+            </a:lvl5pPr>
+            <a:lvl6pPr marL="2514509" indent="-228592" algn="l" defTabSz="914367" rtl="0" eaLnBrk="1" latinLnBrk="0" hangingPunct="1">
+              <a:spcBef>
+                <a:spcPct val="20000"/>
+              </a:spcBef>
+              <a:buFont typeface="Arial" pitchFamily="34" charset="0"/>
+              <a:buChar char="•"/>
+              <a:defRPr sz="1961" kern="1200">
+                <a:solidFill>
+                  <a:schemeClr val="tx1"/>
+                </a:solidFill>
+                <a:latin typeface="+mn-lt"/>
+                <a:ea typeface="+mn-ea"/>
+                <a:cs typeface="+mn-cs"/>
+              </a:defRPr>
+            </a:lvl6pPr>
+            <a:lvl7pPr marL="2971693" indent="-228592" algn="l" defTabSz="914367" rtl="0" eaLnBrk="1" latinLnBrk="0" hangingPunct="1">
+              <a:spcBef>
+                <a:spcPct val="20000"/>
+              </a:spcBef>
+              <a:buFont typeface="Arial" pitchFamily="34" charset="0"/>
+              <a:buChar char="•"/>
+              <a:defRPr sz="1961" kern="1200">
+                <a:solidFill>
+                  <a:schemeClr val="tx1"/>
+                </a:solidFill>
+                <a:latin typeface="+mn-lt"/>
+                <a:ea typeface="+mn-ea"/>
+                <a:cs typeface="+mn-cs"/>
+              </a:defRPr>
+            </a:lvl7pPr>
+            <a:lvl8pPr marL="3428877" indent="-228592" algn="l" defTabSz="914367" rtl="0" eaLnBrk="1" latinLnBrk="0" hangingPunct="1">
+              <a:spcBef>
+                <a:spcPct val="20000"/>
+              </a:spcBef>
+              <a:buFont typeface="Arial" pitchFamily="34" charset="0"/>
+              <a:buChar char="•"/>
+              <a:defRPr sz="1961" kern="1200">
+                <a:solidFill>
+                  <a:schemeClr val="tx1"/>
+                </a:solidFill>
+                <a:latin typeface="+mn-lt"/>
+                <a:ea typeface="+mn-ea"/>
+                <a:cs typeface="+mn-cs"/>
+              </a:defRPr>
+            </a:lvl8pPr>
+            <a:lvl9pPr marL="3886061" indent="-228592" algn="l" defTabSz="914367" rtl="0" eaLnBrk="1" latinLnBrk="0" hangingPunct="1">
+              <a:spcBef>
+                <a:spcPct val="20000"/>
+              </a:spcBef>
+              <a:buFont typeface="Arial" pitchFamily="34" charset="0"/>
+              <a:buChar char="•"/>
+              <a:defRPr sz="1961" kern="1200">
+                <a:solidFill>
+                  <a:schemeClr val="tx1"/>
+                </a:solidFill>
+                <a:latin typeface="+mn-lt"/>
+                <a:ea typeface="+mn-ea"/>
+                <a:cs typeface="+mn-cs"/>
+              </a:defRPr>
+            </a:lvl9pPr>
+          </a:lstStyle>
+          <a:p>
+            <a:pPr marL="0" indent="0" algn="l">
+              <a:buNone/>
+            </a:pPr>
+            <a:r>
+              <a:rPr lang="es-ES" sz="1800" b="0" i="0" dirty="0">
+                <a:solidFill>
+                  <a:srgbClr val="171717"/>
+                </a:solidFill>
+                <a:effectLst/>
+                <a:latin typeface="Segoe UI" panose="020B0502040204020203" pitchFamily="34" charset="0"/>
+              </a:rPr>
+              <a:t>La propiedad </a:t>
+            </a:r>
+            <a:r>
+              <a:rPr lang="es-ES" sz="1800" b="0" i="0" dirty="0" err="1">
+                <a:solidFill>
+                  <a:srgbClr val="171717"/>
+                </a:solidFill>
+                <a:effectLst/>
+                <a:latin typeface="Segoe UI" panose="020B0502040204020203" pitchFamily="34" charset="0"/>
+              </a:rPr>
+              <a:t>Orientation</a:t>
+            </a:r>
+            <a:r>
+              <a:rPr lang="es-ES" sz="1800" b="0" i="0" dirty="0">
+                <a:solidFill>
+                  <a:srgbClr val="171717"/>
+                </a:solidFill>
+                <a:effectLst/>
+                <a:latin typeface="Segoe UI" panose="020B0502040204020203" pitchFamily="34" charset="0"/>
+              </a:rPr>
+              <a:t>, de tipo </a:t>
+            </a:r>
+            <a:r>
+              <a:rPr lang="es-ES" sz="1800" b="0" i="0" dirty="0" err="1">
+                <a:solidFill>
+                  <a:srgbClr val="171717"/>
+                </a:solidFill>
+                <a:effectLst/>
+                <a:latin typeface="Segoe UI" panose="020B0502040204020203" pitchFamily="34" charset="0"/>
+              </a:rPr>
+              <a:t>StackOrientation</a:t>
+            </a:r>
+            <a:r>
+              <a:rPr lang="es-ES" sz="1800" b="0" i="0" dirty="0">
+                <a:solidFill>
+                  <a:srgbClr val="171717"/>
+                </a:solidFill>
+                <a:effectLst/>
+                <a:latin typeface="Segoe UI" panose="020B0502040204020203" pitchFamily="34" charset="0"/>
+              </a:rPr>
+              <a:t>, representa la dirección en la que se colocan las vistas secundarias. El valor predeterminado de esta propiedad es Vertical.</a:t>
+            </a:r>
+            <a:endParaRPr lang="es-ES" sz="1800" b="0" dirty="0">
+              <a:solidFill>
+                <a:srgbClr val="171717"/>
+              </a:solidFill>
+              <a:effectLst/>
+              <a:latin typeface="Segoe UI" panose="020B0502040204020203" pitchFamily="34" charset="0"/>
+            </a:endParaRPr>
+          </a:p>
+        </p:txBody>
+      </p:sp>
+      <p:sp>
+        <p:nvSpPr>
+          <p:cNvPr id="8" name="TextBox 7">
+            <a:extLst>
+              <a:ext uri="{FF2B5EF4-FFF2-40B4-BE49-F238E27FC236}">
+                <a16:creationId xmlns:a16="http://schemas.microsoft.com/office/drawing/2014/main" id="{9CD81896-AAFB-4477-9620-B5CBB08B073D}"/>
+              </a:ext>
+            </a:extLst>
+          </p:cNvPr>
+          <p:cNvSpPr txBox="1"/>
+          <p:nvPr/>
+        </p:nvSpPr>
+        <p:spPr>
+          <a:xfrm>
+            <a:off x="457200" y="2924741"/>
+            <a:ext cx="6537488" cy="2585323"/>
+          </a:xfrm>
+          <a:prstGeom prst="rect">
+            <a:avLst/>
+          </a:prstGeom>
+          <a:noFill/>
+        </p:spPr>
+        <p:txBody>
+          <a:bodyPr wrap="square">
+            <a:spAutoFit/>
+          </a:bodyPr>
+          <a:lstStyle/>
+          <a:p>
+            <a:r>
+              <a:rPr lang="en-US" b="0" i="0" dirty="0">
+                <a:solidFill>
+                  <a:srgbClr val="0101FD"/>
+                </a:solidFill>
+                <a:effectLst/>
+                <a:latin typeface="SFMono-Regular"/>
+              </a:rPr>
+              <a:t>&lt;</a:t>
+            </a:r>
+            <a:r>
+              <a:rPr lang="en-US" b="0" i="0" dirty="0" err="1">
+                <a:solidFill>
+                  <a:srgbClr val="0101FD"/>
+                </a:solidFill>
+                <a:effectLst/>
+                <a:latin typeface="SFMono-Regular"/>
+              </a:rPr>
+              <a:t>StackLayout</a:t>
+            </a:r>
+            <a:r>
+              <a:rPr lang="en-US" b="0" i="0" dirty="0">
+                <a:solidFill>
+                  <a:srgbClr val="0101FD"/>
+                </a:solidFill>
+                <a:effectLst/>
+                <a:latin typeface="SFMono-Regular"/>
+              </a:rPr>
+              <a:t> </a:t>
+            </a:r>
+            <a:r>
+              <a:rPr lang="en-US" b="0" i="0" dirty="0">
+                <a:solidFill>
+                  <a:srgbClr val="0451A5"/>
+                </a:solidFill>
+                <a:effectLst/>
+                <a:latin typeface="SFMono-Regular"/>
+              </a:rPr>
+              <a:t>Margin</a:t>
+            </a:r>
+            <a:r>
+              <a:rPr lang="en-US" b="0" i="0" dirty="0">
+                <a:solidFill>
+                  <a:srgbClr val="0101FD"/>
+                </a:solidFill>
+                <a:effectLst/>
+                <a:latin typeface="SFMono-Regular"/>
+              </a:rPr>
+              <a:t>=</a:t>
+            </a:r>
+            <a:r>
+              <a:rPr lang="en-US" b="0" i="0" dirty="0">
+                <a:solidFill>
+                  <a:srgbClr val="A31515"/>
+                </a:solidFill>
+                <a:effectLst/>
+                <a:latin typeface="SFMono-Regular"/>
+              </a:rPr>
+              <a:t>"20"</a:t>
+            </a:r>
+            <a:r>
+              <a:rPr lang="en-US" b="0" i="0" dirty="0">
+                <a:solidFill>
+                  <a:srgbClr val="0101FD"/>
+                </a:solidFill>
+                <a:effectLst/>
+                <a:latin typeface="SFMono-Regular"/>
+              </a:rPr>
+              <a:t> </a:t>
+            </a:r>
+            <a:r>
+              <a:rPr lang="en-US" b="0" i="0" dirty="0">
+                <a:solidFill>
+                  <a:srgbClr val="0451A5"/>
+                </a:solidFill>
+                <a:effectLst/>
+                <a:latin typeface="SFMono-Regular"/>
+              </a:rPr>
+              <a:t>Orientation</a:t>
+            </a:r>
+            <a:r>
+              <a:rPr lang="en-US" b="0" i="0" dirty="0">
+                <a:solidFill>
+                  <a:srgbClr val="0101FD"/>
+                </a:solidFill>
+                <a:effectLst/>
+                <a:latin typeface="SFMono-Regular"/>
+              </a:rPr>
+              <a:t>=</a:t>
+            </a:r>
+            <a:r>
+              <a:rPr lang="en-US" b="0" i="0" dirty="0">
+                <a:solidFill>
+                  <a:srgbClr val="A31515"/>
+                </a:solidFill>
+                <a:effectLst/>
+                <a:latin typeface="SFMono-Regular"/>
+              </a:rPr>
+              <a:t>"Horizontal"</a:t>
+            </a:r>
+            <a:r>
+              <a:rPr lang="en-US" b="0" i="0" dirty="0">
+                <a:solidFill>
+                  <a:srgbClr val="0101FD"/>
+                </a:solidFill>
+                <a:effectLst/>
+                <a:latin typeface="SFMono-Regular"/>
+              </a:rPr>
+              <a:t> </a:t>
+            </a:r>
+            <a:r>
+              <a:rPr lang="en-US" b="0" i="0" dirty="0" err="1">
+                <a:solidFill>
+                  <a:srgbClr val="0451A5"/>
+                </a:solidFill>
+                <a:effectLst/>
+                <a:latin typeface="SFMono-Regular"/>
+              </a:rPr>
+              <a:t>HorizontalOptions</a:t>
+            </a:r>
+            <a:r>
+              <a:rPr lang="en-US" b="0" i="0" dirty="0">
+                <a:solidFill>
+                  <a:srgbClr val="0101FD"/>
+                </a:solidFill>
+                <a:effectLst/>
+                <a:latin typeface="SFMono-Regular"/>
+              </a:rPr>
+              <a:t>=</a:t>
+            </a:r>
+            <a:r>
+              <a:rPr lang="en-US" b="0" i="0" dirty="0">
+                <a:solidFill>
+                  <a:srgbClr val="A31515"/>
+                </a:solidFill>
+                <a:effectLst/>
+                <a:latin typeface="SFMono-Regular"/>
+              </a:rPr>
+              <a:t>"Center"</a:t>
+            </a:r>
+            <a:r>
+              <a:rPr lang="en-US" b="0" i="0" dirty="0">
+                <a:solidFill>
+                  <a:srgbClr val="0101FD"/>
+                </a:solidFill>
+                <a:effectLst/>
+                <a:latin typeface="SFMono-Regular"/>
+              </a:rPr>
+              <a:t>&gt;</a:t>
+            </a:r>
+            <a:endParaRPr lang="en-US" dirty="0">
+              <a:solidFill>
+                <a:srgbClr val="171717"/>
+              </a:solidFill>
+              <a:latin typeface="SFMono-Regular"/>
+            </a:endParaRPr>
+          </a:p>
+          <a:p>
+            <a:r>
+              <a:rPr lang="en-US" b="0" i="0" dirty="0">
+                <a:solidFill>
+                  <a:srgbClr val="0101FD"/>
+                </a:solidFill>
+                <a:effectLst/>
+                <a:latin typeface="SFMono-Regular"/>
+              </a:rPr>
+              <a:t>&lt;</a:t>
+            </a:r>
+            <a:r>
+              <a:rPr lang="en-US" b="0" i="0" dirty="0" err="1">
+                <a:solidFill>
+                  <a:srgbClr val="0101FD"/>
+                </a:solidFill>
+                <a:effectLst/>
+                <a:latin typeface="SFMono-Regular"/>
+              </a:rPr>
+              <a:t>BoxView</a:t>
+            </a:r>
+            <a:r>
+              <a:rPr lang="en-US" b="0" i="0" dirty="0">
+                <a:solidFill>
+                  <a:srgbClr val="0101FD"/>
+                </a:solidFill>
+                <a:effectLst/>
+                <a:latin typeface="SFMono-Regular"/>
+              </a:rPr>
+              <a:t> </a:t>
+            </a:r>
+            <a:r>
+              <a:rPr lang="en-US" b="0" i="0" dirty="0">
+                <a:solidFill>
+                  <a:srgbClr val="0451A5"/>
+                </a:solidFill>
+                <a:effectLst/>
+                <a:latin typeface="SFMono-Regular"/>
+              </a:rPr>
+              <a:t>Color</a:t>
+            </a:r>
+            <a:r>
+              <a:rPr lang="en-US" b="0" i="0" dirty="0">
+                <a:solidFill>
+                  <a:srgbClr val="0101FD"/>
+                </a:solidFill>
+                <a:effectLst/>
+                <a:latin typeface="SFMono-Regular"/>
+              </a:rPr>
+              <a:t>=</a:t>
+            </a:r>
+            <a:r>
+              <a:rPr lang="en-US" b="0" i="0" dirty="0">
+                <a:solidFill>
+                  <a:srgbClr val="A31515"/>
+                </a:solidFill>
+                <a:effectLst/>
+                <a:latin typeface="SFMono-Regular"/>
+              </a:rPr>
+              <a:t>"Red"</a:t>
+            </a:r>
+            <a:r>
+              <a:rPr lang="en-US" b="0" i="0" dirty="0">
+                <a:solidFill>
+                  <a:srgbClr val="0101FD"/>
+                </a:solidFill>
+                <a:effectLst/>
+                <a:latin typeface="SFMono-Regular"/>
+              </a:rPr>
+              <a:t> </a:t>
+            </a:r>
+            <a:r>
+              <a:rPr lang="en-US" b="0" i="0" dirty="0" err="1">
+                <a:solidFill>
+                  <a:srgbClr val="0451A5"/>
+                </a:solidFill>
+                <a:effectLst/>
+                <a:latin typeface="SFMono-Regular"/>
+              </a:rPr>
+              <a:t>WidthRequest</a:t>
+            </a:r>
+            <a:r>
+              <a:rPr lang="en-US" b="0" i="0" dirty="0">
+                <a:solidFill>
+                  <a:srgbClr val="0101FD"/>
+                </a:solidFill>
+                <a:effectLst/>
+                <a:latin typeface="SFMono-Regular"/>
+              </a:rPr>
+              <a:t>=</a:t>
+            </a:r>
+            <a:r>
+              <a:rPr lang="en-US" b="0" i="0" dirty="0">
+                <a:solidFill>
+                  <a:srgbClr val="A31515"/>
+                </a:solidFill>
+                <a:effectLst/>
+                <a:latin typeface="SFMono-Regular"/>
+              </a:rPr>
+              <a:t>"40"</a:t>
+            </a:r>
+            <a:r>
+              <a:rPr lang="en-US" b="0" i="0" dirty="0">
+                <a:solidFill>
+                  <a:srgbClr val="0101FD"/>
+                </a:solidFill>
+                <a:effectLst/>
+                <a:latin typeface="SFMono-Regular"/>
+              </a:rPr>
+              <a:t> /&gt;</a:t>
+            </a:r>
+          </a:p>
+          <a:p>
+            <a:r>
+              <a:rPr lang="en-US" b="0" i="0" dirty="0">
+                <a:solidFill>
+                  <a:srgbClr val="0101FD"/>
+                </a:solidFill>
+                <a:effectLst/>
+                <a:latin typeface="SFMono-Regular"/>
+              </a:rPr>
+              <a:t>&lt;</a:t>
+            </a:r>
+            <a:r>
+              <a:rPr lang="en-US" b="0" i="0" dirty="0" err="1">
+                <a:solidFill>
+                  <a:srgbClr val="0101FD"/>
+                </a:solidFill>
+                <a:effectLst/>
+                <a:latin typeface="SFMono-Regular"/>
+              </a:rPr>
+              <a:t>BoxView</a:t>
+            </a:r>
+            <a:r>
+              <a:rPr lang="en-US" b="0" i="0" dirty="0">
+                <a:solidFill>
+                  <a:srgbClr val="0101FD"/>
+                </a:solidFill>
+                <a:effectLst/>
+                <a:latin typeface="SFMono-Regular"/>
+              </a:rPr>
+              <a:t> </a:t>
+            </a:r>
+            <a:r>
+              <a:rPr lang="en-US" b="0" i="0" dirty="0">
+                <a:solidFill>
+                  <a:srgbClr val="0451A5"/>
+                </a:solidFill>
+                <a:effectLst/>
+                <a:latin typeface="SFMono-Regular"/>
+              </a:rPr>
+              <a:t>Color</a:t>
+            </a:r>
+            <a:r>
+              <a:rPr lang="en-US" b="0" i="0" dirty="0">
+                <a:solidFill>
+                  <a:srgbClr val="0101FD"/>
+                </a:solidFill>
+                <a:effectLst/>
+                <a:latin typeface="SFMono-Regular"/>
+              </a:rPr>
+              <a:t>=</a:t>
+            </a:r>
+            <a:r>
+              <a:rPr lang="en-US" b="0" i="0" dirty="0">
+                <a:solidFill>
+                  <a:srgbClr val="A31515"/>
+                </a:solidFill>
+                <a:effectLst/>
+                <a:latin typeface="SFMono-Regular"/>
+              </a:rPr>
+              <a:t>"Yellow"</a:t>
+            </a:r>
+            <a:r>
+              <a:rPr lang="en-US" b="0" i="0" dirty="0">
+                <a:solidFill>
+                  <a:srgbClr val="0101FD"/>
+                </a:solidFill>
+                <a:effectLst/>
+                <a:latin typeface="SFMono-Regular"/>
+              </a:rPr>
+              <a:t> </a:t>
+            </a:r>
+            <a:r>
+              <a:rPr lang="en-US" b="0" i="0" dirty="0" err="1">
+                <a:solidFill>
+                  <a:srgbClr val="0451A5"/>
+                </a:solidFill>
+                <a:effectLst/>
+                <a:latin typeface="SFMono-Regular"/>
+              </a:rPr>
+              <a:t>WidthRequest</a:t>
+            </a:r>
+            <a:r>
+              <a:rPr lang="en-US" b="0" i="0" dirty="0">
+                <a:solidFill>
+                  <a:srgbClr val="0101FD"/>
+                </a:solidFill>
+                <a:effectLst/>
+                <a:latin typeface="SFMono-Regular"/>
+              </a:rPr>
+              <a:t>=</a:t>
+            </a:r>
+            <a:r>
+              <a:rPr lang="en-US" b="0" i="0" dirty="0">
+                <a:solidFill>
+                  <a:srgbClr val="A31515"/>
+                </a:solidFill>
+                <a:effectLst/>
+                <a:latin typeface="SFMono-Regular"/>
+              </a:rPr>
+              <a:t>"40"</a:t>
+            </a:r>
+            <a:r>
+              <a:rPr lang="en-US" b="0" i="0" dirty="0">
+                <a:solidFill>
+                  <a:srgbClr val="0101FD"/>
+                </a:solidFill>
+                <a:effectLst/>
+                <a:latin typeface="SFMono-Regular"/>
+              </a:rPr>
+              <a:t> /&gt;</a:t>
+            </a:r>
+            <a:r>
+              <a:rPr lang="en-US" b="0" i="0" dirty="0">
+                <a:solidFill>
+                  <a:srgbClr val="171717"/>
+                </a:solidFill>
+                <a:effectLst/>
+                <a:latin typeface="SFMono-Regular"/>
+              </a:rPr>
+              <a:t> </a:t>
+            </a:r>
+          </a:p>
+          <a:p>
+            <a:r>
+              <a:rPr lang="en-US" b="0" i="0" dirty="0">
+                <a:solidFill>
+                  <a:srgbClr val="0101FD"/>
+                </a:solidFill>
+                <a:effectLst/>
+                <a:latin typeface="SFMono-Regular"/>
+              </a:rPr>
+              <a:t>&lt;</a:t>
+            </a:r>
+            <a:r>
+              <a:rPr lang="en-US" b="0" i="0" dirty="0" err="1">
+                <a:solidFill>
+                  <a:srgbClr val="0101FD"/>
+                </a:solidFill>
+                <a:effectLst/>
+                <a:latin typeface="SFMono-Regular"/>
+              </a:rPr>
+              <a:t>BoxView</a:t>
+            </a:r>
+            <a:r>
+              <a:rPr lang="en-US" b="0" i="0" dirty="0">
+                <a:solidFill>
+                  <a:srgbClr val="0101FD"/>
+                </a:solidFill>
+                <a:effectLst/>
+                <a:latin typeface="SFMono-Regular"/>
+              </a:rPr>
+              <a:t> </a:t>
+            </a:r>
+            <a:r>
+              <a:rPr lang="en-US" b="0" i="0" dirty="0">
+                <a:solidFill>
+                  <a:srgbClr val="0451A5"/>
+                </a:solidFill>
+                <a:effectLst/>
+                <a:latin typeface="SFMono-Regular"/>
+              </a:rPr>
+              <a:t>Color</a:t>
+            </a:r>
+            <a:r>
+              <a:rPr lang="en-US" b="0" i="0" dirty="0">
+                <a:solidFill>
+                  <a:srgbClr val="0101FD"/>
+                </a:solidFill>
+                <a:effectLst/>
+                <a:latin typeface="SFMono-Regular"/>
+              </a:rPr>
+              <a:t>=</a:t>
+            </a:r>
+            <a:r>
+              <a:rPr lang="en-US" b="0" i="0" dirty="0">
+                <a:solidFill>
+                  <a:srgbClr val="A31515"/>
+                </a:solidFill>
+                <a:effectLst/>
+                <a:latin typeface="SFMono-Regular"/>
+              </a:rPr>
+              <a:t>"Blue"</a:t>
+            </a:r>
+            <a:r>
+              <a:rPr lang="en-US" b="0" i="0" dirty="0">
+                <a:solidFill>
+                  <a:srgbClr val="0101FD"/>
+                </a:solidFill>
+                <a:effectLst/>
+                <a:latin typeface="SFMono-Regular"/>
+              </a:rPr>
+              <a:t> </a:t>
+            </a:r>
+            <a:r>
+              <a:rPr lang="en-US" b="0" i="0" dirty="0" err="1">
+                <a:solidFill>
+                  <a:srgbClr val="0451A5"/>
+                </a:solidFill>
+                <a:effectLst/>
+                <a:latin typeface="SFMono-Regular"/>
+              </a:rPr>
+              <a:t>WidthRequest</a:t>
+            </a:r>
+            <a:r>
+              <a:rPr lang="en-US" b="0" i="0" dirty="0">
+                <a:solidFill>
+                  <a:srgbClr val="0101FD"/>
+                </a:solidFill>
+                <a:effectLst/>
+                <a:latin typeface="SFMono-Regular"/>
+              </a:rPr>
+              <a:t>=</a:t>
+            </a:r>
+            <a:r>
+              <a:rPr lang="en-US" b="0" i="0" dirty="0">
+                <a:solidFill>
+                  <a:srgbClr val="A31515"/>
+                </a:solidFill>
+                <a:effectLst/>
+                <a:latin typeface="SFMono-Regular"/>
+              </a:rPr>
+              <a:t>"40"</a:t>
+            </a:r>
+            <a:r>
+              <a:rPr lang="en-US" b="0" i="0" dirty="0">
+                <a:solidFill>
+                  <a:srgbClr val="0101FD"/>
+                </a:solidFill>
+                <a:effectLst/>
+                <a:latin typeface="SFMono-Regular"/>
+              </a:rPr>
+              <a:t> /&gt;</a:t>
+            </a:r>
+            <a:r>
+              <a:rPr lang="en-US" b="0" i="0" dirty="0">
+                <a:solidFill>
+                  <a:srgbClr val="171717"/>
+                </a:solidFill>
+                <a:effectLst/>
+                <a:latin typeface="SFMono-Regular"/>
+              </a:rPr>
+              <a:t> </a:t>
+            </a:r>
+          </a:p>
+          <a:p>
+            <a:r>
+              <a:rPr lang="en-US" b="0" i="0" dirty="0">
+                <a:solidFill>
+                  <a:srgbClr val="0101FD"/>
+                </a:solidFill>
+                <a:effectLst/>
+                <a:latin typeface="SFMono-Regular"/>
+              </a:rPr>
+              <a:t>&lt;</a:t>
+            </a:r>
+            <a:r>
+              <a:rPr lang="en-US" b="0" i="0" dirty="0" err="1">
+                <a:solidFill>
+                  <a:srgbClr val="0101FD"/>
+                </a:solidFill>
+                <a:effectLst/>
+                <a:latin typeface="SFMono-Regular"/>
+              </a:rPr>
+              <a:t>BoxView</a:t>
+            </a:r>
+            <a:r>
+              <a:rPr lang="en-US" b="0" i="0" dirty="0">
+                <a:solidFill>
+                  <a:srgbClr val="0101FD"/>
+                </a:solidFill>
+                <a:effectLst/>
+                <a:latin typeface="SFMono-Regular"/>
+              </a:rPr>
+              <a:t> </a:t>
+            </a:r>
+            <a:r>
+              <a:rPr lang="en-US" b="0" i="0" dirty="0">
+                <a:solidFill>
+                  <a:srgbClr val="0451A5"/>
+                </a:solidFill>
+                <a:effectLst/>
+                <a:latin typeface="SFMono-Regular"/>
+              </a:rPr>
+              <a:t>Color</a:t>
+            </a:r>
+            <a:r>
+              <a:rPr lang="en-US" b="0" i="0" dirty="0">
+                <a:solidFill>
+                  <a:srgbClr val="0101FD"/>
+                </a:solidFill>
+                <a:effectLst/>
+                <a:latin typeface="SFMono-Regular"/>
+              </a:rPr>
+              <a:t>=</a:t>
+            </a:r>
+            <a:r>
+              <a:rPr lang="en-US" b="0" i="0" dirty="0">
+                <a:solidFill>
+                  <a:srgbClr val="A31515"/>
+                </a:solidFill>
+                <a:effectLst/>
+                <a:latin typeface="SFMono-Regular"/>
+              </a:rPr>
+              <a:t>"Green"</a:t>
+            </a:r>
+            <a:r>
+              <a:rPr lang="en-US" b="0" i="0" dirty="0">
+                <a:solidFill>
+                  <a:srgbClr val="0101FD"/>
+                </a:solidFill>
+                <a:effectLst/>
+                <a:latin typeface="SFMono-Regular"/>
+              </a:rPr>
+              <a:t> </a:t>
+            </a:r>
+            <a:r>
+              <a:rPr lang="en-US" b="0" i="0" dirty="0" err="1">
+                <a:solidFill>
+                  <a:srgbClr val="0451A5"/>
+                </a:solidFill>
+                <a:effectLst/>
+                <a:latin typeface="SFMono-Regular"/>
+              </a:rPr>
+              <a:t>WidthRequest</a:t>
+            </a:r>
+            <a:r>
+              <a:rPr lang="en-US" b="0" i="0" dirty="0">
+                <a:solidFill>
+                  <a:srgbClr val="0101FD"/>
+                </a:solidFill>
+                <a:effectLst/>
+                <a:latin typeface="SFMono-Regular"/>
+              </a:rPr>
+              <a:t>=</a:t>
+            </a:r>
+            <a:r>
+              <a:rPr lang="en-US" b="0" i="0" dirty="0">
+                <a:solidFill>
+                  <a:srgbClr val="A31515"/>
+                </a:solidFill>
+                <a:effectLst/>
+                <a:latin typeface="SFMono-Regular"/>
+              </a:rPr>
+              <a:t>"40"</a:t>
+            </a:r>
+            <a:r>
+              <a:rPr lang="en-US" b="0" i="0" dirty="0">
+                <a:solidFill>
+                  <a:srgbClr val="0101FD"/>
+                </a:solidFill>
+                <a:effectLst/>
+                <a:latin typeface="SFMono-Regular"/>
+              </a:rPr>
+              <a:t> /&gt;</a:t>
+            </a:r>
+            <a:r>
+              <a:rPr lang="en-US" b="0" i="0" dirty="0">
+                <a:solidFill>
+                  <a:srgbClr val="171717"/>
+                </a:solidFill>
+                <a:effectLst/>
+                <a:latin typeface="SFMono-Regular"/>
+              </a:rPr>
+              <a:t> </a:t>
+            </a:r>
+          </a:p>
+          <a:p>
+            <a:r>
+              <a:rPr lang="en-US" b="0" i="0" dirty="0">
+                <a:solidFill>
+                  <a:srgbClr val="0101FD"/>
+                </a:solidFill>
+                <a:effectLst/>
+                <a:latin typeface="SFMono-Regular"/>
+              </a:rPr>
+              <a:t>&lt;</a:t>
+            </a:r>
+            <a:r>
+              <a:rPr lang="en-US" b="0" i="0" dirty="0" err="1">
+                <a:solidFill>
+                  <a:srgbClr val="0101FD"/>
+                </a:solidFill>
+                <a:effectLst/>
+                <a:latin typeface="SFMono-Regular"/>
+              </a:rPr>
+              <a:t>BoxView</a:t>
+            </a:r>
+            <a:r>
+              <a:rPr lang="en-US" b="0" i="0" dirty="0">
+                <a:solidFill>
+                  <a:srgbClr val="0101FD"/>
+                </a:solidFill>
+                <a:effectLst/>
+                <a:latin typeface="SFMono-Regular"/>
+              </a:rPr>
+              <a:t> </a:t>
+            </a:r>
+            <a:r>
+              <a:rPr lang="en-US" b="0" i="0" dirty="0">
+                <a:solidFill>
+                  <a:srgbClr val="0451A5"/>
+                </a:solidFill>
+                <a:effectLst/>
+                <a:latin typeface="SFMono-Regular"/>
+              </a:rPr>
+              <a:t>Color</a:t>
+            </a:r>
+            <a:r>
+              <a:rPr lang="en-US" b="0" i="0" dirty="0">
+                <a:solidFill>
+                  <a:srgbClr val="0101FD"/>
+                </a:solidFill>
+                <a:effectLst/>
+                <a:latin typeface="SFMono-Regular"/>
+              </a:rPr>
+              <a:t>=</a:t>
+            </a:r>
+            <a:r>
+              <a:rPr lang="en-US" b="0" i="0" dirty="0">
+                <a:solidFill>
+                  <a:srgbClr val="A31515"/>
+                </a:solidFill>
+                <a:effectLst/>
+                <a:latin typeface="SFMono-Regular"/>
+              </a:rPr>
+              <a:t>"Orange"</a:t>
+            </a:r>
+            <a:r>
+              <a:rPr lang="en-US" b="0" i="0" dirty="0">
+                <a:solidFill>
+                  <a:srgbClr val="0101FD"/>
+                </a:solidFill>
+                <a:effectLst/>
+                <a:latin typeface="SFMono-Regular"/>
+              </a:rPr>
+              <a:t> </a:t>
+            </a:r>
+            <a:r>
+              <a:rPr lang="en-US" b="0" i="0" dirty="0" err="1">
+                <a:solidFill>
+                  <a:srgbClr val="0451A5"/>
+                </a:solidFill>
+                <a:effectLst/>
+                <a:latin typeface="SFMono-Regular"/>
+              </a:rPr>
+              <a:t>WidthRequest</a:t>
+            </a:r>
+            <a:r>
+              <a:rPr lang="en-US" b="0" i="0" dirty="0">
+                <a:solidFill>
+                  <a:srgbClr val="0101FD"/>
+                </a:solidFill>
+                <a:effectLst/>
+                <a:latin typeface="SFMono-Regular"/>
+              </a:rPr>
+              <a:t>=</a:t>
+            </a:r>
+            <a:r>
+              <a:rPr lang="en-US" b="0" i="0" dirty="0">
+                <a:solidFill>
+                  <a:srgbClr val="A31515"/>
+                </a:solidFill>
+                <a:effectLst/>
+                <a:latin typeface="SFMono-Regular"/>
+              </a:rPr>
+              <a:t>"40"</a:t>
+            </a:r>
+            <a:r>
+              <a:rPr lang="en-US" b="0" i="0" dirty="0">
+                <a:solidFill>
+                  <a:srgbClr val="0101FD"/>
+                </a:solidFill>
+                <a:effectLst/>
+                <a:latin typeface="SFMono-Regular"/>
+              </a:rPr>
+              <a:t> /&gt;</a:t>
+            </a:r>
+            <a:r>
+              <a:rPr lang="en-US" b="0" i="0" dirty="0">
+                <a:solidFill>
+                  <a:srgbClr val="171717"/>
+                </a:solidFill>
+                <a:effectLst/>
+                <a:latin typeface="SFMono-Regular"/>
+              </a:rPr>
+              <a:t> </a:t>
+            </a:r>
+          </a:p>
+          <a:p>
+            <a:r>
+              <a:rPr lang="en-US" b="0" i="0" dirty="0">
+                <a:solidFill>
+                  <a:srgbClr val="0101FD"/>
+                </a:solidFill>
+                <a:effectLst/>
+                <a:latin typeface="SFMono-Regular"/>
+              </a:rPr>
+              <a:t>&lt;</a:t>
+            </a:r>
+            <a:r>
+              <a:rPr lang="en-US" b="0" i="0" dirty="0" err="1">
+                <a:solidFill>
+                  <a:srgbClr val="0101FD"/>
+                </a:solidFill>
+                <a:effectLst/>
+                <a:latin typeface="SFMono-Regular"/>
+              </a:rPr>
+              <a:t>BoxView</a:t>
+            </a:r>
+            <a:r>
+              <a:rPr lang="en-US" b="0" i="0" dirty="0">
+                <a:solidFill>
+                  <a:srgbClr val="0101FD"/>
+                </a:solidFill>
+                <a:effectLst/>
+                <a:latin typeface="SFMono-Regular"/>
+              </a:rPr>
+              <a:t> </a:t>
+            </a:r>
+            <a:r>
+              <a:rPr lang="en-US" b="0" i="0" dirty="0">
+                <a:solidFill>
+                  <a:srgbClr val="0451A5"/>
+                </a:solidFill>
+                <a:effectLst/>
+                <a:latin typeface="SFMono-Regular"/>
+              </a:rPr>
+              <a:t>Color</a:t>
+            </a:r>
+            <a:r>
+              <a:rPr lang="en-US" b="0" i="0" dirty="0">
+                <a:solidFill>
+                  <a:srgbClr val="0101FD"/>
+                </a:solidFill>
+                <a:effectLst/>
+                <a:latin typeface="SFMono-Regular"/>
+              </a:rPr>
+              <a:t>=</a:t>
+            </a:r>
+            <a:r>
+              <a:rPr lang="en-US" b="0" i="0" dirty="0">
+                <a:solidFill>
+                  <a:srgbClr val="A31515"/>
+                </a:solidFill>
+                <a:effectLst/>
+                <a:latin typeface="SFMono-Regular"/>
+              </a:rPr>
+              <a:t>"Purple"</a:t>
+            </a:r>
+            <a:r>
+              <a:rPr lang="en-US" b="0" i="0" dirty="0">
+                <a:solidFill>
+                  <a:srgbClr val="0101FD"/>
+                </a:solidFill>
+                <a:effectLst/>
+                <a:latin typeface="SFMono-Regular"/>
+              </a:rPr>
+              <a:t> </a:t>
+            </a:r>
+            <a:r>
+              <a:rPr lang="en-US" b="0" i="0" dirty="0" err="1">
+                <a:solidFill>
+                  <a:srgbClr val="0451A5"/>
+                </a:solidFill>
+                <a:effectLst/>
+                <a:latin typeface="SFMono-Regular"/>
+              </a:rPr>
+              <a:t>WidthRequest</a:t>
+            </a:r>
+            <a:r>
+              <a:rPr lang="en-US" b="0" i="0" dirty="0">
+                <a:solidFill>
+                  <a:srgbClr val="0101FD"/>
+                </a:solidFill>
+                <a:effectLst/>
+                <a:latin typeface="SFMono-Regular"/>
+              </a:rPr>
+              <a:t>=</a:t>
+            </a:r>
+            <a:r>
+              <a:rPr lang="en-US" b="0" i="0" dirty="0">
+                <a:solidFill>
+                  <a:srgbClr val="A31515"/>
+                </a:solidFill>
+                <a:effectLst/>
+                <a:latin typeface="SFMono-Regular"/>
+              </a:rPr>
+              <a:t>"40"</a:t>
+            </a:r>
+            <a:r>
+              <a:rPr lang="en-US" b="0" i="0" dirty="0">
+                <a:solidFill>
+                  <a:srgbClr val="0101FD"/>
+                </a:solidFill>
+                <a:effectLst/>
+                <a:latin typeface="SFMono-Regular"/>
+              </a:rPr>
+              <a:t> /&gt;</a:t>
+            </a:r>
+          </a:p>
+          <a:p>
+            <a:r>
+              <a:rPr lang="en-US" b="0" i="0" dirty="0">
+                <a:solidFill>
+                  <a:srgbClr val="0101FD"/>
+                </a:solidFill>
+                <a:effectLst/>
+                <a:latin typeface="SFMono-Regular"/>
+              </a:rPr>
+              <a:t>&lt;/</a:t>
+            </a:r>
+            <a:r>
+              <a:rPr lang="en-US" b="0" i="0" dirty="0" err="1">
+                <a:solidFill>
+                  <a:srgbClr val="0101FD"/>
+                </a:solidFill>
+                <a:effectLst/>
+                <a:latin typeface="SFMono-Regular"/>
+              </a:rPr>
+              <a:t>StackLayout</a:t>
+            </a:r>
+            <a:r>
+              <a:rPr lang="en-US" b="0" i="0" dirty="0">
+                <a:solidFill>
+                  <a:srgbClr val="0101FD"/>
+                </a:solidFill>
+                <a:effectLst/>
+                <a:latin typeface="SFMono-Regular"/>
+              </a:rPr>
+              <a:t>&gt;</a:t>
+            </a:r>
+            <a:endParaRPr lang="en-US" dirty="0"/>
+          </a:p>
+        </p:txBody>
+      </p:sp>
+      <p:pic>
+        <p:nvPicPr>
+          <p:cNvPr id="9" name="Picture 8">
+            <a:extLst>
+              <a:ext uri="{FF2B5EF4-FFF2-40B4-BE49-F238E27FC236}">
+                <a16:creationId xmlns:a16="http://schemas.microsoft.com/office/drawing/2014/main" id="{25C0F5DA-256D-4305-8C2A-891BB90575B4}"/>
+              </a:ext>
+            </a:extLst>
+          </p:cNvPr>
+          <p:cNvPicPr>
+            <a:picLocks noChangeAspect="1"/>
+          </p:cNvPicPr>
+          <p:nvPr/>
+        </p:nvPicPr>
+        <p:blipFill>
+          <a:blip r:embed="rId2"/>
+          <a:stretch>
+            <a:fillRect/>
+          </a:stretch>
+        </p:blipFill>
+        <p:spPr>
+          <a:xfrm>
+            <a:off x="9622410" y="2924741"/>
+            <a:ext cx="2057400" cy="1752600"/>
+          </a:xfrm>
+          <a:prstGeom prst="rect">
+            <a:avLst/>
+          </a:prstGeom>
+        </p:spPr>
+      </p:pic>
+    </p:spTree>
+    <p:extLst>
+      <p:ext uri="{BB962C8B-B14F-4D97-AF65-F5344CB8AC3E}">
+        <p14:creationId xmlns:p14="http://schemas.microsoft.com/office/powerpoint/2010/main" val="1340752275"/>
+      </p:ext>
+    </p:extLst>
+  </p:cSld>
+  <p:clrMapOvr>
+    <a:masterClrMapping/>
+  </p:clrMapOvr>
+  <p:transition>
+    <p:fade/>
+  </p:transition>
+</p:sld>
+</file>
+
+<file path=ppt/slides/slide7.xml><?xml version="1.0" encoding="utf-8"?>
 <p:sld xmlns:a="http://schemas.openxmlformats.org/drawingml/2006/main" xmlns:r="http://schemas.openxmlformats.org/officeDocument/2006/relationships" xmlns:p="http://schemas.openxmlformats.org/presentationml/2006/main">
   <p:cSld>
     <p:spTree>

--- a/Bloque 4 - Creación de la UI/Taller17 - Layouts.pptx
+++ b/Bloque 4 - Creación de la UI/Taller17 - Layouts.pptx
@@ -6,7 +6,7 @@
     <p:sldMasterId id="2147483793" r:id="rId2"/>
   </p:sldMasterIdLst>
   <p:notesMasterIdLst>
-    <p:notesMasterId r:id="rId10"/>
+    <p:notesMasterId r:id="rId14"/>
   </p:notesMasterIdLst>
   <p:sldIdLst>
     <p:sldId id="291" r:id="rId3"/>
@@ -15,7 +15,11 @@
     <p:sldId id="2147469530" r:id="rId6"/>
     <p:sldId id="2147469529" r:id="rId7"/>
     <p:sldId id="2147469531" r:id="rId8"/>
-    <p:sldId id="282" r:id="rId9"/>
+    <p:sldId id="2147469532" r:id="rId9"/>
+    <p:sldId id="2147469533" r:id="rId10"/>
+    <p:sldId id="2147469534" r:id="rId11"/>
+    <p:sldId id="2147469535" r:id="rId12"/>
+    <p:sldId id="282" r:id="rId13"/>
   </p:sldIdLst>
   <p:sldSz cx="12192000" cy="6858000"/>
   <p:notesSz cx="6858000" cy="9144000"/>
@@ -3948,7 +3952,7 @@
             <a:fld id="{B4008EB6-D09E-4580-8CD6-DDB14511944F}" type="slidenum">
               <a:rPr lang="en-US" smtClean="0"/>
               <a:pPr/>
-              <a:t>7</a:t>
+              <a:t>11</a:t>
             </a:fld>
             <a:endParaRPr lang="en-US" dirty="0"/>
           </a:p>
@@ -12257,257 +12261,7 @@
 </p:sld>
 </file>
 
-<file path=ppt/slides/slide2.xml><?xml version="1.0" encoding="utf-8"?>
-<p:sld xmlns:a="http://schemas.openxmlformats.org/drawingml/2006/main" xmlns:r="http://schemas.openxmlformats.org/officeDocument/2006/relationships" xmlns:p="http://schemas.openxmlformats.org/presentationml/2006/main">
-  <p:cSld>
-    <p:spTree>
-      <p:nvGrpSpPr>
-        <p:cNvPr id="1" name=""/>
-        <p:cNvGrpSpPr/>
-        <p:nvPr/>
-      </p:nvGrpSpPr>
-      <p:grpSpPr>
-        <a:xfrm>
-          <a:off x="0" y="0"/>
-          <a:ext cx="0" cy="0"/>
-          <a:chOff x="0" y="0"/>
-          <a:chExt cx="0" cy="0"/>
-        </a:xfrm>
-      </p:grpSpPr>
-      <p:sp>
-        <p:nvSpPr>
-          <p:cNvPr id="3" name="Title 2">
-            <a:extLst>
-              <a:ext uri="{FF2B5EF4-FFF2-40B4-BE49-F238E27FC236}">
-                <a16:creationId xmlns:a16="http://schemas.microsoft.com/office/drawing/2014/main" id="{652E2BA4-9FC0-4828-A940-3704183398DF}"/>
-              </a:ext>
-            </a:extLst>
-          </p:cNvPr>
-          <p:cNvSpPr>
-            <a:spLocks noGrp="1"/>
-          </p:cNvSpPr>
-          <p:nvPr>
-            <p:ph type="title"/>
-          </p:nvPr>
-        </p:nvSpPr>
-        <p:spPr/>
-        <p:txBody>
-          <a:bodyPr/>
-          <a:lstStyle/>
-          <a:p>
-            <a:r>
-              <a:rPr lang="es-ES" sz="7200" dirty="0" err="1">
-                <a:solidFill>
-                  <a:schemeClr val="bg1"/>
-                </a:solidFill>
-              </a:rPr>
-              <a:t>Layouts</a:t>
-            </a:r>
-            <a:endParaRPr lang="en-US" sz="7200" dirty="0">
-              <a:solidFill>
-                <a:schemeClr val="bg1"/>
-              </a:solidFill>
-            </a:endParaRPr>
-          </a:p>
-        </p:txBody>
-      </p:sp>
-    </p:spTree>
-    <p:extLst>
-      <p:ext uri="{BB962C8B-B14F-4D97-AF65-F5344CB8AC3E}">
-        <p14:creationId xmlns:p14="http://schemas.microsoft.com/office/powerpoint/2010/main" val="970838278"/>
-      </p:ext>
-    </p:extLst>
-  </p:cSld>
-  <p:clrMapOvr>
-    <a:masterClrMapping/>
-  </p:clrMapOvr>
-  <p:transition spd="med"/>
-</p:sld>
-</file>
-
-<file path=ppt/slides/slide3.xml><?xml version="1.0" encoding="utf-8"?>
-<p:sld xmlns:a="http://schemas.openxmlformats.org/drawingml/2006/main" xmlns:r="http://schemas.openxmlformats.org/officeDocument/2006/relationships" xmlns:p="http://schemas.openxmlformats.org/presentationml/2006/main">
-  <p:cSld>
-    <p:spTree>
-      <p:nvGrpSpPr>
-        <p:cNvPr id="1" name=""/>
-        <p:cNvGrpSpPr/>
-        <p:nvPr/>
-      </p:nvGrpSpPr>
-      <p:grpSpPr>
-        <a:xfrm>
-          <a:off x="0" y="0"/>
-          <a:ext cx="0" cy="0"/>
-          <a:chOff x="0" y="0"/>
-          <a:chExt cx="0" cy="0"/>
-        </a:xfrm>
-      </p:grpSpPr>
-      <p:sp>
-        <p:nvSpPr>
-          <p:cNvPr id="2" name="Title 1"/>
-          <p:cNvSpPr>
-            <a:spLocks noGrp="1"/>
-          </p:cNvSpPr>
-          <p:nvPr>
-            <p:ph type="title"/>
-          </p:nvPr>
-        </p:nvSpPr>
-        <p:spPr>
-          <a:xfrm>
-            <a:off x="837171" y="642306"/>
-            <a:ext cx="2166358" cy="899537"/>
-          </a:xfrm>
-        </p:spPr>
-        <p:txBody>
-          <a:bodyPr>
-            <a:noAutofit/>
-          </a:bodyPr>
-          <a:lstStyle/>
-          <a:p>
-            <a:pPr algn="r"/>
-            <a:r>
-              <a:rPr lang="en-US" dirty="0">
-                <a:solidFill>
-                  <a:schemeClr val="tx1"/>
-                </a:solidFill>
-              </a:rPr>
-              <a:t>Layouts</a:t>
-            </a:r>
-          </a:p>
-        </p:txBody>
-      </p:sp>
-      <p:pic>
-        <p:nvPicPr>
-          <p:cNvPr id="1026" name="Picture 2">
-            <a:extLst>
-              <a:ext uri="{FF2B5EF4-FFF2-40B4-BE49-F238E27FC236}">
-                <a16:creationId xmlns:a16="http://schemas.microsoft.com/office/drawing/2014/main" id="{994E5E19-7FC7-47AD-93DA-78385327341B}"/>
-              </a:ext>
-            </a:extLst>
-          </p:cNvPr>
-          <p:cNvPicPr>
-            <a:picLocks noChangeAspect="1" noChangeArrowheads="1"/>
-          </p:cNvPicPr>
-          <p:nvPr/>
-        </p:nvPicPr>
-        <p:blipFill>
-          <a:blip r:embed="rId3">
-            <a:extLst>
-              <a:ext uri="{28A0092B-C50C-407E-A947-70E740481C1C}">
-                <a14:useLocalDpi xmlns:a14="http://schemas.microsoft.com/office/drawing/2010/main" val="0"/>
-              </a:ext>
-            </a:extLst>
-          </a:blip>
-          <a:srcRect/>
-          <a:stretch>
-            <a:fillRect/>
-          </a:stretch>
-        </p:blipFill>
-        <p:spPr bwMode="auto">
-          <a:xfrm>
-            <a:off x="837171" y="1800548"/>
-            <a:ext cx="6281575" cy="4134756"/>
-          </a:xfrm>
-          <a:prstGeom prst="rect">
-            <a:avLst/>
-          </a:prstGeom>
-          <a:noFill/>
-          <a:extLst>
-            <a:ext uri="{909E8E84-426E-40DD-AFC4-6F175D3DCCD1}">
-              <a14:hiddenFill xmlns:a14="http://schemas.microsoft.com/office/drawing/2010/main">
-                <a:solidFill>
-                  <a:srgbClr val="FFFFFF"/>
-                </a:solidFill>
-              </a14:hiddenFill>
-            </a:ext>
-          </a:extLst>
-        </p:spPr>
-      </p:pic>
-    </p:spTree>
-    <p:extLst>
-      <p:ext uri="{BB962C8B-B14F-4D97-AF65-F5344CB8AC3E}">
-        <p14:creationId xmlns:p14="http://schemas.microsoft.com/office/powerpoint/2010/main" val="206719204"/>
-      </p:ext>
-    </p:extLst>
-  </p:cSld>
-  <p:clrMapOvr>
-    <a:masterClrMapping/>
-  </p:clrMapOvr>
-  <p:transition>
-    <p:fade/>
-  </p:transition>
-</p:sld>
-</file>
-
-<file path=ppt/slides/slide4.xml><?xml version="1.0" encoding="utf-8"?>
-<p:sld xmlns:a="http://schemas.openxmlformats.org/drawingml/2006/main" xmlns:r="http://schemas.openxmlformats.org/officeDocument/2006/relationships" xmlns:p="http://schemas.openxmlformats.org/presentationml/2006/main">
-  <p:cSld>
-    <p:spTree>
-      <p:nvGrpSpPr>
-        <p:cNvPr id="1" name=""/>
-        <p:cNvGrpSpPr/>
-        <p:nvPr/>
-      </p:nvGrpSpPr>
-      <p:grpSpPr>
-        <a:xfrm>
-          <a:off x="0" y="0"/>
-          <a:ext cx="0" cy="0"/>
-          <a:chOff x="0" y="0"/>
-          <a:chExt cx="0" cy="0"/>
-        </a:xfrm>
-      </p:grpSpPr>
-      <p:sp>
-        <p:nvSpPr>
-          <p:cNvPr id="3" name="Title 2">
-            <a:extLst>
-              <a:ext uri="{FF2B5EF4-FFF2-40B4-BE49-F238E27FC236}">
-                <a16:creationId xmlns:a16="http://schemas.microsoft.com/office/drawing/2014/main" id="{652E2BA4-9FC0-4828-A940-3704183398DF}"/>
-              </a:ext>
-            </a:extLst>
-          </p:cNvPr>
-          <p:cNvSpPr>
-            <a:spLocks noGrp="1"/>
-          </p:cNvSpPr>
-          <p:nvPr>
-            <p:ph type="title"/>
-          </p:nvPr>
-        </p:nvSpPr>
-        <p:spPr/>
-        <p:txBody>
-          <a:bodyPr/>
-          <a:lstStyle/>
-          <a:p>
-            <a:r>
-              <a:rPr lang="es-ES" sz="7200" dirty="0" err="1">
-                <a:solidFill>
-                  <a:schemeClr val="bg1"/>
-                </a:solidFill>
-              </a:rPr>
-              <a:t>StackLayout</a:t>
-            </a:r>
-            <a:endParaRPr lang="en-US" sz="7200" dirty="0">
-              <a:solidFill>
-                <a:schemeClr val="bg1"/>
-              </a:solidFill>
-            </a:endParaRPr>
-          </a:p>
-        </p:txBody>
-      </p:sp>
-    </p:spTree>
-    <p:extLst>
-      <p:ext uri="{BB962C8B-B14F-4D97-AF65-F5344CB8AC3E}">
-        <p14:creationId xmlns:p14="http://schemas.microsoft.com/office/powerpoint/2010/main" val="3772753256"/>
-      </p:ext>
-    </p:extLst>
-  </p:cSld>
-  <p:clrMapOvr>
-    <a:masterClrMapping/>
-  </p:clrMapOvr>
-  <p:transition spd="med"/>
-</p:sld>
-</file>
-
-<file path=ppt/slides/slide5.xml><?xml version="1.0" encoding="utf-8"?>
+<file path=ppt/slides/slide10.xml><?xml version="1.0" encoding="utf-8"?>
 <p:sld xmlns:a="http://schemas.openxmlformats.org/drawingml/2006/main" xmlns:r="http://schemas.openxmlformats.org/officeDocument/2006/relationships" xmlns:p="http://schemas.openxmlformats.org/presentationml/2006/main">
   <p:cSld>
     <p:spTree>
@@ -12553,11 +12307,11 @@
           <a:lstStyle/>
           <a:p>
             <a:r>
-              <a:rPr lang="es-ES" sz="3200" dirty="0" err="1">
+              <a:rPr lang="es-ES" sz="3200" dirty="0">
                 <a:latin typeface="Segoe UI Semibold"/>
                 <a:cs typeface="Segoe UI Semibold"/>
               </a:rPr>
-              <a:t>StackLayout</a:t>
+              <a:t>Filas y columnas</a:t>
             </a:r>
             <a:endParaRPr lang="en-US" sz="3200" dirty="0"/>
           </a:p>
@@ -12580,7 +12334,7 @@
         <p:spPr>
           <a:xfrm>
             <a:off x="457200" y="2142642"/>
-            <a:ext cx="11222610" cy="4145036"/>
+            <a:ext cx="8231760" cy="591378"/>
           </a:xfrm>
           <a:prstGeom prst="rect">
             <a:avLst/>
@@ -12817,6 +12571,16 @@
               <a:buNone/>
             </a:pPr>
             <a:r>
+              <a:rPr lang="es-ES" sz="1800" b="0" i="0" dirty="0">
+                <a:solidFill>
+                  <a:srgbClr val="171717"/>
+                </a:solidFill>
+                <a:effectLst/>
+                <a:latin typeface="Segoe UI" panose="020B0502040204020203" pitchFamily="34" charset="0"/>
+              </a:rPr>
+              <a:t>En el código XAML siguiente se muestra cómo crear un </a:t>
+            </a:r>
+            <a:r>
               <a:rPr lang="es-ES" sz="1800" b="0" i="0" dirty="0" err="1">
                 <a:solidFill>
                   <a:srgbClr val="171717"/>
@@ -12824,7 +12588,7 @@
                 <a:effectLst/>
                 <a:latin typeface="Segoe UI" panose="020B0502040204020203" pitchFamily="34" charset="0"/>
               </a:rPr>
-              <a:t>StackLayout</a:t>
+              <a:t>Grid</a:t>
             </a:r>
             <a:r>
               <a:rPr lang="es-ES" sz="1800" b="0" i="0" dirty="0">
@@ -12834,27 +12598,7 @@
                 <a:effectLst/>
                 <a:latin typeface="Segoe UI" panose="020B0502040204020203" pitchFamily="34" charset="0"/>
               </a:rPr>
-              <a:t> organiza las vistas secundarias en una pila unidimensional, ya sea horizontal o verticalmente. De forma predeterminada, las vistas </a:t>
-            </a:r>
-            <a:r>
-              <a:rPr lang="es-ES" sz="1800" b="0" i="0" dirty="0" err="1">
-                <a:solidFill>
-                  <a:srgbClr val="171717"/>
-                </a:solidFill>
-                <a:effectLst/>
-                <a:latin typeface="Segoe UI" panose="020B0502040204020203" pitchFamily="34" charset="0"/>
-              </a:rPr>
-              <a:t>StackLayout</a:t>
-            </a:r>
-            <a:r>
-              <a:rPr lang="es-ES" sz="1800" b="0" i="0" dirty="0">
-                <a:solidFill>
-                  <a:srgbClr val="171717"/>
-                </a:solidFill>
-                <a:effectLst/>
-                <a:latin typeface="Segoe UI" panose="020B0502040204020203" pitchFamily="34" charset="0"/>
-              </a:rPr>
-              <a:t> están orientadas verticalmente. </a:t>
+              <a:t> objeto con tres filas y dos columnas</a:t>
             </a:r>
             <a:endParaRPr lang="es-ES" sz="1800" b="0" dirty="0">
               <a:solidFill>
@@ -12871,7 +12615,7 @@
           <p:cNvPr id="7" name="TextBox 6">
             <a:extLst>
               <a:ext uri="{FF2B5EF4-FFF2-40B4-BE49-F238E27FC236}">
-                <a16:creationId xmlns:a16="http://schemas.microsoft.com/office/drawing/2014/main" id="{7C96B88B-8A7B-47FD-9806-91E2EFB00206}"/>
+                <a16:creationId xmlns:a16="http://schemas.microsoft.com/office/drawing/2014/main" id="{5D9F20B1-D542-4F27-8AF3-F888F6205E15}"/>
               </a:ext>
             </a:extLst>
           </p:cNvPr>
@@ -12880,8 +12624,8 @@
         </p:nvSpPr>
         <p:spPr>
           <a:xfrm>
-            <a:off x="512190" y="2849327"/>
-            <a:ext cx="6537488" cy="2862322"/>
+            <a:off x="457200" y="2822312"/>
+            <a:ext cx="11222610" cy="3416320"/>
           </a:xfrm>
           <a:prstGeom prst="rect">
             <a:avLst/>
@@ -12902,6 +12646,37 @@
                 <a:effectLst/>
                 <a:latin typeface="SFMono-Regular"/>
               </a:rPr>
+              <a:t>&lt;Grid&gt;</a:t>
+            </a:r>
+            <a:r>
+              <a:rPr lang="en-US" b="0" i="0" dirty="0">
+                <a:solidFill>
+                  <a:srgbClr val="171717"/>
+                </a:solidFill>
+                <a:effectLst/>
+                <a:latin typeface="SFMono-Regular"/>
+              </a:rPr>
+              <a:t> </a:t>
+            </a:r>
+          </a:p>
+          <a:p>
+            <a:r>
+              <a:rPr lang="en-US" dirty="0">
+                <a:solidFill>
+                  <a:srgbClr val="171717"/>
+                </a:solidFill>
+                <a:latin typeface="SFMono-Regular"/>
+              </a:rPr>
+              <a:t>     </a:t>
+            </a:r>
+            <a:r>
+              <a:rPr lang="en-US" b="0" i="0" dirty="0">
+                <a:solidFill>
+                  <a:srgbClr val="0101FD"/>
+                </a:solidFill>
+                <a:effectLst/>
+                <a:latin typeface="SFMono-Regular"/>
+              </a:rPr>
               <a:t>&lt;</a:t>
             </a:r>
             <a:r>
@@ -12912,7 +12687,7 @@
                 <a:effectLst/>
                 <a:latin typeface="SFMono-Regular"/>
               </a:rPr>
-              <a:t>StackLayout</a:t>
+              <a:t>Grid.RowDefinitions</a:t>
             </a:r>
             <a:r>
               <a:rPr lang="en-US" b="0" i="0" dirty="0">
@@ -12922,8 +12697,50 @@
                 <a:effectLst/>
                 <a:latin typeface="SFMono-Regular"/>
               </a:rPr>
+              <a:t>&gt;</a:t>
+            </a:r>
+            <a:r>
+              <a:rPr lang="en-US" b="0" i="0" dirty="0">
+                <a:solidFill>
+                  <a:srgbClr val="171717"/>
+                </a:solidFill>
+                <a:effectLst/>
+                <a:latin typeface="SFMono-Regular"/>
+              </a:rPr>
               <a:t> </a:t>
             </a:r>
+          </a:p>
+          <a:p>
+            <a:r>
+              <a:rPr lang="en-US" b="0" i="0" dirty="0">
+                <a:solidFill>
+                  <a:srgbClr val="0101FD"/>
+                </a:solidFill>
+                <a:effectLst/>
+                <a:latin typeface="SFMono-Regular"/>
+              </a:rPr>
+              <a:t>          &lt;</a:t>
+            </a:r>
+            <a:r>
+              <a:rPr lang="en-US" b="0" i="0" dirty="0" err="1">
+                <a:solidFill>
+                  <a:srgbClr val="0101FD"/>
+                </a:solidFill>
+                <a:effectLst/>
+                <a:latin typeface="SFMono-Regular"/>
+              </a:rPr>
+              <a:t>RowDefinition</a:t>
+            </a:r>
+            <a:r>
+              <a:rPr lang="en-US" b="0" i="0" dirty="0">
+                <a:solidFill>
+                  <a:srgbClr val="0101FD"/>
+                </a:solidFill>
+                <a:effectLst/>
+                <a:latin typeface="SFMono-Regular"/>
+              </a:rPr>
+              <a:t> </a:t>
+            </a:r>
             <a:r>
               <a:rPr lang="en-US" b="0" i="0" dirty="0">
                 <a:solidFill>
@@ -12932,7 +12749,7 @@
                 <a:effectLst/>
                 <a:latin typeface="SFMono-Regular"/>
               </a:rPr>
-              <a:t>Margin</a:t>
+              <a:t>Height</a:t>
             </a:r>
             <a:r>
               <a:rPr lang="en-US" b="0" i="0" dirty="0">
@@ -12952,7 +12769,7 @@
                 <a:effectLst/>
                 <a:latin typeface="SFMono-Regular"/>
               </a:rPr>
-              <a:t>"20"</a:t>
+              <a:t>"2*"</a:t>
             </a:r>
             <a:r>
               <a:rPr lang="en-US" b="0" i="0" dirty="0">
@@ -12962,8 +12779,224 @@
                 <a:effectLst/>
                 <a:latin typeface="SFMono-Regular"/>
               </a:rPr>
+              <a:t> /&gt;</a:t>
+            </a:r>
+            <a:r>
+              <a:rPr lang="en-US" b="0" i="0" dirty="0">
+                <a:solidFill>
+                  <a:srgbClr val="171717"/>
+                </a:solidFill>
+                <a:effectLst/>
+                <a:latin typeface="SFMono-Regular"/>
+              </a:rPr>
+              <a:t> </a:t>
+            </a:r>
+          </a:p>
+          <a:p>
+            <a:r>
+              <a:rPr lang="en-US" b="0" i="0" dirty="0">
+                <a:solidFill>
+                  <a:srgbClr val="0101FD"/>
+                </a:solidFill>
+                <a:effectLst/>
+                <a:latin typeface="SFMono-Regular"/>
+              </a:rPr>
+              <a:t>          &lt;</a:t>
+            </a:r>
+            <a:r>
+              <a:rPr lang="en-US" b="0" i="0" dirty="0" err="1">
+                <a:solidFill>
+                  <a:srgbClr val="0101FD"/>
+                </a:solidFill>
+                <a:effectLst/>
+                <a:latin typeface="SFMono-Regular"/>
+              </a:rPr>
+              <a:t>RowDefinition</a:t>
+            </a:r>
+            <a:r>
+              <a:rPr lang="en-US" b="0" i="0" dirty="0">
+                <a:solidFill>
+                  <a:srgbClr val="0101FD"/>
+                </a:solidFill>
+                <a:effectLst/>
+                <a:latin typeface="SFMono-Regular"/>
+              </a:rPr>
+              <a:t> </a:t>
+            </a:r>
+            <a:r>
+              <a:rPr lang="en-US" b="0" i="0" dirty="0">
+                <a:solidFill>
+                  <a:srgbClr val="0451A5"/>
+                </a:solidFill>
+                <a:effectLst/>
+                <a:latin typeface="SFMono-Regular"/>
+              </a:rPr>
+              <a:t>Height</a:t>
+            </a:r>
+            <a:r>
+              <a:rPr lang="en-US" b="0" i="0" dirty="0">
+                <a:solidFill>
+                  <a:srgbClr val="0101FD"/>
+                </a:solidFill>
+                <a:effectLst/>
+                <a:latin typeface="SFMono-Regular"/>
+              </a:rPr>
+              <a:t>=</a:t>
+            </a:r>
+            <a:r>
+              <a:rPr lang="en-US" b="0" i="0" dirty="0">
+                <a:solidFill>
+                  <a:srgbClr val="A31515"/>
+                </a:solidFill>
+                <a:effectLst/>
+                <a:latin typeface="SFMono-Regular"/>
+              </a:rPr>
+              <a:t>"*"</a:t>
+            </a:r>
+            <a:r>
+              <a:rPr lang="en-US" b="0" i="0" dirty="0">
+                <a:solidFill>
+                  <a:srgbClr val="0101FD"/>
+                </a:solidFill>
+                <a:effectLst/>
+                <a:latin typeface="SFMono-Regular"/>
+              </a:rPr>
+              <a:t> /&gt;</a:t>
+            </a:r>
+          </a:p>
+          <a:p>
+            <a:r>
+              <a:rPr lang="en-US" b="0" i="0" dirty="0">
+                <a:solidFill>
+                  <a:srgbClr val="171717"/>
+                </a:solidFill>
+                <a:effectLst/>
+                <a:latin typeface="SFMono-Regular"/>
+              </a:rPr>
+              <a:t>          </a:t>
+            </a:r>
+            <a:r>
+              <a:rPr lang="en-US" b="0" i="0" dirty="0">
+                <a:solidFill>
+                  <a:srgbClr val="0101FD"/>
+                </a:solidFill>
+                <a:effectLst/>
+                <a:latin typeface="SFMono-Regular"/>
+              </a:rPr>
+              <a:t>&lt;</a:t>
+            </a:r>
+            <a:r>
+              <a:rPr lang="en-US" b="0" i="0" dirty="0" err="1">
+                <a:solidFill>
+                  <a:srgbClr val="0101FD"/>
+                </a:solidFill>
+                <a:effectLst/>
+                <a:latin typeface="SFMono-Regular"/>
+              </a:rPr>
+              <a:t>RowDefinition</a:t>
+            </a:r>
+            <a:r>
+              <a:rPr lang="en-US" b="0" i="0" dirty="0">
+                <a:solidFill>
+                  <a:srgbClr val="0101FD"/>
+                </a:solidFill>
+                <a:effectLst/>
+                <a:latin typeface="SFMono-Regular"/>
+              </a:rPr>
+              <a:t> </a:t>
+            </a:r>
+            <a:r>
+              <a:rPr lang="en-US" b="0" i="0" dirty="0">
+                <a:solidFill>
+                  <a:srgbClr val="0451A5"/>
+                </a:solidFill>
+                <a:effectLst/>
+                <a:latin typeface="SFMono-Regular"/>
+              </a:rPr>
+              <a:t>Height</a:t>
+            </a:r>
+            <a:r>
+              <a:rPr lang="en-US" b="0" i="0" dirty="0">
+                <a:solidFill>
+                  <a:srgbClr val="0101FD"/>
+                </a:solidFill>
+                <a:effectLst/>
+                <a:latin typeface="SFMono-Regular"/>
+              </a:rPr>
+              <a:t>=</a:t>
+            </a:r>
+            <a:r>
+              <a:rPr lang="en-US" b="0" i="0" dirty="0">
+                <a:solidFill>
+                  <a:srgbClr val="A31515"/>
+                </a:solidFill>
+                <a:effectLst/>
+                <a:latin typeface="SFMono-Regular"/>
+              </a:rPr>
+              <a:t>"100"</a:t>
+            </a:r>
+            <a:r>
+              <a:rPr lang="en-US" b="0" i="0" dirty="0">
+                <a:solidFill>
+                  <a:srgbClr val="0101FD"/>
+                </a:solidFill>
+                <a:effectLst/>
+                <a:latin typeface="SFMono-Regular"/>
+              </a:rPr>
+              <a:t> /&gt;</a:t>
+            </a:r>
+            <a:r>
+              <a:rPr lang="en-US" b="0" i="0" dirty="0">
+                <a:solidFill>
+                  <a:srgbClr val="171717"/>
+                </a:solidFill>
+                <a:effectLst/>
+                <a:latin typeface="SFMono-Regular"/>
+              </a:rPr>
+              <a:t> </a:t>
+            </a:r>
+          </a:p>
+          <a:p>
+            <a:r>
+              <a:rPr lang="en-US" b="0" i="0" dirty="0">
+                <a:solidFill>
+                  <a:srgbClr val="0101FD"/>
+                </a:solidFill>
+                <a:effectLst/>
+                <a:latin typeface="SFMono-Regular"/>
+              </a:rPr>
+              <a:t>          &lt;/</a:t>
+            </a:r>
+            <a:r>
+              <a:rPr lang="en-US" b="0" i="0" dirty="0" err="1">
+                <a:solidFill>
+                  <a:srgbClr val="0101FD"/>
+                </a:solidFill>
+                <a:effectLst/>
+                <a:latin typeface="SFMono-Regular"/>
+              </a:rPr>
+              <a:t>Grid.RowDefinitions</a:t>
+            </a:r>
+            <a:r>
+              <a:rPr lang="en-US" b="0" i="0" dirty="0">
+                <a:solidFill>
+                  <a:srgbClr val="0101FD"/>
+                </a:solidFill>
+                <a:effectLst/>
+                <a:latin typeface="SFMono-Regular"/>
+              </a:rPr>
               <a:t>&gt;</a:t>
             </a:r>
+            <a:r>
+              <a:rPr lang="en-US" b="0" i="0" dirty="0">
+                <a:solidFill>
+                  <a:srgbClr val="171717"/>
+                </a:solidFill>
+                <a:effectLst/>
+                <a:latin typeface="SFMono-Regular"/>
+              </a:rPr>
+              <a:t> </a:t>
+            </a:r>
           </a:p>
           <a:p>
             <a:r>
@@ -12974,7 +13007,69 @@
                 <a:effectLst/>
                 <a:latin typeface="SFMono-Regular"/>
               </a:rPr>
-              <a:t>&lt;Label </a:t>
+              <a:t>     &lt;</a:t>
+            </a:r>
+            <a:r>
+              <a:rPr lang="en-US" b="0" i="0" dirty="0" err="1">
+                <a:solidFill>
+                  <a:srgbClr val="0101FD"/>
+                </a:solidFill>
+                <a:effectLst/>
+                <a:latin typeface="SFMono-Regular"/>
+              </a:rPr>
+              <a:t>Grid.ColumnDefinitions</a:t>
+            </a:r>
+            <a:r>
+              <a:rPr lang="en-US" b="0" i="0" dirty="0">
+                <a:solidFill>
+                  <a:srgbClr val="0101FD"/>
+                </a:solidFill>
+                <a:effectLst/>
+                <a:latin typeface="SFMono-Regular"/>
+              </a:rPr>
+              <a:t>&gt;</a:t>
+            </a:r>
+            <a:r>
+              <a:rPr lang="en-US" b="0" i="0" dirty="0">
+                <a:solidFill>
+                  <a:srgbClr val="171717"/>
+                </a:solidFill>
+                <a:effectLst/>
+                <a:latin typeface="SFMono-Regular"/>
+              </a:rPr>
+              <a:t> </a:t>
+            </a:r>
+          </a:p>
+          <a:p>
+            <a:r>
+              <a:rPr lang="en-US" b="0" i="0" dirty="0">
+                <a:solidFill>
+                  <a:srgbClr val="0101FD"/>
+                </a:solidFill>
+                <a:effectLst/>
+                <a:latin typeface="SFMono-Regular"/>
+              </a:rPr>
+              <a:t>          &lt;</a:t>
+            </a:r>
+            <a:r>
+              <a:rPr lang="en-US" b="0" i="0" dirty="0" err="1">
+                <a:solidFill>
+                  <a:srgbClr val="0101FD"/>
+                </a:solidFill>
+                <a:effectLst/>
+                <a:latin typeface="SFMono-Regular"/>
+              </a:rPr>
+              <a:t>ColumnDefinition</a:t>
+            </a:r>
+            <a:r>
+              <a:rPr lang="en-US" b="0" i="0" dirty="0">
+                <a:solidFill>
+                  <a:srgbClr val="0101FD"/>
+                </a:solidFill>
+                <a:effectLst/>
+                <a:latin typeface="SFMono-Regular"/>
+              </a:rPr>
+              <a:t> </a:t>
             </a:r>
             <a:r>
               <a:rPr lang="en-US" b="0" i="0" dirty="0">
@@ -12984,7 +13079,7 @@
                 <a:effectLst/>
                 <a:latin typeface="SFMono-Regular"/>
               </a:rPr>
-              <a:t>Text</a:t>
+              <a:t>Width</a:t>
             </a:r>
             <a:r>
               <a:rPr lang="en-US" b="0" i="0" dirty="0">
@@ -13004,7 +13099,7 @@
                 <a:effectLst/>
                 <a:latin typeface="SFMono-Regular"/>
               </a:rPr>
-              <a:t>"Primary colors"</a:t>
+              <a:t>"*"</a:t>
             </a:r>
             <a:r>
               <a:rPr lang="en-US" b="0" i="0" dirty="0">
@@ -13036,7 +13131,7 @@
                 <a:effectLst/>
                 <a:latin typeface="SFMono-Regular"/>
               </a:rPr>
-              <a:t>&lt;</a:t>
+              <a:t>          &lt;</a:t>
             </a:r>
             <a:r>
               <a:rPr lang="en-US" b="0" i="0" dirty="0" err="1">
@@ -13046,7 +13141,7 @@
                 <a:effectLst/>
                 <a:latin typeface="SFMono-Regular"/>
               </a:rPr>
-              <a:t>BoxView</a:t>
+              <a:t>ColumnDefinition</a:t>
             </a:r>
             <a:r>
               <a:rPr lang="en-US" b="0" i="0" dirty="0">
@@ -13066,7 +13161,7 @@
                 <a:effectLst/>
                 <a:latin typeface="SFMono-Regular"/>
               </a:rPr>
-              <a:t>Color</a:t>
+              <a:t>Width</a:t>
             </a:r>
             <a:r>
               <a:rPr lang="en-US" b="0" i="0" dirty="0">
@@ -13086,7 +13181,7 @@
                 <a:effectLst/>
                 <a:latin typeface="SFMono-Regular"/>
               </a:rPr>
-              <a:t>"Red"</a:t>
+              <a:t>"*"</a:t>
             </a:r>
             <a:r>
               <a:rPr lang="en-US" b="0" i="0" dirty="0">
@@ -13096,37 +13191,39 @@
                 <a:effectLst/>
                 <a:latin typeface="SFMono-Regular"/>
               </a:rPr>
+              <a:t> /&gt;</a:t>
+            </a:r>
+            <a:r>
+              <a:rPr lang="en-US" b="0" i="0" dirty="0">
+                <a:solidFill>
+                  <a:srgbClr val="171717"/>
+                </a:solidFill>
+                <a:effectLst/>
+                <a:latin typeface="SFMono-Regular"/>
+              </a:rPr>
               <a:t> </a:t>
             </a:r>
+          </a:p>
+          <a:p>
+            <a:r>
+              <a:rPr lang="en-US" b="0" i="0" dirty="0">
+                <a:solidFill>
+                  <a:srgbClr val="0101FD"/>
+                </a:solidFill>
+                <a:effectLst/>
+                <a:latin typeface="SFMono-Regular"/>
+              </a:rPr>
+              <a:t>     &lt;/</a:t>
+            </a:r>
             <a:r>
               <a:rPr lang="en-US" b="0" i="0" dirty="0" err="1">
                 <a:solidFill>
-                  <a:srgbClr val="0451A5"/>
-                </a:solidFill>
-                <a:effectLst/>
-                <a:latin typeface="SFMono-Regular"/>
-              </a:rPr>
-              <a:t>HeightRequest</a:t>
-            </a:r>
-            <a:r>
-              <a:rPr lang="en-US" b="0" i="0" dirty="0">
-                <a:solidFill>
                   <a:srgbClr val="0101FD"/>
                 </a:solidFill>
                 <a:effectLst/>
                 <a:latin typeface="SFMono-Regular"/>
               </a:rPr>
-              <a:t>=</a:t>
-            </a:r>
-            <a:r>
-              <a:rPr lang="en-US" b="0" i="0" dirty="0">
-                <a:solidFill>
-                  <a:srgbClr val="A31515"/>
-                </a:solidFill>
-                <a:effectLst/>
-                <a:latin typeface="SFMono-Regular"/>
-              </a:rPr>
-              <a:t>"40"</a:t>
+              <a:t>Grid.ColumnDefinitions</a:t>
             </a:r>
             <a:r>
               <a:rPr lang="en-US" b="0" i="0" dirty="0">
@@ -13136,14 +13233,30 @@
                 <a:effectLst/>
                 <a:latin typeface="SFMono-Regular"/>
               </a:rPr>
-              <a:t> /&gt;</a:t>
-            </a:r>
-            <a:endParaRPr lang="en-US" dirty="0">
-              <a:solidFill>
-                <a:srgbClr val="171717"/>
-              </a:solidFill>
-              <a:latin typeface="SFMono-Regular"/>
-            </a:endParaRPr>
+              <a:t>&gt;</a:t>
+            </a:r>
+            <a:r>
+              <a:rPr lang="en-US" b="0" i="0" dirty="0">
+                <a:solidFill>
+                  <a:srgbClr val="171717"/>
+                </a:solidFill>
+                <a:effectLst/>
+                <a:latin typeface="SFMono-Regular"/>
+              </a:rPr>
+              <a:t> </a:t>
+            </a:r>
+          </a:p>
+          <a:p>
+            <a:r>
+              <a:rPr lang="en-US" b="0" i="0" dirty="0">
+                <a:solidFill>
+                  <a:srgbClr val="171717"/>
+                </a:solidFill>
+                <a:effectLst/>
+                <a:latin typeface="SFMono-Regular"/>
+              </a:rPr>
+              <a:t>... </a:t>
+            </a:r>
           </a:p>
           <a:p>
             <a:r>
@@ -13154,669 +13267,7 @@
                 <a:effectLst/>
                 <a:latin typeface="SFMono-Regular"/>
               </a:rPr>
-              <a:t>&lt;</a:t>
-            </a:r>
-            <a:r>
-              <a:rPr lang="en-US" b="0" i="0" dirty="0" err="1">
-                <a:solidFill>
-                  <a:srgbClr val="0101FD"/>
-                </a:solidFill>
-                <a:effectLst/>
-                <a:latin typeface="SFMono-Regular"/>
-              </a:rPr>
-              <a:t>BoxView</a:t>
-            </a:r>
-            <a:r>
-              <a:rPr lang="en-US" b="0" i="0" dirty="0">
-                <a:solidFill>
-                  <a:srgbClr val="0101FD"/>
-                </a:solidFill>
-                <a:effectLst/>
-                <a:latin typeface="SFMono-Regular"/>
-              </a:rPr>
-              <a:t> </a:t>
-            </a:r>
-            <a:r>
-              <a:rPr lang="en-US" b="0" i="0" dirty="0">
-                <a:solidFill>
-                  <a:srgbClr val="0451A5"/>
-                </a:solidFill>
-                <a:effectLst/>
-                <a:latin typeface="SFMono-Regular"/>
-              </a:rPr>
-              <a:t>Color</a:t>
-            </a:r>
-            <a:r>
-              <a:rPr lang="en-US" b="0" i="0" dirty="0">
-                <a:solidFill>
-                  <a:srgbClr val="0101FD"/>
-                </a:solidFill>
-                <a:effectLst/>
-                <a:latin typeface="SFMono-Regular"/>
-              </a:rPr>
-              <a:t>=</a:t>
-            </a:r>
-            <a:r>
-              <a:rPr lang="en-US" b="0" i="0" dirty="0">
-                <a:solidFill>
-                  <a:srgbClr val="A31515"/>
-                </a:solidFill>
-                <a:effectLst/>
-                <a:latin typeface="SFMono-Regular"/>
-              </a:rPr>
-              <a:t>"Yellow"</a:t>
-            </a:r>
-            <a:r>
-              <a:rPr lang="en-US" b="0" i="0" dirty="0">
-                <a:solidFill>
-                  <a:srgbClr val="0101FD"/>
-                </a:solidFill>
-                <a:effectLst/>
-                <a:latin typeface="SFMono-Regular"/>
-              </a:rPr>
-              <a:t> </a:t>
-            </a:r>
-            <a:r>
-              <a:rPr lang="en-US" b="0" i="0" dirty="0" err="1">
-                <a:solidFill>
-                  <a:srgbClr val="0451A5"/>
-                </a:solidFill>
-                <a:effectLst/>
-                <a:latin typeface="SFMono-Regular"/>
-              </a:rPr>
-              <a:t>HeightRequest</a:t>
-            </a:r>
-            <a:r>
-              <a:rPr lang="en-US" b="0" i="0" dirty="0">
-                <a:solidFill>
-                  <a:srgbClr val="0101FD"/>
-                </a:solidFill>
-                <a:effectLst/>
-                <a:latin typeface="SFMono-Regular"/>
-              </a:rPr>
-              <a:t>=</a:t>
-            </a:r>
-            <a:r>
-              <a:rPr lang="en-US" b="0" i="0" dirty="0">
-                <a:solidFill>
-                  <a:srgbClr val="A31515"/>
-                </a:solidFill>
-                <a:effectLst/>
-                <a:latin typeface="SFMono-Regular"/>
-              </a:rPr>
-              <a:t>"40"</a:t>
-            </a:r>
-            <a:r>
-              <a:rPr lang="en-US" b="0" i="0" dirty="0">
-                <a:solidFill>
-                  <a:srgbClr val="0101FD"/>
-                </a:solidFill>
-                <a:effectLst/>
-                <a:latin typeface="SFMono-Regular"/>
-              </a:rPr>
-              <a:t> /&gt;</a:t>
-            </a:r>
-            <a:endParaRPr lang="en-US" dirty="0">
-              <a:solidFill>
-                <a:srgbClr val="171717"/>
-              </a:solidFill>
-              <a:latin typeface="SFMono-Regular"/>
-            </a:endParaRPr>
-          </a:p>
-          <a:p>
-            <a:r>
-              <a:rPr lang="en-US" b="0" i="0" dirty="0">
-                <a:solidFill>
-                  <a:srgbClr val="0101FD"/>
-                </a:solidFill>
-                <a:effectLst/>
-                <a:latin typeface="SFMono-Regular"/>
-              </a:rPr>
-              <a:t>&lt;</a:t>
-            </a:r>
-            <a:r>
-              <a:rPr lang="en-US" b="0" i="0" dirty="0" err="1">
-                <a:solidFill>
-                  <a:srgbClr val="0101FD"/>
-                </a:solidFill>
-                <a:effectLst/>
-                <a:latin typeface="SFMono-Regular"/>
-              </a:rPr>
-              <a:t>BoxView</a:t>
-            </a:r>
-            <a:r>
-              <a:rPr lang="en-US" b="0" i="0" dirty="0">
-                <a:solidFill>
-                  <a:srgbClr val="0101FD"/>
-                </a:solidFill>
-                <a:effectLst/>
-                <a:latin typeface="SFMono-Regular"/>
-              </a:rPr>
-              <a:t> </a:t>
-            </a:r>
-            <a:r>
-              <a:rPr lang="en-US" b="0" i="0" dirty="0">
-                <a:solidFill>
-                  <a:srgbClr val="0451A5"/>
-                </a:solidFill>
-                <a:effectLst/>
-                <a:latin typeface="SFMono-Regular"/>
-              </a:rPr>
-              <a:t>Color</a:t>
-            </a:r>
-            <a:r>
-              <a:rPr lang="en-US" b="0" i="0" dirty="0">
-                <a:solidFill>
-                  <a:srgbClr val="0101FD"/>
-                </a:solidFill>
-                <a:effectLst/>
-                <a:latin typeface="SFMono-Regular"/>
-              </a:rPr>
-              <a:t>=</a:t>
-            </a:r>
-            <a:r>
-              <a:rPr lang="en-US" b="0" i="0" dirty="0">
-                <a:solidFill>
-                  <a:srgbClr val="A31515"/>
-                </a:solidFill>
-                <a:effectLst/>
-                <a:latin typeface="SFMono-Regular"/>
-              </a:rPr>
-              <a:t>"Blue"</a:t>
-            </a:r>
-            <a:r>
-              <a:rPr lang="en-US" b="0" i="0" dirty="0">
-                <a:solidFill>
-                  <a:srgbClr val="0101FD"/>
-                </a:solidFill>
-                <a:effectLst/>
-                <a:latin typeface="SFMono-Regular"/>
-              </a:rPr>
-              <a:t> </a:t>
-            </a:r>
-            <a:r>
-              <a:rPr lang="en-US" b="0" i="0" dirty="0" err="1">
-                <a:solidFill>
-                  <a:srgbClr val="0451A5"/>
-                </a:solidFill>
-                <a:effectLst/>
-                <a:latin typeface="SFMono-Regular"/>
-              </a:rPr>
-              <a:t>HeightRequest</a:t>
-            </a:r>
-            <a:r>
-              <a:rPr lang="en-US" b="0" i="0" dirty="0">
-                <a:solidFill>
-                  <a:srgbClr val="0101FD"/>
-                </a:solidFill>
-                <a:effectLst/>
-                <a:latin typeface="SFMono-Regular"/>
-              </a:rPr>
-              <a:t>=</a:t>
-            </a:r>
-            <a:r>
-              <a:rPr lang="en-US" b="0" i="0" dirty="0">
-                <a:solidFill>
-                  <a:srgbClr val="A31515"/>
-                </a:solidFill>
-                <a:effectLst/>
-                <a:latin typeface="SFMono-Regular"/>
-              </a:rPr>
-              <a:t>"40"</a:t>
-            </a:r>
-            <a:r>
-              <a:rPr lang="en-US" b="0" i="0" dirty="0">
-                <a:solidFill>
-                  <a:srgbClr val="0101FD"/>
-                </a:solidFill>
-                <a:effectLst/>
-                <a:latin typeface="SFMono-Regular"/>
-              </a:rPr>
-              <a:t> /&gt;</a:t>
-            </a:r>
-            <a:endParaRPr lang="en-US" dirty="0">
-              <a:solidFill>
-                <a:srgbClr val="171717"/>
-              </a:solidFill>
-              <a:latin typeface="SFMono-Regular"/>
-            </a:endParaRPr>
-          </a:p>
-          <a:p>
-            <a:r>
-              <a:rPr lang="en-US" b="0" i="0" dirty="0">
-                <a:solidFill>
-                  <a:srgbClr val="0101FD"/>
-                </a:solidFill>
-                <a:effectLst/>
-                <a:latin typeface="SFMono-Regular"/>
-              </a:rPr>
-              <a:t>&lt;Label </a:t>
-            </a:r>
-            <a:r>
-              <a:rPr lang="en-US" b="0" i="0" dirty="0">
-                <a:solidFill>
-                  <a:srgbClr val="0451A5"/>
-                </a:solidFill>
-                <a:effectLst/>
-                <a:latin typeface="SFMono-Regular"/>
-              </a:rPr>
-              <a:t>Text</a:t>
-            </a:r>
-            <a:r>
-              <a:rPr lang="en-US" b="0" i="0" dirty="0">
-                <a:solidFill>
-                  <a:srgbClr val="0101FD"/>
-                </a:solidFill>
-                <a:effectLst/>
-                <a:latin typeface="SFMono-Regular"/>
-              </a:rPr>
-              <a:t>=</a:t>
-            </a:r>
-            <a:r>
-              <a:rPr lang="en-US" b="0" i="0" dirty="0">
-                <a:solidFill>
-                  <a:srgbClr val="A31515"/>
-                </a:solidFill>
-                <a:effectLst/>
-                <a:latin typeface="SFMono-Regular"/>
-              </a:rPr>
-              <a:t>"Secondary colors"</a:t>
-            </a:r>
-            <a:r>
-              <a:rPr lang="en-US" b="0" i="0" dirty="0">
-                <a:solidFill>
-                  <a:srgbClr val="0101FD"/>
-                </a:solidFill>
-                <a:effectLst/>
-                <a:latin typeface="SFMono-Regular"/>
-              </a:rPr>
-              <a:t> /&gt;</a:t>
-            </a:r>
-            <a:endParaRPr lang="en-US" dirty="0">
-              <a:solidFill>
-                <a:srgbClr val="171717"/>
-              </a:solidFill>
-              <a:latin typeface="SFMono-Regular"/>
-            </a:endParaRPr>
-          </a:p>
-          <a:p>
-            <a:r>
-              <a:rPr lang="en-US" b="0" i="0" dirty="0">
-                <a:solidFill>
-                  <a:srgbClr val="0101FD"/>
-                </a:solidFill>
-                <a:effectLst/>
-                <a:latin typeface="SFMono-Regular"/>
-              </a:rPr>
-              <a:t>&lt;</a:t>
-            </a:r>
-            <a:r>
-              <a:rPr lang="en-US" b="0" i="0" dirty="0" err="1">
-                <a:solidFill>
-                  <a:srgbClr val="0101FD"/>
-                </a:solidFill>
-                <a:effectLst/>
-                <a:latin typeface="SFMono-Regular"/>
-              </a:rPr>
-              <a:t>BoxView</a:t>
-            </a:r>
-            <a:r>
-              <a:rPr lang="en-US" b="0" i="0" dirty="0">
-                <a:solidFill>
-                  <a:srgbClr val="0101FD"/>
-                </a:solidFill>
-                <a:effectLst/>
-                <a:latin typeface="SFMono-Regular"/>
-              </a:rPr>
-              <a:t> </a:t>
-            </a:r>
-            <a:r>
-              <a:rPr lang="en-US" b="0" i="0" dirty="0">
-                <a:solidFill>
-                  <a:srgbClr val="0451A5"/>
-                </a:solidFill>
-                <a:effectLst/>
-                <a:latin typeface="SFMono-Regular"/>
-              </a:rPr>
-              <a:t>Color</a:t>
-            </a:r>
-            <a:r>
-              <a:rPr lang="en-US" b="0" i="0" dirty="0">
-                <a:solidFill>
-                  <a:srgbClr val="0101FD"/>
-                </a:solidFill>
-                <a:effectLst/>
-                <a:latin typeface="SFMono-Regular"/>
-              </a:rPr>
-              <a:t>=</a:t>
-            </a:r>
-            <a:r>
-              <a:rPr lang="en-US" b="0" i="0" dirty="0">
-                <a:solidFill>
-                  <a:srgbClr val="A31515"/>
-                </a:solidFill>
-                <a:effectLst/>
-                <a:latin typeface="SFMono-Regular"/>
-              </a:rPr>
-              <a:t>"Green"</a:t>
-            </a:r>
-            <a:r>
-              <a:rPr lang="en-US" b="0" i="0" dirty="0">
-                <a:solidFill>
-                  <a:srgbClr val="0101FD"/>
-                </a:solidFill>
-                <a:effectLst/>
-                <a:latin typeface="SFMono-Regular"/>
-              </a:rPr>
-              <a:t> </a:t>
-            </a:r>
-            <a:r>
-              <a:rPr lang="en-US" b="0" i="0" dirty="0" err="1">
-                <a:solidFill>
-                  <a:srgbClr val="0451A5"/>
-                </a:solidFill>
-                <a:effectLst/>
-                <a:latin typeface="SFMono-Regular"/>
-              </a:rPr>
-              <a:t>HeightRequest</a:t>
-            </a:r>
-            <a:r>
-              <a:rPr lang="en-US" b="0" i="0" dirty="0">
-                <a:solidFill>
-                  <a:srgbClr val="0101FD"/>
-                </a:solidFill>
-                <a:effectLst/>
-                <a:latin typeface="SFMono-Regular"/>
-              </a:rPr>
-              <a:t>=</a:t>
-            </a:r>
-            <a:r>
-              <a:rPr lang="en-US" b="0" i="0" dirty="0">
-                <a:solidFill>
-                  <a:srgbClr val="A31515"/>
-                </a:solidFill>
-                <a:effectLst/>
-                <a:latin typeface="SFMono-Regular"/>
-              </a:rPr>
-              <a:t>"40"</a:t>
-            </a:r>
-            <a:r>
-              <a:rPr lang="en-US" b="0" i="0" dirty="0">
-                <a:solidFill>
-                  <a:srgbClr val="0101FD"/>
-                </a:solidFill>
-                <a:effectLst/>
-                <a:latin typeface="SFMono-Regular"/>
-              </a:rPr>
-              <a:t> /&gt;</a:t>
-            </a:r>
-            <a:endParaRPr lang="en-US" dirty="0">
-              <a:solidFill>
-                <a:srgbClr val="171717"/>
-              </a:solidFill>
-              <a:latin typeface="SFMono-Regular"/>
-            </a:endParaRPr>
-          </a:p>
-          <a:p>
-            <a:r>
-              <a:rPr lang="en-US" b="0" i="0" dirty="0">
-                <a:solidFill>
-                  <a:srgbClr val="0101FD"/>
-                </a:solidFill>
-                <a:effectLst/>
-                <a:latin typeface="SFMono-Regular"/>
-              </a:rPr>
-              <a:t>&lt;</a:t>
-            </a:r>
-            <a:r>
-              <a:rPr lang="en-US" b="0" i="0" dirty="0" err="1">
-                <a:solidFill>
-                  <a:srgbClr val="0101FD"/>
-                </a:solidFill>
-                <a:effectLst/>
-                <a:latin typeface="SFMono-Regular"/>
-              </a:rPr>
-              <a:t>BoxView</a:t>
-            </a:r>
-            <a:r>
-              <a:rPr lang="en-US" b="0" i="0" dirty="0">
-                <a:solidFill>
-                  <a:srgbClr val="0101FD"/>
-                </a:solidFill>
-                <a:effectLst/>
-                <a:latin typeface="SFMono-Regular"/>
-              </a:rPr>
-              <a:t> </a:t>
-            </a:r>
-            <a:r>
-              <a:rPr lang="en-US" b="0" i="0" dirty="0">
-                <a:solidFill>
-                  <a:srgbClr val="0451A5"/>
-                </a:solidFill>
-                <a:effectLst/>
-                <a:latin typeface="SFMono-Regular"/>
-              </a:rPr>
-              <a:t>Color</a:t>
-            </a:r>
-            <a:r>
-              <a:rPr lang="en-US" b="0" i="0" dirty="0">
-                <a:solidFill>
-                  <a:srgbClr val="0101FD"/>
-                </a:solidFill>
-                <a:effectLst/>
-                <a:latin typeface="SFMono-Regular"/>
-              </a:rPr>
-              <a:t>=</a:t>
-            </a:r>
-            <a:r>
-              <a:rPr lang="en-US" b="0" i="0" dirty="0">
-                <a:solidFill>
-                  <a:srgbClr val="A31515"/>
-                </a:solidFill>
-                <a:effectLst/>
-                <a:latin typeface="SFMono-Regular"/>
-              </a:rPr>
-              <a:t>"Orange"</a:t>
-            </a:r>
-            <a:r>
-              <a:rPr lang="en-US" b="0" i="0" dirty="0">
-                <a:solidFill>
-                  <a:srgbClr val="0101FD"/>
-                </a:solidFill>
-                <a:effectLst/>
-                <a:latin typeface="SFMono-Regular"/>
-              </a:rPr>
-              <a:t> </a:t>
-            </a:r>
-            <a:r>
-              <a:rPr lang="en-US" b="0" i="0" dirty="0" err="1">
-                <a:solidFill>
-                  <a:srgbClr val="0451A5"/>
-                </a:solidFill>
-                <a:effectLst/>
-                <a:latin typeface="SFMono-Regular"/>
-              </a:rPr>
-              <a:t>HeightRequest</a:t>
-            </a:r>
-            <a:r>
-              <a:rPr lang="en-US" b="0" i="0" dirty="0">
-                <a:solidFill>
-                  <a:srgbClr val="0101FD"/>
-                </a:solidFill>
-                <a:effectLst/>
-                <a:latin typeface="SFMono-Regular"/>
-              </a:rPr>
-              <a:t>=</a:t>
-            </a:r>
-            <a:r>
-              <a:rPr lang="en-US" b="0" i="0" dirty="0">
-                <a:solidFill>
-                  <a:srgbClr val="A31515"/>
-                </a:solidFill>
-                <a:effectLst/>
-                <a:latin typeface="SFMono-Regular"/>
-              </a:rPr>
-              <a:t>"40"</a:t>
-            </a:r>
-            <a:r>
-              <a:rPr lang="en-US" b="0" i="0" dirty="0">
-                <a:solidFill>
-                  <a:srgbClr val="0101FD"/>
-                </a:solidFill>
-                <a:effectLst/>
-                <a:latin typeface="SFMono-Regular"/>
-              </a:rPr>
-              <a:t> /&gt;</a:t>
-            </a:r>
-            <a:endParaRPr lang="en-US" dirty="0">
-              <a:solidFill>
-                <a:srgbClr val="171717"/>
-              </a:solidFill>
-              <a:latin typeface="SFMono-Regular"/>
-            </a:endParaRPr>
-          </a:p>
-          <a:p>
-            <a:r>
-              <a:rPr lang="en-US" b="0" i="0" dirty="0">
-                <a:solidFill>
-                  <a:srgbClr val="0101FD"/>
-                </a:solidFill>
-                <a:effectLst/>
-                <a:latin typeface="SFMono-Regular"/>
-              </a:rPr>
-              <a:t>&lt;</a:t>
-            </a:r>
-            <a:r>
-              <a:rPr lang="en-US" b="0" i="0" dirty="0" err="1">
-                <a:solidFill>
-                  <a:srgbClr val="0101FD"/>
-                </a:solidFill>
-                <a:effectLst/>
-                <a:latin typeface="SFMono-Regular"/>
-              </a:rPr>
-              <a:t>BoxView</a:t>
-            </a:r>
-            <a:r>
-              <a:rPr lang="en-US" b="0" i="0" dirty="0">
-                <a:solidFill>
-                  <a:srgbClr val="0101FD"/>
-                </a:solidFill>
-                <a:effectLst/>
-                <a:latin typeface="SFMono-Regular"/>
-              </a:rPr>
-              <a:t> </a:t>
-            </a:r>
-            <a:r>
-              <a:rPr lang="en-US" b="0" i="0" dirty="0">
-                <a:solidFill>
-                  <a:srgbClr val="0451A5"/>
-                </a:solidFill>
-                <a:effectLst/>
-                <a:latin typeface="SFMono-Regular"/>
-              </a:rPr>
-              <a:t>Color</a:t>
-            </a:r>
-            <a:r>
-              <a:rPr lang="en-US" b="0" i="0" dirty="0">
-                <a:solidFill>
-                  <a:srgbClr val="0101FD"/>
-                </a:solidFill>
-                <a:effectLst/>
-                <a:latin typeface="SFMono-Regular"/>
-              </a:rPr>
-              <a:t>=</a:t>
-            </a:r>
-            <a:r>
-              <a:rPr lang="en-US" b="0" i="0" dirty="0">
-                <a:solidFill>
-                  <a:srgbClr val="A31515"/>
-                </a:solidFill>
-                <a:effectLst/>
-                <a:latin typeface="SFMono-Regular"/>
-              </a:rPr>
-              <a:t>"Purple"</a:t>
-            </a:r>
-            <a:r>
-              <a:rPr lang="en-US" b="0" i="0" dirty="0">
-                <a:solidFill>
-                  <a:srgbClr val="0101FD"/>
-                </a:solidFill>
-                <a:effectLst/>
-                <a:latin typeface="SFMono-Regular"/>
-              </a:rPr>
-              <a:t> </a:t>
-            </a:r>
-            <a:r>
-              <a:rPr lang="en-US" b="0" i="0" dirty="0" err="1">
-                <a:solidFill>
-                  <a:srgbClr val="0451A5"/>
-                </a:solidFill>
-                <a:effectLst/>
-                <a:latin typeface="SFMono-Regular"/>
-              </a:rPr>
-              <a:t>HeightRequest</a:t>
-            </a:r>
-            <a:r>
-              <a:rPr lang="en-US" b="0" i="0" dirty="0">
-                <a:solidFill>
-                  <a:srgbClr val="0101FD"/>
-                </a:solidFill>
-                <a:effectLst/>
-                <a:latin typeface="SFMono-Regular"/>
-              </a:rPr>
-              <a:t>=</a:t>
-            </a:r>
-            <a:r>
-              <a:rPr lang="en-US" b="0" i="0" dirty="0">
-                <a:solidFill>
-                  <a:srgbClr val="A31515"/>
-                </a:solidFill>
-                <a:effectLst/>
-                <a:latin typeface="SFMono-Regular"/>
-              </a:rPr>
-              <a:t>"40"</a:t>
-            </a:r>
-            <a:r>
-              <a:rPr lang="en-US" b="0" i="0" dirty="0">
-                <a:solidFill>
-                  <a:srgbClr val="0101FD"/>
-                </a:solidFill>
-                <a:effectLst/>
-                <a:latin typeface="SFMono-Regular"/>
-              </a:rPr>
-              <a:t> /&gt;</a:t>
-            </a:r>
-          </a:p>
-          <a:p>
-            <a:r>
-              <a:rPr lang="en-US" b="0" i="0" dirty="0">
-                <a:solidFill>
-                  <a:srgbClr val="0101FD"/>
-                </a:solidFill>
-                <a:effectLst/>
-                <a:latin typeface="SFMono-Regular"/>
-              </a:rPr>
-              <a:t>&lt;/</a:t>
-            </a:r>
-            <a:r>
-              <a:rPr lang="en-US" b="0" i="0" dirty="0" err="1">
-                <a:solidFill>
-                  <a:srgbClr val="0101FD"/>
-                </a:solidFill>
-                <a:effectLst/>
-                <a:latin typeface="SFMono-Regular"/>
-              </a:rPr>
-              <a:t>StackLayout</a:t>
-            </a:r>
-            <a:r>
-              <a:rPr lang="en-US" b="0" i="0" dirty="0">
-                <a:solidFill>
-                  <a:srgbClr val="0101FD"/>
-                </a:solidFill>
-                <a:effectLst/>
-                <a:latin typeface="SFMono-Regular"/>
-              </a:rPr>
-              <a:t>&gt;</a:t>
+              <a:t>&lt;/Grid&gt;</a:t>
             </a:r>
             <a:endParaRPr lang="en-US" dirty="0"/>
           </a:p>
@@ -13827,7 +13278,7 @@
           <p:cNvPr id="4" name="Picture 3">
             <a:extLst>
               <a:ext uri="{FF2B5EF4-FFF2-40B4-BE49-F238E27FC236}">
-                <a16:creationId xmlns:a16="http://schemas.microsoft.com/office/drawing/2014/main" id="{07F8351D-B0B1-4A1A-9DA6-A3414EA8C6C0}"/>
+                <a16:creationId xmlns:a16="http://schemas.microsoft.com/office/drawing/2014/main" id="{365430CC-1388-422C-9405-E9A74BD9460F}"/>
               </a:ext>
             </a:extLst>
           </p:cNvPr>
@@ -13844,8 +13295,8 @@
         </p:blipFill>
         <p:spPr>
           <a:xfrm>
-            <a:off x="8850885" y="2849327"/>
-            <a:ext cx="2828925" cy="2152650"/>
+            <a:off x="8688960" y="1512952"/>
+            <a:ext cx="2990850" cy="5038725"/>
           </a:xfrm>
           <a:prstGeom prst="rect">
             <a:avLst/>
@@ -13855,7 +13306,7 @@
     </p:spTree>
     <p:extLst>
       <p:ext uri="{BB962C8B-B14F-4D97-AF65-F5344CB8AC3E}">
-        <p14:creationId xmlns:p14="http://schemas.microsoft.com/office/powerpoint/2010/main" val="1068239474"/>
+        <p14:creationId xmlns:p14="http://schemas.microsoft.com/office/powerpoint/2010/main" val="3370394084"/>
       </p:ext>
     </p:extLst>
   </p:cSld>
@@ -13868,1354 +13319,7 @@
 </p:sld>
 </file>
 
-<file path=ppt/slides/slide6.xml><?xml version="1.0" encoding="utf-8"?>
-<p:sld xmlns:a="http://schemas.openxmlformats.org/drawingml/2006/main" xmlns:r="http://schemas.openxmlformats.org/officeDocument/2006/relationships" xmlns:p="http://schemas.openxmlformats.org/presentationml/2006/main">
-  <p:cSld>
-    <p:spTree>
-      <p:nvGrpSpPr>
-        <p:cNvPr id="1" name=""/>
-        <p:cNvGrpSpPr/>
-        <p:nvPr/>
-      </p:nvGrpSpPr>
-      <p:grpSpPr>
-        <a:xfrm>
-          <a:off x="0" y="0"/>
-          <a:ext cx="0" cy="0"/>
-          <a:chOff x="0" y="0"/>
-          <a:chExt cx="0" cy="0"/>
-        </a:xfrm>
-      </p:grpSpPr>
-      <p:sp>
-        <p:nvSpPr>
-          <p:cNvPr id="5" name="Title 1">
-            <a:extLst>
-              <a:ext uri="{FF2B5EF4-FFF2-40B4-BE49-F238E27FC236}">
-                <a16:creationId xmlns:a16="http://schemas.microsoft.com/office/drawing/2014/main" id="{01388D49-B47C-45BB-B53B-F6092580BE6E}"/>
-              </a:ext>
-            </a:extLst>
-          </p:cNvPr>
-          <p:cNvSpPr>
-            <a:spLocks noGrp="1"/>
-          </p:cNvSpPr>
-          <p:nvPr>
-            <p:ph type="title"/>
-          </p:nvPr>
-        </p:nvSpPr>
-        <p:spPr>
-          <a:xfrm>
-            <a:off x="457200" y="1123122"/>
-            <a:ext cx="7706412" cy="591378"/>
-          </a:xfrm>
-        </p:spPr>
-        <p:txBody>
-          <a:bodyPr>
-            <a:noAutofit/>
-          </a:bodyPr>
-          <a:lstStyle/>
-          <a:p>
-            <a:r>
-              <a:rPr lang="es-ES" sz="3200" dirty="0" err="1">
-                <a:latin typeface="Segoe UI Semibold"/>
-                <a:cs typeface="Segoe UI Semibold"/>
-              </a:rPr>
-              <a:t>StackLayout</a:t>
-            </a:r>
-            <a:endParaRPr lang="en-US" sz="3200" dirty="0"/>
-          </a:p>
-        </p:txBody>
-      </p:sp>
-      <p:sp>
-        <p:nvSpPr>
-          <p:cNvPr id="6" name="Content Placeholder 2">
-            <a:extLst>
-              <a:ext uri="{FF2B5EF4-FFF2-40B4-BE49-F238E27FC236}">
-                <a16:creationId xmlns:a16="http://schemas.microsoft.com/office/drawing/2014/main" id="{AC81F8B9-8203-4DB3-932F-AB15DF79780D}"/>
-              </a:ext>
-            </a:extLst>
-          </p:cNvPr>
-          <p:cNvSpPr txBox="1">
-            <a:spLocks/>
-          </p:cNvSpPr>
-          <p:nvPr/>
-        </p:nvSpPr>
-        <p:spPr>
-          <a:xfrm>
-            <a:off x="457200" y="2142642"/>
-            <a:ext cx="11222610" cy="4145036"/>
-          </a:xfrm>
-          <a:prstGeom prst="rect">
-            <a:avLst/>
-          </a:prstGeom>
-        </p:spPr>
-        <p:txBody>
-          <a:bodyPr vert="horz" lIns="91440" tIns="45720" rIns="91440" bIns="45720" rtlCol="0" anchor="t">
-            <a:noAutofit/>
-          </a:bodyPr>
-          <a:lstStyle>
-            <a:lvl1pPr marL="336145" marR="0" indent="-336145" algn="l" defTabSz="914367" rtl="0" eaLnBrk="1" fontAlgn="auto" latinLnBrk="0" hangingPunct="1">
-              <a:lnSpc>
-                <a:spcPct val="90000"/>
-              </a:lnSpc>
-              <a:spcBef>
-                <a:spcPct val="20000"/>
-              </a:spcBef>
-              <a:spcAft>
-                <a:spcPts val="0"/>
-              </a:spcAft>
-              <a:buClrTx/>
-              <a:buSzPct val="90000"/>
-              <a:buFont typeface="Arial" pitchFamily="34" charset="0"/>
-              <a:buChar char="•"/>
-              <a:tabLst/>
-              <a:defRPr sz="3921" kern="1200" spc="0" baseline="0">
-                <a:gradFill>
-                  <a:gsLst>
-                    <a:gs pos="1250">
-                      <a:schemeClr val="tx1"/>
-                    </a:gs>
-                    <a:gs pos="100000">
-                      <a:schemeClr val="tx1"/>
-                    </a:gs>
-                  </a:gsLst>
-                  <a:lin ang="5400000" scaled="0"/>
-                </a:gradFill>
-                <a:latin typeface="+mj-lt"/>
-                <a:ea typeface="+mn-ea"/>
-                <a:cs typeface="+mn-cs"/>
-              </a:defRPr>
-            </a:lvl1pPr>
-            <a:lvl2pPr marL="572691" marR="0" indent="-236546" algn="l" defTabSz="914367" rtl="0" eaLnBrk="1" fontAlgn="auto" latinLnBrk="0" hangingPunct="1">
-              <a:lnSpc>
-                <a:spcPct val="90000"/>
-              </a:lnSpc>
-              <a:spcBef>
-                <a:spcPct val="20000"/>
-              </a:spcBef>
-              <a:spcAft>
-                <a:spcPts val="0"/>
-              </a:spcAft>
-              <a:buClrTx/>
-              <a:buSzPct val="90000"/>
-              <a:buFont typeface="Arial" pitchFamily="34" charset="0"/>
-              <a:buChar char="•"/>
-              <a:tabLst/>
-              <a:defRPr sz="2353" kern="1200" spc="0" baseline="0">
-                <a:gradFill>
-                  <a:gsLst>
-                    <a:gs pos="1250">
-                      <a:schemeClr val="tx1"/>
-                    </a:gs>
-                    <a:gs pos="100000">
-                      <a:schemeClr val="tx1"/>
-                    </a:gs>
-                  </a:gsLst>
-                  <a:lin ang="5400000" scaled="0"/>
-                </a:gradFill>
-                <a:latin typeface="+mn-lt"/>
-                <a:ea typeface="+mn-ea"/>
-                <a:cs typeface="+mn-cs"/>
-              </a:defRPr>
-            </a:lvl2pPr>
-            <a:lvl3pPr marL="784338" marR="0" indent="-224097" algn="l" defTabSz="914367" rtl="0" eaLnBrk="1" fontAlgn="auto" latinLnBrk="0" hangingPunct="1">
-              <a:lnSpc>
-                <a:spcPct val="90000"/>
-              </a:lnSpc>
-              <a:spcBef>
-                <a:spcPct val="20000"/>
-              </a:spcBef>
-              <a:spcAft>
-                <a:spcPts val="0"/>
-              </a:spcAft>
-              <a:buClrTx/>
-              <a:buSzPct val="90000"/>
-              <a:buFont typeface="Arial" pitchFamily="34" charset="0"/>
-              <a:buChar char="•"/>
-              <a:tabLst/>
-              <a:defRPr sz="1961" kern="1200" spc="0" baseline="0">
-                <a:gradFill>
-                  <a:gsLst>
-                    <a:gs pos="1250">
-                      <a:schemeClr val="tx1"/>
-                    </a:gs>
-                    <a:gs pos="100000">
-                      <a:schemeClr val="tx1"/>
-                    </a:gs>
-                  </a:gsLst>
-                  <a:lin ang="5400000" scaled="0"/>
-                </a:gradFill>
-                <a:latin typeface="+mn-lt"/>
-                <a:ea typeface="+mn-ea"/>
-                <a:cs typeface="+mn-cs"/>
-              </a:defRPr>
-            </a:lvl3pPr>
-            <a:lvl4pPr marL="1008435" marR="0" indent="-224097" algn="l" defTabSz="914367" rtl="0" eaLnBrk="1" fontAlgn="auto" latinLnBrk="0" hangingPunct="1">
-              <a:lnSpc>
-                <a:spcPct val="90000"/>
-              </a:lnSpc>
-              <a:spcBef>
-                <a:spcPct val="20000"/>
-              </a:spcBef>
-              <a:spcAft>
-                <a:spcPts val="0"/>
-              </a:spcAft>
-              <a:buClrTx/>
-              <a:buSzPct val="90000"/>
-              <a:buFont typeface="Arial" pitchFamily="34" charset="0"/>
-              <a:buChar char="•"/>
-              <a:tabLst/>
-              <a:defRPr sz="1765" kern="1200" spc="0" baseline="0">
-                <a:gradFill>
-                  <a:gsLst>
-                    <a:gs pos="1250">
-                      <a:schemeClr val="tx1"/>
-                    </a:gs>
-                    <a:gs pos="100000">
-                      <a:schemeClr val="tx1"/>
-                    </a:gs>
-                  </a:gsLst>
-                  <a:lin ang="5400000" scaled="0"/>
-                </a:gradFill>
-                <a:latin typeface="+mn-lt"/>
-                <a:ea typeface="+mn-ea"/>
-                <a:cs typeface="+mn-cs"/>
-              </a:defRPr>
-            </a:lvl4pPr>
-            <a:lvl5pPr marL="1232531" marR="0" indent="-224097" algn="l" defTabSz="914367" rtl="0" eaLnBrk="1" fontAlgn="auto" latinLnBrk="0" hangingPunct="1">
-              <a:lnSpc>
-                <a:spcPct val="90000"/>
-              </a:lnSpc>
-              <a:spcBef>
-                <a:spcPct val="20000"/>
-              </a:spcBef>
-              <a:spcAft>
-                <a:spcPts val="0"/>
-              </a:spcAft>
-              <a:buClrTx/>
-              <a:buSzPct val="90000"/>
-              <a:buFont typeface="Arial" pitchFamily="34" charset="0"/>
-              <a:buChar char="•"/>
-              <a:tabLst/>
-              <a:defRPr sz="1765" kern="1200" spc="0" baseline="0">
-                <a:gradFill>
-                  <a:gsLst>
-                    <a:gs pos="1250">
-                      <a:schemeClr val="tx1"/>
-                    </a:gs>
-                    <a:gs pos="100000">
-                      <a:schemeClr val="tx1"/>
-                    </a:gs>
-                  </a:gsLst>
-                  <a:lin ang="5400000" scaled="0"/>
-                </a:gradFill>
-                <a:latin typeface="+mn-lt"/>
-                <a:ea typeface="+mn-ea"/>
-                <a:cs typeface="+mn-cs"/>
-              </a:defRPr>
-            </a:lvl5pPr>
-            <a:lvl6pPr marL="2514509" indent="-228592" algn="l" defTabSz="914367" rtl="0" eaLnBrk="1" latinLnBrk="0" hangingPunct="1">
-              <a:spcBef>
-                <a:spcPct val="20000"/>
-              </a:spcBef>
-              <a:buFont typeface="Arial" pitchFamily="34" charset="0"/>
-              <a:buChar char="•"/>
-              <a:defRPr sz="1961" kern="1200">
-                <a:solidFill>
-                  <a:schemeClr val="tx1"/>
-                </a:solidFill>
-                <a:latin typeface="+mn-lt"/>
-                <a:ea typeface="+mn-ea"/>
-                <a:cs typeface="+mn-cs"/>
-              </a:defRPr>
-            </a:lvl6pPr>
-            <a:lvl7pPr marL="2971693" indent="-228592" algn="l" defTabSz="914367" rtl="0" eaLnBrk="1" latinLnBrk="0" hangingPunct="1">
-              <a:spcBef>
-                <a:spcPct val="20000"/>
-              </a:spcBef>
-              <a:buFont typeface="Arial" pitchFamily="34" charset="0"/>
-              <a:buChar char="•"/>
-              <a:defRPr sz="1961" kern="1200">
-                <a:solidFill>
-                  <a:schemeClr val="tx1"/>
-                </a:solidFill>
-                <a:latin typeface="+mn-lt"/>
-                <a:ea typeface="+mn-ea"/>
-                <a:cs typeface="+mn-cs"/>
-              </a:defRPr>
-            </a:lvl7pPr>
-            <a:lvl8pPr marL="3428877" indent="-228592" algn="l" defTabSz="914367" rtl="0" eaLnBrk="1" latinLnBrk="0" hangingPunct="1">
-              <a:spcBef>
-                <a:spcPct val="20000"/>
-              </a:spcBef>
-              <a:buFont typeface="Arial" pitchFamily="34" charset="0"/>
-              <a:buChar char="•"/>
-              <a:defRPr sz="1961" kern="1200">
-                <a:solidFill>
-                  <a:schemeClr val="tx1"/>
-                </a:solidFill>
-                <a:latin typeface="+mn-lt"/>
-                <a:ea typeface="+mn-ea"/>
-                <a:cs typeface="+mn-cs"/>
-              </a:defRPr>
-            </a:lvl8pPr>
-            <a:lvl9pPr marL="3886061" indent="-228592" algn="l" defTabSz="914367" rtl="0" eaLnBrk="1" latinLnBrk="0" hangingPunct="1">
-              <a:spcBef>
-                <a:spcPct val="20000"/>
-              </a:spcBef>
-              <a:buFont typeface="Arial" pitchFamily="34" charset="0"/>
-              <a:buChar char="•"/>
-              <a:defRPr sz="1961" kern="1200">
-                <a:solidFill>
-                  <a:schemeClr val="tx1"/>
-                </a:solidFill>
-                <a:latin typeface="+mn-lt"/>
-                <a:ea typeface="+mn-ea"/>
-                <a:cs typeface="+mn-cs"/>
-              </a:defRPr>
-            </a:lvl9pPr>
-          </a:lstStyle>
-          <a:p>
-            <a:pPr marL="0" indent="0" algn="l">
-              <a:buNone/>
-            </a:pPr>
-            <a:r>
-              <a:rPr lang="es-ES" sz="1800" b="0" i="0" dirty="0">
-                <a:solidFill>
-                  <a:srgbClr val="171717"/>
-                </a:solidFill>
-                <a:effectLst/>
-                <a:latin typeface="Segoe UI" panose="020B0502040204020203" pitchFamily="34" charset="0"/>
-              </a:rPr>
-              <a:t>La propiedad </a:t>
-            </a:r>
-            <a:r>
-              <a:rPr lang="es-ES" sz="1800" b="0" i="0" dirty="0" err="1">
-                <a:solidFill>
-                  <a:srgbClr val="171717"/>
-                </a:solidFill>
-                <a:effectLst/>
-                <a:latin typeface="Segoe UI" panose="020B0502040204020203" pitchFamily="34" charset="0"/>
-              </a:rPr>
-              <a:t>Orientation</a:t>
-            </a:r>
-            <a:r>
-              <a:rPr lang="es-ES" sz="1800" b="0" i="0" dirty="0">
-                <a:solidFill>
-                  <a:srgbClr val="171717"/>
-                </a:solidFill>
-                <a:effectLst/>
-                <a:latin typeface="Segoe UI" panose="020B0502040204020203" pitchFamily="34" charset="0"/>
-              </a:rPr>
-              <a:t>, de tipo </a:t>
-            </a:r>
-            <a:r>
-              <a:rPr lang="es-ES" sz="1800" b="0" i="0" dirty="0" err="1">
-                <a:solidFill>
-                  <a:srgbClr val="171717"/>
-                </a:solidFill>
-                <a:effectLst/>
-                <a:latin typeface="Segoe UI" panose="020B0502040204020203" pitchFamily="34" charset="0"/>
-              </a:rPr>
-              <a:t>StackOrientation</a:t>
-            </a:r>
-            <a:r>
-              <a:rPr lang="es-ES" sz="1800" b="0" i="0" dirty="0">
-                <a:solidFill>
-                  <a:srgbClr val="171717"/>
-                </a:solidFill>
-                <a:effectLst/>
-                <a:latin typeface="Segoe UI" panose="020B0502040204020203" pitchFamily="34" charset="0"/>
-              </a:rPr>
-              <a:t>, representa la dirección en la que se colocan las vistas secundarias. El valor predeterminado de esta propiedad es Vertical.</a:t>
-            </a:r>
-            <a:endParaRPr lang="es-ES" sz="1800" b="0" dirty="0">
-              <a:solidFill>
-                <a:srgbClr val="171717"/>
-              </a:solidFill>
-              <a:effectLst/>
-              <a:latin typeface="Segoe UI" panose="020B0502040204020203" pitchFamily="34" charset="0"/>
-            </a:endParaRPr>
-          </a:p>
-        </p:txBody>
-      </p:sp>
-      <p:sp>
-        <p:nvSpPr>
-          <p:cNvPr id="8" name="TextBox 7">
-            <a:extLst>
-              <a:ext uri="{FF2B5EF4-FFF2-40B4-BE49-F238E27FC236}">
-                <a16:creationId xmlns:a16="http://schemas.microsoft.com/office/drawing/2014/main" id="{9CD81896-AAFB-4477-9620-B5CBB08B073D}"/>
-              </a:ext>
-            </a:extLst>
-          </p:cNvPr>
-          <p:cNvSpPr txBox="1"/>
-          <p:nvPr/>
-        </p:nvSpPr>
-        <p:spPr>
-          <a:xfrm>
-            <a:off x="457200" y="2924741"/>
-            <a:ext cx="6537488" cy="2585323"/>
-          </a:xfrm>
-          <a:prstGeom prst="rect">
-            <a:avLst/>
-          </a:prstGeom>
-          <a:noFill/>
-        </p:spPr>
-        <p:txBody>
-          <a:bodyPr wrap="square">
-            <a:spAutoFit/>
-          </a:bodyPr>
-          <a:lstStyle/>
-          <a:p>
-            <a:r>
-              <a:rPr lang="en-US" b="0" i="0" dirty="0">
-                <a:solidFill>
-                  <a:srgbClr val="0101FD"/>
-                </a:solidFill>
-                <a:effectLst/>
-                <a:latin typeface="SFMono-Regular"/>
-              </a:rPr>
-              <a:t>&lt;</a:t>
-            </a:r>
-            <a:r>
-              <a:rPr lang="en-US" b="0" i="0" dirty="0" err="1">
-                <a:solidFill>
-                  <a:srgbClr val="0101FD"/>
-                </a:solidFill>
-                <a:effectLst/>
-                <a:latin typeface="SFMono-Regular"/>
-              </a:rPr>
-              <a:t>StackLayout</a:t>
-            </a:r>
-            <a:r>
-              <a:rPr lang="en-US" b="0" i="0" dirty="0">
-                <a:solidFill>
-                  <a:srgbClr val="0101FD"/>
-                </a:solidFill>
-                <a:effectLst/>
-                <a:latin typeface="SFMono-Regular"/>
-              </a:rPr>
-              <a:t> </a:t>
-            </a:r>
-            <a:r>
-              <a:rPr lang="en-US" b="0" i="0" dirty="0">
-                <a:solidFill>
-                  <a:srgbClr val="0451A5"/>
-                </a:solidFill>
-                <a:effectLst/>
-                <a:latin typeface="SFMono-Regular"/>
-              </a:rPr>
-              <a:t>Margin</a:t>
-            </a:r>
-            <a:r>
-              <a:rPr lang="en-US" b="0" i="0" dirty="0">
-                <a:solidFill>
-                  <a:srgbClr val="0101FD"/>
-                </a:solidFill>
-                <a:effectLst/>
-                <a:latin typeface="SFMono-Regular"/>
-              </a:rPr>
-              <a:t>=</a:t>
-            </a:r>
-            <a:r>
-              <a:rPr lang="en-US" b="0" i="0" dirty="0">
-                <a:solidFill>
-                  <a:srgbClr val="A31515"/>
-                </a:solidFill>
-                <a:effectLst/>
-                <a:latin typeface="SFMono-Regular"/>
-              </a:rPr>
-              <a:t>"20"</a:t>
-            </a:r>
-            <a:r>
-              <a:rPr lang="en-US" b="0" i="0" dirty="0">
-                <a:solidFill>
-                  <a:srgbClr val="0101FD"/>
-                </a:solidFill>
-                <a:effectLst/>
-                <a:latin typeface="SFMono-Regular"/>
-              </a:rPr>
-              <a:t> </a:t>
-            </a:r>
-            <a:r>
-              <a:rPr lang="en-US" b="0" i="0" dirty="0">
-                <a:solidFill>
-                  <a:srgbClr val="0451A5"/>
-                </a:solidFill>
-                <a:effectLst/>
-                <a:latin typeface="SFMono-Regular"/>
-              </a:rPr>
-              <a:t>Orientation</a:t>
-            </a:r>
-            <a:r>
-              <a:rPr lang="en-US" b="0" i="0" dirty="0">
-                <a:solidFill>
-                  <a:srgbClr val="0101FD"/>
-                </a:solidFill>
-                <a:effectLst/>
-                <a:latin typeface="SFMono-Regular"/>
-              </a:rPr>
-              <a:t>=</a:t>
-            </a:r>
-            <a:r>
-              <a:rPr lang="en-US" b="0" i="0" dirty="0">
-                <a:solidFill>
-                  <a:srgbClr val="A31515"/>
-                </a:solidFill>
-                <a:effectLst/>
-                <a:latin typeface="SFMono-Regular"/>
-              </a:rPr>
-              <a:t>"Horizontal"</a:t>
-            </a:r>
-            <a:r>
-              <a:rPr lang="en-US" b="0" i="0" dirty="0">
-                <a:solidFill>
-                  <a:srgbClr val="0101FD"/>
-                </a:solidFill>
-                <a:effectLst/>
-                <a:latin typeface="SFMono-Regular"/>
-              </a:rPr>
-              <a:t> </a:t>
-            </a:r>
-            <a:r>
-              <a:rPr lang="en-US" b="0" i="0" dirty="0" err="1">
-                <a:solidFill>
-                  <a:srgbClr val="0451A5"/>
-                </a:solidFill>
-                <a:effectLst/>
-                <a:latin typeface="SFMono-Regular"/>
-              </a:rPr>
-              <a:t>HorizontalOptions</a:t>
-            </a:r>
-            <a:r>
-              <a:rPr lang="en-US" b="0" i="0" dirty="0">
-                <a:solidFill>
-                  <a:srgbClr val="0101FD"/>
-                </a:solidFill>
-                <a:effectLst/>
-                <a:latin typeface="SFMono-Regular"/>
-              </a:rPr>
-              <a:t>=</a:t>
-            </a:r>
-            <a:r>
-              <a:rPr lang="en-US" b="0" i="0" dirty="0">
-                <a:solidFill>
-                  <a:srgbClr val="A31515"/>
-                </a:solidFill>
-                <a:effectLst/>
-                <a:latin typeface="SFMono-Regular"/>
-              </a:rPr>
-              <a:t>"Center"</a:t>
-            </a:r>
-            <a:r>
-              <a:rPr lang="en-US" b="0" i="0" dirty="0">
-                <a:solidFill>
-                  <a:srgbClr val="0101FD"/>
-                </a:solidFill>
-                <a:effectLst/>
-                <a:latin typeface="SFMono-Regular"/>
-              </a:rPr>
-              <a:t>&gt;</a:t>
-            </a:r>
-            <a:endParaRPr lang="en-US" dirty="0">
-              <a:solidFill>
-                <a:srgbClr val="171717"/>
-              </a:solidFill>
-              <a:latin typeface="SFMono-Regular"/>
-            </a:endParaRPr>
-          </a:p>
-          <a:p>
-            <a:r>
-              <a:rPr lang="en-US" b="0" i="0" dirty="0">
-                <a:solidFill>
-                  <a:srgbClr val="0101FD"/>
-                </a:solidFill>
-                <a:effectLst/>
-                <a:latin typeface="SFMono-Regular"/>
-              </a:rPr>
-              <a:t>&lt;</a:t>
-            </a:r>
-            <a:r>
-              <a:rPr lang="en-US" b="0" i="0" dirty="0" err="1">
-                <a:solidFill>
-                  <a:srgbClr val="0101FD"/>
-                </a:solidFill>
-                <a:effectLst/>
-                <a:latin typeface="SFMono-Regular"/>
-              </a:rPr>
-              <a:t>BoxView</a:t>
-            </a:r>
-            <a:r>
-              <a:rPr lang="en-US" b="0" i="0" dirty="0">
-                <a:solidFill>
-                  <a:srgbClr val="0101FD"/>
-                </a:solidFill>
-                <a:effectLst/>
-                <a:latin typeface="SFMono-Regular"/>
-              </a:rPr>
-              <a:t> </a:t>
-            </a:r>
-            <a:r>
-              <a:rPr lang="en-US" b="0" i="0" dirty="0">
-                <a:solidFill>
-                  <a:srgbClr val="0451A5"/>
-                </a:solidFill>
-                <a:effectLst/>
-                <a:latin typeface="SFMono-Regular"/>
-              </a:rPr>
-              <a:t>Color</a:t>
-            </a:r>
-            <a:r>
-              <a:rPr lang="en-US" b="0" i="0" dirty="0">
-                <a:solidFill>
-                  <a:srgbClr val="0101FD"/>
-                </a:solidFill>
-                <a:effectLst/>
-                <a:latin typeface="SFMono-Regular"/>
-              </a:rPr>
-              <a:t>=</a:t>
-            </a:r>
-            <a:r>
-              <a:rPr lang="en-US" b="0" i="0" dirty="0">
-                <a:solidFill>
-                  <a:srgbClr val="A31515"/>
-                </a:solidFill>
-                <a:effectLst/>
-                <a:latin typeface="SFMono-Regular"/>
-              </a:rPr>
-              <a:t>"Red"</a:t>
-            </a:r>
-            <a:r>
-              <a:rPr lang="en-US" b="0" i="0" dirty="0">
-                <a:solidFill>
-                  <a:srgbClr val="0101FD"/>
-                </a:solidFill>
-                <a:effectLst/>
-                <a:latin typeface="SFMono-Regular"/>
-              </a:rPr>
-              <a:t> </a:t>
-            </a:r>
-            <a:r>
-              <a:rPr lang="en-US" b="0" i="0" dirty="0" err="1">
-                <a:solidFill>
-                  <a:srgbClr val="0451A5"/>
-                </a:solidFill>
-                <a:effectLst/>
-                <a:latin typeface="SFMono-Regular"/>
-              </a:rPr>
-              <a:t>WidthRequest</a:t>
-            </a:r>
-            <a:r>
-              <a:rPr lang="en-US" b="0" i="0" dirty="0">
-                <a:solidFill>
-                  <a:srgbClr val="0101FD"/>
-                </a:solidFill>
-                <a:effectLst/>
-                <a:latin typeface="SFMono-Regular"/>
-              </a:rPr>
-              <a:t>=</a:t>
-            </a:r>
-            <a:r>
-              <a:rPr lang="en-US" b="0" i="0" dirty="0">
-                <a:solidFill>
-                  <a:srgbClr val="A31515"/>
-                </a:solidFill>
-                <a:effectLst/>
-                <a:latin typeface="SFMono-Regular"/>
-              </a:rPr>
-              <a:t>"40"</a:t>
-            </a:r>
-            <a:r>
-              <a:rPr lang="en-US" b="0" i="0" dirty="0">
-                <a:solidFill>
-                  <a:srgbClr val="0101FD"/>
-                </a:solidFill>
-                <a:effectLst/>
-                <a:latin typeface="SFMono-Regular"/>
-              </a:rPr>
-              <a:t> /&gt;</a:t>
-            </a:r>
-          </a:p>
-          <a:p>
-            <a:r>
-              <a:rPr lang="en-US" b="0" i="0" dirty="0">
-                <a:solidFill>
-                  <a:srgbClr val="0101FD"/>
-                </a:solidFill>
-                <a:effectLst/>
-                <a:latin typeface="SFMono-Regular"/>
-              </a:rPr>
-              <a:t>&lt;</a:t>
-            </a:r>
-            <a:r>
-              <a:rPr lang="en-US" b="0" i="0" dirty="0" err="1">
-                <a:solidFill>
-                  <a:srgbClr val="0101FD"/>
-                </a:solidFill>
-                <a:effectLst/>
-                <a:latin typeface="SFMono-Regular"/>
-              </a:rPr>
-              <a:t>BoxView</a:t>
-            </a:r>
-            <a:r>
-              <a:rPr lang="en-US" b="0" i="0" dirty="0">
-                <a:solidFill>
-                  <a:srgbClr val="0101FD"/>
-                </a:solidFill>
-                <a:effectLst/>
-                <a:latin typeface="SFMono-Regular"/>
-              </a:rPr>
-              <a:t> </a:t>
-            </a:r>
-            <a:r>
-              <a:rPr lang="en-US" b="0" i="0" dirty="0">
-                <a:solidFill>
-                  <a:srgbClr val="0451A5"/>
-                </a:solidFill>
-                <a:effectLst/>
-                <a:latin typeface="SFMono-Regular"/>
-              </a:rPr>
-              <a:t>Color</a:t>
-            </a:r>
-            <a:r>
-              <a:rPr lang="en-US" b="0" i="0" dirty="0">
-                <a:solidFill>
-                  <a:srgbClr val="0101FD"/>
-                </a:solidFill>
-                <a:effectLst/>
-                <a:latin typeface="SFMono-Regular"/>
-              </a:rPr>
-              <a:t>=</a:t>
-            </a:r>
-            <a:r>
-              <a:rPr lang="en-US" b="0" i="0" dirty="0">
-                <a:solidFill>
-                  <a:srgbClr val="A31515"/>
-                </a:solidFill>
-                <a:effectLst/>
-                <a:latin typeface="SFMono-Regular"/>
-              </a:rPr>
-              <a:t>"Yellow"</a:t>
-            </a:r>
-            <a:r>
-              <a:rPr lang="en-US" b="0" i="0" dirty="0">
-                <a:solidFill>
-                  <a:srgbClr val="0101FD"/>
-                </a:solidFill>
-                <a:effectLst/>
-                <a:latin typeface="SFMono-Regular"/>
-              </a:rPr>
-              <a:t> </a:t>
-            </a:r>
-            <a:r>
-              <a:rPr lang="en-US" b="0" i="0" dirty="0" err="1">
-                <a:solidFill>
-                  <a:srgbClr val="0451A5"/>
-                </a:solidFill>
-                <a:effectLst/>
-                <a:latin typeface="SFMono-Regular"/>
-              </a:rPr>
-              <a:t>WidthRequest</a:t>
-            </a:r>
-            <a:r>
-              <a:rPr lang="en-US" b="0" i="0" dirty="0">
-                <a:solidFill>
-                  <a:srgbClr val="0101FD"/>
-                </a:solidFill>
-                <a:effectLst/>
-                <a:latin typeface="SFMono-Regular"/>
-              </a:rPr>
-              <a:t>=</a:t>
-            </a:r>
-            <a:r>
-              <a:rPr lang="en-US" b="0" i="0" dirty="0">
-                <a:solidFill>
-                  <a:srgbClr val="A31515"/>
-                </a:solidFill>
-                <a:effectLst/>
-                <a:latin typeface="SFMono-Regular"/>
-              </a:rPr>
-              <a:t>"40"</a:t>
-            </a:r>
-            <a:r>
-              <a:rPr lang="en-US" b="0" i="0" dirty="0">
-                <a:solidFill>
-                  <a:srgbClr val="0101FD"/>
-                </a:solidFill>
-                <a:effectLst/>
-                <a:latin typeface="SFMono-Regular"/>
-              </a:rPr>
-              <a:t> /&gt;</a:t>
-            </a:r>
-            <a:r>
-              <a:rPr lang="en-US" b="0" i="0" dirty="0">
-                <a:solidFill>
-                  <a:srgbClr val="171717"/>
-                </a:solidFill>
-                <a:effectLst/>
-                <a:latin typeface="SFMono-Regular"/>
-              </a:rPr>
-              <a:t> </a:t>
-            </a:r>
-          </a:p>
-          <a:p>
-            <a:r>
-              <a:rPr lang="en-US" b="0" i="0" dirty="0">
-                <a:solidFill>
-                  <a:srgbClr val="0101FD"/>
-                </a:solidFill>
-                <a:effectLst/>
-                <a:latin typeface="SFMono-Regular"/>
-              </a:rPr>
-              <a:t>&lt;</a:t>
-            </a:r>
-            <a:r>
-              <a:rPr lang="en-US" b="0" i="0" dirty="0" err="1">
-                <a:solidFill>
-                  <a:srgbClr val="0101FD"/>
-                </a:solidFill>
-                <a:effectLst/>
-                <a:latin typeface="SFMono-Regular"/>
-              </a:rPr>
-              <a:t>BoxView</a:t>
-            </a:r>
-            <a:r>
-              <a:rPr lang="en-US" b="0" i="0" dirty="0">
-                <a:solidFill>
-                  <a:srgbClr val="0101FD"/>
-                </a:solidFill>
-                <a:effectLst/>
-                <a:latin typeface="SFMono-Regular"/>
-              </a:rPr>
-              <a:t> </a:t>
-            </a:r>
-            <a:r>
-              <a:rPr lang="en-US" b="0" i="0" dirty="0">
-                <a:solidFill>
-                  <a:srgbClr val="0451A5"/>
-                </a:solidFill>
-                <a:effectLst/>
-                <a:latin typeface="SFMono-Regular"/>
-              </a:rPr>
-              <a:t>Color</a:t>
-            </a:r>
-            <a:r>
-              <a:rPr lang="en-US" b="0" i="0" dirty="0">
-                <a:solidFill>
-                  <a:srgbClr val="0101FD"/>
-                </a:solidFill>
-                <a:effectLst/>
-                <a:latin typeface="SFMono-Regular"/>
-              </a:rPr>
-              <a:t>=</a:t>
-            </a:r>
-            <a:r>
-              <a:rPr lang="en-US" b="0" i="0" dirty="0">
-                <a:solidFill>
-                  <a:srgbClr val="A31515"/>
-                </a:solidFill>
-                <a:effectLst/>
-                <a:latin typeface="SFMono-Regular"/>
-              </a:rPr>
-              <a:t>"Blue"</a:t>
-            </a:r>
-            <a:r>
-              <a:rPr lang="en-US" b="0" i="0" dirty="0">
-                <a:solidFill>
-                  <a:srgbClr val="0101FD"/>
-                </a:solidFill>
-                <a:effectLst/>
-                <a:latin typeface="SFMono-Regular"/>
-              </a:rPr>
-              <a:t> </a:t>
-            </a:r>
-            <a:r>
-              <a:rPr lang="en-US" b="0" i="0" dirty="0" err="1">
-                <a:solidFill>
-                  <a:srgbClr val="0451A5"/>
-                </a:solidFill>
-                <a:effectLst/>
-                <a:latin typeface="SFMono-Regular"/>
-              </a:rPr>
-              <a:t>WidthRequest</a:t>
-            </a:r>
-            <a:r>
-              <a:rPr lang="en-US" b="0" i="0" dirty="0">
-                <a:solidFill>
-                  <a:srgbClr val="0101FD"/>
-                </a:solidFill>
-                <a:effectLst/>
-                <a:latin typeface="SFMono-Regular"/>
-              </a:rPr>
-              <a:t>=</a:t>
-            </a:r>
-            <a:r>
-              <a:rPr lang="en-US" b="0" i="0" dirty="0">
-                <a:solidFill>
-                  <a:srgbClr val="A31515"/>
-                </a:solidFill>
-                <a:effectLst/>
-                <a:latin typeface="SFMono-Regular"/>
-              </a:rPr>
-              <a:t>"40"</a:t>
-            </a:r>
-            <a:r>
-              <a:rPr lang="en-US" b="0" i="0" dirty="0">
-                <a:solidFill>
-                  <a:srgbClr val="0101FD"/>
-                </a:solidFill>
-                <a:effectLst/>
-                <a:latin typeface="SFMono-Regular"/>
-              </a:rPr>
-              <a:t> /&gt;</a:t>
-            </a:r>
-            <a:r>
-              <a:rPr lang="en-US" b="0" i="0" dirty="0">
-                <a:solidFill>
-                  <a:srgbClr val="171717"/>
-                </a:solidFill>
-                <a:effectLst/>
-                <a:latin typeface="SFMono-Regular"/>
-              </a:rPr>
-              <a:t> </a:t>
-            </a:r>
-          </a:p>
-          <a:p>
-            <a:r>
-              <a:rPr lang="en-US" b="0" i="0" dirty="0">
-                <a:solidFill>
-                  <a:srgbClr val="0101FD"/>
-                </a:solidFill>
-                <a:effectLst/>
-                <a:latin typeface="SFMono-Regular"/>
-              </a:rPr>
-              <a:t>&lt;</a:t>
-            </a:r>
-            <a:r>
-              <a:rPr lang="en-US" b="0" i="0" dirty="0" err="1">
-                <a:solidFill>
-                  <a:srgbClr val="0101FD"/>
-                </a:solidFill>
-                <a:effectLst/>
-                <a:latin typeface="SFMono-Regular"/>
-              </a:rPr>
-              <a:t>BoxView</a:t>
-            </a:r>
-            <a:r>
-              <a:rPr lang="en-US" b="0" i="0" dirty="0">
-                <a:solidFill>
-                  <a:srgbClr val="0101FD"/>
-                </a:solidFill>
-                <a:effectLst/>
-                <a:latin typeface="SFMono-Regular"/>
-              </a:rPr>
-              <a:t> </a:t>
-            </a:r>
-            <a:r>
-              <a:rPr lang="en-US" b="0" i="0" dirty="0">
-                <a:solidFill>
-                  <a:srgbClr val="0451A5"/>
-                </a:solidFill>
-                <a:effectLst/>
-                <a:latin typeface="SFMono-Regular"/>
-              </a:rPr>
-              <a:t>Color</a:t>
-            </a:r>
-            <a:r>
-              <a:rPr lang="en-US" b="0" i="0" dirty="0">
-                <a:solidFill>
-                  <a:srgbClr val="0101FD"/>
-                </a:solidFill>
-                <a:effectLst/>
-                <a:latin typeface="SFMono-Regular"/>
-              </a:rPr>
-              <a:t>=</a:t>
-            </a:r>
-            <a:r>
-              <a:rPr lang="en-US" b="0" i="0" dirty="0">
-                <a:solidFill>
-                  <a:srgbClr val="A31515"/>
-                </a:solidFill>
-                <a:effectLst/>
-                <a:latin typeface="SFMono-Regular"/>
-              </a:rPr>
-              <a:t>"Green"</a:t>
-            </a:r>
-            <a:r>
-              <a:rPr lang="en-US" b="0" i="0" dirty="0">
-                <a:solidFill>
-                  <a:srgbClr val="0101FD"/>
-                </a:solidFill>
-                <a:effectLst/>
-                <a:latin typeface="SFMono-Regular"/>
-              </a:rPr>
-              <a:t> </a:t>
-            </a:r>
-            <a:r>
-              <a:rPr lang="en-US" b="0" i="0" dirty="0" err="1">
-                <a:solidFill>
-                  <a:srgbClr val="0451A5"/>
-                </a:solidFill>
-                <a:effectLst/>
-                <a:latin typeface="SFMono-Regular"/>
-              </a:rPr>
-              <a:t>WidthRequest</a:t>
-            </a:r>
-            <a:r>
-              <a:rPr lang="en-US" b="0" i="0" dirty="0">
-                <a:solidFill>
-                  <a:srgbClr val="0101FD"/>
-                </a:solidFill>
-                <a:effectLst/>
-                <a:latin typeface="SFMono-Regular"/>
-              </a:rPr>
-              <a:t>=</a:t>
-            </a:r>
-            <a:r>
-              <a:rPr lang="en-US" b="0" i="0" dirty="0">
-                <a:solidFill>
-                  <a:srgbClr val="A31515"/>
-                </a:solidFill>
-                <a:effectLst/>
-                <a:latin typeface="SFMono-Regular"/>
-              </a:rPr>
-              <a:t>"40"</a:t>
-            </a:r>
-            <a:r>
-              <a:rPr lang="en-US" b="0" i="0" dirty="0">
-                <a:solidFill>
-                  <a:srgbClr val="0101FD"/>
-                </a:solidFill>
-                <a:effectLst/>
-                <a:latin typeface="SFMono-Regular"/>
-              </a:rPr>
-              <a:t> /&gt;</a:t>
-            </a:r>
-            <a:r>
-              <a:rPr lang="en-US" b="0" i="0" dirty="0">
-                <a:solidFill>
-                  <a:srgbClr val="171717"/>
-                </a:solidFill>
-                <a:effectLst/>
-                <a:latin typeface="SFMono-Regular"/>
-              </a:rPr>
-              <a:t> </a:t>
-            </a:r>
-          </a:p>
-          <a:p>
-            <a:r>
-              <a:rPr lang="en-US" b="0" i="0" dirty="0">
-                <a:solidFill>
-                  <a:srgbClr val="0101FD"/>
-                </a:solidFill>
-                <a:effectLst/>
-                <a:latin typeface="SFMono-Regular"/>
-              </a:rPr>
-              <a:t>&lt;</a:t>
-            </a:r>
-            <a:r>
-              <a:rPr lang="en-US" b="0" i="0" dirty="0" err="1">
-                <a:solidFill>
-                  <a:srgbClr val="0101FD"/>
-                </a:solidFill>
-                <a:effectLst/>
-                <a:latin typeface="SFMono-Regular"/>
-              </a:rPr>
-              <a:t>BoxView</a:t>
-            </a:r>
-            <a:r>
-              <a:rPr lang="en-US" b="0" i="0" dirty="0">
-                <a:solidFill>
-                  <a:srgbClr val="0101FD"/>
-                </a:solidFill>
-                <a:effectLst/>
-                <a:latin typeface="SFMono-Regular"/>
-              </a:rPr>
-              <a:t> </a:t>
-            </a:r>
-            <a:r>
-              <a:rPr lang="en-US" b="0" i="0" dirty="0">
-                <a:solidFill>
-                  <a:srgbClr val="0451A5"/>
-                </a:solidFill>
-                <a:effectLst/>
-                <a:latin typeface="SFMono-Regular"/>
-              </a:rPr>
-              <a:t>Color</a:t>
-            </a:r>
-            <a:r>
-              <a:rPr lang="en-US" b="0" i="0" dirty="0">
-                <a:solidFill>
-                  <a:srgbClr val="0101FD"/>
-                </a:solidFill>
-                <a:effectLst/>
-                <a:latin typeface="SFMono-Regular"/>
-              </a:rPr>
-              <a:t>=</a:t>
-            </a:r>
-            <a:r>
-              <a:rPr lang="en-US" b="0" i="0" dirty="0">
-                <a:solidFill>
-                  <a:srgbClr val="A31515"/>
-                </a:solidFill>
-                <a:effectLst/>
-                <a:latin typeface="SFMono-Regular"/>
-              </a:rPr>
-              <a:t>"Orange"</a:t>
-            </a:r>
-            <a:r>
-              <a:rPr lang="en-US" b="0" i="0" dirty="0">
-                <a:solidFill>
-                  <a:srgbClr val="0101FD"/>
-                </a:solidFill>
-                <a:effectLst/>
-                <a:latin typeface="SFMono-Regular"/>
-              </a:rPr>
-              <a:t> </a:t>
-            </a:r>
-            <a:r>
-              <a:rPr lang="en-US" b="0" i="0" dirty="0" err="1">
-                <a:solidFill>
-                  <a:srgbClr val="0451A5"/>
-                </a:solidFill>
-                <a:effectLst/>
-                <a:latin typeface="SFMono-Regular"/>
-              </a:rPr>
-              <a:t>WidthRequest</a:t>
-            </a:r>
-            <a:r>
-              <a:rPr lang="en-US" b="0" i="0" dirty="0">
-                <a:solidFill>
-                  <a:srgbClr val="0101FD"/>
-                </a:solidFill>
-                <a:effectLst/>
-                <a:latin typeface="SFMono-Regular"/>
-              </a:rPr>
-              <a:t>=</a:t>
-            </a:r>
-            <a:r>
-              <a:rPr lang="en-US" b="0" i="0" dirty="0">
-                <a:solidFill>
-                  <a:srgbClr val="A31515"/>
-                </a:solidFill>
-                <a:effectLst/>
-                <a:latin typeface="SFMono-Regular"/>
-              </a:rPr>
-              <a:t>"40"</a:t>
-            </a:r>
-            <a:r>
-              <a:rPr lang="en-US" b="0" i="0" dirty="0">
-                <a:solidFill>
-                  <a:srgbClr val="0101FD"/>
-                </a:solidFill>
-                <a:effectLst/>
-                <a:latin typeface="SFMono-Regular"/>
-              </a:rPr>
-              <a:t> /&gt;</a:t>
-            </a:r>
-            <a:r>
-              <a:rPr lang="en-US" b="0" i="0" dirty="0">
-                <a:solidFill>
-                  <a:srgbClr val="171717"/>
-                </a:solidFill>
-                <a:effectLst/>
-                <a:latin typeface="SFMono-Regular"/>
-              </a:rPr>
-              <a:t> </a:t>
-            </a:r>
-          </a:p>
-          <a:p>
-            <a:r>
-              <a:rPr lang="en-US" b="0" i="0" dirty="0">
-                <a:solidFill>
-                  <a:srgbClr val="0101FD"/>
-                </a:solidFill>
-                <a:effectLst/>
-                <a:latin typeface="SFMono-Regular"/>
-              </a:rPr>
-              <a:t>&lt;</a:t>
-            </a:r>
-            <a:r>
-              <a:rPr lang="en-US" b="0" i="0" dirty="0" err="1">
-                <a:solidFill>
-                  <a:srgbClr val="0101FD"/>
-                </a:solidFill>
-                <a:effectLst/>
-                <a:latin typeface="SFMono-Regular"/>
-              </a:rPr>
-              <a:t>BoxView</a:t>
-            </a:r>
-            <a:r>
-              <a:rPr lang="en-US" b="0" i="0" dirty="0">
-                <a:solidFill>
-                  <a:srgbClr val="0101FD"/>
-                </a:solidFill>
-                <a:effectLst/>
-                <a:latin typeface="SFMono-Regular"/>
-              </a:rPr>
-              <a:t> </a:t>
-            </a:r>
-            <a:r>
-              <a:rPr lang="en-US" b="0" i="0" dirty="0">
-                <a:solidFill>
-                  <a:srgbClr val="0451A5"/>
-                </a:solidFill>
-                <a:effectLst/>
-                <a:latin typeface="SFMono-Regular"/>
-              </a:rPr>
-              <a:t>Color</a:t>
-            </a:r>
-            <a:r>
-              <a:rPr lang="en-US" b="0" i="0" dirty="0">
-                <a:solidFill>
-                  <a:srgbClr val="0101FD"/>
-                </a:solidFill>
-                <a:effectLst/>
-                <a:latin typeface="SFMono-Regular"/>
-              </a:rPr>
-              <a:t>=</a:t>
-            </a:r>
-            <a:r>
-              <a:rPr lang="en-US" b="0" i="0" dirty="0">
-                <a:solidFill>
-                  <a:srgbClr val="A31515"/>
-                </a:solidFill>
-                <a:effectLst/>
-                <a:latin typeface="SFMono-Regular"/>
-              </a:rPr>
-              <a:t>"Purple"</a:t>
-            </a:r>
-            <a:r>
-              <a:rPr lang="en-US" b="0" i="0" dirty="0">
-                <a:solidFill>
-                  <a:srgbClr val="0101FD"/>
-                </a:solidFill>
-                <a:effectLst/>
-                <a:latin typeface="SFMono-Regular"/>
-              </a:rPr>
-              <a:t> </a:t>
-            </a:r>
-            <a:r>
-              <a:rPr lang="en-US" b="0" i="0" dirty="0" err="1">
-                <a:solidFill>
-                  <a:srgbClr val="0451A5"/>
-                </a:solidFill>
-                <a:effectLst/>
-                <a:latin typeface="SFMono-Regular"/>
-              </a:rPr>
-              <a:t>WidthRequest</a:t>
-            </a:r>
-            <a:r>
-              <a:rPr lang="en-US" b="0" i="0" dirty="0">
-                <a:solidFill>
-                  <a:srgbClr val="0101FD"/>
-                </a:solidFill>
-                <a:effectLst/>
-                <a:latin typeface="SFMono-Regular"/>
-              </a:rPr>
-              <a:t>=</a:t>
-            </a:r>
-            <a:r>
-              <a:rPr lang="en-US" b="0" i="0" dirty="0">
-                <a:solidFill>
-                  <a:srgbClr val="A31515"/>
-                </a:solidFill>
-                <a:effectLst/>
-                <a:latin typeface="SFMono-Regular"/>
-              </a:rPr>
-              <a:t>"40"</a:t>
-            </a:r>
-            <a:r>
-              <a:rPr lang="en-US" b="0" i="0" dirty="0">
-                <a:solidFill>
-                  <a:srgbClr val="0101FD"/>
-                </a:solidFill>
-                <a:effectLst/>
-                <a:latin typeface="SFMono-Regular"/>
-              </a:rPr>
-              <a:t> /&gt;</a:t>
-            </a:r>
-          </a:p>
-          <a:p>
-            <a:r>
-              <a:rPr lang="en-US" b="0" i="0" dirty="0">
-                <a:solidFill>
-                  <a:srgbClr val="0101FD"/>
-                </a:solidFill>
-                <a:effectLst/>
-                <a:latin typeface="SFMono-Regular"/>
-              </a:rPr>
-              <a:t>&lt;/</a:t>
-            </a:r>
-            <a:r>
-              <a:rPr lang="en-US" b="0" i="0" dirty="0" err="1">
-                <a:solidFill>
-                  <a:srgbClr val="0101FD"/>
-                </a:solidFill>
-                <a:effectLst/>
-                <a:latin typeface="SFMono-Regular"/>
-              </a:rPr>
-              <a:t>StackLayout</a:t>
-            </a:r>
-            <a:r>
-              <a:rPr lang="en-US" b="0" i="0" dirty="0">
-                <a:solidFill>
-                  <a:srgbClr val="0101FD"/>
-                </a:solidFill>
-                <a:effectLst/>
-                <a:latin typeface="SFMono-Regular"/>
-              </a:rPr>
-              <a:t>&gt;</a:t>
-            </a:r>
-            <a:endParaRPr lang="en-US" dirty="0"/>
-          </a:p>
-        </p:txBody>
-      </p:sp>
-      <p:pic>
-        <p:nvPicPr>
-          <p:cNvPr id="9" name="Picture 8">
-            <a:extLst>
-              <a:ext uri="{FF2B5EF4-FFF2-40B4-BE49-F238E27FC236}">
-                <a16:creationId xmlns:a16="http://schemas.microsoft.com/office/drawing/2014/main" id="{25C0F5DA-256D-4305-8C2A-891BB90575B4}"/>
-              </a:ext>
-            </a:extLst>
-          </p:cNvPr>
-          <p:cNvPicPr>
-            <a:picLocks noChangeAspect="1"/>
-          </p:cNvPicPr>
-          <p:nvPr/>
-        </p:nvPicPr>
-        <p:blipFill>
-          <a:blip r:embed="rId2"/>
-          <a:stretch>
-            <a:fillRect/>
-          </a:stretch>
-        </p:blipFill>
-        <p:spPr>
-          <a:xfrm>
-            <a:off x="9622410" y="2924741"/>
-            <a:ext cx="2057400" cy="1752600"/>
-          </a:xfrm>
-          <a:prstGeom prst="rect">
-            <a:avLst/>
-          </a:prstGeom>
-        </p:spPr>
-      </p:pic>
-    </p:spTree>
-    <p:extLst>
-      <p:ext uri="{BB962C8B-B14F-4D97-AF65-F5344CB8AC3E}">
-        <p14:creationId xmlns:p14="http://schemas.microsoft.com/office/powerpoint/2010/main" val="1340752275"/>
-      </p:ext>
-    </p:extLst>
-  </p:cSld>
-  <p:clrMapOvr>
-    <a:masterClrMapping/>
-  </p:clrMapOvr>
-  <p:transition>
-    <p:fade/>
-  </p:transition>
-</p:sld>
-</file>
-
-<file path=ppt/slides/slide7.xml><?xml version="1.0" encoding="utf-8"?>
+<file path=ppt/slides/slide11.xml><?xml version="1.0" encoding="utf-8"?>
 <p:sld xmlns:a="http://schemas.openxmlformats.org/drawingml/2006/main" xmlns:r="http://schemas.openxmlformats.org/officeDocument/2006/relationships" xmlns:p="http://schemas.openxmlformats.org/presentationml/2006/main">
   <p:cSld>
     <p:spTree>
@@ -15651,6 +13755,4217 @@
     <p:extLst>
       <p:ext uri="{BB962C8B-B14F-4D97-AF65-F5344CB8AC3E}">
         <p14:creationId xmlns:p14="http://schemas.microsoft.com/office/powerpoint/2010/main" val="1975960378"/>
+      </p:ext>
+    </p:extLst>
+  </p:cSld>
+  <p:clrMapOvr>
+    <a:masterClrMapping/>
+  </p:clrMapOvr>
+  <p:transition>
+    <p:fade/>
+  </p:transition>
+</p:sld>
+</file>
+
+<file path=ppt/slides/slide2.xml><?xml version="1.0" encoding="utf-8"?>
+<p:sld xmlns:a="http://schemas.openxmlformats.org/drawingml/2006/main" xmlns:r="http://schemas.openxmlformats.org/officeDocument/2006/relationships" xmlns:p="http://schemas.openxmlformats.org/presentationml/2006/main">
+  <p:cSld>
+    <p:spTree>
+      <p:nvGrpSpPr>
+        <p:cNvPr id="1" name=""/>
+        <p:cNvGrpSpPr/>
+        <p:nvPr/>
+      </p:nvGrpSpPr>
+      <p:grpSpPr>
+        <a:xfrm>
+          <a:off x="0" y="0"/>
+          <a:ext cx="0" cy="0"/>
+          <a:chOff x="0" y="0"/>
+          <a:chExt cx="0" cy="0"/>
+        </a:xfrm>
+      </p:grpSpPr>
+      <p:sp>
+        <p:nvSpPr>
+          <p:cNvPr id="3" name="Title 2">
+            <a:extLst>
+              <a:ext uri="{FF2B5EF4-FFF2-40B4-BE49-F238E27FC236}">
+                <a16:creationId xmlns:a16="http://schemas.microsoft.com/office/drawing/2014/main" id="{652E2BA4-9FC0-4828-A940-3704183398DF}"/>
+              </a:ext>
+            </a:extLst>
+          </p:cNvPr>
+          <p:cNvSpPr>
+            <a:spLocks noGrp="1"/>
+          </p:cNvSpPr>
+          <p:nvPr>
+            <p:ph type="title"/>
+          </p:nvPr>
+        </p:nvSpPr>
+        <p:spPr/>
+        <p:txBody>
+          <a:bodyPr/>
+          <a:lstStyle/>
+          <a:p>
+            <a:r>
+              <a:rPr lang="es-ES" sz="7200" dirty="0" err="1">
+                <a:solidFill>
+                  <a:schemeClr val="bg1"/>
+                </a:solidFill>
+              </a:rPr>
+              <a:t>Layouts</a:t>
+            </a:r>
+            <a:endParaRPr lang="en-US" sz="7200" dirty="0">
+              <a:solidFill>
+                <a:schemeClr val="bg1"/>
+              </a:solidFill>
+            </a:endParaRPr>
+          </a:p>
+        </p:txBody>
+      </p:sp>
+    </p:spTree>
+    <p:extLst>
+      <p:ext uri="{BB962C8B-B14F-4D97-AF65-F5344CB8AC3E}">
+        <p14:creationId xmlns:p14="http://schemas.microsoft.com/office/powerpoint/2010/main" val="970838278"/>
+      </p:ext>
+    </p:extLst>
+  </p:cSld>
+  <p:clrMapOvr>
+    <a:masterClrMapping/>
+  </p:clrMapOvr>
+  <p:transition spd="med"/>
+</p:sld>
+</file>
+
+<file path=ppt/slides/slide3.xml><?xml version="1.0" encoding="utf-8"?>
+<p:sld xmlns:a="http://schemas.openxmlformats.org/drawingml/2006/main" xmlns:r="http://schemas.openxmlformats.org/officeDocument/2006/relationships" xmlns:p="http://schemas.openxmlformats.org/presentationml/2006/main">
+  <p:cSld>
+    <p:spTree>
+      <p:nvGrpSpPr>
+        <p:cNvPr id="1" name=""/>
+        <p:cNvGrpSpPr/>
+        <p:nvPr/>
+      </p:nvGrpSpPr>
+      <p:grpSpPr>
+        <a:xfrm>
+          <a:off x="0" y="0"/>
+          <a:ext cx="0" cy="0"/>
+          <a:chOff x="0" y="0"/>
+          <a:chExt cx="0" cy="0"/>
+        </a:xfrm>
+      </p:grpSpPr>
+      <p:sp>
+        <p:nvSpPr>
+          <p:cNvPr id="2" name="Title 1"/>
+          <p:cNvSpPr>
+            <a:spLocks noGrp="1"/>
+          </p:cNvSpPr>
+          <p:nvPr>
+            <p:ph type="title"/>
+          </p:nvPr>
+        </p:nvSpPr>
+        <p:spPr>
+          <a:xfrm>
+            <a:off x="837171" y="642306"/>
+            <a:ext cx="2166358" cy="899537"/>
+          </a:xfrm>
+        </p:spPr>
+        <p:txBody>
+          <a:bodyPr>
+            <a:noAutofit/>
+          </a:bodyPr>
+          <a:lstStyle/>
+          <a:p>
+            <a:pPr algn="r"/>
+            <a:r>
+              <a:rPr lang="en-US" dirty="0">
+                <a:solidFill>
+                  <a:schemeClr val="tx1"/>
+                </a:solidFill>
+              </a:rPr>
+              <a:t>Layouts</a:t>
+            </a:r>
+          </a:p>
+        </p:txBody>
+      </p:sp>
+      <p:pic>
+        <p:nvPicPr>
+          <p:cNvPr id="1026" name="Picture 2">
+            <a:extLst>
+              <a:ext uri="{FF2B5EF4-FFF2-40B4-BE49-F238E27FC236}">
+                <a16:creationId xmlns:a16="http://schemas.microsoft.com/office/drawing/2014/main" id="{994E5E19-7FC7-47AD-93DA-78385327341B}"/>
+              </a:ext>
+            </a:extLst>
+          </p:cNvPr>
+          <p:cNvPicPr>
+            <a:picLocks noChangeAspect="1" noChangeArrowheads="1"/>
+          </p:cNvPicPr>
+          <p:nvPr/>
+        </p:nvPicPr>
+        <p:blipFill>
+          <a:blip r:embed="rId3">
+            <a:extLst>
+              <a:ext uri="{28A0092B-C50C-407E-A947-70E740481C1C}">
+                <a14:useLocalDpi xmlns:a14="http://schemas.microsoft.com/office/drawing/2010/main" val="0"/>
+              </a:ext>
+            </a:extLst>
+          </a:blip>
+          <a:srcRect/>
+          <a:stretch>
+            <a:fillRect/>
+          </a:stretch>
+        </p:blipFill>
+        <p:spPr bwMode="auto">
+          <a:xfrm>
+            <a:off x="837171" y="1800548"/>
+            <a:ext cx="6281575" cy="4134756"/>
+          </a:xfrm>
+          <a:prstGeom prst="rect">
+            <a:avLst/>
+          </a:prstGeom>
+          <a:noFill/>
+          <a:extLst>
+            <a:ext uri="{909E8E84-426E-40DD-AFC4-6F175D3DCCD1}">
+              <a14:hiddenFill xmlns:a14="http://schemas.microsoft.com/office/drawing/2010/main">
+                <a:solidFill>
+                  <a:srgbClr val="FFFFFF"/>
+                </a:solidFill>
+              </a14:hiddenFill>
+            </a:ext>
+          </a:extLst>
+        </p:spPr>
+      </p:pic>
+    </p:spTree>
+    <p:extLst>
+      <p:ext uri="{BB962C8B-B14F-4D97-AF65-F5344CB8AC3E}">
+        <p14:creationId xmlns:p14="http://schemas.microsoft.com/office/powerpoint/2010/main" val="206719204"/>
+      </p:ext>
+    </p:extLst>
+  </p:cSld>
+  <p:clrMapOvr>
+    <a:masterClrMapping/>
+  </p:clrMapOvr>
+  <p:transition>
+    <p:fade/>
+  </p:transition>
+</p:sld>
+</file>
+
+<file path=ppt/slides/slide4.xml><?xml version="1.0" encoding="utf-8"?>
+<p:sld xmlns:a="http://schemas.openxmlformats.org/drawingml/2006/main" xmlns:r="http://schemas.openxmlformats.org/officeDocument/2006/relationships" xmlns:p="http://schemas.openxmlformats.org/presentationml/2006/main">
+  <p:cSld>
+    <p:spTree>
+      <p:nvGrpSpPr>
+        <p:cNvPr id="1" name=""/>
+        <p:cNvGrpSpPr/>
+        <p:nvPr/>
+      </p:nvGrpSpPr>
+      <p:grpSpPr>
+        <a:xfrm>
+          <a:off x="0" y="0"/>
+          <a:ext cx="0" cy="0"/>
+          <a:chOff x="0" y="0"/>
+          <a:chExt cx="0" cy="0"/>
+        </a:xfrm>
+      </p:grpSpPr>
+      <p:sp>
+        <p:nvSpPr>
+          <p:cNvPr id="3" name="Title 2">
+            <a:extLst>
+              <a:ext uri="{FF2B5EF4-FFF2-40B4-BE49-F238E27FC236}">
+                <a16:creationId xmlns:a16="http://schemas.microsoft.com/office/drawing/2014/main" id="{652E2BA4-9FC0-4828-A940-3704183398DF}"/>
+              </a:ext>
+            </a:extLst>
+          </p:cNvPr>
+          <p:cNvSpPr>
+            <a:spLocks noGrp="1"/>
+          </p:cNvSpPr>
+          <p:nvPr>
+            <p:ph type="title"/>
+          </p:nvPr>
+        </p:nvSpPr>
+        <p:spPr/>
+        <p:txBody>
+          <a:bodyPr/>
+          <a:lstStyle/>
+          <a:p>
+            <a:r>
+              <a:rPr lang="es-ES" sz="7200" dirty="0" err="1">
+                <a:solidFill>
+                  <a:schemeClr val="bg1"/>
+                </a:solidFill>
+              </a:rPr>
+              <a:t>StackLayout</a:t>
+            </a:r>
+            <a:endParaRPr lang="en-US" sz="7200" dirty="0">
+              <a:solidFill>
+                <a:schemeClr val="bg1"/>
+              </a:solidFill>
+            </a:endParaRPr>
+          </a:p>
+        </p:txBody>
+      </p:sp>
+    </p:spTree>
+    <p:extLst>
+      <p:ext uri="{BB962C8B-B14F-4D97-AF65-F5344CB8AC3E}">
+        <p14:creationId xmlns:p14="http://schemas.microsoft.com/office/powerpoint/2010/main" val="3772753256"/>
+      </p:ext>
+    </p:extLst>
+  </p:cSld>
+  <p:clrMapOvr>
+    <a:masterClrMapping/>
+  </p:clrMapOvr>
+  <p:transition spd="med"/>
+</p:sld>
+</file>
+
+<file path=ppt/slides/slide5.xml><?xml version="1.0" encoding="utf-8"?>
+<p:sld xmlns:a="http://schemas.openxmlformats.org/drawingml/2006/main" xmlns:r="http://schemas.openxmlformats.org/officeDocument/2006/relationships" xmlns:p="http://schemas.openxmlformats.org/presentationml/2006/main">
+  <p:cSld>
+    <p:spTree>
+      <p:nvGrpSpPr>
+        <p:cNvPr id="1" name=""/>
+        <p:cNvGrpSpPr/>
+        <p:nvPr/>
+      </p:nvGrpSpPr>
+      <p:grpSpPr>
+        <a:xfrm>
+          <a:off x="0" y="0"/>
+          <a:ext cx="0" cy="0"/>
+          <a:chOff x="0" y="0"/>
+          <a:chExt cx="0" cy="0"/>
+        </a:xfrm>
+      </p:grpSpPr>
+      <p:sp>
+        <p:nvSpPr>
+          <p:cNvPr id="5" name="Title 1">
+            <a:extLst>
+              <a:ext uri="{FF2B5EF4-FFF2-40B4-BE49-F238E27FC236}">
+                <a16:creationId xmlns:a16="http://schemas.microsoft.com/office/drawing/2014/main" id="{01388D49-B47C-45BB-B53B-F6092580BE6E}"/>
+              </a:ext>
+            </a:extLst>
+          </p:cNvPr>
+          <p:cNvSpPr>
+            <a:spLocks noGrp="1"/>
+          </p:cNvSpPr>
+          <p:nvPr>
+            <p:ph type="title"/>
+          </p:nvPr>
+        </p:nvSpPr>
+        <p:spPr>
+          <a:xfrm>
+            <a:off x="457200" y="1123122"/>
+            <a:ext cx="7706412" cy="591378"/>
+          </a:xfrm>
+        </p:spPr>
+        <p:txBody>
+          <a:bodyPr>
+            <a:noAutofit/>
+          </a:bodyPr>
+          <a:lstStyle/>
+          <a:p>
+            <a:r>
+              <a:rPr lang="es-ES" sz="3200" dirty="0" err="1">
+                <a:latin typeface="Segoe UI Semibold"/>
+                <a:cs typeface="Segoe UI Semibold"/>
+              </a:rPr>
+              <a:t>StackLayout</a:t>
+            </a:r>
+            <a:endParaRPr lang="en-US" sz="3200" dirty="0"/>
+          </a:p>
+        </p:txBody>
+      </p:sp>
+      <p:sp>
+        <p:nvSpPr>
+          <p:cNvPr id="6" name="Content Placeholder 2">
+            <a:extLst>
+              <a:ext uri="{FF2B5EF4-FFF2-40B4-BE49-F238E27FC236}">
+                <a16:creationId xmlns:a16="http://schemas.microsoft.com/office/drawing/2014/main" id="{AC81F8B9-8203-4DB3-932F-AB15DF79780D}"/>
+              </a:ext>
+            </a:extLst>
+          </p:cNvPr>
+          <p:cNvSpPr txBox="1">
+            <a:spLocks/>
+          </p:cNvSpPr>
+          <p:nvPr/>
+        </p:nvSpPr>
+        <p:spPr>
+          <a:xfrm>
+            <a:off x="457200" y="2142642"/>
+            <a:ext cx="11222610" cy="4145036"/>
+          </a:xfrm>
+          <a:prstGeom prst="rect">
+            <a:avLst/>
+          </a:prstGeom>
+        </p:spPr>
+        <p:txBody>
+          <a:bodyPr vert="horz" lIns="91440" tIns="45720" rIns="91440" bIns="45720" rtlCol="0" anchor="t">
+            <a:noAutofit/>
+          </a:bodyPr>
+          <a:lstStyle>
+            <a:lvl1pPr marL="336145" marR="0" indent="-336145" algn="l" defTabSz="914367" rtl="0" eaLnBrk="1" fontAlgn="auto" latinLnBrk="0" hangingPunct="1">
+              <a:lnSpc>
+                <a:spcPct val="90000"/>
+              </a:lnSpc>
+              <a:spcBef>
+                <a:spcPct val="20000"/>
+              </a:spcBef>
+              <a:spcAft>
+                <a:spcPts val="0"/>
+              </a:spcAft>
+              <a:buClrTx/>
+              <a:buSzPct val="90000"/>
+              <a:buFont typeface="Arial" pitchFamily="34" charset="0"/>
+              <a:buChar char="•"/>
+              <a:tabLst/>
+              <a:defRPr sz="3921" kern="1200" spc="0" baseline="0">
+                <a:gradFill>
+                  <a:gsLst>
+                    <a:gs pos="1250">
+                      <a:schemeClr val="tx1"/>
+                    </a:gs>
+                    <a:gs pos="100000">
+                      <a:schemeClr val="tx1"/>
+                    </a:gs>
+                  </a:gsLst>
+                  <a:lin ang="5400000" scaled="0"/>
+                </a:gradFill>
+                <a:latin typeface="+mj-lt"/>
+                <a:ea typeface="+mn-ea"/>
+                <a:cs typeface="+mn-cs"/>
+              </a:defRPr>
+            </a:lvl1pPr>
+            <a:lvl2pPr marL="572691" marR="0" indent="-236546" algn="l" defTabSz="914367" rtl="0" eaLnBrk="1" fontAlgn="auto" latinLnBrk="0" hangingPunct="1">
+              <a:lnSpc>
+                <a:spcPct val="90000"/>
+              </a:lnSpc>
+              <a:spcBef>
+                <a:spcPct val="20000"/>
+              </a:spcBef>
+              <a:spcAft>
+                <a:spcPts val="0"/>
+              </a:spcAft>
+              <a:buClrTx/>
+              <a:buSzPct val="90000"/>
+              <a:buFont typeface="Arial" pitchFamily="34" charset="0"/>
+              <a:buChar char="•"/>
+              <a:tabLst/>
+              <a:defRPr sz="2353" kern="1200" spc="0" baseline="0">
+                <a:gradFill>
+                  <a:gsLst>
+                    <a:gs pos="1250">
+                      <a:schemeClr val="tx1"/>
+                    </a:gs>
+                    <a:gs pos="100000">
+                      <a:schemeClr val="tx1"/>
+                    </a:gs>
+                  </a:gsLst>
+                  <a:lin ang="5400000" scaled="0"/>
+                </a:gradFill>
+                <a:latin typeface="+mn-lt"/>
+                <a:ea typeface="+mn-ea"/>
+                <a:cs typeface="+mn-cs"/>
+              </a:defRPr>
+            </a:lvl2pPr>
+            <a:lvl3pPr marL="784338" marR="0" indent="-224097" algn="l" defTabSz="914367" rtl="0" eaLnBrk="1" fontAlgn="auto" latinLnBrk="0" hangingPunct="1">
+              <a:lnSpc>
+                <a:spcPct val="90000"/>
+              </a:lnSpc>
+              <a:spcBef>
+                <a:spcPct val="20000"/>
+              </a:spcBef>
+              <a:spcAft>
+                <a:spcPts val="0"/>
+              </a:spcAft>
+              <a:buClrTx/>
+              <a:buSzPct val="90000"/>
+              <a:buFont typeface="Arial" pitchFamily="34" charset="0"/>
+              <a:buChar char="•"/>
+              <a:tabLst/>
+              <a:defRPr sz="1961" kern="1200" spc="0" baseline="0">
+                <a:gradFill>
+                  <a:gsLst>
+                    <a:gs pos="1250">
+                      <a:schemeClr val="tx1"/>
+                    </a:gs>
+                    <a:gs pos="100000">
+                      <a:schemeClr val="tx1"/>
+                    </a:gs>
+                  </a:gsLst>
+                  <a:lin ang="5400000" scaled="0"/>
+                </a:gradFill>
+                <a:latin typeface="+mn-lt"/>
+                <a:ea typeface="+mn-ea"/>
+                <a:cs typeface="+mn-cs"/>
+              </a:defRPr>
+            </a:lvl3pPr>
+            <a:lvl4pPr marL="1008435" marR="0" indent="-224097" algn="l" defTabSz="914367" rtl="0" eaLnBrk="1" fontAlgn="auto" latinLnBrk="0" hangingPunct="1">
+              <a:lnSpc>
+                <a:spcPct val="90000"/>
+              </a:lnSpc>
+              <a:spcBef>
+                <a:spcPct val="20000"/>
+              </a:spcBef>
+              <a:spcAft>
+                <a:spcPts val="0"/>
+              </a:spcAft>
+              <a:buClrTx/>
+              <a:buSzPct val="90000"/>
+              <a:buFont typeface="Arial" pitchFamily="34" charset="0"/>
+              <a:buChar char="•"/>
+              <a:tabLst/>
+              <a:defRPr sz="1765" kern="1200" spc="0" baseline="0">
+                <a:gradFill>
+                  <a:gsLst>
+                    <a:gs pos="1250">
+                      <a:schemeClr val="tx1"/>
+                    </a:gs>
+                    <a:gs pos="100000">
+                      <a:schemeClr val="tx1"/>
+                    </a:gs>
+                  </a:gsLst>
+                  <a:lin ang="5400000" scaled="0"/>
+                </a:gradFill>
+                <a:latin typeface="+mn-lt"/>
+                <a:ea typeface="+mn-ea"/>
+                <a:cs typeface="+mn-cs"/>
+              </a:defRPr>
+            </a:lvl4pPr>
+            <a:lvl5pPr marL="1232531" marR="0" indent="-224097" algn="l" defTabSz="914367" rtl="0" eaLnBrk="1" fontAlgn="auto" latinLnBrk="0" hangingPunct="1">
+              <a:lnSpc>
+                <a:spcPct val="90000"/>
+              </a:lnSpc>
+              <a:spcBef>
+                <a:spcPct val="20000"/>
+              </a:spcBef>
+              <a:spcAft>
+                <a:spcPts val="0"/>
+              </a:spcAft>
+              <a:buClrTx/>
+              <a:buSzPct val="90000"/>
+              <a:buFont typeface="Arial" pitchFamily="34" charset="0"/>
+              <a:buChar char="•"/>
+              <a:tabLst/>
+              <a:defRPr sz="1765" kern="1200" spc="0" baseline="0">
+                <a:gradFill>
+                  <a:gsLst>
+                    <a:gs pos="1250">
+                      <a:schemeClr val="tx1"/>
+                    </a:gs>
+                    <a:gs pos="100000">
+                      <a:schemeClr val="tx1"/>
+                    </a:gs>
+                  </a:gsLst>
+                  <a:lin ang="5400000" scaled="0"/>
+                </a:gradFill>
+                <a:latin typeface="+mn-lt"/>
+                <a:ea typeface="+mn-ea"/>
+                <a:cs typeface="+mn-cs"/>
+              </a:defRPr>
+            </a:lvl5pPr>
+            <a:lvl6pPr marL="2514509" indent="-228592" algn="l" defTabSz="914367" rtl="0" eaLnBrk="1" latinLnBrk="0" hangingPunct="1">
+              <a:spcBef>
+                <a:spcPct val="20000"/>
+              </a:spcBef>
+              <a:buFont typeface="Arial" pitchFamily="34" charset="0"/>
+              <a:buChar char="•"/>
+              <a:defRPr sz="1961" kern="1200">
+                <a:solidFill>
+                  <a:schemeClr val="tx1"/>
+                </a:solidFill>
+                <a:latin typeface="+mn-lt"/>
+                <a:ea typeface="+mn-ea"/>
+                <a:cs typeface="+mn-cs"/>
+              </a:defRPr>
+            </a:lvl6pPr>
+            <a:lvl7pPr marL="2971693" indent="-228592" algn="l" defTabSz="914367" rtl="0" eaLnBrk="1" latinLnBrk="0" hangingPunct="1">
+              <a:spcBef>
+                <a:spcPct val="20000"/>
+              </a:spcBef>
+              <a:buFont typeface="Arial" pitchFamily="34" charset="0"/>
+              <a:buChar char="•"/>
+              <a:defRPr sz="1961" kern="1200">
+                <a:solidFill>
+                  <a:schemeClr val="tx1"/>
+                </a:solidFill>
+                <a:latin typeface="+mn-lt"/>
+                <a:ea typeface="+mn-ea"/>
+                <a:cs typeface="+mn-cs"/>
+              </a:defRPr>
+            </a:lvl7pPr>
+            <a:lvl8pPr marL="3428877" indent="-228592" algn="l" defTabSz="914367" rtl="0" eaLnBrk="1" latinLnBrk="0" hangingPunct="1">
+              <a:spcBef>
+                <a:spcPct val="20000"/>
+              </a:spcBef>
+              <a:buFont typeface="Arial" pitchFamily="34" charset="0"/>
+              <a:buChar char="•"/>
+              <a:defRPr sz="1961" kern="1200">
+                <a:solidFill>
+                  <a:schemeClr val="tx1"/>
+                </a:solidFill>
+                <a:latin typeface="+mn-lt"/>
+                <a:ea typeface="+mn-ea"/>
+                <a:cs typeface="+mn-cs"/>
+              </a:defRPr>
+            </a:lvl8pPr>
+            <a:lvl9pPr marL="3886061" indent="-228592" algn="l" defTabSz="914367" rtl="0" eaLnBrk="1" latinLnBrk="0" hangingPunct="1">
+              <a:spcBef>
+                <a:spcPct val="20000"/>
+              </a:spcBef>
+              <a:buFont typeface="Arial" pitchFamily="34" charset="0"/>
+              <a:buChar char="•"/>
+              <a:defRPr sz="1961" kern="1200">
+                <a:solidFill>
+                  <a:schemeClr val="tx1"/>
+                </a:solidFill>
+                <a:latin typeface="+mn-lt"/>
+                <a:ea typeface="+mn-ea"/>
+                <a:cs typeface="+mn-cs"/>
+              </a:defRPr>
+            </a:lvl9pPr>
+          </a:lstStyle>
+          <a:p>
+            <a:pPr marL="0" indent="0" algn="l">
+              <a:buNone/>
+            </a:pPr>
+            <a:r>
+              <a:rPr lang="es-ES" sz="1800" b="0" i="0" dirty="0" err="1">
+                <a:solidFill>
+                  <a:srgbClr val="171717"/>
+                </a:solidFill>
+                <a:effectLst/>
+                <a:latin typeface="Segoe UI" panose="020B0502040204020203" pitchFamily="34" charset="0"/>
+              </a:rPr>
+              <a:t>StackLayout</a:t>
+            </a:r>
+            <a:r>
+              <a:rPr lang="es-ES" sz="1800" b="0" i="0" dirty="0">
+                <a:solidFill>
+                  <a:srgbClr val="171717"/>
+                </a:solidFill>
+                <a:effectLst/>
+                <a:latin typeface="Segoe UI" panose="020B0502040204020203" pitchFamily="34" charset="0"/>
+              </a:rPr>
+              <a:t> organiza las vistas secundarias en una pila unidimensional, ya sea horizontal o verticalmente. De forma predeterminada, las vistas </a:t>
+            </a:r>
+            <a:r>
+              <a:rPr lang="es-ES" sz="1800" b="0" i="0" dirty="0" err="1">
+                <a:solidFill>
+                  <a:srgbClr val="171717"/>
+                </a:solidFill>
+                <a:effectLst/>
+                <a:latin typeface="Segoe UI" panose="020B0502040204020203" pitchFamily="34" charset="0"/>
+              </a:rPr>
+              <a:t>StackLayout</a:t>
+            </a:r>
+            <a:r>
+              <a:rPr lang="es-ES" sz="1800" b="0" i="0" dirty="0">
+                <a:solidFill>
+                  <a:srgbClr val="171717"/>
+                </a:solidFill>
+                <a:effectLst/>
+                <a:latin typeface="Segoe UI" panose="020B0502040204020203" pitchFamily="34" charset="0"/>
+              </a:rPr>
+              <a:t> están orientadas verticalmente. </a:t>
+            </a:r>
+            <a:endParaRPr lang="es-ES" sz="1800" b="0" dirty="0">
+              <a:solidFill>
+                <a:srgbClr val="171717"/>
+              </a:solidFill>
+              <a:effectLst/>
+              <a:latin typeface="Segoe UI" panose="020B0502040204020203" pitchFamily="34" charset="0"/>
+            </a:endParaRPr>
+          </a:p>
+        </p:txBody>
+      </p:sp>
+      <p:sp>
+        <p:nvSpPr>
+          <p:cNvPr id="7" name="TextBox 6">
+            <a:extLst>
+              <a:ext uri="{FF2B5EF4-FFF2-40B4-BE49-F238E27FC236}">
+                <a16:creationId xmlns:a16="http://schemas.microsoft.com/office/drawing/2014/main" id="{7C96B88B-8A7B-47FD-9806-91E2EFB00206}"/>
+              </a:ext>
+            </a:extLst>
+          </p:cNvPr>
+          <p:cNvSpPr txBox="1"/>
+          <p:nvPr/>
+        </p:nvSpPr>
+        <p:spPr>
+          <a:xfrm>
+            <a:off x="512190" y="2849327"/>
+            <a:ext cx="6537488" cy="2862322"/>
+          </a:xfrm>
+          <a:prstGeom prst="rect">
+            <a:avLst/>
+          </a:prstGeom>
+          <a:noFill/>
+        </p:spPr>
+        <p:txBody>
+          <a:bodyPr wrap="square">
+            <a:spAutoFit/>
+          </a:bodyPr>
+          <a:lstStyle/>
+          <a:p>
+            <a:r>
+              <a:rPr lang="en-US" b="0" i="0" dirty="0">
+                <a:solidFill>
+                  <a:srgbClr val="0101FD"/>
+                </a:solidFill>
+                <a:effectLst/>
+                <a:latin typeface="SFMono-Regular"/>
+              </a:rPr>
+              <a:t>&lt;</a:t>
+            </a:r>
+            <a:r>
+              <a:rPr lang="en-US" b="0" i="0" dirty="0" err="1">
+                <a:solidFill>
+                  <a:srgbClr val="0101FD"/>
+                </a:solidFill>
+                <a:effectLst/>
+                <a:latin typeface="SFMono-Regular"/>
+              </a:rPr>
+              <a:t>StackLayout</a:t>
+            </a:r>
+            <a:r>
+              <a:rPr lang="en-US" b="0" i="0" dirty="0">
+                <a:solidFill>
+                  <a:srgbClr val="0101FD"/>
+                </a:solidFill>
+                <a:effectLst/>
+                <a:latin typeface="SFMono-Regular"/>
+              </a:rPr>
+              <a:t> </a:t>
+            </a:r>
+            <a:r>
+              <a:rPr lang="en-US" b="0" i="0" dirty="0">
+                <a:solidFill>
+                  <a:srgbClr val="0451A5"/>
+                </a:solidFill>
+                <a:effectLst/>
+                <a:latin typeface="SFMono-Regular"/>
+              </a:rPr>
+              <a:t>Margin</a:t>
+            </a:r>
+            <a:r>
+              <a:rPr lang="en-US" b="0" i="0" dirty="0">
+                <a:solidFill>
+                  <a:srgbClr val="0101FD"/>
+                </a:solidFill>
+                <a:effectLst/>
+                <a:latin typeface="SFMono-Regular"/>
+              </a:rPr>
+              <a:t>=</a:t>
+            </a:r>
+            <a:r>
+              <a:rPr lang="en-US" b="0" i="0" dirty="0">
+                <a:solidFill>
+                  <a:srgbClr val="A31515"/>
+                </a:solidFill>
+                <a:effectLst/>
+                <a:latin typeface="SFMono-Regular"/>
+              </a:rPr>
+              <a:t>"20"</a:t>
+            </a:r>
+            <a:r>
+              <a:rPr lang="en-US" b="0" i="0" dirty="0">
+                <a:solidFill>
+                  <a:srgbClr val="0101FD"/>
+                </a:solidFill>
+                <a:effectLst/>
+                <a:latin typeface="SFMono-Regular"/>
+              </a:rPr>
+              <a:t>&gt;</a:t>
+            </a:r>
+          </a:p>
+          <a:p>
+            <a:r>
+              <a:rPr lang="en-US" b="0" i="0" dirty="0">
+                <a:solidFill>
+                  <a:srgbClr val="0101FD"/>
+                </a:solidFill>
+                <a:effectLst/>
+                <a:latin typeface="SFMono-Regular"/>
+              </a:rPr>
+              <a:t>&lt;Label </a:t>
+            </a:r>
+            <a:r>
+              <a:rPr lang="en-US" b="0" i="0" dirty="0">
+                <a:solidFill>
+                  <a:srgbClr val="0451A5"/>
+                </a:solidFill>
+                <a:effectLst/>
+                <a:latin typeface="SFMono-Regular"/>
+              </a:rPr>
+              <a:t>Text</a:t>
+            </a:r>
+            <a:r>
+              <a:rPr lang="en-US" b="0" i="0" dirty="0">
+                <a:solidFill>
+                  <a:srgbClr val="0101FD"/>
+                </a:solidFill>
+                <a:effectLst/>
+                <a:latin typeface="SFMono-Regular"/>
+              </a:rPr>
+              <a:t>=</a:t>
+            </a:r>
+            <a:r>
+              <a:rPr lang="en-US" b="0" i="0" dirty="0">
+                <a:solidFill>
+                  <a:srgbClr val="A31515"/>
+                </a:solidFill>
+                <a:effectLst/>
+                <a:latin typeface="SFMono-Regular"/>
+              </a:rPr>
+              <a:t>"Primary colors"</a:t>
+            </a:r>
+            <a:r>
+              <a:rPr lang="en-US" b="0" i="0" dirty="0">
+                <a:solidFill>
+                  <a:srgbClr val="0101FD"/>
+                </a:solidFill>
+                <a:effectLst/>
+                <a:latin typeface="SFMono-Regular"/>
+              </a:rPr>
+              <a:t> /&gt;</a:t>
+            </a:r>
+            <a:r>
+              <a:rPr lang="en-US" b="0" i="0" dirty="0">
+                <a:solidFill>
+                  <a:srgbClr val="171717"/>
+                </a:solidFill>
+                <a:effectLst/>
+                <a:latin typeface="SFMono-Regular"/>
+              </a:rPr>
+              <a:t> </a:t>
+            </a:r>
+          </a:p>
+          <a:p>
+            <a:r>
+              <a:rPr lang="en-US" b="0" i="0" dirty="0">
+                <a:solidFill>
+                  <a:srgbClr val="0101FD"/>
+                </a:solidFill>
+                <a:effectLst/>
+                <a:latin typeface="SFMono-Regular"/>
+              </a:rPr>
+              <a:t>&lt;</a:t>
+            </a:r>
+            <a:r>
+              <a:rPr lang="en-US" b="0" i="0" dirty="0" err="1">
+                <a:solidFill>
+                  <a:srgbClr val="0101FD"/>
+                </a:solidFill>
+                <a:effectLst/>
+                <a:latin typeface="SFMono-Regular"/>
+              </a:rPr>
+              <a:t>BoxView</a:t>
+            </a:r>
+            <a:r>
+              <a:rPr lang="en-US" b="0" i="0" dirty="0">
+                <a:solidFill>
+                  <a:srgbClr val="0101FD"/>
+                </a:solidFill>
+                <a:effectLst/>
+                <a:latin typeface="SFMono-Regular"/>
+              </a:rPr>
+              <a:t> </a:t>
+            </a:r>
+            <a:r>
+              <a:rPr lang="en-US" b="0" i="0" dirty="0">
+                <a:solidFill>
+                  <a:srgbClr val="0451A5"/>
+                </a:solidFill>
+                <a:effectLst/>
+                <a:latin typeface="SFMono-Regular"/>
+              </a:rPr>
+              <a:t>Color</a:t>
+            </a:r>
+            <a:r>
+              <a:rPr lang="en-US" b="0" i="0" dirty="0">
+                <a:solidFill>
+                  <a:srgbClr val="0101FD"/>
+                </a:solidFill>
+                <a:effectLst/>
+                <a:latin typeface="SFMono-Regular"/>
+              </a:rPr>
+              <a:t>=</a:t>
+            </a:r>
+            <a:r>
+              <a:rPr lang="en-US" b="0" i="0" dirty="0">
+                <a:solidFill>
+                  <a:srgbClr val="A31515"/>
+                </a:solidFill>
+                <a:effectLst/>
+                <a:latin typeface="SFMono-Regular"/>
+              </a:rPr>
+              <a:t>"Red"</a:t>
+            </a:r>
+            <a:r>
+              <a:rPr lang="en-US" b="0" i="0" dirty="0">
+                <a:solidFill>
+                  <a:srgbClr val="0101FD"/>
+                </a:solidFill>
+                <a:effectLst/>
+                <a:latin typeface="SFMono-Regular"/>
+              </a:rPr>
+              <a:t> </a:t>
+            </a:r>
+            <a:r>
+              <a:rPr lang="en-US" b="0" i="0" dirty="0" err="1">
+                <a:solidFill>
+                  <a:srgbClr val="0451A5"/>
+                </a:solidFill>
+                <a:effectLst/>
+                <a:latin typeface="SFMono-Regular"/>
+              </a:rPr>
+              <a:t>HeightRequest</a:t>
+            </a:r>
+            <a:r>
+              <a:rPr lang="en-US" b="0" i="0" dirty="0">
+                <a:solidFill>
+                  <a:srgbClr val="0101FD"/>
+                </a:solidFill>
+                <a:effectLst/>
+                <a:latin typeface="SFMono-Regular"/>
+              </a:rPr>
+              <a:t>=</a:t>
+            </a:r>
+            <a:r>
+              <a:rPr lang="en-US" b="0" i="0" dirty="0">
+                <a:solidFill>
+                  <a:srgbClr val="A31515"/>
+                </a:solidFill>
+                <a:effectLst/>
+                <a:latin typeface="SFMono-Regular"/>
+              </a:rPr>
+              <a:t>"40"</a:t>
+            </a:r>
+            <a:r>
+              <a:rPr lang="en-US" b="0" i="0" dirty="0">
+                <a:solidFill>
+                  <a:srgbClr val="0101FD"/>
+                </a:solidFill>
+                <a:effectLst/>
+                <a:latin typeface="SFMono-Regular"/>
+              </a:rPr>
+              <a:t> /&gt;</a:t>
+            </a:r>
+            <a:endParaRPr lang="en-US" dirty="0">
+              <a:solidFill>
+                <a:srgbClr val="171717"/>
+              </a:solidFill>
+              <a:latin typeface="SFMono-Regular"/>
+            </a:endParaRPr>
+          </a:p>
+          <a:p>
+            <a:r>
+              <a:rPr lang="en-US" b="0" i="0" dirty="0">
+                <a:solidFill>
+                  <a:srgbClr val="0101FD"/>
+                </a:solidFill>
+                <a:effectLst/>
+                <a:latin typeface="SFMono-Regular"/>
+              </a:rPr>
+              <a:t>&lt;</a:t>
+            </a:r>
+            <a:r>
+              <a:rPr lang="en-US" b="0" i="0" dirty="0" err="1">
+                <a:solidFill>
+                  <a:srgbClr val="0101FD"/>
+                </a:solidFill>
+                <a:effectLst/>
+                <a:latin typeface="SFMono-Regular"/>
+              </a:rPr>
+              <a:t>BoxView</a:t>
+            </a:r>
+            <a:r>
+              <a:rPr lang="en-US" b="0" i="0" dirty="0">
+                <a:solidFill>
+                  <a:srgbClr val="0101FD"/>
+                </a:solidFill>
+                <a:effectLst/>
+                <a:latin typeface="SFMono-Regular"/>
+              </a:rPr>
+              <a:t> </a:t>
+            </a:r>
+            <a:r>
+              <a:rPr lang="en-US" b="0" i="0" dirty="0">
+                <a:solidFill>
+                  <a:srgbClr val="0451A5"/>
+                </a:solidFill>
+                <a:effectLst/>
+                <a:latin typeface="SFMono-Regular"/>
+              </a:rPr>
+              <a:t>Color</a:t>
+            </a:r>
+            <a:r>
+              <a:rPr lang="en-US" b="0" i="0" dirty="0">
+                <a:solidFill>
+                  <a:srgbClr val="0101FD"/>
+                </a:solidFill>
+                <a:effectLst/>
+                <a:latin typeface="SFMono-Regular"/>
+              </a:rPr>
+              <a:t>=</a:t>
+            </a:r>
+            <a:r>
+              <a:rPr lang="en-US" b="0" i="0" dirty="0">
+                <a:solidFill>
+                  <a:srgbClr val="A31515"/>
+                </a:solidFill>
+                <a:effectLst/>
+                <a:latin typeface="SFMono-Regular"/>
+              </a:rPr>
+              <a:t>"Yellow"</a:t>
+            </a:r>
+            <a:r>
+              <a:rPr lang="en-US" b="0" i="0" dirty="0">
+                <a:solidFill>
+                  <a:srgbClr val="0101FD"/>
+                </a:solidFill>
+                <a:effectLst/>
+                <a:latin typeface="SFMono-Regular"/>
+              </a:rPr>
+              <a:t> </a:t>
+            </a:r>
+            <a:r>
+              <a:rPr lang="en-US" b="0" i="0" dirty="0" err="1">
+                <a:solidFill>
+                  <a:srgbClr val="0451A5"/>
+                </a:solidFill>
+                <a:effectLst/>
+                <a:latin typeface="SFMono-Regular"/>
+              </a:rPr>
+              <a:t>HeightRequest</a:t>
+            </a:r>
+            <a:r>
+              <a:rPr lang="en-US" b="0" i="0" dirty="0">
+                <a:solidFill>
+                  <a:srgbClr val="0101FD"/>
+                </a:solidFill>
+                <a:effectLst/>
+                <a:latin typeface="SFMono-Regular"/>
+              </a:rPr>
+              <a:t>=</a:t>
+            </a:r>
+            <a:r>
+              <a:rPr lang="en-US" b="0" i="0" dirty="0">
+                <a:solidFill>
+                  <a:srgbClr val="A31515"/>
+                </a:solidFill>
+                <a:effectLst/>
+                <a:latin typeface="SFMono-Regular"/>
+              </a:rPr>
+              <a:t>"40"</a:t>
+            </a:r>
+            <a:r>
+              <a:rPr lang="en-US" b="0" i="0" dirty="0">
+                <a:solidFill>
+                  <a:srgbClr val="0101FD"/>
+                </a:solidFill>
+                <a:effectLst/>
+                <a:latin typeface="SFMono-Regular"/>
+              </a:rPr>
+              <a:t> /&gt;</a:t>
+            </a:r>
+            <a:endParaRPr lang="en-US" dirty="0">
+              <a:solidFill>
+                <a:srgbClr val="171717"/>
+              </a:solidFill>
+              <a:latin typeface="SFMono-Regular"/>
+            </a:endParaRPr>
+          </a:p>
+          <a:p>
+            <a:r>
+              <a:rPr lang="en-US" b="0" i="0" dirty="0">
+                <a:solidFill>
+                  <a:srgbClr val="0101FD"/>
+                </a:solidFill>
+                <a:effectLst/>
+                <a:latin typeface="SFMono-Regular"/>
+              </a:rPr>
+              <a:t>&lt;</a:t>
+            </a:r>
+            <a:r>
+              <a:rPr lang="en-US" b="0" i="0" dirty="0" err="1">
+                <a:solidFill>
+                  <a:srgbClr val="0101FD"/>
+                </a:solidFill>
+                <a:effectLst/>
+                <a:latin typeface="SFMono-Regular"/>
+              </a:rPr>
+              <a:t>BoxView</a:t>
+            </a:r>
+            <a:r>
+              <a:rPr lang="en-US" b="0" i="0" dirty="0">
+                <a:solidFill>
+                  <a:srgbClr val="0101FD"/>
+                </a:solidFill>
+                <a:effectLst/>
+                <a:latin typeface="SFMono-Regular"/>
+              </a:rPr>
+              <a:t> </a:t>
+            </a:r>
+            <a:r>
+              <a:rPr lang="en-US" b="0" i="0" dirty="0">
+                <a:solidFill>
+                  <a:srgbClr val="0451A5"/>
+                </a:solidFill>
+                <a:effectLst/>
+                <a:latin typeface="SFMono-Regular"/>
+              </a:rPr>
+              <a:t>Color</a:t>
+            </a:r>
+            <a:r>
+              <a:rPr lang="en-US" b="0" i="0" dirty="0">
+                <a:solidFill>
+                  <a:srgbClr val="0101FD"/>
+                </a:solidFill>
+                <a:effectLst/>
+                <a:latin typeface="SFMono-Regular"/>
+              </a:rPr>
+              <a:t>=</a:t>
+            </a:r>
+            <a:r>
+              <a:rPr lang="en-US" b="0" i="0" dirty="0">
+                <a:solidFill>
+                  <a:srgbClr val="A31515"/>
+                </a:solidFill>
+                <a:effectLst/>
+                <a:latin typeface="SFMono-Regular"/>
+              </a:rPr>
+              <a:t>"Blue"</a:t>
+            </a:r>
+            <a:r>
+              <a:rPr lang="en-US" b="0" i="0" dirty="0">
+                <a:solidFill>
+                  <a:srgbClr val="0101FD"/>
+                </a:solidFill>
+                <a:effectLst/>
+                <a:latin typeface="SFMono-Regular"/>
+              </a:rPr>
+              <a:t> </a:t>
+            </a:r>
+            <a:r>
+              <a:rPr lang="en-US" b="0" i="0" dirty="0" err="1">
+                <a:solidFill>
+                  <a:srgbClr val="0451A5"/>
+                </a:solidFill>
+                <a:effectLst/>
+                <a:latin typeface="SFMono-Regular"/>
+              </a:rPr>
+              <a:t>HeightRequest</a:t>
+            </a:r>
+            <a:r>
+              <a:rPr lang="en-US" b="0" i="0" dirty="0">
+                <a:solidFill>
+                  <a:srgbClr val="0101FD"/>
+                </a:solidFill>
+                <a:effectLst/>
+                <a:latin typeface="SFMono-Regular"/>
+              </a:rPr>
+              <a:t>=</a:t>
+            </a:r>
+            <a:r>
+              <a:rPr lang="en-US" b="0" i="0" dirty="0">
+                <a:solidFill>
+                  <a:srgbClr val="A31515"/>
+                </a:solidFill>
+                <a:effectLst/>
+                <a:latin typeface="SFMono-Regular"/>
+              </a:rPr>
+              <a:t>"40"</a:t>
+            </a:r>
+            <a:r>
+              <a:rPr lang="en-US" b="0" i="0" dirty="0">
+                <a:solidFill>
+                  <a:srgbClr val="0101FD"/>
+                </a:solidFill>
+                <a:effectLst/>
+                <a:latin typeface="SFMono-Regular"/>
+              </a:rPr>
+              <a:t> /&gt;</a:t>
+            </a:r>
+            <a:endParaRPr lang="en-US" dirty="0">
+              <a:solidFill>
+                <a:srgbClr val="171717"/>
+              </a:solidFill>
+              <a:latin typeface="SFMono-Regular"/>
+            </a:endParaRPr>
+          </a:p>
+          <a:p>
+            <a:r>
+              <a:rPr lang="en-US" b="0" i="0" dirty="0">
+                <a:solidFill>
+                  <a:srgbClr val="0101FD"/>
+                </a:solidFill>
+                <a:effectLst/>
+                <a:latin typeface="SFMono-Regular"/>
+              </a:rPr>
+              <a:t>&lt;Label </a:t>
+            </a:r>
+            <a:r>
+              <a:rPr lang="en-US" b="0" i="0" dirty="0">
+                <a:solidFill>
+                  <a:srgbClr val="0451A5"/>
+                </a:solidFill>
+                <a:effectLst/>
+                <a:latin typeface="SFMono-Regular"/>
+              </a:rPr>
+              <a:t>Text</a:t>
+            </a:r>
+            <a:r>
+              <a:rPr lang="en-US" b="0" i="0" dirty="0">
+                <a:solidFill>
+                  <a:srgbClr val="0101FD"/>
+                </a:solidFill>
+                <a:effectLst/>
+                <a:latin typeface="SFMono-Regular"/>
+              </a:rPr>
+              <a:t>=</a:t>
+            </a:r>
+            <a:r>
+              <a:rPr lang="en-US" b="0" i="0" dirty="0">
+                <a:solidFill>
+                  <a:srgbClr val="A31515"/>
+                </a:solidFill>
+                <a:effectLst/>
+                <a:latin typeface="SFMono-Regular"/>
+              </a:rPr>
+              <a:t>"Secondary colors"</a:t>
+            </a:r>
+            <a:r>
+              <a:rPr lang="en-US" b="0" i="0" dirty="0">
+                <a:solidFill>
+                  <a:srgbClr val="0101FD"/>
+                </a:solidFill>
+                <a:effectLst/>
+                <a:latin typeface="SFMono-Regular"/>
+              </a:rPr>
+              <a:t> /&gt;</a:t>
+            </a:r>
+            <a:endParaRPr lang="en-US" dirty="0">
+              <a:solidFill>
+                <a:srgbClr val="171717"/>
+              </a:solidFill>
+              <a:latin typeface="SFMono-Regular"/>
+            </a:endParaRPr>
+          </a:p>
+          <a:p>
+            <a:r>
+              <a:rPr lang="en-US" b="0" i="0" dirty="0">
+                <a:solidFill>
+                  <a:srgbClr val="0101FD"/>
+                </a:solidFill>
+                <a:effectLst/>
+                <a:latin typeface="SFMono-Regular"/>
+              </a:rPr>
+              <a:t>&lt;</a:t>
+            </a:r>
+            <a:r>
+              <a:rPr lang="en-US" b="0" i="0" dirty="0" err="1">
+                <a:solidFill>
+                  <a:srgbClr val="0101FD"/>
+                </a:solidFill>
+                <a:effectLst/>
+                <a:latin typeface="SFMono-Regular"/>
+              </a:rPr>
+              <a:t>BoxView</a:t>
+            </a:r>
+            <a:r>
+              <a:rPr lang="en-US" b="0" i="0" dirty="0">
+                <a:solidFill>
+                  <a:srgbClr val="0101FD"/>
+                </a:solidFill>
+                <a:effectLst/>
+                <a:latin typeface="SFMono-Regular"/>
+              </a:rPr>
+              <a:t> </a:t>
+            </a:r>
+            <a:r>
+              <a:rPr lang="en-US" b="0" i="0" dirty="0">
+                <a:solidFill>
+                  <a:srgbClr val="0451A5"/>
+                </a:solidFill>
+                <a:effectLst/>
+                <a:latin typeface="SFMono-Regular"/>
+              </a:rPr>
+              <a:t>Color</a:t>
+            </a:r>
+            <a:r>
+              <a:rPr lang="en-US" b="0" i="0" dirty="0">
+                <a:solidFill>
+                  <a:srgbClr val="0101FD"/>
+                </a:solidFill>
+                <a:effectLst/>
+                <a:latin typeface="SFMono-Regular"/>
+              </a:rPr>
+              <a:t>=</a:t>
+            </a:r>
+            <a:r>
+              <a:rPr lang="en-US" b="0" i="0" dirty="0">
+                <a:solidFill>
+                  <a:srgbClr val="A31515"/>
+                </a:solidFill>
+                <a:effectLst/>
+                <a:latin typeface="SFMono-Regular"/>
+              </a:rPr>
+              <a:t>"Green"</a:t>
+            </a:r>
+            <a:r>
+              <a:rPr lang="en-US" b="0" i="0" dirty="0">
+                <a:solidFill>
+                  <a:srgbClr val="0101FD"/>
+                </a:solidFill>
+                <a:effectLst/>
+                <a:latin typeface="SFMono-Regular"/>
+              </a:rPr>
+              <a:t> </a:t>
+            </a:r>
+            <a:r>
+              <a:rPr lang="en-US" b="0" i="0" dirty="0" err="1">
+                <a:solidFill>
+                  <a:srgbClr val="0451A5"/>
+                </a:solidFill>
+                <a:effectLst/>
+                <a:latin typeface="SFMono-Regular"/>
+              </a:rPr>
+              <a:t>HeightRequest</a:t>
+            </a:r>
+            <a:r>
+              <a:rPr lang="en-US" b="0" i="0" dirty="0">
+                <a:solidFill>
+                  <a:srgbClr val="0101FD"/>
+                </a:solidFill>
+                <a:effectLst/>
+                <a:latin typeface="SFMono-Regular"/>
+              </a:rPr>
+              <a:t>=</a:t>
+            </a:r>
+            <a:r>
+              <a:rPr lang="en-US" b="0" i="0" dirty="0">
+                <a:solidFill>
+                  <a:srgbClr val="A31515"/>
+                </a:solidFill>
+                <a:effectLst/>
+                <a:latin typeface="SFMono-Regular"/>
+              </a:rPr>
+              <a:t>"40"</a:t>
+            </a:r>
+            <a:r>
+              <a:rPr lang="en-US" b="0" i="0" dirty="0">
+                <a:solidFill>
+                  <a:srgbClr val="0101FD"/>
+                </a:solidFill>
+                <a:effectLst/>
+                <a:latin typeface="SFMono-Regular"/>
+              </a:rPr>
+              <a:t> /&gt;</a:t>
+            </a:r>
+            <a:endParaRPr lang="en-US" dirty="0">
+              <a:solidFill>
+                <a:srgbClr val="171717"/>
+              </a:solidFill>
+              <a:latin typeface="SFMono-Regular"/>
+            </a:endParaRPr>
+          </a:p>
+          <a:p>
+            <a:r>
+              <a:rPr lang="en-US" b="0" i="0" dirty="0">
+                <a:solidFill>
+                  <a:srgbClr val="0101FD"/>
+                </a:solidFill>
+                <a:effectLst/>
+                <a:latin typeface="SFMono-Regular"/>
+              </a:rPr>
+              <a:t>&lt;</a:t>
+            </a:r>
+            <a:r>
+              <a:rPr lang="en-US" b="0" i="0" dirty="0" err="1">
+                <a:solidFill>
+                  <a:srgbClr val="0101FD"/>
+                </a:solidFill>
+                <a:effectLst/>
+                <a:latin typeface="SFMono-Regular"/>
+              </a:rPr>
+              <a:t>BoxView</a:t>
+            </a:r>
+            <a:r>
+              <a:rPr lang="en-US" b="0" i="0" dirty="0">
+                <a:solidFill>
+                  <a:srgbClr val="0101FD"/>
+                </a:solidFill>
+                <a:effectLst/>
+                <a:latin typeface="SFMono-Regular"/>
+              </a:rPr>
+              <a:t> </a:t>
+            </a:r>
+            <a:r>
+              <a:rPr lang="en-US" b="0" i="0" dirty="0">
+                <a:solidFill>
+                  <a:srgbClr val="0451A5"/>
+                </a:solidFill>
+                <a:effectLst/>
+                <a:latin typeface="SFMono-Regular"/>
+              </a:rPr>
+              <a:t>Color</a:t>
+            </a:r>
+            <a:r>
+              <a:rPr lang="en-US" b="0" i="0" dirty="0">
+                <a:solidFill>
+                  <a:srgbClr val="0101FD"/>
+                </a:solidFill>
+                <a:effectLst/>
+                <a:latin typeface="SFMono-Regular"/>
+              </a:rPr>
+              <a:t>=</a:t>
+            </a:r>
+            <a:r>
+              <a:rPr lang="en-US" b="0" i="0" dirty="0">
+                <a:solidFill>
+                  <a:srgbClr val="A31515"/>
+                </a:solidFill>
+                <a:effectLst/>
+                <a:latin typeface="SFMono-Regular"/>
+              </a:rPr>
+              <a:t>"Orange"</a:t>
+            </a:r>
+            <a:r>
+              <a:rPr lang="en-US" b="0" i="0" dirty="0">
+                <a:solidFill>
+                  <a:srgbClr val="0101FD"/>
+                </a:solidFill>
+                <a:effectLst/>
+                <a:latin typeface="SFMono-Regular"/>
+              </a:rPr>
+              <a:t> </a:t>
+            </a:r>
+            <a:r>
+              <a:rPr lang="en-US" b="0" i="0" dirty="0" err="1">
+                <a:solidFill>
+                  <a:srgbClr val="0451A5"/>
+                </a:solidFill>
+                <a:effectLst/>
+                <a:latin typeface="SFMono-Regular"/>
+              </a:rPr>
+              <a:t>HeightRequest</a:t>
+            </a:r>
+            <a:r>
+              <a:rPr lang="en-US" b="0" i="0" dirty="0">
+                <a:solidFill>
+                  <a:srgbClr val="0101FD"/>
+                </a:solidFill>
+                <a:effectLst/>
+                <a:latin typeface="SFMono-Regular"/>
+              </a:rPr>
+              <a:t>=</a:t>
+            </a:r>
+            <a:r>
+              <a:rPr lang="en-US" b="0" i="0" dirty="0">
+                <a:solidFill>
+                  <a:srgbClr val="A31515"/>
+                </a:solidFill>
+                <a:effectLst/>
+                <a:latin typeface="SFMono-Regular"/>
+              </a:rPr>
+              <a:t>"40"</a:t>
+            </a:r>
+            <a:r>
+              <a:rPr lang="en-US" b="0" i="0" dirty="0">
+                <a:solidFill>
+                  <a:srgbClr val="0101FD"/>
+                </a:solidFill>
+                <a:effectLst/>
+                <a:latin typeface="SFMono-Regular"/>
+              </a:rPr>
+              <a:t> /&gt;</a:t>
+            </a:r>
+            <a:endParaRPr lang="en-US" dirty="0">
+              <a:solidFill>
+                <a:srgbClr val="171717"/>
+              </a:solidFill>
+              <a:latin typeface="SFMono-Regular"/>
+            </a:endParaRPr>
+          </a:p>
+          <a:p>
+            <a:r>
+              <a:rPr lang="en-US" b="0" i="0" dirty="0">
+                <a:solidFill>
+                  <a:srgbClr val="0101FD"/>
+                </a:solidFill>
+                <a:effectLst/>
+                <a:latin typeface="SFMono-Regular"/>
+              </a:rPr>
+              <a:t>&lt;</a:t>
+            </a:r>
+            <a:r>
+              <a:rPr lang="en-US" b="0" i="0" dirty="0" err="1">
+                <a:solidFill>
+                  <a:srgbClr val="0101FD"/>
+                </a:solidFill>
+                <a:effectLst/>
+                <a:latin typeface="SFMono-Regular"/>
+              </a:rPr>
+              <a:t>BoxView</a:t>
+            </a:r>
+            <a:r>
+              <a:rPr lang="en-US" b="0" i="0" dirty="0">
+                <a:solidFill>
+                  <a:srgbClr val="0101FD"/>
+                </a:solidFill>
+                <a:effectLst/>
+                <a:latin typeface="SFMono-Regular"/>
+              </a:rPr>
+              <a:t> </a:t>
+            </a:r>
+            <a:r>
+              <a:rPr lang="en-US" b="0" i="0" dirty="0">
+                <a:solidFill>
+                  <a:srgbClr val="0451A5"/>
+                </a:solidFill>
+                <a:effectLst/>
+                <a:latin typeface="SFMono-Regular"/>
+              </a:rPr>
+              <a:t>Color</a:t>
+            </a:r>
+            <a:r>
+              <a:rPr lang="en-US" b="0" i="0" dirty="0">
+                <a:solidFill>
+                  <a:srgbClr val="0101FD"/>
+                </a:solidFill>
+                <a:effectLst/>
+                <a:latin typeface="SFMono-Regular"/>
+              </a:rPr>
+              <a:t>=</a:t>
+            </a:r>
+            <a:r>
+              <a:rPr lang="en-US" b="0" i="0" dirty="0">
+                <a:solidFill>
+                  <a:srgbClr val="A31515"/>
+                </a:solidFill>
+                <a:effectLst/>
+                <a:latin typeface="SFMono-Regular"/>
+              </a:rPr>
+              <a:t>"Purple"</a:t>
+            </a:r>
+            <a:r>
+              <a:rPr lang="en-US" b="0" i="0" dirty="0">
+                <a:solidFill>
+                  <a:srgbClr val="0101FD"/>
+                </a:solidFill>
+                <a:effectLst/>
+                <a:latin typeface="SFMono-Regular"/>
+              </a:rPr>
+              <a:t> </a:t>
+            </a:r>
+            <a:r>
+              <a:rPr lang="en-US" b="0" i="0" dirty="0" err="1">
+                <a:solidFill>
+                  <a:srgbClr val="0451A5"/>
+                </a:solidFill>
+                <a:effectLst/>
+                <a:latin typeface="SFMono-Regular"/>
+              </a:rPr>
+              <a:t>HeightRequest</a:t>
+            </a:r>
+            <a:r>
+              <a:rPr lang="en-US" b="0" i="0" dirty="0">
+                <a:solidFill>
+                  <a:srgbClr val="0101FD"/>
+                </a:solidFill>
+                <a:effectLst/>
+                <a:latin typeface="SFMono-Regular"/>
+              </a:rPr>
+              <a:t>=</a:t>
+            </a:r>
+            <a:r>
+              <a:rPr lang="en-US" b="0" i="0" dirty="0">
+                <a:solidFill>
+                  <a:srgbClr val="A31515"/>
+                </a:solidFill>
+                <a:effectLst/>
+                <a:latin typeface="SFMono-Regular"/>
+              </a:rPr>
+              <a:t>"40"</a:t>
+            </a:r>
+            <a:r>
+              <a:rPr lang="en-US" b="0" i="0" dirty="0">
+                <a:solidFill>
+                  <a:srgbClr val="0101FD"/>
+                </a:solidFill>
+                <a:effectLst/>
+                <a:latin typeface="SFMono-Regular"/>
+              </a:rPr>
+              <a:t> /&gt;</a:t>
+            </a:r>
+          </a:p>
+          <a:p>
+            <a:r>
+              <a:rPr lang="en-US" b="0" i="0" dirty="0">
+                <a:solidFill>
+                  <a:srgbClr val="0101FD"/>
+                </a:solidFill>
+                <a:effectLst/>
+                <a:latin typeface="SFMono-Regular"/>
+              </a:rPr>
+              <a:t>&lt;/</a:t>
+            </a:r>
+            <a:r>
+              <a:rPr lang="en-US" b="0" i="0" dirty="0" err="1">
+                <a:solidFill>
+                  <a:srgbClr val="0101FD"/>
+                </a:solidFill>
+                <a:effectLst/>
+                <a:latin typeface="SFMono-Regular"/>
+              </a:rPr>
+              <a:t>StackLayout</a:t>
+            </a:r>
+            <a:r>
+              <a:rPr lang="en-US" b="0" i="0" dirty="0">
+                <a:solidFill>
+                  <a:srgbClr val="0101FD"/>
+                </a:solidFill>
+                <a:effectLst/>
+                <a:latin typeface="SFMono-Regular"/>
+              </a:rPr>
+              <a:t>&gt;</a:t>
+            </a:r>
+            <a:endParaRPr lang="en-US" dirty="0"/>
+          </a:p>
+        </p:txBody>
+      </p:sp>
+      <p:pic>
+        <p:nvPicPr>
+          <p:cNvPr id="4" name="Picture 3">
+            <a:extLst>
+              <a:ext uri="{FF2B5EF4-FFF2-40B4-BE49-F238E27FC236}">
+                <a16:creationId xmlns:a16="http://schemas.microsoft.com/office/drawing/2014/main" id="{07F8351D-B0B1-4A1A-9DA6-A3414EA8C6C0}"/>
+              </a:ext>
+            </a:extLst>
+          </p:cNvPr>
+          <p:cNvPicPr>
+            <a:picLocks noChangeAspect="1"/>
+          </p:cNvPicPr>
+          <p:nvPr/>
+        </p:nvPicPr>
+        <p:blipFill>
+          <a:blip r:embed="rId2"/>
+          <a:stretch>
+            <a:fillRect/>
+          </a:stretch>
+        </p:blipFill>
+        <p:spPr>
+          <a:xfrm>
+            <a:off x="8850885" y="2849327"/>
+            <a:ext cx="2828925" cy="2152650"/>
+          </a:xfrm>
+          <a:prstGeom prst="rect">
+            <a:avLst/>
+          </a:prstGeom>
+        </p:spPr>
+      </p:pic>
+    </p:spTree>
+    <p:extLst>
+      <p:ext uri="{BB962C8B-B14F-4D97-AF65-F5344CB8AC3E}">
+        <p14:creationId xmlns:p14="http://schemas.microsoft.com/office/powerpoint/2010/main" val="1068239474"/>
+      </p:ext>
+    </p:extLst>
+  </p:cSld>
+  <p:clrMapOvr>
+    <a:masterClrMapping/>
+  </p:clrMapOvr>
+  <p:transition>
+    <p:fade/>
+  </p:transition>
+</p:sld>
+</file>
+
+<file path=ppt/slides/slide6.xml><?xml version="1.0" encoding="utf-8"?>
+<p:sld xmlns:a="http://schemas.openxmlformats.org/drawingml/2006/main" xmlns:r="http://schemas.openxmlformats.org/officeDocument/2006/relationships" xmlns:p="http://schemas.openxmlformats.org/presentationml/2006/main">
+  <p:cSld>
+    <p:spTree>
+      <p:nvGrpSpPr>
+        <p:cNvPr id="1" name=""/>
+        <p:cNvGrpSpPr/>
+        <p:nvPr/>
+      </p:nvGrpSpPr>
+      <p:grpSpPr>
+        <a:xfrm>
+          <a:off x="0" y="0"/>
+          <a:ext cx="0" cy="0"/>
+          <a:chOff x="0" y="0"/>
+          <a:chExt cx="0" cy="0"/>
+        </a:xfrm>
+      </p:grpSpPr>
+      <p:sp>
+        <p:nvSpPr>
+          <p:cNvPr id="5" name="Title 1">
+            <a:extLst>
+              <a:ext uri="{FF2B5EF4-FFF2-40B4-BE49-F238E27FC236}">
+                <a16:creationId xmlns:a16="http://schemas.microsoft.com/office/drawing/2014/main" id="{01388D49-B47C-45BB-B53B-F6092580BE6E}"/>
+              </a:ext>
+            </a:extLst>
+          </p:cNvPr>
+          <p:cNvSpPr>
+            <a:spLocks noGrp="1"/>
+          </p:cNvSpPr>
+          <p:nvPr>
+            <p:ph type="title"/>
+          </p:nvPr>
+        </p:nvSpPr>
+        <p:spPr>
+          <a:xfrm>
+            <a:off x="457200" y="1123122"/>
+            <a:ext cx="7706412" cy="591378"/>
+          </a:xfrm>
+        </p:spPr>
+        <p:txBody>
+          <a:bodyPr>
+            <a:noAutofit/>
+          </a:bodyPr>
+          <a:lstStyle/>
+          <a:p>
+            <a:r>
+              <a:rPr lang="es-ES" sz="3200" dirty="0" err="1">
+                <a:latin typeface="Segoe UI Semibold"/>
+                <a:cs typeface="Segoe UI Semibold"/>
+              </a:rPr>
+              <a:t>StackLayout</a:t>
+            </a:r>
+            <a:endParaRPr lang="en-US" sz="3200" dirty="0"/>
+          </a:p>
+        </p:txBody>
+      </p:sp>
+      <p:sp>
+        <p:nvSpPr>
+          <p:cNvPr id="6" name="Content Placeholder 2">
+            <a:extLst>
+              <a:ext uri="{FF2B5EF4-FFF2-40B4-BE49-F238E27FC236}">
+                <a16:creationId xmlns:a16="http://schemas.microsoft.com/office/drawing/2014/main" id="{AC81F8B9-8203-4DB3-932F-AB15DF79780D}"/>
+              </a:ext>
+            </a:extLst>
+          </p:cNvPr>
+          <p:cNvSpPr txBox="1">
+            <a:spLocks/>
+          </p:cNvSpPr>
+          <p:nvPr/>
+        </p:nvSpPr>
+        <p:spPr>
+          <a:xfrm>
+            <a:off x="457200" y="2142642"/>
+            <a:ext cx="11222610" cy="4145036"/>
+          </a:xfrm>
+          <a:prstGeom prst="rect">
+            <a:avLst/>
+          </a:prstGeom>
+        </p:spPr>
+        <p:txBody>
+          <a:bodyPr vert="horz" lIns="91440" tIns="45720" rIns="91440" bIns="45720" rtlCol="0" anchor="t">
+            <a:noAutofit/>
+          </a:bodyPr>
+          <a:lstStyle>
+            <a:lvl1pPr marL="336145" marR="0" indent="-336145" algn="l" defTabSz="914367" rtl="0" eaLnBrk="1" fontAlgn="auto" latinLnBrk="0" hangingPunct="1">
+              <a:lnSpc>
+                <a:spcPct val="90000"/>
+              </a:lnSpc>
+              <a:spcBef>
+                <a:spcPct val="20000"/>
+              </a:spcBef>
+              <a:spcAft>
+                <a:spcPts val="0"/>
+              </a:spcAft>
+              <a:buClrTx/>
+              <a:buSzPct val="90000"/>
+              <a:buFont typeface="Arial" pitchFamily="34" charset="0"/>
+              <a:buChar char="•"/>
+              <a:tabLst/>
+              <a:defRPr sz="3921" kern="1200" spc="0" baseline="0">
+                <a:gradFill>
+                  <a:gsLst>
+                    <a:gs pos="1250">
+                      <a:schemeClr val="tx1"/>
+                    </a:gs>
+                    <a:gs pos="100000">
+                      <a:schemeClr val="tx1"/>
+                    </a:gs>
+                  </a:gsLst>
+                  <a:lin ang="5400000" scaled="0"/>
+                </a:gradFill>
+                <a:latin typeface="+mj-lt"/>
+                <a:ea typeface="+mn-ea"/>
+                <a:cs typeface="+mn-cs"/>
+              </a:defRPr>
+            </a:lvl1pPr>
+            <a:lvl2pPr marL="572691" marR="0" indent="-236546" algn="l" defTabSz="914367" rtl="0" eaLnBrk="1" fontAlgn="auto" latinLnBrk="0" hangingPunct="1">
+              <a:lnSpc>
+                <a:spcPct val="90000"/>
+              </a:lnSpc>
+              <a:spcBef>
+                <a:spcPct val="20000"/>
+              </a:spcBef>
+              <a:spcAft>
+                <a:spcPts val="0"/>
+              </a:spcAft>
+              <a:buClrTx/>
+              <a:buSzPct val="90000"/>
+              <a:buFont typeface="Arial" pitchFamily="34" charset="0"/>
+              <a:buChar char="•"/>
+              <a:tabLst/>
+              <a:defRPr sz="2353" kern="1200" spc="0" baseline="0">
+                <a:gradFill>
+                  <a:gsLst>
+                    <a:gs pos="1250">
+                      <a:schemeClr val="tx1"/>
+                    </a:gs>
+                    <a:gs pos="100000">
+                      <a:schemeClr val="tx1"/>
+                    </a:gs>
+                  </a:gsLst>
+                  <a:lin ang="5400000" scaled="0"/>
+                </a:gradFill>
+                <a:latin typeface="+mn-lt"/>
+                <a:ea typeface="+mn-ea"/>
+                <a:cs typeface="+mn-cs"/>
+              </a:defRPr>
+            </a:lvl2pPr>
+            <a:lvl3pPr marL="784338" marR="0" indent="-224097" algn="l" defTabSz="914367" rtl="0" eaLnBrk="1" fontAlgn="auto" latinLnBrk="0" hangingPunct="1">
+              <a:lnSpc>
+                <a:spcPct val="90000"/>
+              </a:lnSpc>
+              <a:spcBef>
+                <a:spcPct val="20000"/>
+              </a:spcBef>
+              <a:spcAft>
+                <a:spcPts val="0"/>
+              </a:spcAft>
+              <a:buClrTx/>
+              <a:buSzPct val="90000"/>
+              <a:buFont typeface="Arial" pitchFamily="34" charset="0"/>
+              <a:buChar char="•"/>
+              <a:tabLst/>
+              <a:defRPr sz="1961" kern="1200" spc="0" baseline="0">
+                <a:gradFill>
+                  <a:gsLst>
+                    <a:gs pos="1250">
+                      <a:schemeClr val="tx1"/>
+                    </a:gs>
+                    <a:gs pos="100000">
+                      <a:schemeClr val="tx1"/>
+                    </a:gs>
+                  </a:gsLst>
+                  <a:lin ang="5400000" scaled="0"/>
+                </a:gradFill>
+                <a:latin typeface="+mn-lt"/>
+                <a:ea typeface="+mn-ea"/>
+                <a:cs typeface="+mn-cs"/>
+              </a:defRPr>
+            </a:lvl3pPr>
+            <a:lvl4pPr marL="1008435" marR="0" indent="-224097" algn="l" defTabSz="914367" rtl="0" eaLnBrk="1" fontAlgn="auto" latinLnBrk="0" hangingPunct="1">
+              <a:lnSpc>
+                <a:spcPct val="90000"/>
+              </a:lnSpc>
+              <a:spcBef>
+                <a:spcPct val="20000"/>
+              </a:spcBef>
+              <a:spcAft>
+                <a:spcPts val="0"/>
+              </a:spcAft>
+              <a:buClrTx/>
+              <a:buSzPct val="90000"/>
+              <a:buFont typeface="Arial" pitchFamily="34" charset="0"/>
+              <a:buChar char="•"/>
+              <a:tabLst/>
+              <a:defRPr sz="1765" kern="1200" spc="0" baseline="0">
+                <a:gradFill>
+                  <a:gsLst>
+                    <a:gs pos="1250">
+                      <a:schemeClr val="tx1"/>
+                    </a:gs>
+                    <a:gs pos="100000">
+                      <a:schemeClr val="tx1"/>
+                    </a:gs>
+                  </a:gsLst>
+                  <a:lin ang="5400000" scaled="0"/>
+                </a:gradFill>
+                <a:latin typeface="+mn-lt"/>
+                <a:ea typeface="+mn-ea"/>
+                <a:cs typeface="+mn-cs"/>
+              </a:defRPr>
+            </a:lvl4pPr>
+            <a:lvl5pPr marL="1232531" marR="0" indent="-224097" algn="l" defTabSz="914367" rtl="0" eaLnBrk="1" fontAlgn="auto" latinLnBrk="0" hangingPunct="1">
+              <a:lnSpc>
+                <a:spcPct val="90000"/>
+              </a:lnSpc>
+              <a:spcBef>
+                <a:spcPct val="20000"/>
+              </a:spcBef>
+              <a:spcAft>
+                <a:spcPts val="0"/>
+              </a:spcAft>
+              <a:buClrTx/>
+              <a:buSzPct val="90000"/>
+              <a:buFont typeface="Arial" pitchFamily="34" charset="0"/>
+              <a:buChar char="•"/>
+              <a:tabLst/>
+              <a:defRPr sz="1765" kern="1200" spc="0" baseline="0">
+                <a:gradFill>
+                  <a:gsLst>
+                    <a:gs pos="1250">
+                      <a:schemeClr val="tx1"/>
+                    </a:gs>
+                    <a:gs pos="100000">
+                      <a:schemeClr val="tx1"/>
+                    </a:gs>
+                  </a:gsLst>
+                  <a:lin ang="5400000" scaled="0"/>
+                </a:gradFill>
+                <a:latin typeface="+mn-lt"/>
+                <a:ea typeface="+mn-ea"/>
+                <a:cs typeface="+mn-cs"/>
+              </a:defRPr>
+            </a:lvl5pPr>
+            <a:lvl6pPr marL="2514509" indent="-228592" algn="l" defTabSz="914367" rtl="0" eaLnBrk="1" latinLnBrk="0" hangingPunct="1">
+              <a:spcBef>
+                <a:spcPct val="20000"/>
+              </a:spcBef>
+              <a:buFont typeface="Arial" pitchFamily="34" charset="0"/>
+              <a:buChar char="•"/>
+              <a:defRPr sz="1961" kern="1200">
+                <a:solidFill>
+                  <a:schemeClr val="tx1"/>
+                </a:solidFill>
+                <a:latin typeface="+mn-lt"/>
+                <a:ea typeface="+mn-ea"/>
+                <a:cs typeface="+mn-cs"/>
+              </a:defRPr>
+            </a:lvl6pPr>
+            <a:lvl7pPr marL="2971693" indent="-228592" algn="l" defTabSz="914367" rtl="0" eaLnBrk="1" latinLnBrk="0" hangingPunct="1">
+              <a:spcBef>
+                <a:spcPct val="20000"/>
+              </a:spcBef>
+              <a:buFont typeface="Arial" pitchFamily="34" charset="0"/>
+              <a:buChar char="•"/>
+              <a:defRPr sz="1961" kern="1200">
+                <a:solidFill>
+                  <a:schemeClr val="tx1"/>
+                </a:solidFill>
+                <a:latin typeface="+mn-lt"/>
+                <a:ea typeface="+mn-ea"/>
+                <a:cs typeface="+mn-cs"/>
+              </a:defRPr>
+            </a:lvl7pPr>
+            <a:lvl8pPr marL="3428877" indent="-228592" algn="l" defTabSz="914367" rtl="0" eaLnBrk="1" latinLnBrk="0" hangingPunct="1">
+              <a:spcBef>
+                <a:spcPct val="20000"/>
+              </a:spcBef>
+              <a:buFont typeface="Arial" pitchFamily="34" charset="0"/>
+              <a:buChar char="•"/>
+              <a:defRPr sz="1961" kern="1200">
+                <a:solidFill>
+                  <a:schemeClr val="tx1"/>
+                </a:solidFill>
+                <a:latin typeface="+mn-lt"/>
+                <a:ea typeface="+mn-ea"/>
+                <a:cs typeface="+mn-cs"/>
+              </a:defRPr>
+            </a:lvl8pPr>
+            <a:lvl9pPr marL="3886061" indent="-228592" algn="l" defTabSz="914367" rtl="0" eaLnBrk="1" latinLnBrk="0" hangingPunct="1">
+              <a:spcBef>
+                <a:spcPct val="20000"/>
+              </a:spcBef>
+              <a:buFont typeface="Arial" pitchFamily="34" charset="0"/>
+              <a:buChar char="•"/>
+              <a:defRPr sz="1961" kern="1200">
+                <a:solidFill>
+                  <a:schemeClr val="tx1"/>
+                </a:solidFill>
+                <a:latin typeface="+mn-lt"/>
+                <a:ea typeface="+mn-ea"/>
+                <a:cs typeface="+mn-cs"/>
+              </a:defRPr>
+            </a:lvl9pPr>
+          </a:lstStyle>
+          <a:p>
+            <a:pPr marL="0" indent="0" algn="l">
+              <a:buNone/>
+            </a:pPr>
+            <a:r>
+              <a:rPr lang="es-ES" sz="1800" b="0" i="0" dirty="0">
+                <a:solidFill>
+                  <a:srgbClr val="171717"/>
+                </a:solidFill>
+                <a:effectLst/>
+                <a:latin typeface="Segoe UI" panose="020B0502040204020203" pitchFamily="34" charset="0"/>
+              </a:rPr>
+              <a:t>La propiedad </a:t>
+            </a:r>
+            <a:r>
+              <a:rPr lang="es-ES" sz="1800" b="0" i="0" dirty="0" err="1">
+                <a:solidFill>
+                  <a:srgbClr val="171717"/>
+                </a:solidFill>
+                <a:effectLst/>
+                <a:latin typeface="Segoe UI" panose="020B0502040204020203" pitchFamily="34" charset="0"/>
+              </a:rPr>
+              <a:t>Orientation</a:t>
+            </a:r>
+            <a:r>
+              <a:rPr lang="es-ES" sz="1800" b="0" i="0" dirty="0">
+                <a:solidFill>
+                  <a:srgbClr val="171717"/>
+                </a:solidFill>
+                <a:effectLst/>
+                <a:latin typeface="Segoe UI" panose="020B0502040204020203" pitchFamily="34" charset="0"/>
+              </a:rPr>
+              <a:t>, de tipo </a:t>
+            </a:r>
+            <a:r>
+              <a:rPr lang="es-ES" sz="1800" b="0" i="0" dirty="0" err="1">
+                <a:solidFill>
+                  <a:srgbClr val="171717"/>
+                </a:solidFill>
+                <a:effectLst/>
+                <a:latin typeface="Segoe UI" panose="020B0502040204020203" pitchFamily="34" charset="0"/>
+              </a:rPr>
+              <a:t>StackOrientation</a:t>
+            </a:r>
+            <a:r>
+              <a:rPr lang="es-ES" sz="1800" b="0" i="0" dirty="0">
+                <a:solidFill>
+                  <a:srgbClr val="171717"/>
+                </a:solidFill>
+                <a:effectLst/>
+                <a:latin typeface="Segoe UI" panose="020B0502040204020203" pitchFamily="34" charset="0"/>
+              </a:rPr>
+              <a:t>, representa la dirección en la que se colocan las vistas secundarias. El valor predeterminado de esta propiedad es Vertical.</a:t>
+            </a:r>
+            <a:endParaRPr lang="es-ES" sz="1800" b="0" dirty="0">
+              <a:solidFill>
+                <a:srgbClr val="171717"/>
+              </a:solidFill>
+              <a:effectLst/>
+              <a:latin typeface="Segoe UI" panose="020B0502040204020203" pitchFamily="34" charset="0"/>
+            </a:endParaRPr>
+          </a:p>
+        </p:txBody>
+      </p:sp>
+      <p:sp>
+        <p:nvSpPr>
+          <p:cNvPr id="8" name="TextBox 7">
+            <a:extLst>
+              <a:ext uri="{FF2B5EF4-FFF2-40B4-BE49-F238E27FC236}">
+                <a16:creationId xmlns:a16="http://schemas.microsoft.com/office/drawing/2014/main" id="{9CD81896-AAFB-4477-9620-B5CBB08B073D}"/>
+              </a:ext>
+            </a:extLst>
+          </p:cNvPr>
+          <p:cNvSpPr txBox="1"/>
+          <p:nvPr/>
+        </p:nvSpPr>
+        <p:spPr>
+          <a:xfrm>
+            <a:off x="457200" y="2924741"/>
+            <a:ext cx="6537488" cy="2585323"/>
+          </a:xfrm>
+          <a:prstGeom prst="rect">
+            <a:avLst/>
+          </a:prstGeom>
+          <a:noFill/>
+        </p:spPr>
+        <p:txBody>
+          <a:bodyPr wrap="square">
+            <a:spAutoFit/>
+          </a:bodyPr>
+          <a:lstStyle/>
+          <a:p>
+            <a:r>
+              <a:rPr lang="en-US" b="0" i="0" dirty="0">
+                <a:solidFill>
+                  <a:srgbClr val="0101FD"/>
+                </a:solidFill>
+                <a:effectLst/>
+                <a:latin typeface="SFMono-Regular"/>
+              </a:rPr>
+              <a:t>&lt;</a:t>
+            </a:r>
+            <a:r>
+              <a:rPr lang="en-US" b="0" i="0" dirty="0" err="1">
+                <a:solidFill>
+                  <a:srgbClr val="0101FD"/>
+                </a:solidFill>
+                <a:effectLst/>
+                <a:latin typeface="SFMono-Regular"/>
+              </a:rPr>
+              <a:t>StackLayout</a:t>
+            </a:r>
+            <a:r>
+              <a:rPr lang="en-US" b="0" i="0" dirty="0">
+                <a:solidFill>
+                  <a:srgbClr val="0101FD"/>
+                </a:solidFill>
+                <a:effectLst/>
+                <a:latin typeface="SFMono-Regular"/>
+              </a:rPr>
+              <a:t> </a:t>
+            </a:r>
+            <a:r>
+              <a:rPr lang="en-US" b="0" i="0" dirty="0">
+                <a:solidFill>
+                  <a:srgbClr val="0451A5"/>
+                </a:solidFill>
+                <a:effectLst/>
+                <a:latin typeface="SFMono-Regular"/>
+              </a:rPr>
+              <a:t>Margin</a:t>
+            </a:r>
+            <a:r>
+              <a:rPr lang="en-US" b="0" i="0" dirty="0">
+                <a:solidFill>
+                  <a:srgbClr val="0101FD"/>
+                </a:solidFill>
+                <a:effectLst/>
+                <a:latin typeface="SFMono-Regular"/>
+              </a:rPr>
+              <a:t>=</a:t>
+            </a:r>
+            <a:r>
+              <a:rPr lang="en-US" b="0" i="0" dirty="0">
+                <a:solidFill>
+                  <a:srgbClr val="A31515"/>
+                </a:solidFill>
+                <a:effectLst/>
+                <a:latin typeface="SFMono-Regular"/>
+              </a:rPr>
+              <a:t>"20"</a:t>
+            </a:r>
+            <a:r>
+              <a:rPr lang="en-US" b="0" i="0" dirty="0">
+                <a:solidFill>
+                  <a:srgbClr val="0101FD"/>
+                </a:solidFill>
+                <a:effectLst/>
+                <a:latin typeface="SFMono-Regular"/>
+              </a:rPr>
+              <a:t> </a:t>
+            </a:r>
+            <a:r>
+              <a:rPr lang="en-US" b="0" i="0" dirty="0">
+                <a:solidFill>
+                  <a:srgbClr val="0451A5"/>
+                </a:solidFill>
+                <a:effectLst/>
+                <a:latin typeface="SFMono-Regular"/>
+              </a:rPr>
+              <a:t>Orientation</a:t>
+            </a:r>
+            <a:r>
+              <a:rPr lang="en-US" b="0" i="0" dirty="0">
+                <a:solidFill>
+                  <a:srgbClr val="0101FD"/>
+                </a:solidFill>
+                <a:effectLst/>
+                <a:latin typeface="SFMono-Regular"/>
+              </a:rPr>
+              <a:t>=</a:t>
+            </a:r>
+            <a:r>
+              <a:rPr lang="en-US" b="0" i="0" dirty="0">
+                <a:solidFill>
+                  <a:srgbClr val="A31515"/>
+                </a:solidFill>
+                <a:effectLst/>
+                <a:latin typeface="SFMono-Regular"/>
+              </a:rPr>
+              <a:t>"Horizontal"</a:t>
+            </a:r>
+            <a:r>
+              <a:rPr lang="en-US" b="0" i="0" dirty="0">
+                <a:solidFill>
+                  <a:srgbClr val="0101FD"/>
+                </a:solidFill>
+                <a:effectLst/>
+                <a:latin typeface="SFMono-Regular"/>
+              </a:rPr>
+              <a:t> </a:t>
+            </a:r>
+            <a:r>
+              <a:rPr lang="en-US" b="0" i="0" dirty="0" err="1">
+                <a:solidFill>
+                  <a:srgbClr val="0451A5"/>
+                </a:solidFill>
+                <a:effectLst/>
+                <a:latin typeface="SFMono-Regular"/>
+              </a:rPr>
+              <a:t>HorizontalOptions</a:t>
+            </a:r>
+            <a:r>
+              <a:rPr lang="en-US" b="0" i="0" dirty="0">
+                <a:solidFill>
+                  <a:srgbClr val="0101FD"/>
+                </a:solidFill>
+                <a:effectLst/>
+                <a:latin typeface="SFMono-Regular"/>
+              </a:rPr>
+              <a:t>=</a:t>
+            </a:r>
+            <a:r>
+              <a:rPr lang="en-US" b="0" i="0" dirty="0">
+                <a:solidFill>
+                  <a:srgbClr val="A31515"/>
+                </a:solidFill>
+                <a:effectLst/>
+                <a:latin typeface="SFMono-Regular"/>
+              </a:rPr>
+              <a:t>"Center"</a:t>
+            </a:r>
+            <a:r>
+              <a:rPr lang="en-US" b="0" i="0" dirty="0">
+                <a:solidFill>
+                  <a:srgbClr val="0101FD"/>
+                </a:solidFill>
+                <a:effectLst/>
+                <a:latin typeface="SFMono-Regular"/>
+              </a:rPr>
+              <a:t>&gt;</a:t>
+            </a:r>
+            <a:endParaRPr lang="en-US" dirty="0">
+              <a:solidFill>
+                <a:srgbClr val="171717"/>
+              </a:solidFill>
+              <a:latin typeface="SFMono-Regular"/>
+            </a:endParaRPr>
+          </a:p>
+          <a:p>
+            <a:r>
+              <a:rPr lang="en-US" b="0" i="0" dirty="0">
+                <a:solidFill>
+                  <a:srgbClr val="0101FD"/>
+                </a:solidFill>
+                <a:effectLst/>
+                <a:latin typeface="SFMono-Regular"/>
+              </a:rPr>
+              <a:t>&lt;</a:t>
+            </a:r>
+            <a:r>
+              <a:rPr lang="en-US" b="0" i="0" dirty="0" err="1">
+                <a:solidFill>
+                  <a:srgbClr val="0101FD"/>
+                </a:solidFill>
+                <a:effectLst/>
+                <a:latin typeface="SFMono-Regular"/>
+              </a:rPr>
+              <a:t>BoxView</a:t>
+            </a:r>
+            <a:r>
+              <a:rPr lang="en-US" b="0" i="0" dirty="0">
+                <a:solidFill>
+                  <a:srgbClr val="0101FD"/>
+                </a:solidFill>
+                <a:effectLst/>
+                <a:latin typeface="SFMono-Regular"/>
+              </a:rPr>
+              <a:t> </a:t>
+            </a:r>
+            <a:r>
+              <a:rPr lang="en-US" b="0" i="0" dirty="0">
+                <a:solidFill>
+                  <a:srgbClr val="0451A5"/>
+                </a:solidFill>
+                <a:effectLst/>
+                <a:latin typeface="SFMono-Regular"/>
+              </a:rPr>
+              <a:t>Color</a:t>
+            </a:r>
+            <a:r>
+              <a:rPr lang="en-US" b="0" i="0" dirty="0">
+                <a:solidFill>
+                  <a:srgbClr val="0101FD"/>
+                </a:solidFill>
+                <a:effectLst/>
+                <a:latin typeface="SFMono-Regular"/>
+              </a:rPr>
+              <a:t>=</a:t>
+            </a:r>
+            <a:r>
+              <a:rPr lang="en-US" b="0" i="0" dirty="0">
+                <a:solidFill>
+                  <a:srgbClr val="A31515"/>
+                </a:solidFill>
+                <a:effectLst/>
+                <a:latin typeface="SFMono-Regular"/>
+              </a:rPr>
+              <a:t>"Red"</a:t>
+            </a:r>
+            <a:r>
+              <a:rPr lang="en-US" b="0" i="0" dirty="0">
+                <a:solidFill>
+                  <a:srgbClr val="0101FD"/>
+                </a:solidFill>
+                <a:effectLst/>
+                <a:latin typeface="SFMono-Regular"/>
+              </a:rPr>
+              <a:t> </a:t>
+            </a:r>
+            <a:r>
+              <a:rPr lang="en-US" b="0" i="0" dirty="0" err="1">
+                <a:solidFill>
+                  <a:srgbClr val="0451A5"/>
+                </a:solidFill>
+                <a:effectLst/>
+                <a:latin typeface="SFMono-Regular"/>
+              </a:rPr>
+              <a:t>WidthRequest</a:t>
+            </a:r>
+            <a:r>
+              <a:rPr lang="en-US" b="0" i="0" dirty="0">
+                <a:solidFill>
+                  <a:srgbClr val="0101FD"/>
+                </a:solidFill>
+                <a:effectLst/>
+                <a:latin typeface="SFMono-Regular"/>
+              </a:rPr>
+              <a:t>=</a:t>
+            </a:r>
+            <a:r>
+              <a:rPr lang="en-US" b="0" i="0" dirty="0">
+                <a:solidFill>
+                  <a:srgbClr val="A31515"/>
+                </a:solidFill>
+                <a:effectLst/>
+                <a:latin typeface="SFMono-Regular"/>
+              </a:rPr>
+              <a:t>"40"</a:t>
+            </a:r>
+            <a:r>
+              <a:rPr lang="en-US" b="0" i="0" dirty="0">
+                <a:solidFill>
+                  <a:srgbClr val="0101FD"/>
+                </a:solidFill>
+                <a:effectLst/>
+                <a:latin typeface="SFMono-Regular"/>
+              </a:rPr>
+              <a:t> /&gt;</a:t>
+            </a:r>
+          </a:p>
+          <a:p>
+            <a:r>
+              <a:rPr lang="en-US" b="0" i="0" dirty="0">
+                <a:solidFill>
+                  <a:srgbClr val="0101FD"/>
+                </a:solidFill>
+                <a:effectLst/>
+                <a:latin typeface="SFMono-Regular"/>
+              </a:rPr>
+              <a:t>&lt;</a:t>
+            </a:r>
+            <a:r>
+              <a:rPr lang="en-US" b="0" i="0" dirty="0" err="1">
+                <a:solidFill>
+                  <a:srgbClr val="0101FD"/>
+                </a:solidFill>
+                <a:effectLst/>
+                <a:latin typeface="SFMono-Regular"/>
+              </a:rPr>
+              <a:t>BoxView</a:t>
+            </a:r>
+            <a:r>
+              <a:rPr lang="en-US" b="0" i="0" dirty="0">
+                <a:solidFill>
+                  <a:srgbClr val="0101FD"/>
+                </a:solidFill>
+                <a:effectLst/>
+                <a:latin typeface="SFMono-Regular"/>
+              </a:rPr>
+              <a:t> </a:t>
+            </a:r>
+            <a:r>
+              <a:rPr lang="en-US" b="0" i="0" dirty="0">
+                <a:solidFill>
+                  <a:srgbClr val="0451A5"/>
+                </a:solidFill>
+                <a:effectLst/>
+                <a:latin typeface="SFMono-Regular"/>
+              </a:rPr>
+              <a:t>Color</a:t>
+            </a:r>
+            <a:r>
+              <a:rPr lang="en-US" b="0" i="0" dirty="0">
+                <a:solidFill>
+                  <a:srgbClr val="0101FD"/>
+                </a:solidFill>
+                <a:effectLst/>
+                <a:latin typeface="SFMono-Regular"/>
+              </a:rPr>
+              <a:t>=</a:t>
+            </a:r>
+            <a:r>
+              <a:rPr lang="en-US" b="0" i="0" dirty="0">
+                <a:solidFill>
+                  <a:srgbClr val="A31515"/>
+                </a:solidFill>
+                <a:effectLst/>
+                <a:latin typeface="SFMono-Regular"/>
+              </a:rPr>
+              <a:t>"Yellow"</a:t>
+            </a:r>
+            <a:r>
+              <a:rPr lang="en-US" b="0" i="0" dirty="0">
+                <a:solidFill>
+                  <a:srgbClr val="0101FD"/>
+                </a:solidFill>
+                <a:effectLst/>
+                <a:latin typeface="SFMono-Regular"/>
+              </a:rPr>
+              <a:t> </a:t>
+            </a:r>
+            <a:r>
+              <a:rPr lang="en-US" b="0" i="0" dirty="0" err="1">
+                <a:solidFill>
+                  <a:srgbClr val="0451A5"/>
+                </a:solidFill>
+                <a:effectLst/>
+                <a:latin typeface="SFMono-Regular"/>
+              </a:rPr>
+              <a:t>WidthRequest</a:t>
+            </a:r>
+            <a:r>
+              <a:rPr lang="en-US" b="0" i="0" dirty="0">
+                <a:solidFill>
+                  <a:srgbClr val="0101FD"/>
+                </a:solidFill>
+                <a:effectLst/>
+                <a:latin typeface="SFMono-Regular"/>
+              </a:rPr>
+              <a:t>=</a:t>
+            </a:r>
+            <a:r>
+              <a:rPr lang="en-US" b="0" i="0" dirty="0">
+                <a:solidFill>
+                  <a:srgbClr val="A31515"/>
+                </a:solidFill>
+                <a:effectLst/>
+                <a:latin typeface="SFMono-Regular"/>
+              </a:rPr>
+              <a:t>"40"</a:t>
+            </a:r>
+            <a:r>
+              <a:rPr lang="en-US" b="0" i="0" dirty="0">
+                <a:solidFill>
+                  <a:srgbClr val="0101FD"/>
+                </a:solidFill>
+                <a:effectLst/>
+                <a:latin typeface="SFMono-Regular"/>
+              </a:rPr>
+              <a:t> /&gt;</a:t>
+            </a:r>
+            <a:r>
+              <a:rPr lang="en-US" b="0" i="0" dirty="0">
+                <a:solidFill>
+                  <a:srgbClr val="171717"/>
+                </a:solidFill>
+                <a:effectLst/>
+                <a:latin typeface="SFMono-Regular"/>
+              </a:rPr>
+              <a:t> </a:t>
+            </a:r>
+          </a:p>
+          <a:p>
+            <a:r>
+              <a:rPr lang="en-US" b="0" i="0" dirty="0">
+                <a:solidFill>
+                  <a:srgbClr val="0101FD"/>
+                </a:solidFill>
+                <a:effectLst/>
+                <a:latin typeface="SFMono-Regular"/>
+              </a:rPr>
+              <a:t>&lt;</a:t>
+            </a:r>
+            <a:r>
+              <a:rPr lang="en-US" b="0" i="0" dirty="0" err="1">
+                <a:solidFill>
+                  <a:srgbClr val="0101FD"/>
+                </a:solidFill>
+                <a:effectLst/>
+                <a:latin typeface="SFMono-Regular"/>
+              </a:rPr>
+              <a:t>BoxView</a:t>
+            </a:r>
+            <a:r>
+              <a:rPr lang="en-US" b="0" i="0" dirty="0">
+                <a:solidFill>
+                  <a:srgbClr val="0101FD"/>
+                </a:solidFill>
+                <a:effectLst/>
+                <a:latin typeface="SFMono-Regular"/>
+              </a:rPr>
+              <a:t> </a:t>
+            </a:r>
+            <a:r>
+              <a:rPr lang="en-US" b="0" i="0" dirty="0">
+                <a:solidFill>
+                  <a:srgbClr val="0451A5"/>
+                </a:solidFill>
+                <a:effectLst/>
+                <a:latin typeface="SFMono-Regular"/>
+              </a:rPr>
+              <a:t>Color</a:t>
+            </a:r>
+            <a:r>
+              <a:rPr lang="en-US" b="0" i="0" dirty="0">
+                <a:solidFill>
+                  <a:srgbClr val="0101FD"/>
+                </a:solidFill>
+                <a:effectLst/>
+                <a:latin typeface="SFMono-Regular"/>
+              </a:rPr>
+              <a:t>=</a:t>
+            </a:r>
+            <a:r>
+              <a:rPr lang="en-US" b="0" i="0" dirty="0">
+                <a:solidFill>
+                  <a:srgbClr val="A31515"/>
+                </a:solidFill>
+                <a:effectLst/>
+                <a:latin typeface="SFMono-Regular"/>
+              </a:rPr>
+              <a:t>"Blue"</a:t>
+            </a:r>
+            <a:r>
+              <a:rPr lang="en-US" b="0" i="0" dirty="0">
+                <a:solidFill>
+                  <a:srgbClr val="0101FD"/>
+                </a:solidFill>
+                <a:effectLst/>
+                <a:latin typeface="SFMono-Regular"/>
+              </a:rPr>
+              <a:t> </a:t>
+            </a:r>
+            <a:r>
+              <a:rPr lang="en-US" b="0" i="0" dirty="0" err="1">
+                <a:solidFill>
+                  <a:srgbClr val="0451A5"/>
+                </a:solidFill>
+                <a:effectLst/>
+                <a:latin typeface="SFMono-Regular"/>
+              </a:rPr>
+              <a:t>WidthRequest</a:t>
+            </a:r>
+            <a:r>
+              <a:rPr lang="en-US" b="0" i="0" dirty="0">
+                <a:solidFill>
+                  <a:srgbClr val="0101FD"/>
+                </a:solidFill>
+                <a:effectLst/>
+                <a:latin typeface="SFMono-Regular"/>
+              </a:rPr>
+              <a:t>=</a:t>
+            </a:r>
+            <a:r>
+              <a:rPr lang="en-US" b="0" i="0" dirty="0">
+                <a:solidFill>
+                  <a:srgbClr val="A31515"/>
+                </a:solidFill>
+                <a:effectLst/>
+                <a:latin typeface="SFMono-Regular"/>
+              </a:rPr>
+              <a:t>"40"</a:t>
+            </a:r>
+            <a:r>
+              <a:rPr lang="en-US" b="0" i="0" dirty="0">
+                <a:solidFill>
+                  <a:srgbClr val="0101FD"/>
+                </a:solidFill>
+                <a:effectLst/>
+                <a:latin typeface="SFMono-Regular"/>
+              </a:rPr>
+              <a:t> /&gt;</a:t>
+            </a:r>
+            <a:r>
+              <a:rPr lang="en-US" b="0" i="0" dirty="0">
+                <a:solidFill>
+                  <a:srgbClr val="171717"/>
+                </a:solidFill>
+                <a:effectLst/>
+                <a:latin typeface="SFMono-Regular"/>
+              </a:rPr>
+              <a:t> </a:t>
+            </a:r>
+          </a:p>
+          <a:p>
+            <a:r>
+              <a:rPr lang="en-US" b="0" i="0" dirty="0">
+                <a:solidFill>
+                  <a:srgbClr val="0101FD"/>
+                </a:solidFill>
+                <a:effectLst/>
+                <a:latin typeface="SFMono-Regular"/>
+              </a:rPr>
+              <a:t>&lt;</a:t>
+            </a:r>
+            <a:r>
+              <a:rPr lang="en-US" b="0" i="0" dirty="0" err="1">
+                <a:solidFill>
+                  <a:srgbClr val="0101FD"/>
+                </a:solidFill>
+                <a:effectLst/>
+                <a:latin typeface="SFMono-Regular"/>
+              </a:rPr>
+              <a:t>BoxView</a:t>
+            </a:r>
+            <a:r>
+              <a:rPr lang="en-US" b="0" i="0" dirty="0">
+                <a:solidFill>
+                  <a:srgbClr val="0101FD"/>
+                </a:solidFill>
+                <a:effectLst/>
+                <a:latin typeface="SFMono-Regular"/>
+              </a:rPr>
+              <a:t> </a:t>
+            </a:r>
+            <a:r>
+              <a:rPr lang="en-US" b="0" i="0" dirty="0">
+                <a:solidFill>
+                  <a:srgbClr val="0451A5"/>
+                </a:solidFill>
+                <a:effectLst/>
+                <a:latin typeface="SFMono-Regular"/>
+              </a:rPr>
+              <a:t>Color</a:t>
+            </a:r>
+            <a:r>
+              <a:rPr lang="en-US" b="0" i="0" dirty="0">
+                <a:solidFill>
+                  <a:srgbClr val="0101FD"/>
+                </a:solidFill>
+                <a:effectLst/>
+                <a:latin typeface="SFMono-Regular"/>
+              </a:rPr>
+              <a:t>=</a:t>
+            </a:r>
+            <a:r>
+              <a:rPr lang="en-US" b="0" i="0" dirty="0">
+                <a:solidFill>
+                  <a:srgbClr val="A31515"/>
+                </a:solidFill>
+                <a:effectLst/>
+                <a:latin typeface="SFMono-Regular"/>
+              </a:rPr>
+              <a:t>"Green"</a:t>
+            </a:r>
+            <a:r>
+              <a:rPr lang="en-US" b="0" i="0" dirty="0">
+                <a:solidFill>
+                  <a:srgbClr val="0101FD"/>
+                </a:solidFill>
+                <a:effectLst/>
+                <a:latin typeface="SFMono-Regular"/>
+              </a:rPr>
+              <a:t> </a:t>
+            </a:r>
+            <a:r>
+              <a:rPr lang="en-US" b="0" i="0" dirty="0" err="1">
+                <a:solidFill>
+                  <a:srgbClr val="0451A5"/>
+                </a:solidFill>
+                <a:effectLst/>
+                <a:latin typeface="SFMono-Regular"/>
+              </a:rPr>
+              <a:t>WidthRequest</a:t>
+            </a:r>
+            <a:r>
+              <a:rPr lang="en-US" b="0" i="0" dirty="0">
+                <a:solidFill>
+                  <a:srgbClr val="0101FD"/>
+                </a:solidFill>
+                <a:effectLst/>
+                <a:latin typeface="SFMono-Regular"/>
+              </a:rPr>
+              <a:t>=</a:t>
+            </a:r>
+            <a:r>
+              <a:rPr lang="en-US" b="0" i="0" dirty="0">
+                <a:solidFill>
+                  <a:srgbClr val="A31515"/>
+                </a:solidFill>
+                <a:effectLst/>
+                <a:latin typeface="SFMono-Regular"/>
+              </a:rPr>
+              <a:t>"40"</a:t>
+            </a:r>
+            <a:r>
+              <a:rPr lang="en-US" b="0" i="0" dirty="0">
+                <a:solidFill>
+                  <a:srgbClr val="0101FD"/>
+                </a:solidFill>
+                <a:effectLst/>
+                <a:latin typeface="SFMono-Regular"/>
+              </a:rPr>
+              <a:t> /&gt;</a:t>
+            </a:r>
+            <a:r>
+              <a:rPr lang="en-US" b="0" i="0" dirty="0">
+                <a:solidFill>
+                  <a:srgbClr val="171717"/>
+                </a:solidFill>
+                <a:effectLst/>
+                <a:latin typeface="SFMono-Regular"/>
+              </a:rPr>
+              <a:t> </a:t>
+            </a:r>
+          </a:p>
+          <a:p>
+            <a:r>
+              <a:rPr lang="en-US" b="0" i="0" dirty="0">
+                <a:solidFill>
+                  <a:srgbClr val="0101FD"/>
+                </a:solidFill>
+                <a:effectLst/>
+                <a:latin typeface="SFMono-Regular"/>
+              </a:rPr>
+              <a:t>&lt;</a:t>
+            </a:r>
+            <a:r>
+              <a:rPr lang="en-US" b="0" i="0" dirty="0" err="1">
+                <a:solidFill>
+                  <a:srgbClr val="0101FD"/>
+                </a:solidFill>
+                <a:effectLst/>
+                <a:latin typeface="SFMono-Regular"/>
+              </a:rPr>
+              <a:t>BoxView</a:t>
+            </a:r>
+            <a:r>
+              <a:rPr lang="en-US" b="0" i="0" dirty="0">
+                <a:solidFill>
+                  <a:srgbClr val="0101FD"/>
+                </a:solidFill>
+                <a:effectLst/>
+                <a:latin typeface="SFMono-Regular"/>
+              </a:rPr>
+              <a:t> </a:t>
+            </a:r>
+            <a:r>
+              <a:rPr lang="en-US" b="0" i="0" dirty="0">
+                <a:solidFill>
+                  <a:srgbClr val="0451A5"/>
+                </a:solidFill>
+                <a:effectLst/>
+                <a:latin typeface="SFMono-Regular"/>
+              </a:rPr>
+              <a:t>Color</a:t>
+            </a:r>
+            <a:r>
+              <a:rPr lang="en-US" b="0" i="0" dirty="0">
+                <a:solidFill>
+                  <a:srgbClr val="0101FD"/>
+                </a:solidFill>
+                <a:effectLst/>
+                <a:latin typeface="SFMono-Regular"/>
+              </a:rPr>
+              <a:t>=</a:t>
+            </a:r>
+            <a:r>
+              <a:rPr lang="en-US" b="0" i="0" dirty="0">
+                <a:solidFill>
+                  <a:srgbClr val="A31515"/>
+                </a:solidFill>
+                <a:effectLst/>
+                <a:latin typeface="SFMono-Regular"/>
+              </a:rPr>
+              <a:t>"Orange"</a:t>
+            </a:r>
+            <a:r>
+              <a:rPr lang="en-US" b="0" i="0" dirty="0">
+                <a:solidFill>
+                  <a:srgbClr val="0101FD"/>
+                </a:solidFill>
+                <a:effectLst/>
+                <a:latin typeface="SFMono-Regular"/>
+              </a:rPr>
+              <a:t> </a:t>
+            </a:r>
+            <a:r>
+              <a:rPr lang="en-US" b="0" i="0" dirty="0" err="1">
+                <a:solidFill>
+                  <a:srgbClr val="0451A5"/>
+                </a:solidFill>
+                <a:effectLst/>
+                <a:latin typeface="SFMono-Regular"/>
+              </a:rPr>
+              <a:t>WidthRequest</a:t>
+            </a:r>
+            <a:r>
+              <a:rPr lang="en-US" b="0" i="0" dirty="0">
+                <a:solidFill>
+                  <a:srgbClr val="0101FD"/>
+                </a:solidFill>
+                <a:effectLst/>
+                <a:latin typeface="SFMono-Regular"/>
+              </a:rPr>
+              <a:t>=</a:t>
+            </a:r>
+            <a:r>
+              <a:rPr lang="en-US" b="0" i="0" dirty="0">
+                <a:solidFill>
+                  <a:srgbClr val="A31515"/>
+                </a:solidFill>
+                <a:effectLst/>
+                <a:latin typeface="SFMono-Regular"/>
+              </a:rPr>
+              <a:t>"40"</a:t>
+            </a:r>
+            <a:r>
+              <a:rPr lang="en-US" b="0" i="0" dirty="0">
+                <a:solidFill>
+                  <a:srgbClr val="0101FD"/>
+                </a:solidFill>
+                <a:effectLst/>
+                <a:latin typeface="SFMono-Regular"/>
+              </a:rPr>
+              <a:t> /&gt;</a:t>
+            </a:r>
+            <a:r>
+              <a:rPr lang="en-US" b="0" i="0" dirty="0">
+                <a:solidFill>
+                  <a:srgbClr val="171717"/>
+                </a:solidFill>
+                <a:effectLst/>
+                <a:latin typeface="SFMono-Regular"/>
+              </a:rPr>
+              <a:t> </a:t>
+            </a:r>
+          </a:p>
+          <a:p>
+            <a:r>
+              <a:rPr lang="en-US" b="0" i="0" dirty="0">
+                <a:solidFill>
+                  <a:srgbClr val="0101FD"/>
+                </a:solidFill>
+                <a:effectLst/>
+                <a:latin typeface="SFMono-Regular"/>
+              </a:rPr>
+              <a:t>&lt;</a:t>
+            </a:r>
+            <a:r>
+              <a:rPr lang="en-US" b="0" i="0" dirty="0" err="1">
+                <a:solidFill>
+                  <a:srgbClr val="0101FD"/>
+                </a:solidFill>
+                <a:effectLst/>
+                <a:latin typeface="SFMono-Regular"/>
+              </a:rPr>
+              <a:t>BoxView</a:t>
+            </a:r>
+            <a:r>
+              <a:rPr lang="en-US" b="0" i="0" dirty="0">
+                <a:solidFill>
+                  <a:srgbClr val="0101FD"/>
+                </a:solidFill>
+                <a:effectLst/>
+                <a:latin typeface="SFMono-Regular"/>
+              </a:rPr>
+              <a:t> </a:t>
+            </a:r>
+            <a:r>
+              <a:rPr lang="en-US" b="0" i="0" dirty="0">
+                <a:solidFill>
+                  <a:srgbClr val="0451A5"/>
+                </a:solidFill>
+                <a:effectLst/>
+                <a:latin typeface="SFMono-Regular"/>
+              </a:rPr>
+              <a:t>Color</a:t>
+            </a:r>
+            <a:r>
+              <a:rPr lang="en-US" b="0" i="0" dirty="0">
+                <a:solidFill>
+                  <a:srgbClr val="0101FD"/>
+                </a:solidFill>
+                <a:effectLst/>
+                <a:latin typeface="SFMono-Regular"/>
+              </a:rPr>
+              <a:t>=</a:t>
+            </a:r>
+            <a:r>
+              <a:rPr lang="en-US" b="0" i="0" dirty="0">
+                <a:solidFill>
+                  <a:srgbClr val="A31515"/>
+                </a:solidFill>
+                <a:effectLst/>
+                <a:latin typeface="SFMono-Regular"/>
+              </a:rPr>
+              <a:t>"Purple"</a:t>
+            </a:r>
+            <a:r>
+              <a:rPr lang="en-US" b="0" i="0" dirty="0">
+                <a:solidFill>
+                  <a:srgbClr val="0101FD"/>
+                </a:solidFill>
+                <a:effectLst/>
+                <a:latin typeface="SFMono-Regular"/>
+              </a:rPr>
+              <a:t> </a:t>
+            </a:r>
+            <a:r>
+              <a:rPr lang="en-US" b="0" i="0" dirty="0" err="1">
+                <a:solidFill>
+                  <a:srgbClr val="0451A5"/>
+                </a:solidFill>
+                <a:effectLst/>
+                <a:latin typeface="SFMono-Regular"/>
+              </a:rPr>
+              <a:t>WidthRequest</a:t>
+            </a:r>
+            <a:r>
+              <a:rPr lang="en-US" b="0" i="0" dirty="0">
+                <a:solidFill>
+                  <a:srgbClr val="0101FD"/>
+                </a:solidFill>
+                <a:effectLst/>
+                <a:latin typeface="SFMono-Regular"/>
+              </a:rPr>
+              <a:t>=</a:t>
+            </a:r>
+            <a:r>
+              <a:rPr lang="en-US" b="0" i="0" dirty="0">
+                <a:solidFill>
+                  <a:srgbClr val="A31515"/>
+                </a:solidFill>
+                <a:effectLst/>
+                <a:latin typeface="SFMono-Regular"/>
+              </a:rPr>
+              <a:t>"40"</a:t>
+            </a:r>
+            <a:r>
+              <a:rPr lang="en-US" b="0" i="0" dirty="0">
+                <a:solidFill>
+                  <a:srgbClr val="0101FD"/>
+                </a:solidFill>
+                <a:effectLst/>
+                <a:latin typeface="SFMono-Regular"/>
+              </a:rPr>
+              <a:t> /&gt;</a:t>
+            </a:r>
+          </a:p>
+          <a:p>
+            <a:r>
+              <a:rPr lang="en-US" b="0" i="0" dirty="0">
+                <a:solidFill>
+                  <a:srgbClr val="0101FD"/>
+                </a:solidFill>
+                <a:effectLst/>
+                <a:latin typeface="SFMono-Regular"/>
+              </a:rPr>
+              <a:t>&lt;/</a:t>
+            </a:r>
+            <a:r>
+              <a:rPr lang="en-US" b="0" i="0" dirty="0" err="1">
+                <a:solidFill>
+                  <a:srgbClr val="0101FD"/>
+                </a:solidFill>
+                <a:effectLst/>
+                <a:latin typeface="SFMono-Regular"/>
+              </a:rPr>
+              <a:t>StackLayout</a:t>
+            </a:r>
+            <a:r>
+              <a:rPr lang="en-US" b="0" i="0" dirty="0">
+                <a:solidFill>
+                  <a:srgbClr val="0101FD"/>
+                </a:solidFill>
+                <a:effectLst/>
+                <a:latin typeface="SFMono-Regular"/>
+              </a:rPr>
+              <a:t>&gt;</a:t>
+            </a:r>
+            <a:endParaRPr lang="en-US" dirty="0"/>
+          </a:p>
+        </p:txBody>
+      </p:sp>
+      <p:pic>
+        <p:nvPicPr>
+          <p:cNvPr id="9" name="Picture 8">
+            <a:extLst>
+              <a:ext uri="{FF2B5EF4-FFF2-40B4-BE49-F238E27FC236}">
+                <a16:creationId xmlns:a16="http://schemas.microsoft.com/office/drawing/2014/main" id="{25C0F5DA-256D-4305-8C2A-891BB90575B4}"/>
+              </a:ext>
+            </a:extLst>
+          </p:cNvPr>
+          <p:cNvPicPr>
+            <a:picLocks noChangeAspect="1"/>
+          </p:cNvPicPr>
+          <p:nvPr/>
+        </p:nvPicPr>
+        <p:blipFill>
+          <a:blip r:embed="rId2"/>
+          <a:stretch>
+            <a:fillRect/>
+          </a:stretch>
+        </p:blipFill>
+        <p:spPr>
+          <a:xfrm>
+            <a:off x="9622410" y="2924741"/>
+            <a:ext cx="2057400" cy="1752600"/>
+          </a:xfrm>
+          <a:prstGeom prst="rect">
+            <a:avLst/>
+          </a:prstGeom>
+        </p:spPr>
+      </p:pic>
+    </p:spTree>
+    <p:extLst>
+      <p:ext uri="{BB962C8B-B14F-4D97-AF65-F5344CB8AC3E}">
+        <p14:creationId xmlns:p14="http://schemas.microsoft.com/office/powerpoint/2010/main" val="1340752275"/>
+      </p:ext>
+    </p:extLst>
+  </p:cSld>
+  <p:clrMapOvr>
+    <a:masterClrMapping/>
+  </p:clrMapOvr>
+  <p:transition>
+    <p:fade/>
+  </p:transition>
+</p:sld>
+</file>
+
+<file path=ppt/slides/slide7.xml><?xml version="1.0" encoding="utf-8"?>
+<p:sld xmlns:a="http://schemas.openxmlformats.org/drawingml/2006/main" xmlns:r="http://schemas.openxmlformats.org/officeDocument/2006/relationships" xmlns:p="http://schemas.openxmlformats.org/presentationml/2006/main">
+  <p:cSld>
+    <p:spTree>
+      <p:nvGrpSpPr>
+        <p:cNvPr id="1" name=""/>
+        <p:cNvGrpSpPr/>
+        <p:nvPr/>
+      </p:nvGrpSpPr>
+      <p:grpSpPr>
+        <a:xfrm>
+          <a:off x="0" y="0"/>
+          <a:ext cx="0" cy="0"/>
+          <a:chOff x="0" y="0"/>
+          <a:chExt cx="0" cy="0"/>
+        </a:xfrm>
+      </p:grpSpPr>
+      <p:sp>
+        <p:nvSpPr>
+          <p:cNvPr id="3" name="Title 2">
+            <a:extLst>
+              <a:ext uri="{FF2B5EF4-FFF2-40B4-BE49-F238E27FC236}">
+                <a16:creationId xmlns:a16="http://schemas.microsoft.com/office/drawing/2014/main" id="{652E2BA4-9FC0-4828-A940-3704183398DF}"/>
+              </a:ext>
+            </a:extLst>
+          </p:cNvPr>
+          <p:cNvSpPr>
+            <a:spLocks noGrp="1"/>
+          </p:cNvSpPr>
+          <p:nvPr>
+            <p:ph type="title"/>
+          </p:nvPr>
+        </p:nvSpPr>
+        <p:spPr/>
+        <p:txBody>
+          <a:bodyPr/>
+          <a:lstStyle/>
+          <a:p>
+            <a:r>
+              <a:rPr lang="es-ES" sz="7200" dirty="0" err="1">
+                <a:solidFill>
+                  <a:schemeClr val="bg1"/>
+                </a:solidFill>
+              </a:rPr>
+              <a:t>Grid</a:t>
+            </a:r>
+            <a:endParaRPr lang="en-US" sz="7200" dirty="0">
+              <a:solidFill>
+                <a:schemeClr val="bg1"/>
+              </a:solidFill>
+            </a:endParaRPr>
+          </a:p>
+        </p:txBody>
+      </p:sp>
+    </p:spTree>
+    <p:extLst>
+      <p:ext uri="{BB962C8B-B14F-4D97-AF65-F5344CB8AC3E}">
+        <p14:creationId xmlns:p14="http://schemas.microsoft.com/office/powerpoint/2010/main" val="3330347383"/>
+      </p:ext>
+    </p:extLst>
+  </p:cSld>
+  <p:clrMapOvr>
+    <a:masterClrMapping/>
+  </p:clrMapOvr>
+  <p:transition spd="med"/>
+</p:sld>
+</file>
+
+<file path=ppt/slides/slide8.xml><?xml version="1.0" encoding="utf-8"?>
+<p:sld xmlns:a="http://schemas.openxmlformats.org/drawingml/2006/main" xmlns:r="http://schemas.openxmlformats.org/officeDocument/2006/relationships" xmlns:p="http://schemas.openxmlformats.org/presentationml/2006/main">
+  <p:cSld>
+    <p:spTree>
+      <p:nvGrpSpPr>
+        <p:cNvPr id="1" name=""/>
+        <p:cNvGrpSpPr/>
+        <p:nvPr/>
+      </p:nvGrpSpPr>
+      <p:grpSpPr>
+        <a:xfrm>
+          <a:off x="0" y="0"/>
+          <a:ext cx="0" cy="0"/>
+          <a:chOff x="0" y="0"/>
+          <a:chExt cx="0" cy="0"/>
+        </a:xfrm>
+      </p:grpSpPr>
+      <p:sp>
+        <p:nvSpPr>
+          <p:cNvPr id="5" name="Title 1">
+            <a:extLst>
+              <a:ext uri="{FF2B5EF4-FFF2-40B4-BE49-F238E27FC236}">
+                <a16:creationId xmlns:a16="http://schemas.microsoft.com/office/drawing/2014/main" id="{01388D49-B47C-45BB-B53B-F6092580BE6E}"/>
+              </a:ext>
+            </a:extLst>
+          </p:cNvPr>
+          <p:cNvSpPr>
+            <a:spLocks noGrp="1"/>
+          </p:cNvSpPr>
+          <p:nvPr>
+            <p:ph type="title"/>
+          </p:nvPr>
+        </p:nvSpPr>
+        <p:spPr>
+          <a:xfrm>
+            <a:off x="457200" y="1123122"/>
+            <a:ext cx="7706412" cy="591378"/>
+          </a:xfrm>
+        </p:spPr>
+        <p:txBody>
+          <a:bodyPr>
+            <a:noAutofit/>
+          </a:bodyPr>
+          <a:lstStyle/>
+          <a:p>
+            <a:r>
+              <a:rPr lang="es-ES" sz="3200" dirty="0" err="1">
+                <a:latin typeface="Segoe UI Semibold"/>
+                <a:cs typeface="Segoe UI Semibold"/>
+              </a:rPr>
+              <a:t>Grid</a:t>
+            </a:r>
+            <a:endParaRPr lang="en-US" sz="3200" dirty="0"/>
+          </a:p>
+        </p:txBody>
+      </p:sp>
+      <p:sp>
+        <p:nvSpPr>
+          <p:cNvPr id="6" name="Content Placeholder 2">
+            <a:extLst>
+              <a:ext uri="{FF2B5EF4-FFF2-40B4-BE49-F238E27FC236}">
+                <a16:creationId xmlns:a16="http://schemas.microsoft.com/office/drawing/2014/main" id="{AC81F8B9-8203-4DB3-932F-AB15DF79780D}"/>
+              </a:ext>
+            </a:extLst>
+          </p:cNvPr>
+          <p:cNvSpPr txBox="1">
+            <a:spLocks/>
+          </p:cNvSpPr>
+          <p:nvPr/>
+        </p:nvSpPr>
+        <p:spPr>
+          <a:xfrm>
+            <a:off x="457200" y="2142642"/>
+            <a:ext cx="11222610" cy="4145036"/>
+          </a:xfrm>
+          <a:prstGeom prst="rect">
+            <a:avLst/>
+          </a:prstGeom>
+        </p:spPr>
+        <p:txBody>
+          <a:bodyPr vert="horz" lIns="91440" tIns="45720" rIns="91440" bIns="45720" rtlCol="0" anchor="t">
+            <a:noAutofit/>
+          </a:bodyPr>
+          <a:lstStyle>
+            <a:lvl1pPr marL="336145" marR="0" indent="-336145" algn="l" defTabSz="914367" rtl="0" eaLnBrk="1" fontAlgn="auto" latinLnBrk="0" hangingPunct="1">
+              <a:lnSpc>
+                <a:spcPct val="90000"/>
+              </a:lnSpc>
+              <a:spcBef>
+                <a:spcPct val="20000"/>
+              </a:spcBef>
+              <a:spcAft>
+                <a:spcPts val="0"/>
+              </a:spcAft>
+              <a:buClrTx/>
+              <a:buSzPct val="90000"/>
+              <a:buFont typeface="Arial" pitchFamily="34" charset="0"/>
+              <a:buChar char="•"/>
+              <a:tabLst/>
+              <a:defRPr sz="3921" kern="1200" spc="0" baseline="0">
+                <a:gradFill>
+                  <a:gsLst>
+                    <a:gs pos="1250">
+                      <a:schemeClr val="tx1"/>
+                    </a:gs>
+                    <a:gs pos="100000">
+                      <a:schemeClr val="tx1"/>
+                    </a:gs>
+                  </a:gsLst>
+                  <a:lin ang="5400000" scaled="0"/>
+                </a:gradFill>
+                <a:latin typeface="+mj-lt"/>
+                <a:ea typeface="+mn-ea"/>
+                <a:cs typeface="+mn-cs"/>
+              </a:defRPr>
+            </a:lvl1pPr>
+            <a:lvl2pPr marL="572691" marR="0" indent="-236546" algn="l" defTabSz="914367" rtl="0" eaLnBrk="1" fontAlgn="auto" latinLnBrk="0" hangingPunct="1">
+              <a:lnSpc>
+                <a:spcPct val="90000"/>
+              </a:lnSpc>
+              <a:spcBef>
+                <a:spcPct val="20000"/>
+              </a:spcBef>
+              <a:spcAft>
+                <a:spcPts val="0"/>
+              </a:spcAft>
+              <a:buClrTx/>
+              <a:buSzPct val="90000"/>
+              <a:buFont typeface="Arial" pitchFamily="34" charset="0"/>
+              <a:buChar char="•"/>
+              <a:tabLst/>
+              <a:defRPr sz="2353" kern="1200" spc="0" baseline="0">
+                <a:gradFill>
+                  <a:gsLst>
+                    <a:gs pos="1250">
+                      <a:schemeClr val="tx1"/>
+                    </a:gs>
+                    <a:gs pos="100000">
+                      <a:schemeClr val="tx1"/>
+                    </a:gs>
+                  </a:gsLst>
+                  <a:lin ang="5400000" scaled="0"/>
+                </a:gradFill>
+                <a:latin typeface="+mn-lt"/>
+                <a:ea typeface="+mn-ea"/>
+                <a:cs typeface="+mn-cs"/>
+              </a:defRPr>
+            </a:lvl2pPr>
+            <a:lvl3pPr marL="784338" marR="0" indent="-224097" algn="l" defTabSz="914367" rtl="0" eaLnBrk="1" fontAlgn="auto" latinLnBrk="0" hangingPunct="1">
+              <a:lnSpc>
+                <a:spcPct val="90000"/>
+              </a:lnSpc>
+              <a:spcBef>
+                <a:spcPct val="20000"/>
+              </a:spcBef>
+              <a:spcAft>
+                <a:spcPts val="0"/>
+              </a:spcAft>
+              <a:buClrTx/>
+              <a:buSzPct val="90000"/>
+              <a:buFont typeface="Arial" pitchFamily="34" charset="0"/>
+              <a:buChar char="•"/>
+              <a:tabLst/>
+              <a:defRPr sz="1961" kern="1200" spc="0" baseline="0">
+                <a:gradFill>
+                  <a:gsLst>
+                    <a:gs pos="1250">
+                      <a:schemeClr val="tx1"/>
+                    </a:gs>
+                    <a:gs pos="100000">
+                      <a:schemeClr val="tx1"/>
+                    </a:gs>
+                  </a:gsLst>
+                  <a:lin ang="5400000" scaled="0"/>
+                </a:gradFill>
+                <a:latin typeface="+mn-lt"/>
+                <a:ea typeface="+mn-ea"/>
+                <a:cs typeface="+mn-cs"/>
+              </a:defRPr>
+            </a:lvl3pPr>
+            <a:lvl4pPr marL="1008435" marR="0" indent="-224097" algn="l" defTabSz="914367" rtl="0" eaLnBrk="1" fontAlgn="auto" latinLnBrk="0" hangingPunct="1">
+              <a:lnSpc>
+                <a:spcPct val="90000"/>
+              </a:lnSpc>
+              <a:spcBef>
+                <a:spcPct val="20000"/>
+              </a:spcBef>
+              <a:spcAft>
+                <a:spcPts val="0"/>
+              </a:spcAft>
+              <a:buClrTx/>
+              <a:buSzPct val="90000"/>
+              <a:buFont typeface="Arial" pitchFamily="34" charset="0"/>
+              <a:buChar char="•"/>
+              <a:tabLst/>
+              <a:defRPr sz="1765" kern="1200" spc="0" baseline="0">
+                <a:gradFill>
+                  <a:gsLst>
+                    <a:gs pos="1250">
+                      <a:schemeClr val="tx1"/>
+                    </a:gs>
+                    <a:gs pos="100000">
+                      <a:schemeClr val="tx1"/>
+                    </a:gs>
+                  </a:gsLst>
+                  <a:lin ang="5400000" scaled="0"/>
+                </a:gradFill>
+                <a:latin typeface="+mn-lt"/>
+                <a:ea typeface="+mn-ea"/>
+                <a:cs typeface="+mn-cs"/>
+              </a:defRPr>
+            </a:lvl4pPr>
+            <a:lvl5pPr marL="1232531" marR="0" indent="-224097" algn="l" defTabSz="914367" rtl="0" eaLnBrk="1" fontAlgn="auto" latinLnBrk="0" hangingPunct="1">
+              <a:lnSpc>
+                <a:spcPct val="90000"/>
+              </a:lnSpc>
+              <a:spcBef>
+                <a:spcPct val="20000"/>
+              </a:spcBef>
+              <a:spcAft>
+                <a:spcPts val="0"/>
+              </a:spcAft>
+              <a:buClrTx/>
+              <a:buSzPct val="90000"/>
+              <a:buFont typeface="Arial" pitchFamily="34" charset="0"/>
+              <a:buChar char="•"/>
+              <a:tabLst/>
+              <a:defRPr sz="1765" kern="1200" spc="0" baseline="0">
+                <a:gradFill>
+                  <a:gsLst>
+                    <a:gs pos="1250">
+                      <a:schemeClr val="tx1"/>
+                    </a:gs>
+                    <a:gs pos="100000">
+                      <a:schemeClr val="tx1"/>
+                    </a:gs>
+                  </a:gsLst>
+                  <a:lin ang="5400000" scaled="0"/>
+                </a:gradFill>
+                <a:latin typeface="+mn-lt"/>
+                <a:ea typeface="+mn-ea"/>
+                <a:cs typeface="+mn-cs"/>
+              </a:defRPr>
+            </a:lvl5pPr>
+            <a:lvl6pPr marL="2514509" indent="-228592" algn="l" defTabSz="914367" rtl="0" eaLnBrk="1" latinLnBrk="0" hangingPunct="1">
+              <a:spcBef>
+                <a:spcPct val="20000"/>
+              </a:spcBef>
+              <a:buFont typeface="Arial" pitchFamily="34" charset="0"/>
+              <a:buChar char="•"/>
+              <a:defRPr sz="1961" kern="1200">
+                <a:solidFill>
+                  <a:schemeClr val="tx1"/>
+                </a:solidFill>
+                <a:latin typeface="+mn-lt"/>
+                <a:ea typeface="+mn-ea"/>
+                <a:cs typeface="+mn-cs"/>
+              </a:defRPr>
+            </a:lvl6pPr>
+            <a:lvl7pPr marL="2971693" indent="-228592" algn="l" defTabSz="914367" rtl="0" eaLnBrk="1" latinLnBrk="0" hangingPunct="1">
+              <a:spcBef>
+                <a:spcPct val="20000"/>
+              </a:spcBef>
+              <a:buFont typeface="Arial" pitchFamily="34" charset="0"/>
+              <a:buChar char="•"/>
+              <a:defRPr sz="1961" kern="1200">
+                <a:solidFill>
+                  <a:schemeClr val="tx1"/>
+                </a:solidFill>
+                <a:latin typeface="+mn-lt"/>
+                <a:ea typeface="+mn-ea"/>
+                <a:cs typeface="+mn-cs"/>
+              </a:defRPr>
+            </a:lvl7pPr>
+            <a:lvl8pPr marL="3428877" indent="-228592" algn="l" defTabSz="914367" rtl="0" eaLnBrk="1" latinLnBrk="0" hangingPunct="1">
+              <a:spcBef>
+                <a:spcPct val="20000"/>
+              </a:spcBef>
+              <a:buFont typeface="Arial" pitchFamily="34" charset="0"/>
+              <a:buChar char="•"/>
+              <a:defRPr sz="1961" kern="1200">
+                <a:solidFill>
+                  <a:schemeClr val="tx1"/>
+                </a:solidFill>
+                <a:latin typeface="+mn-lt"/>
+                <a:ea typeface="+mn-ea"/>
+                <a:cs typeface="+mn-cs"/>
+              </a:defRPr>
+            </a:lvl8pPr>
+            <a:lvl9pPr marL="3886061" indent="-228592" algn="l" defTabSz="914367" rtl="0" eaLnBrk="1" latinLnBrk="0" hangingPunct="1">
+              <a:spcBef>
+                <a:spcPct val="20000"/>
+              </a:spcBef>
+              <a:buFont typeface="Arial" pitchFamily="34" charset="0"/>
+              <a:buChar char="•"/>
+              <a:defRPr sz="1961" kern="1200">
+                <a:solidFill>
+                  <a:schemeClr val="tx1"/>
+                </a:solidFill>
+                <a:latin typeface="+mn-lt"/>
+                <a:ea typeface="+mn-ea"/>
+                <a:cs typeface="+mn-cs"/>
+              </a:defRPr>
+            </a:lvl9pPr>
+          </a:lstStyle>
+          <a:p>
+            <a:pPr marL="0" indent="0" algn="l">
+              <a:buNone/>
+            </a:pPr>
+            <a:r>
+              <a:rPr lang="es-ES" sz="1800" b="0" i="0" dirty="0" err="1">
+                <a:solidFill>
+                  <a:srgbClr val="171717"/>
+                </a:solidFill>
+                <a:effectLst/>
+                <a:latin typeface="Segoe UI" panose="020B0502040204020203" pitchFamily="34" charset="0"/>
+              </a:rPr>
+              <a:t>Grid</a:t>
+            </a:r>
+            <a:r>
+              <a:rPr lang="es-ES" sz="1800" b="0" i="0" dirty="0">
+                <a:solidFill>
+                  <a:srgbClr val="171717"/>
+                </a:solidFill>
+                <a:effectLst/>
+                <a:latin typeface="Segoe UI" panose="020B0502040204020203" pitchFamily="34" charset="0"/>
+              </a:rPr>
+              <a:t> es un diseño que organiza sus elementos secundarios en filas y columnas, que pueden tener tamaños proporcionales o absolutos. De forma predeterminada, las vistas </a:t>
+            </a:r>
+            <a:r>
+              <a:rPr lang="es-ES" sz="1800" b="0" i="0" dirty="0" err="1">
+                <a:solidFill>
+                  <a:srgbClr val="171717"/>
+                </a:solidFill>
+                <a:effectLst/>
+                <a:latin typeface="Segoe UI" panose="020B0502040204020203" pitchFamily="34" charset="0"/>
+              </a:rPr>
+              <a:t>Grid</a:t>
+            </a:r>
+            <a:r>
+              <a:rPr lang="es-ES" sz="1800" b="0" i="0" dirty="0">
+                <a:solidFill>
+                  <a:srgbClr val="171717"/>
+                </a:solidFill>
+                <a:effectLst/>
+                <a:latin typeface="Segoe UI" panose="020B0502040204020203" pitchFamily="34" charset="0"/>
+              </a:rPr>
+              <a:t> contienen una fila y una columna.</a:t>
+            </a:r>
+            <a:endParaRPr lang="es-ES" sz="1800" b="0" dirty="0">
+              <a:solidFill>
+                <a:srgbClr val="171717"/>
+              </a:solidFill>
+              <a:effectLst/>
+              <a:latin typeface="Segoe UI" panose="020B0502040204020203" pitchFamily="34" charset="0"/>
+            </a:endParaRPr>
+          </a:p>
+        </p:txBody>
+      </p:sp>
+    </p:spTree>
+    <p:extLst>
+      <p:ext uri="{BB962C8B-B14F-4D97-AF65-F5344CB8AC3E}">
+        <p14:creationId xmlns:p14="http://schemas.microsoft.com/office/powerpoint/2010/main" val="3682254907"/>
+      </p:ext>
+    </p:extLst>
+  </p:cSld>
+  <p:clrMapOvr>
+    <a:masterClrMapping/>
+  </p:clrMapOvr>
+  <p:transition>
+    <p:fade/>
+  </p:transition>
+</p:sld>
+</file>
+
+<file path=ppt/slides/slide9.xml><?xml version="1.0" encoding="utf-8"?>
+<p:sld xmlns:a="http://schemas.openxmlformats.org/drawingml/2006/main" xmlns:r="http://schemas.openxmlformats.org/officeDocument/2006/relationships" xmlns:p="http://schemas.openxmlformats.org/presentationml/2006/main">
+  <p:cSld>
+    <p:spTree>
+      <p:nvGrpSpPr>
+        <p:cNvPr id="1" name=""/>
+        <p:cNvGrpSpPr/>
+        <p:nvPr/>
+      </p:nvGrpSpPr>
+      <p:grpSpPr>
+        <a:xfrm>
+          <a:off x="0" y="0"/>
+          <a:ext cx="0" cy="0"/>
+          <a:chOff x="0" y="0"/>
+          <a:chExt cx="0" cy="0"/>
+        </a:xfrm>
+      </p:grpSpPr>
+      <p:sp>
+        <p:nvSpPr>
+          <p:cNvPr id="5" name="Title 1">
+            <a:extLst>
+              <a:ext uri="{FF2B5EF4-FFF2-40B4-BE49-F238E27FC236}">
+                <a16:creationId xmlns:a16="http://schemas.microsoft.com/office/drawing/2014/main" id="{01388D49-B47C-45BB-B53B-F6092580BE6E}"/>
+              </a:ext>
+            </a:extLst>
+          </p:cNvPr>
+          <p:cNvSpPr>
+            <a:spLocks noGrp="1"/>
+          </p:cNvSpPr>
+          <p:nvPr>
+            <p:ph type="title"/>
+          </p:nvPr>
+        </p:nvSpPr>
+        <p:spPr>
+          <a:xfrm>
+            <a:off x="457200" y="1123122"/>
+            <a:ext cx="7706412" cy="591378"/>
+          </a:xfrm>
+        </p:spPr>
+        <p:txBody>
+          <a:bodyPr>
+            <a:noAutofit/>
+          </a:bodyPr>
+          <a:lstStyle/>
+          <a:p>
+            <a:r>
+              <a:rPr lang="es-ES" sz="3200" dirty="0">
+                <a:latin typeface="Segoe UI Semibold"/>
+                <a:cs typeface="Segoe UI Semibold"/>
+              </a:rPr>
+              <a:t>Filas y columnas</a:t>
+            </a:r>
+            <a:endParaRPr lang="en-US" sz="3200" dirty="0"/>
+          </a:p>
+        </p:txBody>
+      </p:sp>
+      <p:sp>
+        <p:nvSpPr>
+          <p:cNvPr id="6" name="Content Placeholder 2">
+            <a:extLst>
+              <a:ext uri="{FF2B5EF4-FFF2-40B4-BE49-F238E27FC236}">
+                <a16:creationId xmlns:a16="http://schemas.microsoft.com/office/drawing/2014/main" id="{AC81F8B9-8203-4DB3-932F-AB15DF79780D}"/>
+              </a:ext>
+            </a:extLst>
+          </p:cNvPr>
+          <p:cNvSpPr txBox="1">
+            <a:spLocks/>
+          </p:cNvSpPr>
+          <p:nvPr/>
+        </p:nvSpPr>
+        <p:spPr>
+          <a:xfrm>
+            <a:off x="457200" y="2142642"/>
+            <a:ext cx="11222610" cy="4145036"/>
+          </a:xfrm>
+          <a:prstGeom prst="rect">
+            <a:avLst/>
+          </a:prstGeom>
+        </p:spPr>
+        <p:txBody>
+          <a:bodyPr vert="horz" lIns="91440" tIns="45720" rIns="91440" bIns="45720" rtlCol="0" anchor="t">
+            <a:noAutofit/>
+          </a:bodyPr>
+          <a:lstStyle>
+            <a:lvl1pPr marL="336145" marR="0" indent="-336145" algn="l" defTabSz="914367" rtl="0" eaLnBrk="1" fontAlgn="auto" latinLnBrk="0" hangingPunct="1">
+              <a:lnSpc>
+                <a:spcPct val="90000"/>
+              </a:lnSpc>
+              <a:spcBef>
+                <a:spcPct val="20000"/>
+              </a:spcBef>
+              <a:spcAft>
+                <a:spcPts val="0"/>
+              </a:spcAft>
+              <a:buClrTx/>
+              <a:buSzPct val="90000"/>
+              <a:buFont typeface="Arial" pitchFamily="34" charset="0"/>
+              <a:buChar char="•"/>
+              <a:tabLst/>
+              <a:defRPr sz="3921" kern="1200" spc="0" baseline="0">
+                <a:gradFill>
+                  <a:gsLst>
+                    <a:gs pos="1250">
+                      <a:schemeClr val="tx1"/>
+                    </a:gs>
+                    <a:gs pos="100000">
+                      <a:schemeClr val="tx1"/>
+                    </a:gs>
+                  </a:gsLst>
+                  <a:lin ang="5400000" scaled="0"/>
+                </a:gradFill>
+                <a:latin typeface="+mj-lt"/>
+                <a:ea typeface="+mn-ea"/>
+                <a:cs typeface="+mn-cs"/>
+              </a:defRPr>
+            </a:lvl1pPr>
+            <a:lvl2pPr marL="572691" marR="0" indent="-236546" algn="l" defTabSz="914367" rtl="0" eaLnBrk="1" fontAlgn="auto" latinLnBrk="0" hangingPunct="1">
+              <a:lnSpc>
+                <a:spcPct val="90000"/>
+              </a:lnSpc>
+              <a:spcBef>
+                <a:spcPct val="20000"/>
+              </a:spcBef>
+              <a:spcAft>
+                <a:spcPts val="0"/>
+              </a:spcAft>
+              <a:buClrTx/>
+              <a:buSzPct val="90000"/>
+              <a:buFont typeface="Arial" pitchFamily="34" charset="0"/>
+              <a:buChar char="•"/>
+              <a:tabLst/>
+              <a:defRPr sz="2353" kern="1200" spc="0" baseline="0">
+                <a:gradFill>
+                  <a:gsLst>
+                    <a:gs pos="1250">
+                      <a:schemeClr val="tx1"/>
+                    </a:gs>
+                    <a:gs pos="100000">
+                      <a:schemeClr val="tx1"/>
+                    </a:gs>
+                  </a:gsLst>
+                  <a:lin ang="5400000" scaled="0"/>
+                </a:gradFill>
+                <a:latin typeface="+mn-lt"/>
+                <a:ea typeface="+mn-ea"/>
+                <a:cs typeface="+mn-cs"/>
+              </a:defRPr>
+            </a:lvl2pPr>
+            <a:lvl3pPr marL="784338" marR="0" indent="-224097" algn="l" defTabSz="914367" rtl="0" eaLnBrk="1" fontAlgn="auto" latinLnBrk="0" hangingPunct="1">
+              <a:lnSpc>
+                <a:spcPct val="90000"/>
+              </a:lnSpc>
+              <a:spcBef>
+                <a:spcPct val="20000"/>
+              </a:spcBef>
+              <a:spcAft>
+                <a:spcPts val="0"/>
+              </a:spcAft>
+              <a:buClrTx/>
+              <a:buSzPct val="90000"/>
+              <a:buFont typeface="Arial" pitchFamily="34" charset="0"/>
+              <a:buChar char="•"/>
+              <a:tabLst/>
+              <a:defRPr sz="1961" kern="1200" spc="0" baseline="0">
+                <a:gradFill>
+                  <a:gsLst>
+                    <a:gs pos="1250">
+                      <a:schemeClr val="tx1"/>
+                    </a:gs>
+                    <a:gs pos="100000">
+                      <a:schemeClr val="tx1"/>
+                    </a:gs>
+                  </a:gsLst>
+                  <a:lin ang="5400000" scaled="0"/>
+                </a:gradFill>
+                <a:latin typeface="+mn-lt"/>
+                <a:ea typeface="+mn-ea"/>
+                <a:cs typeface="+mn-cs"/>
+              </a:defRPr>
+            </a:lvl3pPr>
+            <a:lvl4pPr marL="1008435" marR="0" indent="-224097" algn="l" defTabSz="914367" rtl="0" eaLnBrk="1" fontAlgn="auto" latinLnBrk="0" hangingPunct="1">
+              <a:lnSpc>
+                <a:spcPct val="90000"/>
+              </a:lnSpc>
+              <a:spcBef>
+                <a:spcPct val="20000"/>
+              </a:spcBef>
+              <a:spcAft>
+                <a:spcPts val="0"/>
+              </a:spcAft>
+              <a:buClrTx/>
+              <a:buSzPct val="90000"/>
+              <a:buFont typeface="Arial" pitchFamily="34" charset="0"/>
+              <a:buChar char="•"/>
+              <a:tabLst/>
+              <a:defRPr sz="1765" kern="1200" spc="0" baseline="0">
+                <a:gradFill>
+                  <a:gsLst>
+                    <a:gs pos="1250">
+                      <a:schemeClr val="tx1"/>
+                    </a:gs>
+                    <a:gs pos="100000">
+                      <a:schemeClr val="tx1"/>
+                    </a:gs>
+                  </a:gsLst>
+                  <a:lin ang="5400000" scaled="0"/>
+                </a:gradFill>
+                <a:latin typeface="+mn-lt"/>
+                <a:ea typeface="+mn-ea"/>
+                <a:cs typeface="+mn-cs"/>
+              </a:defRPr>
+            </a:lvl4pPr>
+            <a:lvl5pPr marL="1232531" marR="0" indent="-224097" algn="l" defTabSz="914367" rtl="0" eaLnBrk="1" fontAlgn="auto" latinLnBrk="0" hangingPunct="1">
+              <a:lnSpc>
+                <a:spcPct val="90000"/>
+              </a:lnSpc>
+              <a:spcBef>
+                <a:spcPct val="20000"/>
+              </a:spcBef>
+              <a:spcAft>
+                <a:spcPts val="0"/>
+              </a:spcAft>
+              <a:buClrTx/>
+              <a:buSzPct val="90000"/>
+              <a:buFont typeface="Arial" pitchFamily="34" charset="0"/>
+              <a:buChar char="•"/>
+              <a:tabLst/>
+              <a:defRPr sz="1765" kern="1200" spc="0" baseline="0">
+                <a:gradFill>
+                  <a:gsLst>
+                    <a:gs pos="1250">
+                      <a:schemeClr val="tx1"/>
+                    </a:gs>
+                    <a:gs pos="100000">
+                      <a:schemeClr val="tx1"/>
+                    </a:gs>
+                  </a:gsLst>
+                  <a:lin ang="5400000" scaled="0"/>
+                </a:gradFill>
+                <a:latin typeface="+mn-lt"/>
+                <a:ea typeface="+mn-ea"/>
+                <a:cs typeface="+mn-cs"/>
+              </a:defRPr>
+            </a:lvl5pPr>
+            <a:lvl6pPr marL="2514509" indent="-228592" algn="l" defTabSz="914367" rtl="0" eaLnBrk="1" latinLnBrk="0" hangingPunct="1">
+              <a:spcBef>
+                <a:spcPct val="20000"/>
+              </a:spcBef>
+              <a:buFont typeface="Arial" pitchFamily="34" charset="0"/>
+              <a:buChar char="•"/>
+              <a:defRPr sz="1961" kern="1200">
+                <a:solidFill>
+                  <a:schemeClr val="tx1"/>
+                </a:solidFill>
+                <a:latin typeface="+mn-lt"/>
+                <a:ea typeface="+mn-ea"/>
+                <a:cs typeface="+mn-cs"/>
+              </a:defRPr>
+            </a:lvl6pPr>
+            <a:lvl7pPr marL="2971693" indent="-228592" algn="l" defTabSz="914367" rtl="0" eaLnBrk="1" latinLnBrk="0" hangingPunct="1">
+              <a:spcBef>
+                <a:spcPct val="20000"/>
+              </a:spcBef>
+              <a:buFont typeface="Arial" pitchFamily="34" charset="0"/>
+              <a:buChar char="•"/>
+              <a:defRPr sz="1961" kern="1200">
+                <a:solidFill>
+                  <a:schemeClr val="tx1"/>
+                </a:solidFill>
+                <a:latin typeface="+mn-lt"/>
+                <a:ea typeface="+mn-ea"/>
+                <a:cs typeface="+mn-cs"/>
+              </a:defRPr>
+            </a:lvl7pPr>
+            <a:lvl8pPr marL="3428877" indent="-228592" algn="l" defTabSz="914367" rtl="0" eaLnBrk="1" latinLnBrk="0" hangingPunct="1">
+              <a:spcBef>
+                <a:spcPct val="20000"/>
+              </a:spcBef>
+              <a:buFont typeface="Arial" pitchFamily="34" charset="0"/>
+              <a:buChar char="•"/>
+              <a:defRPr sz="1961" kern="1200">
+                <a:solidFill>
+                  <a:schemeClr val="tx1"/>
+                </a:solidFill>
+                <a:latin typeface="+mn-lt"/>
+                <a:ea typeface="+mn-ea"/>
+                <a:cs typeface="+mn-cs"/>
+              </a:defRPr>
+            </a:lvl8pPr>
+            <a:lvl9pPr marL="3886061" indent="-228592" algn="l" defTabSz="914367" rtl="0" eaLnBrk="1" latinLnBrk="0" hangingPunct="1">
+              <a:spcBef>
+                <a:spcPct val="20000"/>
+              </a:spcBef>
+              <a:buFont typeface="Arial" pitchFamily="34" charset="0"/>
+              <a:buChar char="•"/>
+              <a:defRPr sz="1961" kern="1200">
+                <a:solidFill>
+                  <a:schemeClr val="tx1"/>
+                </a:solidFill>
+                <a:latin typeface="+mn-lt"/>
+                <a:ea typeface="+mn-ea"/>
+                <a:cs typeface="+mn-cs"/>
+              </a:defRPr>
+            </a:lvl9pPr>
+          </a:lstStyle>
+          <a:p>
+            <a:pPr marL="0" indent="0" algn="l">
+              <a:buNone/>
+            </a:pPr>
+            <a:r>
+              <a:rPr lang="es-ES" sz="1800" b="0" i="0" dirty="0">
+                <a:solidFill>
+                  <a:srgbClr val="171717"/>
+                </a:solidFill>
+                <a:effectLst/>
+                <a:latin typeface="Segoe UI" panose="020B0502040204020203" pitchFamily="34" charset="0"/>
+              </a:rPr>
+              <a:t>El comportamiento de un </a:t>
+            </a:r>
+            <a:r>
+              <a:rPr lang="es-ES" sz="1800" b="0" i="0" dirty="0" err="1">
+                <a:solidFill>
+                  <a:srgbClr val="171717"/>
+                </a:solidFill>
+                <a:effectLst/>
+                <a:latin typeface="Segoe UI" panose="020B0502040204020203" pitchFamily="34" charset="0"/>
+              </a:rPr>
+              <a:t>Grid</a:t>
+            </a:r>
+            <a:r>
+              <a:rPr lang="es-ES" sz="1800" b="0" i="0" dirty="0">
+                <a:solidFill>
+                  <a:srgbClr val="171717"/>
+                </a:solidFill>
+                <a:effectLst/>
+                <a:latin typeface="Segoe UI" panose="020B0502040204020203" pitchFamily="34" charset="0"/>
+              </a:rPr>
+              <a:t> se puede definir con las propiedades </a:t>
+            </a:r>
+            <a:r>
+              <a:rPr lang="es-ES" sz="1800" b="1" i="0" dirty="0" err="1">
+                <a:solidFill>
+                  <a:srgbClr val="171717"/>
+                </a:solidFill>
+                <a:effectLst/>
+                <a:latin typeface="Segoe UI" panose="020B0502040204020203" pitchFamily="34" charset="0"/>
+              </a:rPr>
+              <a:t>RowDefinitions</a:t>
+            </a:r>
+            <a:r>
+              <a:rPr lang="es-ES" sz="1800" b="0" i="0" dirty="0">
+                <a:solidFill>
+                  <a:srgbClr val="171717"/>
+                </a:solidFill>
+                <a:effectLst/>
+                <a:latin typeface="Segoe UI" panose="020B0502040204020203" pitchFamily="34" charset="0"/>
+              </a:rPr>
+              <a:t> y </a:t>
+            </a:r>
+            <a:r>
+              <a:rPr lang="es-ES" sz="1800" b="1" i="0" dirty="0" err="1">
+                <a:solidFill>
+                  <a:srgbClr val="171717"/>
+                </a:solidFill>
+                <a:effectLst/>
+                <a:latin typeface="Segoe UI" panose="020B0502040204020203" pitchFamily="34" charset="0"/>
+              </a:rPr>
+              <a:t>ColumnDefinitions</a:t>
+            </a:r>
+            <a:r>
+              <a:rPr lang="es-ES" sz="1800" b="0" i="0" dirty="0">
+                <a:solidFill>
+                  <a:srgbClr val="171717"/>
+                </a:solidFill>
+                <a:effectLst/>
+                <a:latin typeface="Segoe UI" panose="020B0502040204020203" pitchFamily="34" charset="0"/>
+              </a:rPr>
+              <a:t> , que son colecciones de </a:t>
+            </a:r>
+            <a:r>
+              <a:rPr lang="es-ES" sz="1800" b="0" i="0" dirty="0" err="1">
+                <a:solidFill>
+                  <a:srgbClr val="171717"/>
+                </a:solidFill>
+                <a:effectLst/>
+                <a:latin typeface="Segoe UI" panose="020B0502040204020203" pitchFamily="34" charset="0"/>
+              </a:rPr>
+              <a:t>RowDefinition</a:t>
+            </a:r>
+            <a:r>
+              <a:rPr lang="es-ES" sz="1800" b="0" i="0" dirty="0">
+                <a:solidFill>
+                  <a:srgbClr val="171717"/>
+                </a:solidFill>
+                <a:effectLst/>
+                <a:latin typeface="Segoe UI" panose="020B0502040204020203" pitchFamily="34" charset="0"/>
+              </a:rPr>
+              <a:t> objetos y </a:t>
+            </a:r>
+            <a:r>
+              <a:rPr lang="es-ES" sz="1800" b="0" i="0" dirty="0" err="1">
+                <a:solidFill>
+                  <a:srgbClr val="171717"/>
+                </a:solidFill>
+                <a:effectLst/>
+                <a:latin typeface="Segoe UI" panose="020B0502040204020203" pitchFamily="34" charset="0"/>
+              </a:rPr>
+              <a:t>ColumnDefinition</a:t>
+            </a:r>
+            <a:r>
+              <a:rPr lang="es-ES" sz="1800" b="0" i="0" dirty="0">
+                <a:solidFill>
+                  <a:srgbClr val="171717"/>
+                </a:solidFill>
+                <a:effectLst/>
+                <a:latin typeface="Segoe UI" panose="020B0502040204020203" pitchFamily="34" charset="0"/>
+              </a:rPr>
+              <a:t> , respectivamente. Estas colecciones definen las características de fila y columna del </a:t>
+            </a:r>
+            <a:r>
+              <a:rPr lang="es-ES" sz="1800" b="0" i="0" dirty="0" err="1">
+                <a:solidFill>
+                  <a:srgbClr val="171717"/>
+                </a:solidFill>
+                <a:effectLst/>
+                <a:latin typeface="Segoe UI" panose="020B0502040204020203" pitchFamily="34" charset="0"/>
+              </a:rPr>
+              <a:t>Grid</a:t>
+            </a:r>
+            <a:r>
+              <a:rPr lang="es-ES" sz="1800" b="0" i="0" dirty="0">
+                <a:solidFill>
+                  <a:srgbClr val="171717"/>
+                </a:solidFill>
+                <a:effectLst/>
+                <a:latin typeface="Segoe UI" panose="020B0502040204020203" pitchFamily="34" charset="0"/>
+              </a:rPr>
+              <a:t> y deben contener un objeto </a:t>
+            </a:r>
+            <a:r>
+              <a:rPr lang="es-ES" sz="1800" b="0" i="0" dirty="0" err="1">
+                <a:solidFill>
+                  <a:srgbClr val="171717"/>
+                </a:solidFill>
+                <a:effectLst/>
+                <a:latin typeface="Segoe UI" panose="020B0502040204020203" pitchFamily="34" charset="0"/>
+              </a:rPr>
+              <a:t>RowDefinition</a:t>
+            </a:r>
+            <a:r>
+              <a:rPr lang="es-ES" sz="1800" b="0" i="0" dirty="0">
+                <a:solidFill>
+                  <a:srgbClr val="171717"/>
+                </a:solidFill>
+                <a:effectLst/>
+                <a:latin typeface="Segoe UI" panose="020B0502040204020203" pitchFamily="34" charset="0"/>
+              </a:rPr>
+              <a:t> para cada fila de </a:t>
+            </a:r>
+            <a:r>
+              <a:rPr lang="es-ES" sz="1800" b="0" i="0" dirty="0" err="1">
+                <a:solidFill>
+                  <a:srgbClr val="171717"/>
+                </a:solidFill>
+                <a:effectLst/>
+                <a:latin typeface="Segoe UI" panose="020B0502040204020203" pitchFamily="34" charset="0"/>
+              </a:rPr>
+              <a:t>Grid</a:t>
+            </a:r>
+            <a:r>
+              <a:rPr lang="es-ES" sz="1800" b="0" i="0" dirty="0">
+                <a:solidFill>
+                  <a:srgbClr val="171717"/>
+                </a:solidFill>
+                <a:effectLst/>
+                <a:latin typeface="Segoe UI" panose="020B0502040204020203" pitchFamily="34" charset="0"/>
+              </a:rPr>
+              <a:t>, y un objeto </a:t>
+            </a:r>
+            <a:r>
+              <a:rPr lang="es-ES" sz="1800" b="0" i="0" dirty="0" err="1">
+                <a:solidFill>
+                  <a:srgbClr val="171717"/>
+                </a:solidFill>
+                <a:effectLst/>
+                <a:latin typeface="Segoe UI" panose="020B0502040204020203" pitchFamily="34" charset="0"/>
+              </a:rPr>
+              <a:t>ColumnDefinition</a:t>
+            </a:r>
+            <a:r>
+              <a:rPr lang="es-ES" sz="1800" b="0" i="0" dirty="0">
+                <a:solidFill>
+                  <a:srgbClr val="171717"/>
+                </a:solidFill>
+                <a:effectLst/>
+                <a:latin typeface="Segoe UI" panose="020B0502040204020203" pitchFamily="34" charset="0"/>
+              </a:rPr>
+              <a:t> para cada columna.</a:t>
+            </a:r>
+          </a:p>
+          <a:p>
+            <a:pPr marL="0" indent="0" algn="l">
+              <a:buNone/>
+            </a:pPr>
+            <a:endParaRPr lang="es-ES" sz="1800" b="0" i="0" dirty="0">
+              <a:solidFill>
+                <a:srgbClr val="171717"/>
+              </a:solidFill>
+              <a:effectLst/>
+              <a:latin typeface="Segoe UI" panose="020B0502040204020203" pitchFamily="34" charset="0"/>
+            </a:endParaRPr>
+          </a:p>
+          <a:p>
+            <a:pPr marL="0" indent="0" algn="l">
+              <a:buNone/>
+            </a:pPr>
+            <a:r>
+              <a:rPr lang="es-ES" sz="1800" b="0" i="0" dirty="0">
+                <a:solidFill>
+                  <a:srgbClr val="171717"/>
+                </a:solidFill>
+                <a:effectLst/>
+                <a:latin typeface="Segoe UI" panose="020B0502040204020203" pitchFamily="34" charset="0"/>
+              </a:rPr>
+              <a:t>La clase </a:t>
+            </a:r>
+            <a:r>
+              <a:rPr lang="es-ES" sz="1800" b="0" i="0" dirty="0" err="1">
+                <a:solidFill>
+                  <a:srgbClr val="171717"/>
+                </a:solidFill>
+                <a:effectLst/>
+                <a:latin typeface="Segoe UI" panose="020B0502040204020203" pitchFamily="34" charset="0"/>
+              </a:rPr>
+              <a:t>RowDefinition</a:t>
+            </a:r>
+            <a:r>
+              <a:rPr lang="es-ES" sz="1800" b="0" i="0" dirty="0">
+                <a:solidFill>
+                  <a:srgbClr val="171717"/>
+                </a:solidFill>
+                <a:effectLst/>
+                <a:latin typeface="Segoe UI" panose="020B0502040204020203" pitchFamily="34" charset="0"/>
+              </a:rPr>
+              <a:t> define una </a:t>
+            </a:r>
+            <a:r>
+              <a:rPr lang="es-ES" sz="1800" b="0" i="0" dirty="0" err="1">
+                <a:solidFill>
+                  <a:srgbClr val="171717"/>
+                </a:solidFill>
+                <a:effectLst/>
+                <a:latin typeface="Segoe UI" panose="020B0502040204020203" pitchFamily="34" charset="0"/>
+              </a:rPr>
+              <a:t>Height</a:t>
+            </a:r>
+            <a:r>
+              <a:rPr lang="es-ES" sz="1800" b="0" i="0" dirty="0">
+                <a:solidFill>
+                  <a:srgbClr val="171717"/>
+                </a:solidFill>
+                <a:effectLst/>
+                <a:latin typeface="Segoe UI" panose="020B0502040204020203" pitchFamily="34" charset="0"/>
+              </a:rPr>
+              <a:t> propiedad, de tipo </a:t>
+            </a:r>
+            <a:r>
+              <a:rPr lang="es-ES" sz="1800" b="0" i="0" dirty="0" err="1">
+                <a:solidFill>
+                  <a:srgbClr val="171717"/>
+                </a:solidFill>
+                <a:effectLst/>
+                <a:latin typeface="Segoe UI" panose="020B0502040204020203" pitchFamily="34" charset="0"/>
+              </a:rPr>
+              <a:t>GridLength</a:t>
+            </a:r>
+            <a:r>
+              <a:rPr lang="es-ES" sz="1800" b="0" i="0" dirty="0">
+                <a:solidFill>
+                  <a:srgbClr val="171717"/>
+                </a:solidFill>
+                <a:effectLst/>
+                <a:latin typeface="Segoe UI" panose="020B0502040204020203" pitchFamily="34" charset="0"/>
+              </a:rPr>
+              <a:t>, y la clase </a:t>
+            </a:r>
+            <a:r>
+              <a:rPr lang="es-ES" sz="1800" b="0" i="0" dirty="0" err="1">
+                <a:solidFill>
+                  <a:srgbClr val="171717"/>
+                </a:solidFill>
+                <a:effectLst/>
+                <a:latin typeface="Segoe UI" panose="020B0502040204020203" pitchFamily="34" charset="0"/>
+              </a:rPr>
+              <a:t>ColumnDefinition</a:t>
+            </a:r>
+            <a:r>
+              <a:rPr lang="es-ES" sz="1800" b="0" i="0" dirty="0">
+                <a:solidFill>
+                  <a:srgbClr val="171717"/>
+                </a:solidFill>
+                <a:effectLst/>
+                <a:latin typeface="Segoe UI" panose="020B0502040204020203" pitchFamily="34" charset="0"/>
+              </a:rPr>
+              <a:t> define una </a:t>
+            </a:r>
+            <a:r>
+              <a:rPr lang="es-ES" sz="1800" b="0" i="0" dirty="0" err="1">
+                <a:solidFill>
+                  <a:srgbClr val="171717"/>
+                </a:solidFill>
+                <a:effectLst/>
+                <a:latin typeface="Segoe UI" panose="020B0502040204020203" pitchFamily="34" charset="0"/>
+              </a:rPr>
+              <a:t>Width</a:t>
+            </a:r>
+            <a:r>
+              <a:rPr lang="es-ES" sz="1800" b="0" i="0" dirty="0">
+                <a:solidFill>
+                  <a:srgbClr val="171717"/>
+                </a:solidFill>
+                <a:effectLst/>
+                <a:latin typeface="Segoe UI" panose="020B0502040204020203" pitchFamily="34" charset="0"/>
+              </a:rPr>
+              <a:t> propiedad de tipo </a:t>
+            </a:r>
+            <a:r>
+              <a:rPr lang="es-ES" sz="1800" b="0" i="0" dirty="0" err="1">
+                <a:solidFill>
+                  <a:srgbClr val="171717"/>
+                </a:solidFill>
+                <a:effectLst/>
+                <a:latin typeface="Segoe UI" panose="020B0502040204020203" pitchFamily="34" charset="0"/>
+              </a:rPr>
+              <a:t>GridLength</a:t>
+            </a:r>
+            <a:r>
+              <a:rPr lang="es-ES" sz="1800" b="0" i="0" dirty="0">
+                <a:solidFill>
+                  <a:srgbClr val="171717"/>
+                </a:solidFill>
+                <a:effectLst/>
+                <a:latin typeface="Segoe UI" panose="020B0502040204020203" pitchFamily="34" charset="0"/>
+              </a:rPr>
+              <a:t>. El </a:t>
+            </a:r>
+            <a:r>
+              <a:rPr lang="es-ES" sz="1800" b="0" i="0" dirty="0" err="1">
+                <a:solidFill>
+                  <a:srgbClr val="171717"/>
+                </a:solidFill>
+                <a:effectLst/>
+                <a:latin typeface="Segoe UI" panose="020B0502040204020203" pitchFamily="34" charset="0"/>
+              </a:rPr>
+              <a:t>GridLength</a:t>
+            </a:r>
+            <a:r>
+              <a:rPr lang="es-ES" sz="1800" b="0" i="0" dirty="0">
+                <a:solidFill>
+                  <a:srgbClr val="171717"/>
+                </a:solidFill>
+                <a:effectLst/>
+                <a:latin typeface="Segoe UI" panose="020B0502040204020203" pitchFamily="34" charset="0"/>
+              </a:rPr>
+              <a:t> </a:t>
+            </a:r>
+            <a:r>
+              <a:rPr lang="es-ES" sz="1800" b="0" i="0" dirty="0" err="1">
+                <a:solidFill>
+                  <a:srgbClr val="171717"/>
+                </a:solidFill>
+                <a:effectLst/>
+                <a:latin typeface="Segoe UI" panose="020B0502040204020203" pitchFamily="34" charset="0"/>
+              </a:rPr>
+              <a:t>struct</a:t>
+            </a:r>
+            <a:r>
+              <a:rPr lang="es-ES" sz="1800" b="0" i="0" dirty="0">
+                <a:solidFill>
+                  <a:srgbClr val="171717"/>
+                </a:solidFill>
+                <a:effectLst/>
+                <a:latin typeface="Segoe UI" panose="020B0502040204020203" pitchFamily="34" charset="0"/>
+              </a:rPr>
+              <a:t> especifica un alto de fila o un ancho de columna en términos de la </a:t>
+            </a:r>
+            <a:r>
+              <a:rPr lang="es-ES" sz="1800" b="0" i="0" dirty="0" err="1">
+                <a:solidFill>
+                  <a:srgbClr val="171717"/>
+                </a:solidFill>
+                <a:effectLst/>
+                <a:latin typeface="Segoe UI" panose="020B0502040204020203" pitchFamily="34" charset="0"/>
+              </a:rPr>
+              <a:t>GridUnitType</a:t>
+            </a:r>
+            <a:r>
+              <a:rPr lang="es-ES" sz="1800" b="0" i="0" dirty="0">
+                <a:solidFill>
+                  <a:srgbClr val="171717"/>
+                </a:solidFill>
+                <a:effectLst/>
+                <a:latin typeface="Segoe UI" panose="020B0502040204020203" pitchFamily="34" charset="0"/>
+              </a:rPr>
+              <a:t> enumeración, que tiene tres miembros:</a:t>
+            </a:r>
+          </a:p>
+          <a:p>
+            <a:pPr marL="0" indent="0" algn="l">
+              <a:buNone/>
+            </a:pPr>
+            <a:endParaRPr lang="es-ES" sz="1800" b="0" i="0" dirty="0">
+              <a:solidFill>
+                <a:srgbClr val="171717"/>
+              </a:solidFill>
+              <a:effectLst/>
+              <a:latin typeface="Segoe UI" panose="020B0502040204020203" pitchFamily="34" charset="0"/>
+            </a:endParaRPr>
+          </a:p>
+          <a:p>
+            <a:r>
+              <a:rPr lang="es-ES" sz="1800" b="1" i="0" dirty="0">
+                <a:solidFill>
+                  <a:srgbClr val="171717"/>
+                </a:solidFill>
+                <a:effectLst/>
+                <a:latin typeface="Segoe UI" panose="020B0502040204020203" pitchFamily="34" charset="0"/>
+              </a:rPr>
+              <a:t>Absoluto</a:t>
+            </a:r>
+            <a:r>
+              <a:rPr lang="es-ES" sz="1800" b="0" i="0" dirty="0">
+                <a:solidFill>
+                  <a:srgbClr val="171717"/>
+                </a:solidFill>
+                <a:effectLst/>
+                <a:latin typeface="Segoe UI" panose="020B0502040204020203" pitchFamily="34" charset="0"/>
+              </a:rPr>
+              <a:t> : el alto de fila o el ancho de columna es un valor en unidades independientes del dispositivo (un número en XAML).</a:t>
+            </a:r>
+          </a:p>
+          <a:p>
+            <a:r>
+              <a:rPr lang="es-ES" sz="1800" b="1" i="0" dirty="0">
+                <a:solidFill>
+                  <a:srgbClr val="171717"/>
+                </a:solidFill>
+                <a:effectLst/>
+                <a:latin typeface="Segoe UI" panose="020B0502040204020203" pitchFamily="34" charset="0"/>
+              </a:rPr>
+              <a:t>Auto</a:t>
+            </a:r>
+            <a:r>
+              <a:rPr lang="es-ES" sz="1800" b="0" i="0" dirty="0">
+                <a:solidFill>
+                  <a:srgbClr val="171717"/>
+                </a:solidFill>
+                <a:effectLst/>
+                <a:latin typeface="Segoe UI" panose="020B0502040204020203" pitchFamily="34" charset="0"/>
+              </a:rPr>
+              <a:t> : el alto de fila o el ancho de columna se ajusta automáticamente en función del contenido de la celda (Auto en XAML).</a:t>
+            </a:r>
+          </a:p>
+          <a:p>
+            <a:r>
+              <a:rPr lang="es-ES" sz="1800" b="1" i="0" dirty="0" err="1">
+                <a:solidFill>
+                  <a:srgbClr val="171717"/>
+                </a:solidFill>
+                <a:effectLst/>
+                <a:latin typeface="Segoe UI" panose="020B0502040204020203" pitchFamily="34" charset="0"/>
+              </a:rPr>
+              <a:t>Star</a:t>
+            </a:r>
+            <a:r>
+              <a:rPr lang="es-ES" sz="1800" b="0" i="0" dirty="0">
+                <a:solidFill>
+                  <a:srgbClr val="171717"/>
+                </a:solidFill>
+                <a:effectLst/>
+                <a:latin typeface="Segoe UI" panose="020B0502040204020203" pitchFamily="34" charset="0"/>
+              </a:rPr>
+              <a:t> : el alto de fila izquierdo o el ancho de columna se asignan proporcionalmente (un número seguido de * en XAML).</a:t>
+            </a:r>
+            <a:endParaRPr lang="es-ES" sz="1800" b="0" dirty="0">
+              <a:solidFill>
+                <a:srgbClr val="171717"/>
+              </a:solidFill>
+              <a:effectLst/>
+              <a:latin typeface="Segoe UI" panose="020B0502040204020203" pitchFamily="34" charset="0"/>
+            </a:endParaRPr>
+          </a:p>
+        </p:txBody>
+      </p:sp>
+    </p:spTree>
+    <p:extLst>
+      <p:ext uri="{BB962C8B-B14F-4D97-AF65-F5344CB8AC3E}">
+        <p14:creationId xmlns:p14="http://schemas.microsoft.com/office/powerpoint/2010/main" val="845276257"/>
       </p:ext>
     </p:extLst>
   </p:cSld>
